--- a/08. Presentaciones/Presentación 10 - 21.11.19.pptx
+++ b/08. Presentaciones/Presentación 10 - 21.11.19.pptx
@@ -5,32 +5,29 @@
     <p:sldMasterId id="2147483696" r:id="rId1"/>
   </p:sldMasterIdLst>
   <p:notesMasterIdLst>
-    <p:notesMasterId r:id="rId22"/>
+    <p:notesMasterId r:id="rId19"/>
   </p:notesMasterIdLst>
   <p:handoutMasterIdLst>
-    <p:handoutMasterId r:id="rId23"/>
+    <p:handoutMasterId r:id="rId20"/>
   </p:handoutMasterIdLst>
   <p:sldIdLst>
     <p:sldId id="277" r:id="rId2"/>
-    <p:sldId id="353" r:id="rId3"/>
-    <p:sldId id="354" r:id="rId4"/>
-    <p:sldId id="355" r:id="rId5"/>
-    <p:sldId id="356" r:id="rId6"/>
-    <p:sldId id="357" r:id="rId7"/>
-    <p:sldId id="289" r:id="rId8"/>
-    <p:sldId id="340" r:id="rId9"/>
-    <p:sldId id="352" r:id="rId10"/>
-    <p:sldId id="351" r:id="rId11"/>
-    <p:sldId id="318" r:id="rId12"/>
-    <p:sldId id="334" r:id="rId13"/>
-    <p:sldId id="343" r:id="rId14"/>
-    <p:sldId id="345" r:id="rId15"/>
-    <p:sldId id="346" r:id="rId16"/>
-    <p:sldId id="347" r:id="rId17"/>
-    <p:sldId id="348" r:id="rId18"/>
-    <p:sldId id="349" r:id="rId19"/>
-    <p:sldId id="350" r:id="rId20"/>
-    <p:sldId id="302" r:id="rId21"/>
+    <p:sldId id="289" r:id="rId3"/>
+    <p:sldId id="353" r:id="rId4"/>
+    <p:sldId id="354" r:id="rId5"/>
+    <p:sldId id="355" r:id="rId6"/>
+    <p:sldId id="356" r:id="rId7"/>
+    <p:sldId id="352" r:id="rId8"/>
+    <p:sldId id="357" r:id="rId9"/>
+    <p:sldId id="358" r:id="rId10"/>
+    <p:sldId id="318" r:id="rId11"/>
+    <p:sldId id="334" r:id="rId12"/>
+    <p:sldId id="343" r:id="rId13"/>
+    <p:sldId id="345" r:id="rId14"/>
+    <p:sldId id="346" r:id="rId15"/>
+    <p:sldId id="347" r:id="rId16"/>
+    <p:sldId id="348" r:id="rId17"/>
+    <p:sldId id="302" r:id="rId18"/>
   </p:sldIdLst>
   <p:sldSz cx="12192000" cy="6858000"/>
   <p:notesSz cx="6858000" cy="9144000"/>
@@ -131,7 +128,7 @@
   </p:defaultTextStyle>
   <p:extLst>
     <p:ext uri="{EFAFB233-063F-42B5-8137-9DF3F51BA10A}">
-      <p15:sldGuideLst xmlns:p15="http://schemas.microsoft.com/office/powerpoint/2012/main" xmlns="">
+      <p15:sldGuideLst xmlns="" xmlns:p15="http://schemas.microsoft.com/office/powerpoint/2012/main">
         <p15:guide id="1" orient="horz" pos="2160">
           <p15:clr>
             <a:srgbClr val="A4A3A4"/>
@@ -234,7 +231,7 @@
             <a:fld id="{47F7A525-2E97-4D11-852B-BF2E493721D5}" type="datetimeFigureOut">
               <a:rPr lang="es-AR" smtClean="0"/>
               <a:pPr/>
-              <a:t>21/11/2019</a:t>
+              <a:t>22/11/2019</a:t>
             </a:fld>
             <a:endParaRPr lang="es-AR"/>
           </a:p>
@@ -405,7 +402,7 @@
             <a:fld id="{0E639192-A93D-48A4-B281-8DA3B2AD5F46}" type="datetimeFigureOut">
               <a:rPr lang="es-AR" smtClean="0"/>
               <a:pPr/>
-              <a:t>21/11/2019</a:t>
+              <a:t>22/11/2019</a:t>
             </a:fld>
             <a:endParaRPr lang="es-AR"/>
           </a:p>
@@ -764,7 +761,7 @@
             <a:fld id="{843DA2E2-D4DA-497B-9B47-16255EA7513A}" type="slidenum">
               <a:rPr lang="es-AR" smtClean="0"/>
               <a:pPr/>
-              <a:t>8</a:t>
+              <a:t>7</a:t>
             </a:fld>
             <a:endParaRPr lang="es-AR"/>
           </a:p>
@@ -773,7 +770,7 @@
     </p:spTree>
     <p:extLst>
       <p:ext uri="{BB962C8B-B14F-4D97-AF65-F5344CB8AC3E}">
-        <p14:creationId xmlns:p14="http://schemas.microsoft.com/office/powerpoint/2010/main" val="4053849653"/>
+        <p14:creationId xmlns:p14="http://schemas.microsoft.com/office/powerpoint/2010/main" val="4014276150"/>
       </p:ext>
     </p:extLst>
   </p:cSld>
@@ -872,223 +869,7 @@
             <a:fld id="{843DA2E2-D4DA-497B-9B47-16255EA7513A}" type="slidenum">
               <a:rPr lang="es-AR" smtClean="0"/>
               <a:pPr/>
-              <a:t>9</a:t>
-            </a:fld>
-            <a:endParaRPr lang="es-AR"/>
-          </a:p>
-        </p:txBody>
-      </p:sp>
-    </p:spTree>
-    <p:extLst>
-      <p:ext uri="{BB962C8B-B14F-4D97-AF65-F5344CB8AC3E}">
-        <p14:creationId xmlns:p14="http://schemas.microsoft.com/office/powerpoint/2010/main" val="4014276150"/>
-      </p:ext>
-    </p:extLst>
-  </p:cSld>
-  <p:clrMapOvr>
-    <a:masterClrMapping/>
-  </p:clrMapOvr>
-</p:notes>
-</file>
-
-<file path=ppt/notesSlides/notesSlide3.xml><?xml version="1.0" encoding="utf-8"?>
-<p:notes xmlns:a="http://schemas.openxmlformats.org/drawingml/2006/main" xmlns:r="http://schemas.openxmlformats.org/officeDocument/2006/relationships" xmlns:p="http://schemas.openxmlformats.org/presentationml/2006/main">
-  <p:cSld>
-    <p:spTree>
-      <p:nvGrpSpPr>
-        <p:cNvPr id="1" name=""/>
-        <p:cNvGrpSpPr/>
-        <p:nvPr/>
-      </p:nvGrpSpPr>
-      <p:grpSpPr>
-        <a:xfrm>
-          <a:off x="0" y="0"/>
-          <a:ext cx="0" cy="0"/>
-          <a:chOff x="0" y="0"/>
-          <a:chExt cx="0" cy="0"/>
-        </a:xfrm>
-      </p:grpSpPr>
-      <p:sp>
-        <p:nvSpPr>
-          <p:cNvPr id="2" name="Marcador de imagen de diapositiva 1"/>
-          <p:cNvSpPr>
-            <a:spLocks noGrp="1" noRot="1" noChangeAspect="1"/>
-          </p:cNvSpPr>
-          <p:nvPr>
-            <p:ph type="sldImg"/>
-          </p:nvPr>
-        </p:nvSpPr>
-        <p:spPr/>
-      </p:sp>
-      <p:sp>
-        <p:nvSpPr>
-          <p:cNvPr id="3" name="Marcador de notas 2"/>
-          <p:cNvSpPr>
-            <a:spLocks noGrp="1"/>
-          </p:cNvSpPr>
-          <p:nvPr>
-            <p:ph type="body" idx="1"/>
-          </p:nvPr>
-        </p:nvSpPr>
-        <p:spPr/>
-        <p:txBody>
-          <a:bodyPr/>
-          <a:lstStyle/>
-          <a:p>
-            <a:endParaRPr lang="es-AR" dirty="0"/>
-          </a:p>
-        </p:txBody>
-      </p:sp>
-      <p:sp>
-        <p:nvSpPr>
-          <p:cNvPr id="4" name="Marcador de encabezado 3"/>
-          <p:cNvSpPr>
-            <a:spLocks noGrp="1"/>
-          </p:cNvSpPr>
-          <p:nvPr>
-            <p:ph type="hdr" sz="quarter" idx="10"/>
-          </p:nvPr>
-        </p:nvSpPr>
-        <p:spPr/>
-        <p:txBody>
-          <a:bodyPr/>
-          <a:lstStyle/>
-          <a:p>
-            <a:r>
-              <a:rPr lang="es-AR" smtClean="0"/>
-              <a:t>Requerimientos</a:t>
-            </a:r>
-            <a:endParaRPr lang="es-AR"/>
-          </a:p>
-        </p:txBody>
-      </p:sp>
-      <p:sp>
-        <p:nvSpPr>
-          <p:cNvPr id="5" name="Marcador de número de diapositiva 4"/>
-          <p:cNvSpPr>
-            <a:spLocks noGrp="1"/>
-          </p:cNvSpPr>
-          <p:nvPr>
-            <p:ph type="sldNum" sz="quarter" idx="11"/>
-          </p:nvPr>
-        </p:nvSpPr>
-        <p:spPr/>
-        <p:txBody>
-          <a:bodyPr/>
-          <a:lstStyle/>
-          <a:p>
-            <a:fld id="{843DA2E2-D4DA-497B-9B47-16255EA7513A}" type="slidenum">
-              <a:rPr lang="es-AR" smtClean="0"/>
-              <a:pPr/>
               <a:t>10</a:t>
-            </a:fld>
-            <a:endParaRPr lang="es-AR"/>
-          </a:p>
-        </p:txBody>
-      </p:sp>
-    </p:spTree>
-    <p:extLst>
-      <p:ext uri="{BB962C8B-B14F-4D97-AF65-F5344CB8AC3E}">
-        <p14:creationId xmlns:p14="http://schemas.microsoft.com/office/powerpoint/2010/main" val="3284346331"/>
-      </p:ext>
-    </p:extLst>
-  </p:cSld>
-  <p:clrMapOvr>
-    <a:masterClrMapping/>
-  </p:clrMapOvr>
-</p:notes>
-</file>
-
-<file path=ppt/notesSlides/notesSlide4.xml><?xml version="1.0" encoding="utf-8"?>
-<p:notes xmlns:a="http://schemas.openxmlformats.org/drawingml/2006/main" xmlns:r="http://schemas.openxmlformats.org/officeDocument/2006/relationships" xmlns:p="http://schemas.openxmlformats.org/presentationml/2006/main">
-  <p:cSld>
-    <p:spTree>
-      <p:nvGrpSpPr>
-        <p:cNvPr id="1" name=""/>
-        <p:cNvGrpSpPr/>
-        <p:nvPr/>
-      </p:nvGrpSpPr>
-      <p:grpSpPr>
-        <a:xfrm>
-          <a:off x="0" y="0"/>
-          <a:ext cx="0" cy="0"/>
-          <a:chOff x="0" y="0"/>
-          <a:chExt cx="0" cy="0"/>
-        </a:xfrm>
-      </p:grpSpPr>
-      <p:sp>
-        <p:nvSpPr>
-          <p:cNvPr id="2" name="Marcador de imagen de diapositiva 1"/>
-          <p:cNvSpPr>
-            <a:spLocks noGrp="1" noRot="1" noChangeAspect="1"/>
-          </p:cNvSpPr>
-          <p:nvPr>
-            <p:ph type="sldImg"/>
-          </p:nvPr>
-        </p:nvSpPr>
-        <p:spPr/>
-      </p:sp>
-      <p:sp>
-        <p:nvSpPr>
-          <p:cNvPr id="3" name="Marcador de notas 2"/>
-          <p:cNvSpPr>
-            <a:spLocks noGrp="1"/>
-          </p:cNvSpPr>
-          <p:nvPr>
-            <p:ph type="body" idx="1"/>
-          </p:nvPr>
-        </p:nvSpPr>
-        <p:spPr/>
-        <p:txBody>
-          <a:bodyPr/>
-          <a:lstStyle/>
-          <a:p>
-            <a:endParaRPr lang="es-AR" dirty="0"/>
-          </a:p>
-        </p:txBody>
-      </p:sp>
-      <p:sp>
-        <p:nvSpPr>
-          <p:cNvPr id="4" name="Marcador de encabezado 3"/>
-          <p:cNvSpPr>
-            <a:spLocks noGrp="1"/>
-          </p:cNvSpPr>
-          <p:nvPr>
-            <p:ph type="hdr" sz="quarter" idx="10"/>
-          </p:nvPr>
-        </p:nvSpPr>
-        <p:spPr/>
-        <p:txBody>
-          <a:bodyPr/>
-          <a:lstStyle/>
-          <a:p>
-            <a:r>
-              <a:rPr lang="es-AR" smtClean="0"/>
-              <a:t>Requerimientos</a:t>
-            </a:r>
-            <a:endParaRPr lang="es-AR"/>
-          </a:p>
-        </p:txBody>
-      </p:sp>
-      <p:sp>
-        <p:nvSpPr>
-          <p:cNvPr id="5" name="Marcador de número de diapositiva 4"/>
-          <p:cNvSpPr>
-            <a:spLocks noGrp="1"/>
-          </p:cNvSpPr>
-          <p:nvPr>
-            <p:ph type="sldNum" sz="quarter" idx="11"/>
-          </p:nvPr>
-        </p:nvSpPr>
-        <p:spPr/>
-        <p:txBody>
-          <a:bodyPr/>
-          <a:lstStyle/>
-          <a:p>
-            <a:fld id="{843DA2E2-D4DA-497B-9B47-16255EA7513A}" type="slidenum">
-              <a:rPr lang="es-AR" smtClean="0"/>
-              <a:pPr/>
-              <a:t>11</a:t>
             </a:fld>
             <a:endParaRPr lang="es-AR"/>
           </a:p>
@@ -1304,7 +1085,7 @@
             <a:fld id="{7E513DC4-B591-40FB-B153-CBE442BAA60B}" type="datetime1">
               <a:rPr lang="es-AR" smtClean="0"/>
               <a:pPr/>
-              <a:t>21/11/2019</a:t>
+              <a:t>22/11/2019</a:t>
             </a:fld>
             <a:endParaRPr lang="es-AR"/>
           </a:p>
@@ -1590,7 +1371,7 @@
             <a:fld id="{BC50A678-796C-47FE-8727-A3AAF49E2D10}" type="datetime1">
               <a:rPr lang="es-AR" smtClean="0"/>
               <a:pPr/>
-              <a:t>21/11/2019</a:t>
+              <a:t>22/11/2019</a:t>
             </a:fld>
             <a:endParaRPr lang="es-AR"/>
           </a:p>
@@ -1787,7 +1568,7 @@
             <a:fld id="{A7AFFB43-0057-44A6-B675-62CD4F9F4EB1}" type="datetime1">
               <a:rPr lang="es-AR" smtClean="0"/>
               <a:pPr/>
-              <a:t>21/11/2019</a:t>
+              <a:t>22/11/2019</a:t>
             </a:fld>
             <a:endParaRPr lang="es-AR"/>
           </a:p>
@@ -2053,7 +1834,7 @@
             <a:fld id="{5107EDD2-3A41-45F7-9798-5F0A42B67A10}" type="datetime1">
               <a:rPr lang="es-AR" smtClean="0"/>
               <a:pPr/>
-              <a:t>21/11/2019</a:t>
+              <a:t>22/11/2019</a:t>
             </a:fld>
             <a:endParaRPr lang="es-AR"/>
           </a:p>
@@ -2484,7 +2265,7 @@
             <a:fld id="{81A405EA-7F97-484B-BB35-211055BB771A}" type="datetime1">
               <a:rPr lang="es-AR" smtClean="0"/>
               <a:pPr/>
-              <a:t>21/11/2019</a:t>
+              <a:t>22/11/2019</a:t>
             </a:fld>
             <a:endParaRPr lang="es-AR"/>
           </a:p>
@@ -3035,7 +2816,7 @@
             <a:fld id="{F7023107-FE31-4245-9D9D-4DAB5BB365BD}" type="datetime1">
               <a:rPr lang="es-AR" smtClean="0"/>
               <a:pPr/>
-              <a:t>21/11/2019</a:t>
+              <a:t>22/11/2019</a:t>
             </a:fld>
             <a:endParaRPr lang="es-AR"/>
           </a:p>
@@ -3871,7 +3652,7 @@
             <a:fld id="{081FCDBA-D78B-4D74-B477-EFCB1BCA6C42}" type="datetime1">
               <a:rPr lang="es-AR" smtClean="0"/>
               <a:pPr/>
-              <a:t>21/11/2019</a:t>
+              <a:t>22/11/2019</a:t>
             </a:fld>
             <a:endParaRPr lang="es-AR"/>
           </a:p>
@@ -4046,7 +3827,7 @@
             <a:fld id="{20EA1D54-2625-4090-9DAD-29AF83AD3B36}" type="datetime1">
               <a:rPr lang="es-AR" smtClean="0"/>
               <a:pPr/>
-              <a:t>21/11/2019</a:t>
+              <a:t>22/11/2019</a:t>
             </a:fld>
             <a:endParaRPr lang="es-AR"/>
           </a:p>
@@ -4231,7 +4012,7 @@
             <a:fld id="{FCD0E364-B94A-4338-BC1C-A73E1F081813}" type="datetime1">
               <a:rPr lang="es-AR" smtClean="0"/>
               <a:pPr/>
-              <a:t>21/11/2019</a:t>
+              <a:t>22/11/2019</a:t>
             </a:fld>
             <a:endParaRPr lang="es-AR"/>
           </a:p>
@@ -4937,7 +4718,7 @@
             <a:fld id="{0FF6B326-0FEE-47B3-9F77-2568F820D807}" type="datetime1">
               <a:rPr lang="es-AR" smtClean="0"/>
               <a:pPr/>
-              <a:t>21/11/2019</a:t>
+              <a:t>22/11/2019</a:t>
             </a:fld>
             <a:endParaRPr lang="es-AR"/>
           </a:p>
@@ -5174,7 +4955,7 @@
             <a:fld id="{913DAB84-C826-40B0-8ED0-39F2ECE4A200}" type="datetime1">
               <a:rPr lang="es-AR" smtClean="0"/>
               <a:pPr/>
-              <a:t>21/11/2019</a:t>
+              <a:t>22/11/2019</a:t>
             </a:fld>
             <a:endParaRPr lang="es-AR"/>
           </a:p>
@@ -5572,7 +5353,7 @@
             <a:fld id="{8C0226C2-DAEC-4136-9DE8-09FC5E3E671E}" type="datetime1">
               <a:rPr lang="es-AR" smtClean="0"/>
               <a:pPr/>
-              <a:t>21/11/2019</a:t>
+              <a:t>22/11/2019</a:t>
             </a:fld>
             <a:endParaRPr lang="es-AR"/>
           </a:p>
@@ -5695,7 +5476,7 @@
             <a:fld id="{53EE9993-8E0B-4913-A57B-F99EBF98A309}" type="datetime1">
               <a:rPr lang="es-AR" smtClean="0"/>
               <a:pPr/>
-              <a:t>21/11/2019</a:t>
+              <a:t>22/11/2019</a:t>
             </a:fld>
             <a:endParaRPr lang="es-AR"/>
           </a:p>
@@ -5795,7 +5576,7 @@
             <a:fld id="{7FC65BA5-BE01-42C7-88A0-5D66E4C25C69}" type="datetime1">
               <a:rPr lang="es-AR" smtClean="0"/>
               <a:pPr/>
-              <a:t>21/11/2019</a:t>
+              <a:t>22/11/2019</a:t>
             </a:fld>
             <a:endParaRPr lang="es-AR"/>
           </a:p>
@@ -6073,7 +5854,7 @@
             <a:fld id="{E3D3AADB-2F64-4CF7-83E3-78E84AD4D110}" type="datetime1">
               <a:rPr lang="es-AR" smtClean="0"/>
               <a:pPr/>
-              <a:t>21/11/2019</a:t>
+              <a:t>22/11/2019</a:t>
             </a:fld>
             <a:endParaRPr lang="es-AR"/>
           </a:p>
@@ -6359,7 +6140,7 @@
             <a:fld id="{C77D2D86-4208-4F35-BB55-BE3504C41488}" type="datetime1">
               <a:rPr lang="es-AR" smtClean="0"/>
               <a:pPr/>
-              <a:t>21/11/2019</a:t>
+              <a:t>22/11/2019</a:t>
             </a:fld>
             <a:endParaRPr lang="es-AR"/>
           </a:p>
@@ -6600,7 +6381,7 @@
             <a:fld id="{1EA277BA-E2F3-4C3D-9E58-E2E890DB98B1}" type="datetime1">
               <a:rPr lang="es-AR" smtClean="0"/>
               <a:pPr/>
-              <a:t>21/11/2019</a:t>
+              <a:t>22/11/2019</a:t>
             </a:fld>
             <a:endParaRPr lang="es-AR"/>
           </a:p>
@@ -7262,25 +7043,7 @@
               <a:rPr lang="es-AR" sz="3200" b="1" dirty="0" smtClean="0">
                 <a:latin typeface="Calibri Light" pitchFamily="34" charset="0"/>
               </a:rPr>
-              <a:t>22 de Noviembre</a:t>
-            </a:r>
-            <a:r>
-              <a:rPr lang="es-AR" sz="3200" b="1" dirty="0" smtClean="0">
-                <a:latin typeface="Calibri Light" pitchFamily="34" charset="0"/>
-              </a:rPr>
-              <a:t> </a:t>
-            </a:r>
-            <a:r>
-              <a:rPr lang="es-AR" sz="3200" b="1" dirty="0" smtClean="0">
-                <a:latin typeface="Calibri Light" pitchFamily="34" charset="0"/>
-              </a:rPr>
-              <a:t>de </a:t>
-            </a:r>
-            <a:r>
-              <a:rPr lang="es-AR" sz="3200" b="1" dirty="0" smtClean="0">
-                <a:latin typeface="Calibri Light" pitchFamily="34" charset="0"/>
-              </a:rPr>
-              <a:t>2019</a:t>
+              <a:t>22 de Noviembre de 2019</a:t>
             </a:r>
             <a:endParaRPr lang="es-AR" sz="3200" b="1" dirty="0">
               <a:latin typeface="Calibri Light" pitchFamily="34" charset="0"/>
@@ -7472,7 +7235,7 @@
           <a:p>
             <a:r>
               <a:rPr lang="es-AR" dirty="0" smtClean="0"/>
-              <a:t>Descripción general</a:t>
+              <a:t>Estado del proyecto</a:t>
             </a:r>
             <a:endParaRPr lang="es-AR" dirty="0"/>
           </a:p>
@@ -7525,97 +7288,484 @@
           </a:p>
         </p:txBody>
       </p:sp>
-      <p:pic>
-        <p:nvPicPr>
-          <p:cNvPr id="7" name="Imagen 6"/>
-          <p:cNvPicPr>
-            <a:picLocks noChangeAspect="1"/>
-          </p:cNvPicPr>
-          <p:nvPr/>
-        </p:nvPicPr>
-        <p:blipFill rotWithShape="1">
-          <a:blip r:embed="rId3"/>
-          <a:srcRect l="34701" t="13099" r="34851"/>
-          <a:stretch/>
-        </p:blipFill>
-        <p:spPr>
-          <a:xfrm>
-            <a:off x="1699145" y="1523639"/>
-            <a:ext cx="3022979" cy="4850762"/>
-          </a:xfrm>
-          <a:prstGeom prst="rect">
-            <a:avLst/>
-          </a:prstGeom>
-          <a:ln>
-            <a:solidFill>
-              <a:schemeClr val="bg1"/>
-            </a:solidFill>
-          </a:ln>
-        </p:spPr>
-      </p:pic>
-      <p:sp>
-        <p:nvSpPr>
-          <p:cNvPr id="9" name="CuadroTexto 8"/>
-          <p:cNvSpPr txBox="1"/>
-          <p:nvPr/>
-        </p:nvSpPr>
-        <p:spPr>
-          <a:xfrm>
-            <a:off x="4722124" y="3180790"/>
-            <a:ext cx="7298555" cy="954107"/>
-          </a:xfrm>
-          <a:prstGeom prst="rect">
-            <a:avLst/>
-          </a:prstGeom>
-          <a:noFill/>
-        </p:spPr>
-        <p:txBody>
-          <a:bodyPr wrap="square" rtlCol="0">
-            <a:spAutoFit/>
-          </a:bodyPr>
-          <a:lstStyle/>
-          <a:p>
-            <a:pPr algn="ctr"/>
-            <a:r>
-              <a:rPr lang="es-AR" sz="2800" dirty="0" smtClean="0">
-                <a:solidFill>
-                  <a:schemeClr val="bg1">
-                    <a:lumMod val="75000"/>
-                    <a:lumOff val="25000"/>
-                  </a:schemeClr>
-                </a:solidFill>
-              </a:rPr>
-              <a:t>Aplicación móvil Tempus</a:t>
-            </a:r>
-          </a:p>
-          <a:p>
-            <a:pPr algn="ctr"/>
-            <a:r>
-              <a:rPr lang="es-AR" sz="2800" dirty="0" smtClean="0">
-                <a:solidFill>
-                  <a:schemeClr val="bg1">
-                    <a:lumMod val="75000"/>
-                    <a:lumOff val="25000"/>
-                  </a:schemeClr>
-                </a:solidFill>
-              </a:rPr>
-              <a:t>Búsqueda de horarios de cursada</a:t>
-            </a:r>
-            <a:endParaRPr lang="es-AR" sz="2800" dirty="0">
-              <a:solidFill>
-                <a:schemeClr val="bg1">
-                  <a:lumMod val="75000"/>
-                  <a:lumOff val="25000"/>
-                </a:schemeClr>
-              </a:solidFill>
-            </a:endParaRPr>
-          </a:p>
-        </p:txBody>
-      </p:sp>
+      <p:graphicFrame>
+        <p:nvGraphicFramePr>
+          <p:cNvPr id="6" name="Tabla 5"/>
+          <p:cNvGraphicFramePr>
+            <a:graphicFrameLocks noGrp="1"/>
+          </p:cNvGraphicFramePr>
+          <p:nvPr>
+            <p:extLst>
+              <p:ext uri="{D42A27DB-BD31-4B8C-83A1-F6EECF244321}">
+                <p14:modId xmlns:p14="http://schemas.microsoft.com/office/powerpoint/2010/main" val="208644761"/>
+              </p:ext>
+            </p:extLst>
+          </p:nvPr>
+        </p:nvGraphicFramePr>
+        <p:xfrm>
+          <a:off x="875241" y="1733269"/>
+          <a:ext cx="10396024" cy="4476465"/>
+        </p:xfrm>
+        <a:graphic>
+          <a:graphicData uri="http://schemas.openxmlformats.org/drawingml/2006/table">
+            <a:tbl>
+              <a:tblPr firstRow="1" bandRow="1">
+                <a:tableStyleId>{6E25E649-3F16-4E02-A733-19D2CDBF48F0}</a:tableStyleId>
+              </a:tblPr>
+              <a:tblGrid>
+                <a:gridCol w="4447386"/>
+                <a:gridCol w="5948638"/>
+              </a:tblGrid>
+              <a:tr h="497385">
+                <a:tc>
+                  <a:txBody>
+                    <a:bodyPr/>
+                    <a:lstStyle/>
+                    <a:p>
+                      <a:pPr algn="ctr"/>
+                      <a:r>
+                        <a:rPr lang="es-AR" sz="2200" dirty="0" smtClean="0">
+                          <a:solidFill>
+                            <a:schemeClr val="bg1"/>
+                          </a:solidFill>
+                        </a:rPr>
+                        <a:t>Información</a:t>
+                      </a:r>
+                      <a:endParaRPr lang="es-AR" sz="2200" dirty="0">
+                        <a:solidFill>
+                          <a:schemeClr val="bg1"/>
+                        </a:solidFill>
+                      </a:endParaRPr>
+                    </a:p>
+                  </a:txBody>
+                  <a:tcPr marL="109930" marR="109930" marT="54965" marB="54965"/>
+                </a:tc>
+                <a:tc>
+                  <a:txBody>
+                    <a:bodyPr/>
+                    <a:lstStyle/>
+                    <a:p>
+                      <a:pPr algn="ctr"/>
+                      <a:r>
+                        <a:rPr lang="es-AR" sz="2200" dirty="0" smtClean="0">
+                          <a:solidFill>
+                            <a:schemeClr val="bg1"/>
+                          </a:solidFill>
+                        </a:rPr>
+                        <a:t>Detalle</a:t>
+                      </a:r>
+                      <a:endParaRPr lang="es-AR" sz="2200" dirty="0">
+                        <a:solidFill>
+                          <a:schemeClr val="bg1"/>
+                        </a:solidFill>
+                      </a:endParaRPr>
+                    </a:p>
+                  </a:txBody>
+                  <a:tcPr marL="109930" marR="109930" marT="54965" marB="54965"/>
+                </a:tc>
+              </a:tr>
+              <a:tr h="497385">
+                <a:tc>
+                  <a:txBody>
+                    <a:bodyPr/>
+                    <a:lstStyle/>
+                    <a:p>
+                      <a:r>
+                        <a:rPr lang="es-AR" sz="2200" dirty="0" smtClean="0"/>
+                        <a:t>Estimación inicial</a:t>
+                      </a:r>
+                      <a:endParaRPr lang="es-AR" sz="2200" dirty="0"/>
+                    </a:p>
+                  </a:txBody>
+                  <a:tcPr marL="109930" marR="109930" marT="54965" marB="54965"/>
+                </a:tc>
+                <a:tc>
+                  <a:txBody>
+                    <a:bodyPr/>
+                    <a:lstStyle/>
+                    <a:p>
+                      <a:pPr algn="l"/>
+                      <a:r>
+                        <a:rPr lang="es-AR" sz="2200" dirty="0" smtClean="0"/>
+                        <a:t>1</a:t>
+                      </a:r>
+                      <a:r>
+                        <a:rPr lang="es-AR" sz="2200" baseline="0" dirty="0" smtClean="0"/>
+                        <a:t> año y 3 meses</a:t>
+                      </a:r>
+                      <a:endParaRPr lang="es-AR" sz="2200" dirty="0"/>
+                    </a:p>
+                  </a:txBody>
+                  <a:tcPr marL="109930" marR="109930" marT="54965" marB="54965"/>
+                </a:tc>
+              </a:tr>
+              <a:tr h="497385">
+                <a:tc>
+                  <a:txBody>
+                    <a:bodyPr/>
+                    <a:lstStyle/>
+                    <a:p>
+                      <a:r>
+                        <a:rPr lang="es-AR" sz="2200" dirty="0" smtClean="0"/>
+                        <a:t>Tiempo</a:t>
+                      </a:r>
+                      <a:r>
+                        <a:rPr lang="es-AR" sz="2200" baseline="0" dirty="0" smtClean="0"/>
+                        <a:t> trabajado</a:t>
+                      </a:r>
+                      <a:endParaRPr lang="es-AR" sz="2200" dirty="0"/>
+                    </a:p>
+                  </a:txBody>
+                  <a:tcPr marL="109930" marR="109930" marT="54965" marB="54965"/>
+                </a:tc>
+                <a:tc>
+                  <a:txBody>
+                    <a:bodyPr/>
+                    <a:lstStyle/>
+                    <a:p>
+                      <a:pPr algn="l"/>
+                      <a:r>
+                        <a:rPr lang="es-AR" sz="2200" dirty="0" smtClean="0"/>
+                        <a:t>3 meses y 1 semana (18-Ago-17</a:t>
+                      </a:r>
+                      <a:r>
+                        <a:rPr lang="es-AR" sz="2200" baseline="0" dirty="0" smtClean="0"/>
+                        <a:t> al 24-Nov-17</a:t>
+                      </a:r>
+                      <a:r>
+                        <a:rPr lang="es-AR" sz="2200" dirty="0" smtClean="0"/>
+                        <a:t>)</a:t>
+                      </a:r>
+                      <a:endParaRPr lang="es-AR" sz="2200" dirty="0"/>
+                    </a:p>
+                  </a:txBody>
+                  <a:tcPr marL="109930" marR="109930" marT="54965" marB="54965"/>
+                </a:tc>
+              </a:tr>
+              <a:tr h="497385">
+                <a:tc>
+                  <a:txBody>
+                    <a:bodyPr/>
+                    <a:lstStyle/>
+                    <a:p>
+                      <a:pPr marL="0" marR="0" lvl="0" indent="0" algn="l" defTabSz="914400" rtl="0" eaLnBrk="1" fontAlgn="auto" latinLnBrk="0" hangingPunct="1">
+                        <a:lnSpc>
+                          <a:spcPct val="100000"/>
+                        </a:lnSpc>
+                        <a:spcBef>
+                          <a:spcPts val="0"/>
+                        </a:spcBef>
+                        <a:spcAft>
+                          <a:spcPts val="0"/>
+                        </a:spcAft>
+                        <a:buClrTx/>
+                        <a:buSzTx/>
+                        <a:buFontTx/>
+                        <a:buNone/>
+                        <a:tabLst/>
+                        <a:defRPr/>
+                      </a:pPr>
+                      <a:r>
+                        <a:rPr lang="es-AR" sz="2200" dirty="0" smtClean="0"/>
+                        <a:t>Ultima estimación (N°</a:t>
+                      </a:r>
+                      <a:r>
+                        <a:rPr lang="es-AR" sz="2200" baseline="0" dirty="0" smtClean="0"/>
+                        <a:t> 4</a:t>
+                      </a:r>
+                      <a:r>
+                        <a:rPr lang="es-AR" sz="2200" dirty="0" smtClean="0"/>
+                        <a:t>)</a:t>
+                      </a:r>
+                    </a:p>
+                  </a:txBody>
+                  <a:tcPr marL="109930" marR="109930" marT="54965" marB="54965"/>
+                </a:tc>
+                <a:tc>
+                  <a:txBody>
+                    <a:bodyPr/>
+                    <a:lstStyle/>
+                    <a:p>
+                      <a:pPr algn="l"/>
+                      <a:r>
+                        <a:rPr lang="es-AR" sz="2200" dirty="0" smtClean="0"/>
+                        <a:t>4 meses</a:t>
+                      </a:r>
+                      <a:r>
+                        <a:rPr lang="es-AR" sz="2200" baseline="0" dirty="0" smtClean="0"/>
+                        <a:t> y 3 semanas</a:t>
+                      </a:r>
+                      <a:endParaRPr lang="es-AR" sz="2200" dirty="0"/>
+                    </a:p>
+                  </a:txBody>
+                  <a:tcPr marL="109930" marR="109930" marT="54965" marB="54965"/>
+                </a:tc>
+              </a:tr>
+              <a:tr h="497385">
+                <a:tc>
+                  <a:txBody>
+                    <a:bodyPr/>
+                    <a:lstStyle/>
+                    <a:p>
+                      <a:r>
+                        <a:rPr lang="es-AR" sz="2200" dirty="0" smtClean="0"/>
+                        <a:t>Ultima presentación</a:t>
+                      </a:r>
+                      <a:endParaRPr lang="es-AR" sz="2200" dirty="0"/>
+                    </a:p>
+                  </a:txBody>
+                  <a:tcPr marL="109930" marR="109930" marT="54965" marB="54965"/>
+                </a:tc>
+                <a:tc>
+                  <a:txBody>
+                    <a:bodyPr/>
+                    <a:lstStyle/>
+                    <a:p>
+                      <a:pPr algn="l"/>
+                      <a:r>
+                        <a:rPr lang="es-AR" sz="2200" dirty="0" smtClean="0"/>
+                        <a:t>24-Nov-17</a:t>
+                      </a:r>
+                      <a:endParaRPr lang="es-AR" sz="2200" dirty="0"/>
+                    </a:p>
+                  </a:txBody>
+                  <a:tcPr marL="109930" marR="109930" marT="54965" marB="54965"/>
+                </a:tc>
+              </a:tr>
+              <a:tr h="497385">
+                <a:tc>
+                  <a:txBody>
+                    <a:bodyPr/>
+                    <a:lstStyle/>
+                    <a:p>
+                      <a:r>
+                        <a:rPr lang="es-AR" sz="2200" dirty="0" smtClean="0"/>
+                        <a:t>Fase</a:t>
+                      </a:r>
+                      <a:endParaRPr lang="es-AR" sz="2200" dirty="0"/>
+                    </a:p>
+                  </a:txBody>
+                  <a:tcPr marL="109930" marR="109930" marT="54965" marB="54965"/>
+                </a:tc>
+                <a:tc>
+                  <a:txBody>
+                    <a:bodyPr/>
+                    <a:lstStyle/>
+                    <a:p>
+                      <a:pPr marL="0" marR="0" lvl="0" indent="0" algn="l" defTabSz="914400" rtl="0" eaLnBrk="1" fontAlgn="auto" latinLnBrk="0" hangingPunct="1">
+                        <a:lnSpc>
+                          <a:spcPct val="100000"/>
+                        </a:lnSpc>
+                        <a:spcBef>
+                          <a:spcPts val="0"/>
+                        </a:spcBef>
+                        <a:spcAft>
+                          <a:spcPts val="0"/>
+                        </a:spcAft>
+                        <a:buClrTx/>
+                        <a:buSzTx/>
+                        <a:buFontTx/>
+                        <a:buNone/>
+                        <a:tabLst/>
+                        <a:defRPr/>
+                      </a:pPr>
+                      <a:r>
+                        <a:rPr lang="es-AR" sz="2200" dirty="0" smtClean="0"/>
+                        <a:t>Construcción</a:t>
+                      </a:r>
+                    </a:p>
+                  </a:txBody>
+                  <a:tcPr marL="109930" marR="109930" marT="54965" marB="54965"/>
+                </a:tc>
+              </a:tr>
+              <a:tr h="497385">
+                <a:tc>
+                  <a:txBody>
+                    <a:bodyPr/>
+                    <a:lstStyle/>
+                    <a:p>
+                      <a:r>
+                        <a:rPr lang="es-AR" sz="2200" dirty="0" smtClean="0"/>
+                        <a:t>Iteración</a:t>
+                      </a:r>
+                      <a:endParaRPr lang="es-AR" sz="2200" dirty="0"/>
+                    </a:p>
+                  </a:txBody>
+                  <a:tcPr marL="109930" marR="109930" marT="54965" marB="54965"/>
+                </a:tc>
+                <a:tc>
+                  <a:txBody>
+                    <a:bodyPr/>
+                    <a:lstStyle/>
+                    <a:p>
+                      <a:pPr marL="0" marR="0" lvl="0" indent="0" algn="l" defTabSz="914400" rtl="0" eaLnBrk="1" fontAlgn="auto" latinLnBrk="0" hangingPunct="1">
+                        <a:lnSpc>
+                          <a:spcPct val="100000"/>
+                        </a:lnSpc>
+                        <a:spcBef>
+                          <a:spcPts val="0"/>
+                        </a:spcBef>
+                        <a:spcAft>
+                          <a:spcPts val="0"/>
+                        </a:spcAft>
+                        <a:buClrTx/>
+                        <a:buSzTx/>
+                        <a:buFontTx/>
+                        <a:buNone/>
+                        <a:tabLst/>
+                        <a:defRPr/>
+                      </a:pPr>
+                      <a:r>
+                        <a:rPr lang="es-AR" sz="2200" dirty="0" smtClean="0"/>
+                        <a:t>N°</a:t>
+                      </a:r>
+                      <a:r>
+                        <a:rPr lang="es-AR" sz="2200" baseline="0" dirty="0" smtClean="0"/>
+                        <a:t> 3 (14-Nov-17 al 23-Nov-17)</a:t>
+                      </a:r>
+                      <a:endParaRPr lang="es-AR" sz="2200" dirty="0" smtClean="0"/>
+                    </a:p>
+                  </a:txBody>
+                  <a:tcPr marL="109930" marR="109930" marT="54965" marB="54965"/>
+                </a:tc>
+              </a:tr>
+              <a:tr h="497385">
+                <a:tc>
+                  <a:txBody>
+                    <a:bodyPr/>
+                    <a:lstStyle/>
+                    <a:p>
+                      <a:pPr marL="0" marR="0" lvl="0" indent="0" algn="l" defTabSz="914400" rtl="0" eaLnBrk="1" fontAlgn="auto" latinLnBrk="0" hangingPunct="1">
+                        <a:lnSpc>
+                          <a:spcPct val="100000"/>
+                        </a:lnSpc>
+                        <a:spcBef>
+                          <a:spcPts val="0"/>
+                        </a:spcBef>
+                        <a:spcAft>
+                          <a:spcPts val="0"/>
+                        </a:spcAft>
+                        <a:buClrTx/>
+                        <a:buSzTx/>
+                        <a:buFontTx/>
+                        <a:buNone/>
+                        <a:tabLst/>
+                        <a:defRPr/>
+                      </a:pPr>
+                      <a:r>
+                        <a:rPr lang="es-AR" sz="2200" dirty="0" smtClean="0"/>
+                        <a:t>Ultima revisión del repositorio</a:t>
+                      </a:r>
+                    </a:p>
+                  </a:txBody>
+                  <a:tcPr marL="109930" marR="109930" marT="54965" marB="54965"/>
+                </a:tc>
+                <a:tc>
+                  <a:txBody>
+                    <a:bodyPr/>
+                    <a:lstStyle/>
+                    <a:p>
+                      <a:pPr marL="0" marR="0" lvl="0" indent="0" algn="l" defTabSz="914400" rtl="0" eaLnBrk="1" fontAlgn="auto" latinLnBrk="0" hangingPunct="1">
+                        <a:lnSpc>
+                          <a:spcPct val="100000"/>
+                        </a:lnSpc>
+                        <a:spcBef>
+                          <a:spcPts val="0"/>
+                        </a:spcBef>
+                        <a:spcAft>
+                          <a:spcPts val="0"/>
+                        </a:spcAft>
+                        <a:buClrTx/>
+                        <a:buSzTx/>
+                        <a:buFontTx/>
+                        <a:buNone/>
+                        <a:tabLst/>
+                        <a:defRPr/>
+                      </a:pPr>
+                      <a:r>
+                        <a:rPr lang="es-AR" sz="2200" dirty="0" smtClean="0"/>
+                        <a:t>365</a:t>
+                      </a:r>
+                      <a:r>
+                        <a:rPr lang="es-AR" sz="2200" baseline="0" dirty="0" smtClean="0"/>
+                        <a:t> (26-Nov-17)</a:t>
+                      </a:r>
+                      <a:endParaRPr lang="es-AR" sz="2200" dirty="0" smtClean="0"/>
+                    </a:p>
+                  </a:txBody>
+                  <a:tcPr marL="109930" marR="109930" marT="54965" marB="54965"/>
+                </a:tc>
+              </a:tr>
+              <a:tr h="497385">
+                <a:tc>
+                  <a:txBody>
+                    <a:bodyPr/>
+                    <a:lstStyle/>
+                    <a:p>
+                      <a:pPr marL="0" marR="0" lvl="0" indent="0" algn="l" defTabSz="914400" rtl="0" eaLnBrk="1" fontAlgn="auto" latinLnBrk="0" hangingPunct="1">
+                        <a:lnSpc>
+                          <a:spcPct val="100000"/>
+                        </a:lnSpc>
+                        <a:spcBef>
+                          <a:spcPts val="0"/>
+                        </a:spcBef>
+                        <a:spcAft>
+                          <a:spcPts val="0"/>
+                        </a:spcAft>
+                        <a:buClrTx/>
+                        <a:buSzTx/>
+                        <a:buFontTx/>
+                        <a:buNone/>
+                        <a:tabLst/>
+                        <a:defRPr/>
+                      </a:pPr>
+                      <a:r>
+                        <a:rPr lang="es-AR" sz="2200" dirty="0" smtClean="0"/>
+                        <a:t>Reanudación del proyecto</a:t>
+                      </a:r>
+                    </a:p>
+                  </a:txBody>
+                  <a:tcPr marL="109930" marR="109930" marT="54965" marB="54965"/>
+                </a:tc>
+                <a:tc>
+                  <a:txBody>
+                    <a:bodyPr/>
+                    <a:lstStyle/>
+                    <a:p>
+                      <a:pPr marL="0" marR="0" lvl="0" indent="0" algn="l" defTabSz="914400" rtl="0" eaLnBrk="1" fontAlgn="auto" latinLnBrk="0" hangingPunct="1">
+                        <a:lnSpc>
+                          <a:spcPct val="100000"/>
+                        </a:lnSpc>
+                        <a:spcBef>
+                          <a:spcPts val="0"/>
+                        </a:spcBef>
+                        <a:spcAft>
+                          <a:spcPts val="0"/>
+                        </a:spcAft>
+                        <a:buClrTx/>
+                        <a:buSzTx/>
+                        <a:buFontTx/>
+                        <a:buNone/>
+                        <a:tabLst/>
+                        <a:defRPr/>
+                      </a:pPr>
+                      <a:r>
+                        <a:rPr lang="es-AR" sz="2200" dirty="0" smtClean="0"/>
+                        <a:t>17-Ago-18</a:t>
+                      </a:r>
+                    </a:p>
+                  </a:txBody>
+                  <a:tcPr marL="109930" marR="109930" marT="54965" marB="54965"/>
+                </a:tc>
+              </a:tr>
+            </a:tbl>
+          </a:graphicData>
+        </a:graphic>
+      </p:graphicFrame>
     </p:spTree>
     <p:extLst>
       <p:ext uri="{BB962C8B-B14F-4D97-AF65-F5344CB8AC3E}">
-        <p14:creationId xmlns:p14="http://schemas.microsoft.com/office/powerpoint/2010/main" val="740449660"/>
+        <p14:creationId xmlns:p14="http://schemas.microsoft.com/office/powerpoint/2010/main" val="4120856557"/>
       </p:ext>
     </p:extLst>
   </p:cSld>
@@ -7663,7 +7813,7 @@
       </p:grpSpPr>
       <p:sp>
         <p:nvSpPr>
-          <p:cNvPr id="3" name="2 Título"/>
+          <p:cNvPr id="3" name="Título 2"/>
           <p:cNvSpPr>
             <a:spLocks noGrp="1"/>
           </p:cNvSpPr>
@@ -7686,7 +7836,7 @@
       </p:sp>
       <p:sp>
         <p:nvSpPr>
-          <p:cNvPr id="4" name="3 Marcador de pie de página"/>
+          <p:cNvPr id="4" name="Marcador de pie de página 3"/>
           <p:cNvSpPr>
             <a:spLocks noGrp="1"/>
           </p:cNvSpPr>
@@ -7700,16 +7850,16 @@
           <a:lstStyle/>
           <a:p>
             <a:r>
-              <a:rPr lang="es-AR" sz="1600" dirty="0" smtClean="0"/>
-              <a:t>OYARZO Mariela – QUIROGA Sandra – MÁRQUEZ Emanuel</a:t>
-            </a:r>
-            <a:endParaRPr lang="es-AR" sz="1600" dirty="0"/>
-          </a:p>
-        </p:txBody>
-      </p:sp>
-      <p:sp>
-        <p:nvSpPr>
-          <p:cNvPr id="5" name="4 Marcador de número de diapositiva"/>
+              <a:rPr lang="es-AR" smtClean="0"/>
+              <a:t>OYARZO Mariela – QUIROGA Sandra – MÁRQUEZ EMANUEL</a:t>
+            </a:r>
+            <a:endParaRPr lang="es-AR" dirty="0"/>
+          </a:p>
+        </p:txBody>
+      </p:sp>
+      <p:sp>
+        <p:nvSpPr>
+          <p:cNvPr id="5" name="Marcador de número de diapositiva 4"/>
           <p:cNvSpPr>
             <a:spLocks noGrp="1"/>
           </p:cNvSpPr>
@@ -7726,599 +7876,6 @@
               <a:rPr lang="es-AR" smtClean="0"/>
               <a:pPr/>
               <a:t>11</a:t>
-            </a:fld>
-            <a:endParaRPr lang="es-AR" dirty="0"/>
-          </a:p>
-        </p:txBody>
-      </p:sp>
-      <p:graphicFrame>
-        <p:nvGraphicFramePr>
-          <p:cNvPr id="6" name="Tabla 5"/>
-          <p:cNvGraphicFramePr>
-            <a:graphicFrameLocks noGrp="1"/>
-          </p:cNvGraphicFramePr>
-          <p:nvPr>
-            <p:extLst>
-              <p:ext uri="{D42A27DB-BD31-4B8C-83A1-F6EECF244321}">
-                <p14:modId xmlns:p14="http://schemas.microsoft.com/office/powerpoint/2010/main" val="208644761"/>
-              </p:ext>
-            </p:extLst>
-          </p:nvPr>
-        </p:nvGraphicFramePr>
-        <p:xfrm>
-          <a:off x="875241" y="1733269"/>
-          <a:ext cx="10396024" cy="4476465"/>
-        </p:xfrm>
-        <a:graphic>
-          <a:graphicData uri="http://schemas.openxmlformats.org/drawingml/2006/table">
-            <a:tbl>
-              <a:tblPr firstRow="1" bandRow="1">
-                <a:tableStyleId>{6E25E649-3F16-4E02-A733-19D2CDBF48F0}</a:tableStyleId>
-              </a:tblPr>
-              <a:tblGrid>
-                <a:gridCol w="4447386"/>
-                <a:gridCol w="5948638"/>
-              </a:tblGrid>
-              <a:tr h="497385">
-                <a:tc>
-                  <a:txBody>
-                    <a:bodyPr/>
-                    <a:lstStyle/>
-                    <a:p>
-                      <a:pPr algn="ctr"/>
-                      <a:r>
-                        <a:rPr lang="es-AR" sz="2200" dirty="0" smtClean="0">
-                          <a:solidFill>
-                            <a:schemeClr val="bg1"/>
-                          </a:solidFill>
-                        </a:rPr>
-                        <a:t>Información</a:t>
-                      </a:r>
-                      <a:endParaRPr lang="es-AR" sz="2200" dirty="0">
-                        <a:solidFill>
-                          <a:schemeClr val="bg1"/>
-                        </a:solidFill>
-                      </a:endParaRPr>
-                    </a:p>
-                  </a:txBody>
-                  <a:tcPr marL="109930" marR="109930" marT="54965" marB="54965"/>
-                </a:tc>
-                <a:tc>
-                  <a:txBody>
-                    <a:bodyPr/>
-                    <a:lstStyle/>
-                    <a:p>
-                      <a:pPr algn="ctr"/>
-                      <a:r>
-                        <a:rPr lang="es-AR" sz="2200" dirty="0" smtClean="0">
-                          <a:solidFill>
-                            <a:schemeClr val="bg1"/>
-                          </a:solidFill>
-                        </a:rPr>
-                        <a:t>Detalle</a:t>
-                      </a:r>
-                      <a:endParaRPr lang="es-AR" sz="2200" dirty="0">
-                        <a:solidFill>
-                          <a:schemeClr val="bg1"/>
-                        </a:solidFill>
-                      </a:endParaRPr>
-                    </a:p>
-                  </a:txBody>
-                  <a:tcPr marL="109930" marR="109930" marT="54965" marB="54965"/>
-                </a:tc>
-              </a:tr>
-              <a:tr h="497385">
-                <a:tc>
-                  <a:txBody>
-                    <a:bodyPr/>
-                    <a:lstStyle/>
-                    <a:p>
-                      <a:r>
-                        <a:rPr lang="es-AR" sz="2200" dirty="0" smtClean="0"/>
-                        <a:t>Estimación inicial</a:t>
-                      </a:r>
-                      <a:endParaRPr lang="es-AR" sz="2200" dirty="0"/>
-                    </a:p>
-                  </a:txBody>
-                  <a:tcPr marL="109930" marR="109930" marT="54965" marB="54965"/>
-                </a:tc>
-                <a:tc>
-                  <a:txBody>
-                    <a:bodyPr/>
-                    <a:lstStyle/>
-                    <a:p>
-                      <a:pPr algn="l"/>
-                      <a:r>
-                        <a:rPr lang="es-AR" sz="2200" dirty="0" smtClean="0"/>
-                        <a:t>1</a:t>
-                      </a:r>
-                      <a:r>
-                        <a:rPr lang="es-AR" sz="2200" baseline="0" dirty="0" smtClean="0"/>
-                        <a:t> año y 3 meses</a:t>
-                      </a:r>
-                      <a:endParaRPr lang="es-AR" sz="2200" dirty="0"/>
-                    </a:p>
-                  </a:txBody>
-                  <a:tcPr marL="109930" marR="109930" marT="54965" marB="54965"/>
-                </a:tc>
-              </a:tr>
-              <a:tr h="497385">
-                <a:tc>
-                  <a:txBody>
-                    <a:bodyPr/>
-                    <a:lstStyle/>
-                    <a:p>
-                      <a:r>
-                        <a:rPr lang="es-AR" sz="2200" dirty="0" smtClean="0"/>
-                        <a:t>Tiempo</a:t>
-                      </a:r>
-                      <a:r>
-                        <a:rPr lang="es-AR" sz="2200" baseline="0" dirty="0" smtClean="0"/>
-                        <a:t> trabajado</a:t>
-                      </a:r>
-                      <a:endParaRPr lang="es-AR" sz="2200" dirty="0"/>
-                    </a:p>
-                  </a:txBody>
-                  <a:tcPr marL="109930" marR="109930" marT="54965" marB="54965"/>
-                </a:tc>
-                <a:tc>
-                  <a:txBody>
-                    <a:bodyPr/>
-                    <a:lstStyle/>
-                    <a:p>
-                      <a:pPr algn="l"/>
-                      <a:r>
-                        <a:rPr lang="es-AR" sz="2200" dirty="0" smtClean="0"/>
-                        <a:t>3 meses y 1 semana (18-Ago-17</a:t>
-                      </a:r>
-                      <a:r>
-                        <a:rPr lang="es-AR" sz="2200" baseline="0" dirty="0" smtClean="0"/>
-                        <a:t> al 24-Nov-17</a:t>
-                      </a:r>
-                      <a:r>
-                        <a:rPr lang="es-AR" sz="2200" dirty="0" smtClean="0"/>
-                        <a:t>)</a:t>
-                      </a:r>
-                      <a:endParaRPr lang="es-AR" sz="2200" dirty="0"/>
-                    </a:p>
-                  </a:txBody>
-                  <a:tcPr marL="109930" marR="109930" marT="54965" marB="54965"/>
-                </a:tc>
-              </a:tr>
-              <a:tr h="497385">
-                <a:tc>
-                  <a:txBody>
-                    <a:bodyPr/>
-                    <a:lstStyle/>
-                    <a:p>
-                      <a:pPr marL="0" marR="0" lvl="0" indent="0" algn="l" defTabSz="914400" rtl="0" eaLnBrk="1" fontAlgn="auto" latinLnBrk="0" hangingPunct="1">
-                        <a:lnSpc>
-                          <a:spcPct val="100000"/>
-                        </a:lnSpc>
-                        <a:spcBef>
-                          <a:spcPts val="0"/>
-                        </a:spcBef>
-                        <a:spcAft>
-                          <a:spcPts val="0"/>
-                        </a:spcAft>
-                        <a:buClrTx/>
-                        <a:buSzTx/>
-                        <a:buFontTx/>
-                        <a:buNone/>
-                        <a:tabLst/>
-                        <a:defRPr/>
-                      </a:pPr>
-                      <a:r>
-                        <a:rPr lang="es-AR" sz="2200" dirty="0" smtClean="0"/>
-                        <a:t>Ultima estimación (N°</a:t>
-                      </a:r>
-                      <a:r>
-                        <a:rPr lang="es-AR" sz="2200" baseline="0" dirty="0" smtClean="0"/>
-                        <a:t> 4</a:t>
-                      </a:r>
-                      <a:r>
-                        <a:rPr lang="es-AR" sz="2200" dirty="0" smtClean="0"/>
-                        <a:t>)</a:t>
-                      </a:r>
-                    </a:p>
-                  </a:txBody>
-                  <a:tcPr marL="109930" marR="109930" marT="54965" marB="54965"/>
-                </a:tc>
-                <a:tc>
-                  <a:txBody>
-                    <a:bodyPr/>
-                    <a:lstStyle/>
-                    <a:p>
-                      <a:pPr algn="l"/>
-                      <a:r>
-                        <a:rPr lang="es-AR" sz="2200" dirty="0" smtClean="0"/>
-                        <a:t>4 meses</a:t>
-                      </a:r>
-                      <a:r>
-                        <a:rPr lang="es-AR" sz="2200" baseline="0" dirty="0" smtClean="0"/>
-                        <a:t> y 3 semanas</a:t>
-                      </a:r>
-                      <a:endParaRPr lang="es-AR" sz="2200" dirty="0"/>
-                    </a:p>
-                  </a:txBody>
-                  <a:tcPr marL="109930" marR="109930" marT="54965" marB="54965"/>
-                </a:tc>
-              </a:tr>
-              <a:tr h="497385">
-                <a:tc>
-                  <a:txBody>
-                    <a:bodyPr/>
-                    <a:lstStyle/>
-                    <a:p>
-                      <a:r>
-                        <a:rPr lang="es-AR" sz="2200" dirty="0" smtClean="0"/>
-                        <a:t>Ultima presentación</a:t>
-                      </a:r>
-                      <a:endParaRPr lang="es-AR" sz="2200" dirty="0"/>
-                    </a:p>
-                  </a:txBody>
-                  <a:tcPr marL="109930" marR="109930" marT="54965" marB="54965"/>
-                </a:tc>
-                <a:tc>
-                  <a:txBody>
-                    <a:bodyPr/>
-                    <a:lstStyle/>
-                    <a:p>
-                      <a:pPr algn="l"/>
-                      <a:r>
-                        <a:rPr lang="es-AR" sz="2200" dirty="0" smtClean="0"/>
-                        <a:t>24-Nov-17</a:t>
-                      </a:r>
-                      <a:endParaRPr lang="es-AR" sz="2200" dirty="0"/>
-                    </a:p>
-                  </a:txBody>
-                  <a:tcPr marL="109930" marR="109930" marT="54965" marB="54965"/>
-                </a:tc>
-              </a:tr>
-              <a:tr h="497385">
-                <a:tc>
-                  <a:txBody>
-                    <a:bodyPr/>
-                    <a:lstStyle/>
-                    <a:p>
-                      <a:r>
-                        <a:rPr lang="es-AR" sz="2200" dirty="0" smtClean="0"/>
-                        <a:t>Fase</a:t>
-                      </a:r>
-                      <a:endParaRPr lang="es-AR" sz="2200" dirty="0"/>
-                    </a:p>
-                  </a:txBody>
-                  <a:tcPr marL="109930" marR="109930" marT="54965" marB="54965"/>
-                </a:tc>
-                <a:tc>
-                  <a:txBody>
-                    <a:bodyPr/>
-                    <a:lstStyle/>
-                    <a:p>
-                      <a:pPr marL="0" marR="0" lvl="0" indent="0" algn="l" defTabSz="914400" rtl="0" eaLnBrk="1" fontAlgn="auto" latinLnBrk="0" hangingPunct="1">
-                        <a:lnSpc>
-                          <a:spcPct val="100000"/>
-                        </a:lnSpc>
-                        <a:spcBef>
-                          <a:spcPts val="0"/>
-                        </a:spcBef>
-                        <a:spcAft>
-                          <a:spcPts val="0"/>
-                        </a:spcAft>
-                        <a:buClrTx/>
-                        <a:buSzTx/>
-                        <a:buFontTx/>
-                        <a:buNone/>
-                        <a:tabLst/>
-                        <a:defRPr/>
-                      </a:pPr>
-                      <a:r>
-                        <a:rPr lang="es-AR" sz="2200" dirty="0" smtClean="0"/>
-                        <a:t>Construcción</a:t>
-                      </a:r>
-                    </a:p>
-                  </a:txBody>
-                  <a:tcPr marL="109930" marR="109930" marT="54965" marB="54965"/>
-                </a:tc>
-              </a:tr>
-              <a:tr h="497385">
-                <a:tc>
-                  <a:txBody>
-                    <a:bodyPr/>
-                    <a:lstStyle/>
-                    <a:p>
-                      <a:r>
-                        <a:rPr lang="es-AR" sz="2200" dirty="0" smtClean="0"/>
-                        <a:t>Iteración</a:t>
-                      </a:r>
-                      <a:endParaRPr lang="es-AR" sz="2200" dirty="0"/>
-                    </a:p>
-                  </a:txBody>
-                  <a:tcPr marL="109930" marR="109930" marT="54965" marB="54965"/>
-                </a:tc>
-                <a:tc>
-                  <a:txBody>
-                    <a:bodyPr/>
-                    <a:lstStyle/>
-                    <a:p>
-                      <a:pPr marL="0" marR="0" lvl="0" indent="0" algn="l" defTabSz="914400" rtl="0" eaLnBrk="1" fontAlgn="auto" latinLnBrk="0" hangingPunct="1">
-                        <a:lnSpc>
-                          <a:spcPct val="100000"/>
-                        </a:lnSpc>
-                        <a:spcBef>
-                          <a:spcPts val="0"/>
-                        </a:spcBef>
-                        <a:spcAft>
-                          <a:spcPts val="0"/>
-                        </a:spcAft>
-                        <a:buClrTx/>
-                        <a:buSzTx/>
-                        <a:buFontTx/>
-                        <a:buNone/>
-                        <a:tabLst/>
-                        <a:defRPr/>
-                      </a:pPr>
-                      <a:r>
-                        <a:rPr lang="es-AR" sz="2200" dirty="0" smtClean="0"/>
-                        <a:t>N°</a:t>
-                      </a:r>
-                      <a:r>
-                        <a:rPr lang="es-AR" sz="2200" baseline="0" dirty="0" smtClean="0"/>
-                        <a:t> 3 (14-Nov-17 al 23-Nov-17)</a:t>
-                      </a:r>
-                      <a:endParaRPr lang="es-AR" sz="2200" dirty="0" smtClean="0"/>
-                    </a:p>
-                  </a:txBody>
-                  <a:tcPr marL="109930" marR="109930" marT="54965" marB="54965"/>
-                </a:tc>
-              </a:tr>
-              <a:tr h="497385">
-                <a:tc>
-                  <a:txBody>
-                    <a:bodyPr/>
-                    <a:lstStyle/>
-                    <a:p>
-                      <a:pPr marL="0" marR="0" lvl="0" indent="0" algn="l" defTabSz="914400" rtl="0" eaLnBrk="1" fontAlgn="auto" latinLnBrk="0" hangingPunct="1">
-                        <a:lnSpc>
-                          <a:spcPct val="100000"/>
-                        </a:lnSpc>
-                        <a:spcBef>
-                          <a:spcPts val="0"/>
-                        </a:spcBef>
-                        <a:spcAft>
-                          <a:spcPts val="0"/>
-                        </a:spcAft>
-                        <a:buClrTx/>
-                        <a:buSzTx/>
-                        <a:buFontTx/>
-                        <a:buNone/>
-                        <a:tabLst/>
-                        <a:defRPr/>
-                      </a:pPr>
-                      <a:r>
-                        <a:rPr lang="es-AR" sz="2200" dirty="0" smtClean="0"/>
-                        <a:t>Ultima revisión del repositorio</a:t>
-                      </a:r>
-                    </a:p>
-                  </a:txBody>
-                  <a:tcPr marL="109930" marR="109930" marT="54965" marB="54965"/>
-                </a:tc>
-                <a:tc>
-                  <a:txBody>
-                    <a:bodyPr/>
-                    <a:lstStyle/>
-                    <a:p>
-                      <a:pPr marL="0" marR="0" lvl="0" indent="0" algn="l" defTabSz="914400" rtl="0" eaLnBrk="1" fontAlgn="auto" latinLnBrk="0" hangingPunct="1">
-                        <a:lnSpc>
-                          <a:spcPct val="100000"/>
-                        </a:lnSpc>
-                        <a:spcBef>
-                          <a:spcPts val="0"/>
-                        </a:spcBef>
-                        <a:spcAft>
-                          <a:spcPts val="0"/>
-                        </a:spcAft>
-                        <a:buClrTx/>
-                        <a:buSzTx/>
-                        <a:buFontTx/>
-                        <a:buNone/>
-                        <a:tabLst/>
-                        <a:defRPr/>
-                      </a:pPr>
-                      <a:r>
-                        <a:rPr lang="es-AR" sz="2200" dirty="0" smtClean="0"/>
-                        <a:t>365</a:t>
-                      </a:r>
-                      <a:r>
-                        <a:rPr lang="es-AR" sz="2200" baseline="0" dirty="0" smtClean="0"/>
-                        <a:t> (26-Nov-17)</a:t>
-                      </a:r>
-                      <a:endParaRPr lang="es-AR" sz="2200" dirty="0" smtClean="0"/>
-                    </a:p>
-                  </a:txBody>
-                  <a:tcPr marL="109930" marR="109930" marT="54965" marB="54965"/>
-                </a:tc>
-              </a:tr>
-              <a:tr h="497385">
-                <a:tc>
-                  <a:txBody>
-                    <a:bodyPr/>
-                    <a:lstStyle/>
-                    <a:p>
-                      <a:pPr marL="0" marR="0" lvl="0" indent="0" algn="l" defTabSz="914400" rtl="0" eaLnBrk="1" fontAlgn="auto" latinLnBrk="0" hangingPunct="1">
-                        <a:lnSpc>
-                          <a:spcPct val="100000"/>
-                        </a:lnSpc>
-                        <a:spcBef>
-                          <a:spcPts val="0"/>
-                        </a:spcBef>
-                        <a:spcAft>
-                          <a:spcPts val="0"/>
-                        </a:spcAft>
-                        <a:buClrTx/>
-                        <a:buSzTx/>
-                        <a:buFontTx/>
-                        <a:buNone/>
-                        <a:tabLst/>
-                        <a:defRPr/>
-                      </a:pPr>
-                      <a:r>
-                        <a:rPr lang="es-AR" sz="2200" dirty="0" smtClean="0"/>
-                        <a:t>Reanudación del proyecto</a:t>
-                      </a:r>
-                    </a:p>
-                  </a:txBody>
-                  <a:tcPr marL="109930" marR="109930" marT="54965" marB="54965"/>
-                </a:tc>
-                <a:tc>
-                  <a:txBody>
-                    <a:bodyPr/>
-                    <a:lstStyle/>
-                    <a:p>
-                      <a:pPr marL="0" marR="0" lvl="0" indent="0" algn="l" defTabSz="914400" rtl="0" eaLnBrk="1" fontAlgn="auto" latinLnBrk="0" hangingPunct="1">
-                        <a:lnSpc>
-                          <a:spcPct val="100000"/>
-                        </a:lnSpc>
-                        <a:spcBef>
-                          <a:spcPts val="0"/>
-                        </a:spcBef>
-                        <a:spcAft>
-                          <a:spcPts val="0"/>
-                        </a:spcAft>
-                        <a:buClrTx/>
-                        <a:buSzTx/>
-                        <a:buFontTx/>
-                        <a:buNone/>
-                        <a:tabLst/>
-                        <a:defRPr/>
-                      </a:pPr>
-                      <a:r>
-                        <a:rPr lang="es-AR" sz="2200" dirty="0" smtClean="0"/>
-                        <a:t>17-Ago-18</a:t>
-                      </a:r>
-                    </a:p>
-                  </a:txBody>
-                  <a:tcPr marL="109930" marR="109930" marT="54965" marB="54965"/>
-                </a:tc>
-              </a:tr>
-            </a:tbl>
-          </a:graphicData>
-        </a:graphic>
-      </p:graphicFrame>
-    </p:spTree>
-    <p:extLst>
-      <p:ext uri="{BB962C8B-B14F-4D97-AF65-F5344CB8AC3E}">
-        <p14:creationId xmlns:p14="http://schemas.microsoft.com/office/powerpoint/2010/main" val="4120856557"/>
-      </p:ext>
-    </p:extLst>
-  </p:cSld>
-  <p:clrMapOvr>
-    <a:masterClrMapping/>
-  </p:clrMapOvr>
-  <mc:AlternateContent xmlns:mc="http://schemas.openxmlformats.org/markup-compatibility/2006" xmlns:p14="http://schemas.microsoft.com/office/powerpoint/2010/main">
-    <mc:Choice Requires="p14">
-      <p:transition spd="slow">
-        <p14:reveal/>
-      </p:transition>
-    </mc:Choice>
-    <mc:Fallback xmlns="">
-      <p:transition spd="slow">
-        <p:fade/>
-      </p:transition>
-    </mc:Fallback>
-  </mc:AlternateContent>
-  <p:timing>
-    <p:tnLst>
-      <p:par>
-        <p:cTn id="1" dur="indefinite" restart="never" nodeType="tmRoot"/>
-      </p:par>
-    </p:tnLst>
-  </p:timing>
-</p:sld>
-</file>
-
-<file path=ppt/slides/slide12.xml><?xml version="1.0" encoding="utf-8"?>
-<p:sld xmlns:a="http://schemas.openxmlformats.org/drawingml/2006/main" xmlns:r="http://schemas.openxmlformats.org/officeDocument/2006/relationships" xmlns:p="http://schemas.openxmlformats.org/presentationml/2006/main">
-  <p:cSld>
-    <p:spTree>
-      <p:nvGrpSpPr>
-        <p:cNvPr id="1" name=""/>
-        <p:cNvGrpSpPr/>
-        <p:nvPr/>
-      </p:nvGrpSpPr>
-      <p:grpSpPr>
-        <a:xfrm>
-          <a:off x="0" y="0"/>
-          <a:ext cx="0" cy="0"/>
-          <a:chOff x="0" y="0"/>
-          <a:chExt cx="0" cy="0"/>
-        </a:xfrm>
-      </p:grpSpPr>
-      <p:sp>
-        <p:nvSpPr>
-          <p:cNvPr id="3" name="Título 2"/>
-          <p:cNvSpPr>
-            <a:spLocks noGrp="1"/>
-          </p:cNvSpPr>
-          <p:nvPr>
-            <p:ph type="title"/>
-          </p:nvPr>
-        </p:nvSpPr>
-        <p:spPr/>
-        <p:txBody>
-          <a:bodyPr/>
-          <a:lstStyle/>
-          <a:p>
-            <a:r>
-              <a:rPr lang="es-AR" dirty="0" smtClean="0"/>
-              <a:t>Estado del proyecto</a:t>
-            </a:r>
-            <a:endParaRPr lang="es-AR" dirty="0"/>
-          </a:p>
-        </p:txBody>
-      </p:sp>
-      <p:sp>
-        <p:nvSpPr>
-          <p:cNvPr id="4" name="Marcador de pie de página 3"/>
-          <p:cNvSpPr>
-            <a:spLocks noGrp="1"/>
-          </p:cNvSpPr>
-          <p:nvPr>
-            <p:ph type="ftr" sz="quarter" idx="11"/>
-          </p:nvPr>
-        </p:nvSpPr>
-        <p:spPr/>
-        <p:txBody>
-          <a:bodyPr/>
-          <a:lstStyle/>
-          <a:p>
-            <a:r>
-              <a:rPr lang="es-AR" smtClean="0"/>
-              <a:t>OYARZO Mariela – QUIROGA Sandra – MÁRQUEZ EMANUEL</a:t>
-            </a:r>
-            <a:endParaRPr lang="es-AR" dirty="0"/>
-          </a:p>
-        </p:txBody>
-      </p:sp>
-      <p:sp>
-        <p:nvSpPr>
-          <p:cNvPr id="5" name="Marcador de número de diapositiva 4"/>
-          <p:cNvSpPr>
-            <a:spLocks noGrp="1"/>
-          </p:cNvSpPr>
-          <p:nvPr>
-            <p:ph type="sldNum" sz="quarter" idx="12"/>
-          </p:nvPr>
-        </p:nvSpPr>
-        <p:spPr/>
-        <p:txBody>
-          <a:bodyPr/>
-          <a:lstStyle/>
-          <a:p>
-            <a:fld id="{779E3280-5C43-43EF-BE7D-8C553A58A779}" type="slidenum">
-              <a:rPr lang="es-AR" smtClean="0"/>
-              <a:pPr/>
-              <a:t>12</a:t>
             </a:fld>
             <a:endParaRPr lang="es-AR" dirty="0"/>
           </a:p>
@@ -8918,7 +8475,7 @@
 </p:sld>
 </file>
 
-<file path=ppt/slides/slide13.xml><?xml version="1.0" encoding="utf-8"?>
+<file path=ppt/slides/slide12.xml><?xml version="1.0" encoding="utf-8"?>
 <p:sld xmlns:a="http://schemas.openxmlformats.org/drawingml/2006/main" xmlns:r="http://schemas.openxmlformats.org/officeDocument/2006/relationships" xmlns:p="http://schemas.openxmlformats.org/presentationml/2006/main">
   <p:cSld>
     <p:spTree>
@@ -8999,7 +8556,7 @@
             <a:fld id="{779E3280-5C43-43EF-BE7D-8C553A58A779}" type="slidenum">
               <a:rPr lang="es-AR" smtClean="0"/>
               <a:pPr/>
-              <a:t>13</a:t>
+              <a:t>12</a:t>
             </a:fld>
             <a:endParaRPr lang="es-AR" dirty="0"/>
           </a:p>
@@ -9658,6 +9215,263 @@
 </p:sld>
 </file>
 
+<file path=ppt/slides/slide13.xml><?xml version="1.0" encoding="utf-8"?>
+<p:sld xmlns:a="http://schemas.openxmlformats.org/drawingml/2006/main" xmlns:r="http://schemas.openxmlformats.org/officeDocument/2006/relationships" xmlns:p="http://schemas.openxmlformats.org/presentationml/2006/main">
+  <p:cSld>
+    <p:spTree>
+      <p:nvGrpSpPr>
+        <p:cNvPr id="1" name=""/>
+        <p:cNvGrpSpPr/>
+        <p:nvPr/>
+      </p:nvGrpSpPr>
+      <p:grpSpPr>
+        <a:xfrm>
+          <a:off x="0" y="0"/>
+          <a:ext cx="0" cy="0"/>
+          <a:chOff x="0" y="0"/>
+          <a:chExt cx="0" cy="0"/>
+        </a:xfrm>
+      </p:grpSpPr>
+      <p:sp>
+        <p:nvSpPr>
+          <p:cNvPr id="3" name="Título 2"/>
+          <p:cNvSpPr>
+            <a:spLocks noGrp="1"/>
+          </p:cNvSpPr>
+          <p:nvPr>
+            <p:ph type="title"/>
+          </p:nvPr>
+        </p:nvSpPr>
+        <p:spPr/>
+        <p:txBody>
+          <a:bodyPr/>
+          <a:lstStyle/>
+          <a:p>
+            <a:r>
+              <a:rPr lang="es-AR" dirty="0" smtClean="0"/>
+              <a:t>Planificación Iteración 4</a:t>
+            </a:r>
+            <a:endParaRPr lang="es-AR" dirty="0"/>
+          </a:p>
+        </p:txBody>
+      </p:sp>
+      <p:sp>
+        <p:nvSpPr>
+          <p:cNvPr id="4" name="Marcador de pie de página 3"/>
+          <p:cNvSpPr>
+            <a:spLocks noGrp="1"/>
+          </p:cNvSpPr>
+          <p:nvPr>
+            <p:ph type="ftr" sz="quarter" idx="11"/>
+          </p:nvPr>
+        </p:nvSpPr>
+        <p:spPr/>
+        <p:txBody>
+          <a:bodyPr/>
+          <a:lstStyle/>
+          <a:p>
+            <a:r>
+              <a:rPr lang="es-AR" smtClean="0"/>
+              <a:t>OYARZO Mariela – QUIROGA Sandra – MÁRQUEZ EMANUEL</a:t>
+            </a:r>
+            <a:endParaRPr lang="es-AR" dirty="0"/>
+          </a:p>
+        </p:txBody>
+      </p:sp>
+      <p:sp>
+        <p:nvSpPr>
+          <p:cNvPr id="5" name="Marcador de número de diapositiva 4"/>
+          <p:cNvSpPr>
+            <a:spLocks noGrp="1"/>
+          </p:cNvSpPr>
+          <p:nvPr>
+            <p:ph type="sldNum" sz="quarter" idx="12"/>
+          </p:nvPr>
+        </p:nvSpPr>
+        <p:spPr/>
+        <p:txBody>
+          <a:bodyPr/>
+          <a:lstStyle/>
+          <a:p>
+            <a:fld id="{779E3280-5C43-43EF-BE7D-8C553A58A779}" type="slidenum">
+              <a:rPr lang="es-AR" smtClean="0"/>
+              <a:pPr/>
+              <a:t>13</a:t>
+            </a:fld>
+            <a:endParaRPr lang="es-AR" dirty="0"/>
+          </a:p>
+        </p:txBody>
+      </p:sp>
+      <p:sp>
+        <p:nvSpPr>
+          <p:cNvPr id="2" name="Marcador de contenido 1"/>
+          <p:cNvSpPr>
+            <a:spLocks noGrp="1"/>
+          </p:cNvSpPr>
+          <p:nvPr>
+            <p:ph idx="1"/>
+          </p:nvPr>
+        </p:nvSpPr>
+        <p:spPr>
+          <a:xfrm>
+            <a:off x="163773" y="1401149"/>
+            <a:ext cx="11847838" cy="5074555"/>
+          </a:xfrm>
+        </p:spPr>
+        <p:txBody>
+          <a:bodyPr>
+            <a:normAutofit/>
+          </a:bodyPr>
+          <a:lstStyle/>
+          <a:p>
+            <a:pPr marL="0" indent="0">
+              <a:spcBef>
+                <a:spcPts val="1200"/>
+              </a:spcBef>
+              <a:spcAft>
+                <a:spcPts val="600"/>
+              </a:spcAft>
+              <a:buNone/>
+            </a:pPr>
+            <a:endParaRPr lang="es-AR" dirty="0" smtClean="0"/>
+          </a:p>
+          <a:p>
+            <a:pPr marL="0" indent="0">
+              <a:spcBef>
+                <a:spcPts val="1200"/>
+              </a:spcBef>
+              <a:spcAft>
+                <a:spcPts val="600"/>
+              </a:spcAft>
+              <a:buNone/>
+            </a:pPr>
+            <a:r>
+              <a:rPr lang="es-AR" b="1" dirty="0" smtClean="0"/>
+              <a:t>Fase</a:t>
+            </a:r>
+            <a:r>
+              <a:rPr lang="es-AR" dirty="0" smtClean="0"/>
+              <a:t>: Construcción.</a:t>
+            </a:r>
+          </a:p>
+          <a:p>
+            <a:pPr marL="0" indent="0">
+              <a:spcBef>
+                <a:spcPts val="1200"/>
+              </a:spcBef>
+              <a:spcAft>
+                <a:spcPts val="600"/>
+              </a:spcAft>
+              <a:buNone/>
+            </a:pPr>
+            <a:r>
+              <a:rPr lang="es-AR" b="1" dirty="0" smtClean="0"/>
+              <a:t>Iteración</a:t>
+            </a:r>
+            <a:r>
+              <a:rPr lang="es-AR" dirty="0" smtClean="0"/>
+              <a:t>: N° 4.</a:t>
+            </a:r>
+          </a:p>
+          <a:p>
+            <a:pPr marL="0" indent="0">
+              <a:spcBef>
+                <a:spcPts val="1200"/>
+              </a:spcBef>
+              <a:spcAft>
+                <a:spcPts val="600"/>
+              </a:spcAft>
+              <a:buNone/>
+            </a:pPr>
+            <a:r>
+              <a:rPr lang="es-AR" b="1" dirty="0" smtClean="0"/>
+              <a:t>Fecha de inicio</a:t>
+            </a:r>
+            <a:r>
+              <a:rPr lang="es-AR" dirty="0" smtClean="0"/>
+              <a:t>: 01 de Septiembre de 2018.</a:t>
+            </a:r>
+          </a:p>
+          <a:p>
+            <a:pPr marL="0" indent="0">
+              <a:spcBef>
+                <a:spcPts val="1200"/>
+              </a:spcBef>
+              <a:spcAft>
+                <a:spcPts val="600"/>
+              </a:spcAft>
+              <a:buNone/>
+            </a:pPr>
+            <a:r>
+              <a:rPr lang="es-AR" b="1" dirty="0" smtClean="0"/>
+              <a:t>Fecha de fin</a:t>
+            </a:r>
+            <a:r>
+              <a:rPr lang="es-AR" dirty="0" smtClean="0"/>
+              <a:t>: 16 de Septiembre de 2018.</a:t>
+            </a:r>
+          </a:p>
+          <a:p>
+            <a:pPr marL="0" indent="0">
+              <a:buNone/>
+            </a:pPr>
+            <a:endParaRPr lang="es-AR" dirty="0" smtClean="0"/>
+          </a:p>
+          <a:p>
+            <a:pPr marL="0" indent="0">
+              <a:buNone/>
+            </a:pPr>
+            <a:endParaRPr lang="es-AR" sz="2000" dirty="0"/>
+          </a:p>
+          <a:p>
+            <a:pPr marL="0" indent="0">
+              <a:buNone/>
+            </a:pPr>
+            <a:r>
+              <a:rPr lang="es-AR" i="1" dirty="0" smtClean="0"/>
+              <a:t>Las actividades se encuentran sujetas a las conclusiones obtenidas durante esta presentación por lo que pueden ser modificada posteriormente. </a:t>
+            </a:r>
+          </a:p>
+          <a:p>
+            <a:pPr marL="0" indent="0">
+              <a:buNone/>
+            </a:pPr>
+            <a:endParaRPr lang="es-AR" dirty="0"/>
+          </a:p>
+        </p:txBody>
+      </p:sp>
+    </p:spTree>
+    <p:extLst>
+      <p:ext uri="{BB962C8B-B14F-4D97-AF65-F5344CB8AC3E}">
+        <p14:creationId xmlns:p14="http://schemas.microsoft.com/office/powerpoint/2010/main" val="357477803"/>
+      </p:ext>
+    </p:extLst>
+  </p:cSld>
+  <p:clrMapOvr>
+    <a:masterClrMapping/>
+  </p:clrMapOvr>
+  <mc:AlternateContent xmlns:mc="http://schemas.openxmlformats.org/markup-compatibility/2006" xmlns:p14="http://schemas.microsoft.com/office/powerpoint/2010/main">
+    <mc:Choice Requires="p14">
+      <p:transition spd="slow">
+        <p14:reveal/>
+      </p:transition>
+    </mc:Choice>
+    <mc:Fallback xmlns="">
+      <p:transition spd="slow">
+        <p:fade/>
+      </p:transition>
+    </mc:Fallback>
+  </mc:AlternateContent>
+  <p:timing>
+    <p:tnLst>
+      <p:par>
+        <p:cTn id="1" dur="indefinite" restart="never" nodeType="tmRoot"/>
+      </p:par>
+    </p:tnLst>
+  </p:timing>
+</p:sld>
+</file>
+
 <file path=ppt/slides/slide14.xml><?xml version="1.0" encoding="utf-8"?>
 <p:sld xmlns:a="http://schemas.openxmlformats.org/drawingml/2006/main" xmlns:r="http://schemas.openxmlformats.org/officeDocument/2006/relationships" xmlns:p="http://schemas.openxmlformats.org/presentationml/2006/main">
   <p:cSld>
@@ -9745,9 +9559,724 @@
           </a:p>
         </p:txBody>
       </p:sp>
-      <p:sp>
-        <p:nvSpPr>
-          <p:cNvPr id="2" name="Marcador de contenido 1"/>
+      <p:graphicFrame>
+        <p:nvGraphicFramePr>
+          <p:cNvPr id="7" name="Tabla 6"/>
+          <p:cNvGraphicFramePr>
+            <a:graphicFrameLocks noGrp="1"/>
+          </p:cNvGraphicFramePr>
+          <p:nvPr>
+            <p:extLst>
+              <p:ext uri="{D42A27DB-BD31-4B8C-83A1-F6EECF244321}">
+                <p14:modId xmlns:p14="http://schemas.microsoft.com/office/powerpoint/2010/main" val="2286812360"/>
+              </p:ext>
+            </p:extLst>
+          </p:nvPr>
+        </p:nvGraphicFramePr>
+        <p:xfrm>
+          <a:off x="1105469" y="2333766"/>
+          <a:ext cx="9949218" cy="3671248"/>
+        </p:xfrm>
+        <a:graphic>
+          <a:graphicData uri="http://schemas.openxmlformats.org/drawingml/2006/table">
+            <a:tbl>
+              <a:tblPr firstRow="1" bandRow="1">
+                <a:tableStyleId>{6E25E649-3F16-4E02-A733-19D2CDBF48F0}</a:tableStyleId>
+              </a:tblPr>
+              <a:tblGrid>
+                <a:gridCol w="5829621"/>
+                <a:gridCol w="1347290"/>
+                <a:gridCol w="1088195"/>
+                <a:gridCol w="1684112"/>
+              </a:tblGrid>
+              <a:tr h="524464">
+                <a:tc>
+                  <a:txBody>
+                    <a:bodyPr/>
+                    <a:lstStyle/>
+                    <a:p>
+                      <a:pPr algn="ctr"/>
+                      <a:r>
+                        <a:rPr lang="es-AR" dirty="0" smtClean="0">
+                          <a:solidFill>
+                            <a:schemeClr val="bg1"/>
+                          </a:solidFill>
+                        </a:rPr>
+                        <a:t>Nombre de la tarea</a:t>
+                      </a:r>
+                      <a:endParaRPr lang="es-AR" dirty="0">
+                        <a:solidFill>
+                          <a:schemeClr val="bg1"/>
+                        </a:solidFill>
+                      </a:endParaRPr>
+                    </a:p>
+                  </a:txBody>
+                  <a:tcPr/>
+                </a:tc>
+                <a:tc>
+                  <a:txBody>
+                    <a:bodyPr/>
+                    <a:lstStyle/>
+                    <a:p>
+                      <a:pPr algn="ctr"/>
+                      <a:r>
+                        <a:rPr lang="es-AR" dirty="0" smtClean="0">
+                          <a:solidFill>
+                            <a:schemeClr val="bg1"/>
+                          </a:solidFill>
+                        </a:rPr>
+                        <a:t>Inicio</a:t>
+                      </a:r>
+                      <a:endParaRPr lang="es-AR" dirty="0">
+                        <a:solidFill>
+                          <a:schemeClr val="bg1"/>
+                        </a:solidFill>
+                      </a:endParaRPr>
+                    </a:p>
+                  </a:txBody>
+                  <a:tcPr/>
+                </a:tc>
+                <a:tc>
+                  <a:txBody>
+                    <a:bodyPr/>
+                    <a:lstStyle/>
+                    <a:p>
+                      <a:pPr algn="ctr"/>
+                      <a:r>
+                        <a:rPr lang="es-AR" dirty="0" smtClean="0">
+                          <a:solidFill>
+                            <a:schemeClr val="bg1"/>
+                          </a:solidFill>
+                        </a:rPr>
+                        <a:t>Fin</a:t>
+                      </a:r>
+                      <a:endParaRPr lang="es-AR" dirty="0">
+                        <a:solidFill>
+                          <a:schemeClr val="bg1"/>
+                        </a:solidFill>
+                      </a:endParaRPr>
+                    </a:p>
+                  </a:txBody>
+                  <a:tcPr/>
+                </a:tc>
+                <a:tc>
+                  <a:txBody>
+                    <a:bodyPr/>
+                    <a:lstStyle/>
+                    <a:p>
+                      <a:pPr algn="ctr"/>
+                      <a:r>
+                        <a:rPr lang="es-AR" dirty="0" smtClean="0">
+                          <a:solidFill>
+                            <a:schemeClr val="bg1"/>
+                          </a:solidFill>
+                        </a:rPr>
+                        <a:t>Prioridad</a:t>
+                      </a:r>
+                      <a:endParaRPr lang="es-AR" dirty="0">
+                        <a:solidFill>
+                          <a:schemeClr val="bg1"/>
+                        </a:solidFill>
+                      </a:endParaRPr>
+                    </a:p>
+                  </a:txBody>
+                  <a:tcPr/>
+                </a:tc>
+              </a:tr>
+              <a:tr h="524464">
+                <a:tc>
+                  <a:txBody>
+                    <a:bodyPr/>
+                    <a:lstStyle/>
+                    <a:p>
+                      <a:r>
+                        <a:rPr lang="es-AR" dirty="0" smtClean="0"/>
+                        <a:t>Continuar Glosario.</a:t>
+                      </a:r>
+                      <a:endParaRPr lang="es-AR" dirty="0"/>
+                    </a:p>
+                  </a:txBody>
+                  <a:tcPr/>
+                </a:tc>
+                <a:tc>
+                  <a:txBody>
+                    <a:bodyPr/>
+                    <a:lstStyle/>
+                    <a:p>
+                      <a:pPr algn="ctr"/>
+                      <a:r>
+                        <a:rPr lang="es-AR" dirty="0" smtClean="0"/>
+                        <a:t>01-Sep</a:t>
+                      </a:r>
+                      <a:endParaRPr lang="es-AR" dirty="0"/>
+                    </a:p>
+                  </a:txBody>
+                  <a:tcPr/>
+                </a:tc>
+                <a:tc>
+                  <a:txBody>
+                    <a:bodyPr/>
+                    <a:lstStyle/>
+                    <a:p>
+                      <a:pPr algn="ctr"/>
+                      <a:r>
+                        <a:rPr lang="es-AR" dirty="0" smtClean="0"/>
+                        <a:t>16-Sep</a:t>
+                      </a:r>
+                      <a:endParaRPr lang="es-AR" dirty="0"/>
+                    </a:p>
+                  </a:txBody>
+                  <a:tcPr/>
+                </a:tc>
+                <a:tc>
+                  <a:txBody>
+                    <a:bodyPr/>
+                    <a:lstStyle/>
+                    <a:p>
+                      <a:pPr algn="ctr"/>
+                      <a:r>
+                        <a:rPr lang="es-AR" dirty="0" smtClean="0"/>
+                        <a:t>Baja</a:t>
+                      </a:r>
+                      <a:endParaRPr lang="es-AR" dirty="0"/>
+                    </a:p>
+                  </a:txBody>
+                  <a:tcPr/>
+                </a:tc>
+              </a:tr>
+              <a:tr h="524464">
+                <a:tc>
+                  <a:txBody>
+                    <a:bodyPr/>
+                    <a:lstStyle/>
+                    <a:p>
+                      <a:r>
+                        <a:rPr lang="es-AR" dirty="0" smtClean="0"/>
+                        <a:t>Descargar archivos</a:t>
+                      </a:r>
+                      <a:r>
+                        <a:rPr lang="es-AR" baseline="0" dirty="0" smtClean="0"/>
+                        <a:t> Excel del corriente año.</a:t>
+                      </a:r>
+                      <a:endParaRPr lang="es-AR" dirty="0"/>
+                    </a:p>
+                  </a:txBody>
+                  <a:tcPr/>
+                </a:tc>
+                <a:tc>
+                  <a:txBody>
+                    <a:bodyPr/>
+                    <a:lstStyle/>
+                    <a:p>
+                      <a:pPr marL="0" marR="0" lvl="0" indent="0" algn="ctr" defTabSz="914400" rtl="0" eaLnBrk="1" fontAlgn="auto" latinLnBrk="0" hangingPunct="1">
+                        <a:lnSpc>
+                          <a:spcPct val="100000"/>
+                        </a:lnSpc>
+                        <a:spcBef>
+                          <a:spcPts val="0"/>
+                        </a:spcBef>
+                        <a:spcAft>
+                          <a:spcPts val="0"/>
+                        </a:spcAft>
+                        <a:buClrTx/>
+                        <a:buSzTx/>
+                        <a:buFontTx/>
+                        <a:buNone/>
+                        <a:tabLst/>
+                        <a:defRPr/>
+                      </a:pPr>
+                      <a:r>
+                        <a:rPr lang="es-AR" dirty="0" smtClean="0"/>
+                        <a:t>01-Sep</a:t>
+                      </a:r>
+                    </a:p>
+                  </a:txBody>
+                  <a:tcPr/>
+                </a:tc>
+                <a:tc>
+                  <a:txBody>
+                    <a:bodyPr/>
+                    <a:lstStyle/>
+                    <a:p>
+                      <a:pPr marL="0" marR="0" lvl="0" indent="0" algn="ctr" defTabSz="914400" rtl="0" eaLnBrk="1" fontAlgn="auto" latinLnBrk="0" hangingPunct="1">
+                        <a:lnSpc>
+                          <a:spcPct val="100000"/>
+                        </a:lnSpc>
+                        <a:spcBef>
+                          <a:spcPts val="0"/>
+                        </a:spcBef>
+                        <a:spcAft>
+                          <a:spcPts val="0"/>
+                        </a:spcAft>
+                        <a:buClrTx/>
+                        <a:buSzTx/>
+                        <a:buFontTx/>
+                        <a:buNone/>
+                        <a:tabLst/>
+                        <a:defRPr/>
+                      </a:pPr>
+                      <a:r>
+                        <a:rPr lang="es-AR" dirty="0" smtClean="0"/>
+                        <a:t>16-Sep</a:t>
+                      </a:r>
+                    </a:p>
+                  </a:txBody>
+                  <a:tcPr/>
+                </a:tc>
+                <a:tc>
+                  <a:txBody>
+                    <a:bodyPr/>
+                    <a:lstStyle/>
+                    <a:p>
+                      <a:pPr algn="ctr"/>
+                      <a:r>
+                        <a:rPr lang="es-AR" dirty="0" smtClean="0"/>
+                        <a:t>Media</a:t>
+                      </a:r>
+                      <a:endParaRPr lang="es-AR" dirty="0"/>
+                    </a:p>
+                  </a:txBody>
+                  <a:tcPr/>
+                </a:tc>
+              </a:tr>
+              <a:tr h="524464">
+                <a:tc>
+                  <a:txBody>
+                    <a:bodyPr/>
+                    <a:lstStyle/>
+                    <a:p>
+                      <a:r>
+                        <a:rPr lang="es-AR" dirty="0" smtClean="0"/>
+                        <a:t>Completar CP</a:t>
+                      </a:r>
+                      <a:r>
+                        <a:rPr lang="es-AR" baseline="0" dirty="0" smtClean="0"/>
+                        <a:t> para CU02 – Importar horarios de cursada.</a:t>
+                      </a:r>
+                      <a:endParaRPr lang="es-AR" dirty="0"/>
+                    </a:p>
+                  </a:txBody>
+                  <a:tcPr/>
+                </a:tc>
+                <a:tc>
+                  <a:txBody>
+                    <a:bodyPr/>
+                    <a:lstStyle/>
+                    <a:p>
+                      <a:pPr marL="0" marR="0" lvl="0" indent="0" algn="ctr" defTabSz="914400" rtl="0" eaLnBrk="1" fontAlgn="auto" latinLnBrk="0" hangingPunct="1">
+                        <a:lnSpc>
+                          <a:spcPct val="100000"/>
+                        </a:lnSpc>
+                        <a:spcBef>
+                          <a:spcPts val="0"/>
+                        </a:spcBef>
+                        <a:spcAft>
+                          <a:spcPts val="0"/>
+                        </a:spcAft>
+                        <a:buClrTx/>
+                        <a:buSzTx/>
+                        <a:buFontTx/>
+                        <a:buNone/>
+                        <a:tabLst/>
+                        <a:defRPr/>
+                      </a:pPr>
+                      <a:r>
+                        <a:rPr lang="es-AR" dirty="0" smtClean="0"/>
+                        <a:t>01-Sep</a:t>
+                      </a:r>
+                    </a:p>
+                  </a:txBody>
+                  <a:tcPr/>
+                </a:tc>
+                <a:tc>
+                  <a:txBody>
+                    <a:bodyPr/>
+                    <a:lstStyle/>
+                    <a:p>
+                      <a:pPr marL="0" marR="0" lvl="0" indent="0" algn="ctr" defTabSz="914400" rtl="0" eaLnBrk="1" fontAlgn="auto" latinLnBrk="0" hangingPunct="1">
+                        <a:lnSpc>
+                          <a:spcPct val="100000"/>
+                        </a:lnSpc>
+                        <a:spcBef>
+                          <a:spcPts val="0"/>
+                        </a:spcBef>
+                        <a:spcAft>
+                          <a:spcPts val="0"/>
+                        </a:spcAft>
+                        <a:buClrTx/>
+                        <a:buSzTx/>
+                        <a:buFontTx/>
+                        <a:buNone/>
+                        <a:tabLst/>
+                        <a:defRPr/>
+                      </a:pPr>
+                      <a:r>
+                        <a:rPr lang="es-AR" dirty="0" smtClean="0"/>
+                        <a:t>16-Sep</a:t>
+                      </a:r>
+                    </a:p>
+                  </a:txBody>
+                  <a:tcPr/>
+                </a:tc>
+                <a:tc>
+                  <a:txBody>
+                    <a:bodyPr/>
+                    <a:lstStyle/>
+                    <a:p>
+                      <a:pPr algn="ctr"/>
+                      <a:r>
+                        <a:rPr lang="es-AR" dirty="0" smtClean="0"/>
+                        <a:t>Alta</a:t>
+                      </a:r>
+                      <a:endParaRPr lang="es-AR" dirty="0"/>
+                    </a:p>
+                  </a:txBody>
+                  <a:tcPr/>
+                </a:tc>
+              </a:tr>
+              <a:tr h="524464">
+                <a:tc>
+                  <a:txBody>
+                    <a:bodyPr/>
+                    <a:lstStyle/>
+                    <a:p>
+                      <a:pPr marL="0" marR="0" lvl="0" indent="0" algn="l" defTabSz="914400" rtl="0" eaLnBrk="1" fontAlgn="auto" latinLnBrk="0" hangingPunct="1">
+                        <a:lnSpc>
+                          <a:spcPct val="100000"/>
+                        </a:lnSpc>
+                        <a:spcBef>
+                          <a:spcPts val="0"/>
+                        </a:spcBef>
+                        <a:spcAft>
+                          <a:spcPts val="0"/>
+                        </a:spcAft>
+                        <a:buClrTx/>
+                        <a:buSzTx/>
+                        <a:buFontTx/>
+                        <a:buNone/>
+                        <a:tabLst/>
+                        <a:defRPr/>
+                      </a:pPr>
+                      <a:r>
+                        <a:rPr lang="es-AR" dirty="0" smtClean="0"/>
+                        <a:t>Completar CP</a:t>
+                      </a:r>
+                      <a:r>
+                        <a:rPr lang="es-AR" baseline="0" dirty="0" smtClean="0"/>
+                        <a:t> para CU03 – Importar mesas de examen.</a:t>
+                      </a:r>
+                      <a:endParaRPr lang="es-AR" dirty="0" smtClean="0"/>
+                    </a:p>
+                  </a:txBody>
+                  <a:tcPr/>
+                </a:tc>
+                <a:tc>
+                  <a:txBody>
+                    <a:bodyPr/>
+                    <a:lstStyle/>
+                    <a:p>
+                      <a:pPr marL="0" marR="0" lvl="0" indent="0" algn="ctr" defTabSz="914400" rtl="0" eaLnBrk="1" fontAlgn="auto" latinLnBrk="0" hangingPunct="1">
+                        <a:lnSpc>
+                          <a:spcPct val="100000"/>
+                        </a:lnSpc>
+                        <a:spcBef>
+                          <a:spcPts val="0"/>
+                        </a:spcBef>
+                        <a:spcAft>
+                          <a:spcPts val="0"/>
+                        </a:spcAft>
+                        <a:buClrTx/>
+                        <a:buSzTx/>
+                        <a:buFontTx/>
+                        <a:buNone/>
+                        <a:tabLst/>
+                        <a:defRPr/>
+                      </a:pPr>
+                      <a:r>
+                        <a:rPr lang="es-AR" dirty="0" smtClean="0"/>
+                        <a:t>01-Sep</a:t>
+                      </a:r>
+                    </a:p>
+                  </a:txBody>
+                  <a:tcPr/>
+                </a:tc>
+                <a:tc>
+                  <a:txBody>
+                    <a:bodyPr/>
+                    <a:lstStyle/>
+                    <a:p>
+                      <a:pPr marL="0" marR="0" lvl="0" indent="0" algn="ctr" defTabSz="914400" rtl="0" eaLnBrk="1" fontAlgn="auto" latinLnBrk="0" hangingPunct="1">
+                        <a:lnSpc>
+                          <a:spcPct val="100000"/>
+                        </a:lnSpc>
+                        <a:spcBef>
+                          <a:spcPts val="0"/>
+                        </a:spcBef>
+                        <a:spcAft>
+                          <a:spcPts val="0"/>
+                        </a:spcAft>
+                        <a:buClrTx/>
+                        <a:buSzTx/>
+                        <a:buFontTx/>
+                        <a:buNone/>
+                        <a:tabLst/>
+                        <a:defRPr/>
+                      </a:pPr>
+                      <a:r>
+                        <a:rPr lang="es-AR" dirty="0" smtClean="0"/>
+                        <a:t>16-Sep</a:t>
+                      </a:r>
+                    </a:p>
+                  </a:txBody>
+                  <a:tcPr/>
+                </a:tc>
+                <a:tc>
+                  <a:txBody>
+                    <a:bodyPr/>
+                    <a:lstStyle/>
+                    <a:p>
+                      <a:pPr algn="ctr"/>
+                      <a:r>
+                        <a:rPr lang="es-AR" dirty="0" smtClean="0"/>
+                        <a:t>Alta</a:t>
+                      </a:r>
+                      <a:endParaRPr lang="es-AR" dirty="0"/>
+                    </a:p>
+                  </a:txBody>
+                  <a:tcPr/>
+                </a:tc>
+              </a:tr>
+              <a:tr h="524464">
+                <a:tc>
+                  <a:txBody>
+                    <a:bodyPr/>
+                    <a:lstStyle/>
+                    <a:p>
+                      <a:pPr marL="0" marR="0" lvl="0" indent="0" algn="l" defTabSz="914400" rtl="0" eaLnBrk="1" fontAlgn="auto" latinLnBrk="0" hangingPunct="1">
+                        <a:lnSpc>
+                          <a:spcPct val="100000"/>
+                        </a:lnSpc>
+                        <a:spcBef>
+                          <a:spcPts val="0"/>
+                        </a:spcBef>
+                        <a:spcAft>
+                          <a:spcPts val="0"/>
+                        </a:spcAft>
+                        <a:buClrTx/>
+                        <a:buSzTx/>
+                        <a:buFontTx/>
+                        <a:buNone/>
+                        <a:tabLst/>
+                        <a:defRPr/>
+                      </a:pPr>
+                      <a:r>
+                        <a:rPr lang="es-AR" dirty="0" smtClean="0"/>
+                        <a:t>Completar</a:t>
+                      </a:r>
+                      <a:r>
+                        <a:rPr lang="es-AR" baseline="0" dirty="0" smtClean="0"/>
+                        <a:t> CU11 – Informe mesa de examen</a:t>
+                      </a:r>
+                      <a:endParaRPr lang="es-AR" dirty="0" smtClean="0"/>
+                    </a:p>
+                  </a:txBody>
+                  <a:tcPr/>
+                </a:tc>
+                <a:tc>
+                  <a:txBody>
+                    <a:bodyPr/>
+                    <a:lstStyle/>
+                    <a:p>
+                      <a:pPr marL="0" marR="0" lvl="0" indent="0" algn="ctr" defTabSz="914400" rtl="0" eaLnBrk="1" fontAlgn="auto" latinLnBrk="0" hangingPunct="1">
+                        <a:lnSpc>
+                          <a:spcPct val="100000"/>
+                        </a:lnSpc>
+                        <a:spcBef>
+                          <a:spcPts val="0"/>
+                        </a:spcBef>
+                        <a:spcAft>
+                          <a:spcPts val="0"/>
+                        </a:spcAft>
+                        <a:buClrTx/>
+                        <a:buSzTx/>
+                        <a:buFontTx/>
+                        <a:buNone/>
+                        <a:tabLst/>
+                        <a:defRPr/>
+                      </a:pPr>
+                      <a:r>
+                        <a:rPr lang="es-AR" dirty="0" smtClean="0"/>
+                        <a:t>01-Sep</a:t>
+                      </a:r>
+                    </a:p>
+                  </a:txBody>
+                  <a:tcPr/>
+                </a:tc>
+                <a:tc>
+                  <a:txBody>
+                    <a:bodyPr/>
+                    <a:lstStyle/>
+                    <a:p>
+                      <a:pPr marL="0" marR="0" lvl="0" indent="0" algn="ctr" defTabSz="914400" rtl="0" eaLnBrk="1" fontAlgn="auto" latinLnBrk="0" hangingPunct="1">
+                        <a:lnSpc>
+                          <a:spcPct val="100000"/>
+                        </a:lnSpc>
+                        <a:spcBef>
+                          <a:spcPts val="0"/>
+                        </a:spcBef>
+                        <a:spcAft>
+                          <a:spcPts val="0"/>
+                        </a:spcAft>
+                        <a:buClrTx/>
+                        <a:buSzTx/>
+                        <a:buFontTx/>
+                        <a:buNone/>
+                        <a:tabLst/>
+                        <a:defRPr/>
+                      </a:pPr>
+                      <a:r>
+                        <a:rPr lang="es-AR" dirty="0" smtClean="0"/>
+                        <a:t>16-Sep</a:t>
+                      </a:r>
+                    </a:p>
+                  </a:txBody>
+                  <a:tcPr/>
+                </a:tc>
+                <a:tc>
+                  <a:txBody>
+                    <a:bodyPr/>
+                    <a:lstStyle/>
+                    <a:p>
+                      <a:pPr algn="ctr"/>
+                      <a:r>
+                        <a:rPr lang="es-AR" dirty="0" smtClean="0"/>
+                        <a:t>Alta</a:t>
+                      </a:r>
+                      <a:endParaRPr lang="es-AR" dirty="0"/>
+                    </a:p>
+                  </a:txBody>
+                  <a:tcPr/>
+                </a:tc>
+              </a:tr>
+              <a:tr h="524464">
+                <a:tc>
+                  <a:txBody>
+                    <a:bodyPr/>
+                    <a:lstStyle/>
+                    <a:p>
+                      <a:pPr marL="0" marR="0" lvl="0" indent="0" algn="l" defTabSz="914400" rtl="0" eaLnBrk="1" fontAlgn="auto" latinLnBrk="0" hangingPunct="1">
+                        <a:lnSpc>
+                          <a:spcPct val="100000"/>
+                        </a:lnSpc>
+                        <a:spcBef>
+                          <a:spcPts val="0"/>
+                        </a:spcBef>
+                        <a:spcAft>
+                          <a:spcPts val="0"/>
+                        </a:spcAft>
+                        <a:buClrTx/>
+                        <a:buSzTx/>
+                        <a:buFontTx/>
+                        <a:buNone/>
+                        <a:tabLst/>
+                        <a:defRPr/>
+                      </a:pPr>
+                      <a:r>
+                        <a:rPr lang="es-AR" dirty="0" smtClean="0"/>
+                        <a:t>Iniciar</a:t>
+                      </a:r>
+                      <a:r>
+                        <a:rPr lang="es-AR" baseline="0" dirty="0" smtClean="0"/>
+                        <a:t> manual de usuario (APP)</a:t>
+                      </a:r>
+                      <a:endParaRPr lang="es-AR" dirty="0" smtClean="0"/>
+                    </a:p>
+                  </a:txBody>
+                  <a:tcPr/>
+                </a:tc>
+                <a:tc>
+                  <a:txBody>
+                    <a:bodyPr/>
+                    <a:lstStyle/>
+                    <a:p>
+                      <a:pPr marL="0" marR="0" lvl="0" indent="0" algn="ctr" defTabSz="914400" rtl="0" eaLnBrk="1" fontAlgn="auto" latinLnBrk="0" hangingPunct="1">
+                        <a:lnSpc>
+                          <a:spcPct val="100000"/>
+                        </a:lnSpc>
+                        <a:spcBef>
+                          <a:spcPts val="0"/>
+                        </a:spcBef>
+                        <a:spcAft>
+                          <a:spcPts val="0"/>
+                        </a:spcAft>
+                        <a:buClrTx/>
+                        <a:buSzTx/>
+                        <a:buFontTx/>
+                        <a:buNone/>
+                        <a:tabLst/>
+                        <a:defRPr/>
+                      </a:pPr>
+                      <a:r>
+                        <a:rPr lang="es-AR" dirty="0" smtClean="0"/>
+                        <a:t>01-Sep</a:t>
+                      </a:r>
+                    </a:p>
+                  </a:txBody>
+                  <a:tcPr/>
+                </a:tc>
+                <a:tc>
+                  <a:txBody>
+                    <a:bodyPr/>
+                    <a:lstStyle/>
+                    <a:p>
+                      <a:pPr marL="0" marR="0" lvl="0" indent="0" algn="ctr" defTabSz="914400" rtl="0" eaLnBrk="1" fontAlgn="auto" latinLnBrk="0" hangingPunct="1">
+                        <a:lnSpc>
+                          <a:spcPct val="100000"/>
+                        </a:lnSpc>
+                        <a:spcBef>
+                          <a:spcPts val="0"/>
+                        </a:spcBef>
+                        <a:spcAft>
+                          <a:spcPts val="0"/>
+                        </a:spcAft>
+                        <a:buClrTx/>
+                        <a:buSzTx/>
+                        <a:buFontTx/>
+                        <a:buNone/>
+                        <a:tabLst/>
+                        <a:defRPr/>
+                      </a:pPr>
+                      <a:r>
+                        <a:rPr lang="es-AR" dirty="0" smtClean="0"/>
+                        <a:t>16-Sep</a:t>
+                      </a:r>
+                    </a:p>
+                  </a:txBody>
+                  <a:tcPr/>
+                </a:tc>
+                <a:tc>
+                  <a:txBody>
+                    <a:bodyPr/>
+                    <a:lstStyle/>
+                    <a:p>
+                      <a:pPr algn="ctr"/>
+                      <a:r>
+                        <a:rPr lang="es-AR" dirty="0" smtClean="0"/>
+                        <a:t>Media</a:t>
+                      </a:r>
+                      <a:endParaRPr lang="es-AR" dirty="0"/>
+                    </a:p>
+                  </a:txBody>
+                  <a:tcPr/>
+                </a:tc>
+              </a:tr>
+            </a:tbl>
+          </a:graphicData>
+        </a:graphic>
+      </p:graphicFrame>
+      <p:sp>
+        <p:nvSpPr>
+          <p:cNvPr id="8" name="Marcador de contenido 1"/>
           <p:cNvSpPr>
             <a:spLocks noGrp="1"/>
           </p:cNvSpPr>
@@ -9757,8 +10286,8 @@
         </p:nvSpPr>
         <p:spPr>
           <a:xfrm>
-            <a:off x="163773" y="1401149"/>
-            <a:ext cx="11847838" cy="5074555"/>
+            <a:off x="168970" y="1507277"/>
+            <a:ext cx="11847838" cy="509538"/>
           </a:xfrm>
         </p:spPr>
         <p:txBody>
@@ -9767,7 +10296,7 @@
           </a:bodyPr>
           <a:lstStyle/>
           <a:p>
-            <a:pPr marL="0" indent="0">
+            <a:pPr marL="0" indent="0" algn="ctr">
               <a:spcBef>
                 <a:spcPts val="1200"/>
               </a:spcBef>
@@ -9776,117 +10305,17 @@
               </a:spcAft>
               <a:buNone/>
             </a:pPr>
-            <a:endParaRPr lang="es-AR" dirty="0" smtClean="0"/>
-          </a:p>
-          <a:p>
-            <a:pPr marL="0" indent="0">
-              <a:spcBef>
-                <a:spcPts val="1200"/>
-              </a:spcBef>
-              <a:spcAft>
-                <a:spcPts val="600"/>
-              </a:spcAft>
-              <a:buNone/>
-            </a:pPr>
-            <a:r>
-              <a:rPr lang="es-AR" b="1" dirty="0" smtClean="0"/>
-              <a:t>Fase</a:t>
-            </a:r>
             <a:r>
               <a:rPr lang="es-AR" dirty="0" smtClean="0"/>
-              <a:t>: Construcción.</a:t>
-            </a:r>
-          </a:p>
-          <a:p>
-            <a:pPr marL="0" indent="0">
-              <a:spcBef>
-                <a:spcPts val="1200"/>
-              </a:spcBef>
-              <a:spcAft>
-                <a:spcPts val="600"/>
-              </a:spcAft>
-              <a:buNone/>
-            </a:pPr>
-            <a:r>
-              <a:rPr lang="es-AR" b="1" dirty="0" smtClean="0"/>
-              <a:t>Iteración</a:t>
-            </a:r>
-            <a:r>
-              <a:rPr lang="es-AR" dirty="0" smtClean="0"/>
-              <a:t>: N° 4.</a:t>
-            </a:r>
-          </a:p>
-          <a:p>
-            <a:pPr marL="0" indent="0">
-              <a:spcBef>
-                <a:spcPts val="1200"/>
-              </a:spcBef>
-              <a:spcAft>
-                <a:spcPts val="600"/>
-              </a:spcAft>
-              <a:buNone/>
-            </a:pPr>
-            <a:r>
-              <a:rPr lang="es-AR" b="1" dirty="0" smtClean="0"/>
-              <a:t>Fecha de inicio</a:t>
-            </a:r>
-            <a:r>
-              <a:rPr lang="es-AR" dirty="0" smtClean="0"/>
-              <a:t>: 01 de Septiembre de 2018.</a:t>
-            </a:r>
-          </a:p>
-          <a:p>
-            <a:pPr marL="0" indent="0">
-              <a:spcBef>
-                <a:spcPts val="1200"/>
-              </a:spcBef>
-              <a:spcAft>
-                <a:spcPts val="600"/>
-              </a:spcAft>
-              <a:buNone/>
-            </a:pPr>
-            <a:r>
-              <a:rPr lang="es-AR" b="1" dirty="0" smtClean="0"/>
-              <a:t>Fecha de fin</a:t>
-            </a:r>
-            <a:r>
-              <a:rPr lang="es-AR" dirty="0" smtClean="0"/>
-              <a:t>: 16 de Septiembre de 2018.</a:t>
-            </a:r>
-          </a:p>
-          <a:p>
-            <a:pPr marL="0" indent="0">
-              <a:buNone/>
-            </a:pPr>
-            <a:endParaRPr lang="es-AR" dirty="0" smtClean="0"/>
-          </a:p>
-          <a:p>
-            <a:pPr marL="0" indent="0">
-              <a:buNone/>
-            </a:pPr>
-            <a:endParaRPr lang="es-AR" sz="2000" dirty="0"/>
-          </a:p>
-          <a:p>
-            <a:pPr marL="0" indent="0">
-              <a:buNone/>
-            </a:pPr>
-            <a:r>
-              <a:rPr lang="es-AR" i="1" dirty="0" smtClean="0"/>
-              <a:t>Las actividades se encuentran sujetas a las conclusiones obtenidas durante esta presentación por lo que pueden ser modificada posteriormente. </a:t>
-            </a:r>
-          </a:p>
-          <a:p>
-            <a:pPr marL="0" indent="0">
-              <a:buNone/>
-            </a:pPr>
-            <a:endParaRPr lang="es-AR" dirty="0"/>
+              <a:t>Oyarzo Mariela</a:t>
+            </a:r>
           </a:p>
         </p:txBody>
       </p:sp>
     </p:spTree>
     <p:extLst>
       <p:ext uri="{BB962C8B-B14F-4D97-AF65-F5344CB8AC3E}">
-        <p14:creationId xmlns:p14="http://schemas.microsoft.com/office/powerpoint/2010/main" val="357477803"/>
+        <p14:creationId xmlns:p14="http://schemas.microsoft.com/office/powerpoint/2010/main" val="3837480749"/>
       </p:ext>
     </p:extLst>
   </p:cSld>
@@ -10011,14 +10440,14 @@
           <p:nvPr>
             <p:extLst>
               <p:ext uri="{D42A27DB-BD31-4B8C-83A1-F6EECF244321}">
-                <p14:modId xmlns:p14="http://schemas.microsoft.com/office/powerpoint/2010/main" val="2286812360"/>
+                <p14:modId xmlns:p14="http://schemas.microsoft.com/office/powerpoint/2010/main" val="666159431"/>
               </p:ext>
             </p:extLst>
           </p:nvPr>
         </p:nvGraphicFramePr>
         <p:xfrm>
-          <a:off x="1105469" y="2333766"/>
-          <a:ext cx="9949218" cy="3671248"/>
+          <a:off x="913098" y="2310304"/>
+          <a:ext cx="10248341" cy="3610383"/>
         </p:xfrm>
         <a:graphic>
           <a:graphicData uri="http://schemas.openxmlformats.org/drawingml/2006/table">
@@ -10027,12 +10456,12 @@
                 <a:tableStyleId>{6E25E649-3F16-4E02-A733-19D2CDBF48F0}</a:tableStyleId>
               </a:tblPr>
               <a:tblGrid>
-                <a:gridCol w="5829621"/>
-                <a:gridCol w="1347290"/>
-                <a:gridCol w="1088195"/>
-                <a:gridCol w="1684112"/>
+                <a:gridCol w="6004888"/>
+                <a:gridCol w="1387796"/>
+                <a:gridCol w="1120912"/>
+                <a:gridCol w="1734745"/>
               </a:tblGrid>
-              <a:tr h="524464">
+              <a:tr h="515769">
                 <a:tc>
                   <a:txBody>
                     <a:bodyPr/>
@@ -10040,21 +10469,21 @@
                     <a:p>
                       <a:pPr algn="ctr"/>
                       <a:r>
-                        <a:rPr lang="es-AR" dirty="0" smtClean="0">
+                        <a:rPr lang="es-AR" sz="1900" dirty="0" smtClean="0">
                           <a:solidFill>
                             <a:schemeClr val="bg1"/>
                           </a:solidFill>
                         </a:rPr>
                         <a:t>Nombre de la tarea</a:t>
                       </a:r>
-                      <a:endParaRPr lang="es-AR" dirty="0">
+                      <a:endParaRPr lang="es-AR" sz="1900" dirty="0">
                         <a:solidFill>
                           <a:schemeClr val="bg1"/>
                         </a:solidFill>
                       </a:endParaRPr>
                     </a:p>
                   </a:txBody>
-                  <a:tcPr/>
+                  <a:tcPr marL="97523" marR="97523" marT="48761" marB="48761"/>
                 </a:tc>
                 <a:tc>
                   <a:txBody>
@@ -10063,21 +10492,21 @@
                     <a:p>
                       <a:pPr algn="ctr"/>
                       <a:r>
-                        <a:rPr lang="es-AR" dirty="0" smtClean="0">
+                        <a:rPr lang="es-AR" sz="1900" dirty="0" smtClean="0">
                           <a:solidFill>
                             <a:schemeClr val="bg1"/>
                           </a:solidFill>
                         </a:rPr>
                         <a:t>Inicio</a:t>
                       </a:r>
-                      <a:endParaRPr lang="es-AR" dirty="0">
+                      <a:endParaRPr lang="es-AR" sz="1900" dirty="0">
                         <a:solidFill>
                           <a:schemeClr val="bg1"/>
                         </a:solidFill>
                       </a:endParaRPr>
                     </a:p>
                   </a:txBody>
-                  <a:tcPr/>
+                  <a:tcPr marL="97523" marR="97523" marT="48761" marB="48761"/>
                 </a:tc>
                 <a:tc>
                   <a:txBody>
@@ -10086,21 +10515,21 @@
                     <a:p>
                       <a:pPr algn="ctr"/>
                       <a:r>
-                        <a:rPr lang="es-AR" dirty="0" smtClean="0">
+                        <a:rPr lang="es-AR" sz="1900" dirty="0" smtClean="0">
                           <a:solidFill>
                             <a:schemeClr val="bg1"/>
                           </a:solidFill>
                         </a:rPr>
                         <a:t>Fin</a:t>
                       </a:r>
-                      <a:endParaRPr lang="es-AR" dirty="0">
+                      <a:endParaRPr lang="es-AR" sz="1900" dirty="0">
                         <a:solidFill>
                           <a:schemeClr val="bg1"/>
                         </a:solidFill>
                       </a:endParaRPr>
                     </a:p>
                   </a:txBody>
-                  <a:tcPr/>
+                  <a:tcPr marL="97523" marR="97523" marT="48761" marB="48761"/>
                 </a:tc>
                 <a:tc>
                   <a:txBody>
@@ -10109,37 +10538,41 @@
                     <a:p>
                       <a:pPr algn="ctr"/>
                       <a:r>
-                        <a:rPr lang="es-AR" dirty="0" smtClean="0">
+                        <a:rPr lang="es-AR" sz="1900" dirty="0" smtClean="0">
                           <a:solidFill>
                             <a:schemeClr val="bg1"/>
                           </a:solidFill>
                         </a:rPr>
                         <a:t>Prioridad</a:t>
                       </a:r>
-                      <a:endParaRPr lang="es-AR" dirty="0">
+                      <a:endParaRPr lang="es-AR" sz="1900" dirty="0">
                         <a:solidFill>
                           <a:schemeClr val="bg1"/>
                         </a:solidFill>
                       </a:endParaRPr>
                     </a:p>
                   </a:txBody>
-                  <a:tcPr/>
+                  <a:tcPr marL="97523" marR="97523" marT="48761" marB="48761"/>
                 </a:tc>
               </a:tr>
-              <a:tr h="524464">
+              <a:tr h="515769">
                 <a:tc>
                   <a:txBody>
                     <a:bodyPr/>
                     <a:lstStyle/>
                     <a:p>
                       <a:r>
-                        <a:rPr lang="es-AR" dirty="0" smtClean="0"/>
-                        <a:t>Continuar Glosario.</a:t>
-                      </a:r>
-                      <a:endParaRPr lang="es-AR" dirty="0"/>
+                        <a:rPr lang="es-AR" sz="1900" dirty="0" smtClean="0"/>
+                        <a:t>Modificar</a:t>
+                      </a:r>
+                      <a:r>
+                        <a:rPr lang="es-AR" sz="1900" baseline="0" dirty="0" smtClean="0"/>
+                        <a:t> CU10 – Notificar.</a:t>
+                      </a:r>
+                      <a:endParaRPr lang="es-AR" sz="1900" dirty="0"/>
                     </a:p>
                   </a:txBody>
-                  <a:tcPr/>
+                  <a:tcPr marL="97523" marR="97523" marT="48761" marB="48761"/>
                 </a:tc>
                 <a:tc>
                   <a:txBody>
@@ -10148,13 +10581,13 @@
                     <a:p>
                       <a:pPr algn="ctr"/>
                       <a:r>
-                        <a:rPr lang="es-AR" dirty="0" smtClean="0"/>
+                        <a:rPr lang="es-AR" sz="1900" dirty="0" smtClean="0"/>
                         <a:t>01-Sep</a:t>
                       </a:r>
-                      <a:endParaRPr lang="es-AR" dirty="0"/>
+                      <a:endParaRPr lang="es-AR" sz="1900" dirty="0"/>
                     </a:p>
                   </a:txBody>
-                  <a:tcPr/>
+                  <a:tcPr marL="97523" marR="97523" marT="48761" marB="48761"/>
                 </a:tc>
                 <a:tc>
                   <a:txBody>
@@ -10163,13 +10596,13 @@
                     <a:p>
                       <a:pPr algn="ctr"/>
                       <a:r>
-                        <a:rPr lang="es-AR" dirty="0" smtClean="0"/>
+                        <a:rPr lang="es-AR" sz="1900" dirty="0" smtClean="0"/>
                         <a:t>16-Sep</a:t>
                       </a:r>
-                      <a:endParaRPr lang="es-AR" dirty="0"/>
+                      <a:endParaRPr lang="es-AR" sz="1900" dirty="0"/>
                     </a:p>
                   </a:txBody>
-                  <a:tcPr/>
+                  <a:tcPr marL="97523" marR="97523" marT="48761" marB="48761"/>
                 </a:tc>
                 <a:tc>
                   <a:txBody>
@@ -10178,33 +10611,29 @@
                     <a:p>
                       <a:pPr algn="ctr"/>
                       <a:r>
-                        <a:rPr lang="es-AR" dirty="0" smtClean="0"/>
-                        <a:t>Baja</a:t>
-                      </a:r>
-                      <a:endParaRPr lang="es-AR" dirty="0"/>
+                        <a:rPr lang="es-AR" sz="1900" dirty="0" smtClean="0"/>
+                        <a:t>Media</a:t>
+                      </a:r>
+                      <a:endParaRPr lang="es-AR" sz="1900" dirty="0"/>
                     </a:p>
                   </a:txBody>
-                  <a:tcPr/>
+                  <a:tcPr marL="97523" marR="97523" marT="48761" marB="48761"/>
                 </a:tc>
               </a:tr>
-              <a:tr h="524464">
+              <a:tr h="515769">
                 <a:tc>
                   <a:txBody>
                     <a:bodyPr/>
                     <a:lstStyle/>
                     <a:p>
                       <a:r>
-                        <a:rPr lang="es-AR" dirty="0" smtClean="0"/>
-                        <a:t>Descargar archivos</a:t>
-                      </a:r>
-                      <a:r>
-                        <a:rPr lang="es-AR" baseline="0" dirty="0" smtClean="0"/>
-                        <a:t> Excel del corriente año.</a:t>
-                      </a:r>
-                      <a:endParaRPr lang="es-AR" dirty="0"/>
+                        <a:rPr lang="es-AR" sz="1900" dirty="0" smtClean="0"/>
+                        <a:t>Modificar Modelo de Casos de Uso.</a:t>
+                      </a:r>
+                      <a:endParaRPr lang="es-AR" sz="1900" dirty="0"/>
                     </a:p>
                   </a:txBody>
-                  <a:tcPr/>
+                  <a:tcPr marL="97523" marR="97523" marT="48761" marB="48761"/>
                 </a:tc>
                 <a:tc>
                   <a:txBody>
@@ -10229,12 +10658,12 @@
                         <a:defRPr/>
                       </a:pPr>
                       <a:r>
-                        <a:rPr lang="es-AR" dirty="0" smtClean="0"/>
+                        <a:rPr lang="es-AR" sz="1900" dirty="0" smtClean="0"/>
                         <a:t>01-Sep</a:t>
                       </a:r>
                     </a:p>
                   </a:txBody>
-                  <a:tcPr/>
+                  <a:tcPr marL="97523" marR="97523" marT="48761" marB="48761"/>
                 </a:tc>
                 <a:tc>
                   <a:txBody>
@@ -10259,12 +10688,12 @@
                         <a:defRPr/>
                       </a:pPr>
                       <a:r>
-                        <a:rPr lang="es-AR" dirty="0" smtClean="0"/>
+                        <a:rPr lang="es-AR" sz="1900" dirty="0" smtClean="0"/>
                         <a:t>16-Sep</a:t>
                       </a:r>
                     </a:p>
                   </a:txBody>
-                  <a:tcPr/>
+                  <a:tcPr marL="97523" marR="97523" marT="48761" marB="48761"/>
                 </a:tc>
                 <a:tc>
                   <a:txBody>
@@ -10273,33 +10702,33 @@
                     <a:p>
                       <a:pPr algn="ctr"/>
                       <a:r>
-                        <a:rPr lang="es-AR" dirty="0" smtClean="0"/>
+                        <a:rPr lang="es-AR" sz="1900" dirty="0" smtClean="0"/>
                         <a:t>Media</a:t>
                       </a:r>
-                      <a:endParaRPr lang="es-AR" dirty="0"/>
+                      <a:endParaRPr lang="es-AR" sz="1900" dirty="0"/>
                     </a:p>
                   </a:txBody>
-                  <a:tcPr/>
+                  <a:tcPr marL="97523" marR="97523" marT="48761" marB="48761"/>
                 </a:tc>
               </a:tr>
-              <a:tr h="524464">
+              <a:tr h="515769">
                 <a:tc>
                   <a:txBody>
                     <a:bodyPr/>
                     <a:lstStyle/>
                     <a:p>
                       <a:r>
-                        <a:rPr lang="es-AR" dirty="0" smtClean="0"/>
-                        <a:t>Completar CP</a:t>
-                      </a:r>
-                      <a:r>
-                        <a:rPr lang="es-AR" baseline="0" dirty="0" smtClean="0"/>
-                        <a:t> para CU02 – Importar horarios de cursada.</a:t>
-                      </a:r>
-                      <a:endParaRPr lang="es-AR" dirty="0"/>
+                        <a:rPr lang="es-AR" sz="1900" dirty="0" smtClean="0"/>
+                        <a:t>Continuar Arquitectura</a:t>
+                      </a:r>
+                      <a:r>
+                        <a:rPr lang="es-AR" sz="1900" baseline="0" dirty="0" smtClean="0"/>
+                        <a:t> del Sistema.</a:t>
+                      </a:r>
+                      <a:endParaRPr lang="es-AR" sz="1900" dirty="0"/>
                     </a:p>
                   </a:txBody>
-                  <a:tcPr/>
+                  <a:tcPr marL="97523" marR="97523" marT="48761" marB="48761"/>
                 </a:tc>
                 <a:tc>
                   <a:txBody>
@@ -10324,12 +10753,12 @@
                         <a:defRPr/>
                       </a:pPr>
                       <a:r>
-                        <a:rPr lang="es-AR" dirty="0" smtClean="0"/>
+                        <a:rPr lang="es-AR" sz="1900" dirty="0" smtClean="0"/>
                         <a:t>01-Sep</a:t>
                       </a:r>
                     </a:p>
                   </a:txBody>
-                  <a:tcPr/>
+                  <a:tcPr marL="97523" marR="97523" marT="48761" marB="48761"/>
                 </a:tc>
                 <a:tc>
                   <a:txBody>
@@ -10354,12 +10783,12 @@
                         <a:defRPr/>
                       </a:pPr>
                       <a:r>
-                        <a:rPr lang="es-AR" dirty="0" smtClean="0"/>
+                        <a:rPr lang="es-AR" sz="1900" dirty="0" smtClean="0"/>
                         <a:t>16-Sep</a:t>
                       </a:r>
                     </a:p>
                   </a:txBody>
-                  <a:tcPr/>
+                  <a:tcPr marL="97523" marR="97523" marT="48761" marB="48761"/>
                 </a:tc>
                 <a:tc>
                   <a:txBody>
@@ -10368,16 +10797,16 @@
                     <a:p>
                       <a:pPr algn="ctr"/>
                       <a:r>
-                        <a:rPr lang="es-AR" dirty="0" smtClean="0"/>
-                        <a:t>Alta</a:t>
-                      </a:r>
-                      <a:endParaRPr lang="es-AR" dirty="0"/>
+                        <a:rPr lang="es-AR" sz="1900" dirty="0" smtClean="0"/>
+                        <a:t>Media</a:t>
+                      </a:r>
+                      <a:endParaRPr lang="es-AR" sz="1900" dirty="0"/>
                     </a:p>
                   </a:txBody>
-                  <a:tcPr/>
+                  <a:tcPr marL="97523" marR="97523" marT="48761" marB="48761"/>
                 </a:tc>
               </a:tr>
-              <a:tr h="524464">
+              <a:tr h="515769">
                 <a:tc>
                   <a:txBody>
                     <a:bodyPr/>
@@ -10401,17 +10830,12 @@
                         <a:defRPr/>
                       </a:pPr>
                       <a:r>
-                        <a:rPr lang="es-AR" dirty="0" smtClean="0"/>
-                        <a:t>Completar CP</a:t>
-                      </a:r>
-                      <a:r>
-                        <a:rPr lang="es-AR" baseline="0" dirty="0" smtClean="0"/>
-                        <a:t> para CU03 – Importar mesas de examen.</a:t>
-                      </a:r>
-                      <a:endParaRPr lang="es-AR" dirty="0" smtClean="0"/>
+                        <a:rPr lang="es-AR" sz="1900" dirty="0" smtClean="0"/>
+                        <a:t>Continuar Plan de Pruebas.</a:t>
+                      </a:r>
                     </a:p>
                   </a:txBody>
-                  <a:tcPr/>
+                  <a:tcPr marL="97523" marR="97523" marT="48761" marB="48761"/>
                 </a:tc>
                 <a:tc>
                   <a:txBody>
@@ -10436,12 +10860,12 @@
                         <a:defRPr/>
                       </a:pPr>
                       <a:r>
-                        <a:rPr lang="es-AR" dirty="0" smtClean="0"/>
+                        <a:rPr lang="es-AR" sz="1900" dirty="0" smtClean="0"/>
                         <a:t>01-Sep</a:t>
                       </a:r>
                     </a:p>
                   </a:txBody>
-                  <a:tcPr/>
+                  <a:tcPr marL="97523" marR="97523" marT="48761" marB="48761"/>
                 </a:tc>
                 <a:tc>
                   <a:txBody>
@@ -10466,12 +10890,12 @@
                         <a:defRPr/>
                       </a:pPr>
                       <a:r>
-                        <a:rPr lang="es-AR" dirty="0" smtClean="0"/>
+                        <a:rPr lang="es-AR" sz="1900" dirty="0" smtClean="0"/>
                         <a:t>16-Sep</a:t>
                       </a:r>
                     </a:p>
                   </a:txBody>
-                  <a:tcPr/>
+                  <a:tcPr marL="97523" marR="97523" marT="48761" marB="48761"/>
                 </a:tc>
                 <a:tc>
                   <a:txBody>
@@ -10480,16 +10904,16 @@
                     <a:p>
                       <a:pPr algn="ctr"/>
                       <a:r>
-                        <a:rPr lang="es-AR" dirty="0" smtClean="0"/>
-                        <a:t>Alta</a:t>
-                      </a:r>
-                      <a:endParaRPr lang="es-AR" dirty="0"/>
+                        <a:rPr lang="es-AR" sz="1900" dirty="0" smtClean="0"/>
+                        <a:t>Baja</a:t>
+                      </a:r>
+                      <a:endParaRPr lang="es-AR" sz="1900" dirty="0"/>
                     </a:p>
                   </a:txBody>
-                  <a:tcPr/>
+                  <a:tcPr marL="97523" marR="97523" marT="48761" marB="48761"/>
                 </a:tc>
               </a:tr>
-              <a:tr h="524464">
+              <a:tr h="515769">
                 <a:tc>
                   <a:txBody>
                     <a:bodyPr/>
@@ -10513,17 +10937,17 @@
                         <a:defRPr/>
                       </a:pPr>
                       <a:r>
-                        <a:rPr lang="es-AR" dirty="0" smtClean="0"/>
-                        <a:t>Completar</a:t>
-                      </a:r>
-                      <a:r>
-                        <a:rPr lang="es-AR" baseline="0" dirty="0" smtClean="0"/>
-                        <a:t> CU11 – Informe mesa de examen</a:t>
-                      </a:r>
-                      <a:endParaRPr lang="es-AR" dirty="0" smtClean="0"/>
+                        <a:rPr lang="es-AR" sz="1900" dirty="0" smtClean="0"/>
+                        <a:t>Finalizar CU04 – Buscar</a:t>
+                      </a:r>
+                      <a:r>
+                        <a:rPr lang="es-AR" sz="1900" baseline="0" dirty="0" smtClean="0"/>
+                        <a:t> horario de cursada (APP)</a:t>
+                      </a:r>
+                      <a:endParaRPr lang="es-AR" sz="1900" dirty="0" smtClean="0"/>
                     </a:p>
                   </a:txBody>
-                  <a:tcPr/>
+                  <a:tcPr marL="97523" marR="97523" marT="48761" marB="48761"/>
                 </a:tc>
                 <a:tc>
                   <a:txBody>
@@ -10548,12 +10972,12 @@
                         <a:defRPr/>
                       </a:pPr>
                       <a:r>
-                        <a:rPr lang="es-AR" dirty="0" smtClean="0"/>
+                        <a:rPr lang="es-AR" sz="1900" dirty="0" smtClean="0"/>
                         <a:t>01-Sep</a:t>
                       </a:r>
                     </a:p>
                   </a:txBody>
-                  <a:tcPr/>
+                  <a:tcPr marL="97523" marR="97523" marT="48761" marB="48761"/>
                 </a:tc>
                 <a:tc>
                   <a:txBody>
@@ -10578,12 +11002,12 @@
                         <a:defRPr/>
                       </a:pPr>
                       <a:r>
-                        <a:rPr lang="es-AR" dirty="0" smtClean="0"/>
+                        <a:rPr lang="es-AR" sz="1900" dirty="0" smtClean="0"/>
                         <a:t>16-Sep</a:t>
                       </a:r>
                     </a:p>
                   </a:txBody>
-                  <a:tcPr/>
+                  <a:tcPr marL="97523" marR="97523" marT="48761" marB="48761"/>
                 </a:tc>
                 <a:tc>
                   <a:txBody>
@@ -10592,16 +11016,16 @@
                     <a:p>
                       <a:pPr algn="ctr"/>
                       <a:r>
-                        <a:rPr lang="es-AR" dirty="0" smtClean="0"/>
+                        <a:rPr lang="es-AR" sz="1900" dirty="0" smtClean="0"/>
                         <a:t>Alta</a:t>
                       </a:r>
-                      <a:endParaRPr lang="es-AR" dirty="0"/>
+                      <a:endParaRPr lang="es-AR" sz="1900" dirty="0"/>
                     </a:p>
                   </a:txBody>
-                  <a:tcPr/>
+                  <a:tcPr marL="97523" marR="97523" marT="48761" marB="48761"/>
                 </a:tc>
               </a:tr>
-              <a:tr h="524464">
+              <a:tr h="515769">
                 <a:tc>
                   <a:txBody>
                     <a:bodyPr/>
@@ -10625,17 +11049,17 @@
                         <a:defRPr/>
                       </a:pPr>
                       <a:r>
-                        <a:rPr lang="es-AR" dirty="0" smtClean="0"/>
-                        <a:t>Iniciar</a:t>
-                      </a:r>
-                      <a:r>
-                        <a:rPr lang="es-AR" baseline="0" dirty="0" smtClean="0"/>
-                        <a:t> manual de usuario (APP)</a:t>
-                      </a:r>
-                      <a:endParaRPr lang="es-AR" dirty="0" smtClean="0"/>
+                        <a:rPr lang="es-AR" sz="1900" dirty="0" smtClean="0"/>
+                        <a:t>Implementar</a:t>
+                      </a:r>
+                      <a:r>
+                        <a:rPr lang="es-AR" sz="1900" baseline="0" dirty="0" smtClean="0"/>
+                        <a:t> CU10 – Notificar.</a:t>
+                      </a:r>
+                      <a:endParaRPr lang="es-AR" sz="1900" dirty="0" smtClean="0"/>
                     </a:p>
                   </a:txBody>
-                  <a:tcPr/>
+                  <a:tcPr marL="97523" marR="97523" marT="48761" marB="48761"/>
                 </a:tc>
                 <a:tc>
                   <a:txBody>
@@ -10660,12 +11084,12 @@
                         <a:defRPr/>
                       </a:pPr>
                       <a:r>
-                        <a:rPr lang="es-AR" dirty="0" smtClean="0"/>
+                        <a:rPr lang="es-AR" sz="1900" dirty="0" smtClean="0"/>
                         <a:t>01-Sep</a:t>
                       </a:r>
                     </a:p>
                   </a:txBody>
-                  <a:tcPr/>
+                  <a:tcPr marL="97523" marR="97523" marT="48761" marB="48761"/>
                 </a:tc>
                 <a:tc>
                   <a:txBody>
@@ -10690,12 +11114,12 @@
                         <a:defRPr/>
                       </a:pPr>
                       <a:r>
-                        <a:rPr lang="es-AR" dirty="0" smtClean="0"/>
+                        <a:rPr lang="es-AR" sz="1900" dirty="0" smtClean="0"/>
                         <a:t>16-Sep</a:t>
                       </a:r>
                     </a:p>
                   </a:txBody>
-                  <a:tcPr/>
+                  <a:tcPr marL="97523" marR="97523" marT="48761" marB="48761"/>
                 </a:tc>
                 <a:tc>
                   <a:txBody>
@@ -10704,13 +11128,13 @@
                     <a:p>
                       <a:pPr algn="ctr"/>
                       <a:r>
-                        <a:rPr lang="es-AR" dirty="0" smtClean="0"/>
-                        <a:t>Media</a:t>
-                      </a:r>
-                      <a:endParaRPr lang="es-AR" dirty="0"/>
+                        <a:rPr lang="es-AR" sz="1900" dirty="0" smtClean="0"/>
+                        <a:t>Alta</a:t>
+                      </a:r>
+                      <a:endParaRPr lang="es-AR" sz="1900" dirty="0"/>
                     </a:p>
                   </a:txBody>
-                  <a:tcPr/>
+                  <a:tcPr marL="97523" marR="97523" marT="48761" marB="48761"/>
                 </a:tc>
               </a:tr>
             </a:tbl>
@@ -10729,7 +11153,7 @@
         </p:nvSpPr>
         <p:spPr>
           <a:xfrm>
-            <a:off x="168970" y="1507277"/>
+            <a:off x="168970" y="1544452"/>
             <a:ext cx="11847838" cy="509538"/>
           </a:xfrm>
         </p:spPr>
@@ -10750,7 +11174,7 @@
             </a:pPr>
             <a:r>
               <a:rPr lang="es-AR" dirty="0" smtClean="0"/>
-              <a:t>Oyarzo Mariela</a:t>
+              <a:t>Quiroga Sandra</a:t>
             </a:r>
           </a:p>
         </p:txBody>
@@ -10758,7 +11182,7 @@
     </p:spTree>
     <p:extLst>
       <p:ext uri="{BB962C8B-B14F-4D97-AF65-F5344CB8AC3E}">
-        <p14:creationId xmlns:p14="http://schemas.microsoft.com/office/powerpoint/2010/main" val="3837480749"/>
+        <p14:creationId xmlns:p14="http://schemas.microsoft.com/office/powerpoint/2010/main" val="1535279991"/>
       </p:ext>
     </p:extLst>
   </p:cSld>
@@ -10883,14 +11307,14 @@
           <p:nvPr>
             <p:extLst>
               <p:ext uri="{D42A27DB-BD31-4B8C-83A1-F6EECF244321}">
-                <p14:modId xmlns:p14="http://schemas.microsoft.com/office/powerpoint/2010/main" val="666159431"/>
+                <p14:modId xmlns:p14="http://schemas.microsoft.com/office/powerpoint/2010/main" val="1344923249"/>
               </p:ext>
             </p:extLst>
           </p:nvPr>
         </p:nvGraphicFramePr>
         <p:xfrm>
-          <a:off x="913098" y="2310304"/>
-          <a:ext cx="10248341" cy="3610383"/>
+          <a:off x="634620" y="2004118"/>
+          <a:ext cx="11013743" cy="4352400"/>
         </p:xfrm>
         <a:graphic>
           <a:graphicData uri="http://schemas.openxmlformats.org/drawingml/2006/table">
@@ -10899,12 +11323,12 @@
                 <a:tableStyleId>{6E25E649-3F16-4E02-A733-19D2CDBF48F0}</a:tableStyleId>
               </a:tblPr>
               <a:tblGrid>
-                <a:gridCol w="6004888"/>
-                <a:gridCol w="1387796"/>
-                <a:gridCol w="1120912"/>
-                <a:gridCol w="1734745"/>
+                <a:gridCol w="6453366"/>
+                <a:gridCol w="1491444"/>
+                <a:gridCol w="1204628"/>
+                <a:gridCol w="1864305"/>
               </a:tblGrid>
-              <a:tr h="515769">
+              <a:tr h="483600">
                 <a:tc>
                   <a:txBody>
                     <a:bodyPr/>
@@ -10912,21 +11336,21 @@
                     <a:p>
                       <a:pPr algn="ctr"/>
                       <a:r>
-                        <a:rPr lang="es-AR" sz="1900" dirty="0" smtClean="0">
+                        <a:rPr lang="es-AR" dirty="0" smtClean="0">
                           <a:solidFill>
                             <a:schemeClr val="bg1"/>
                           </a:solidFill>
                         </a:rPr>
                         <a:t>Nombre de la tarea</a:t>
                       </a:r>
-                      <a:endParaRPr lang="es-AR" sz="1900" dirty="0">
+                      <a:endParaRPr lang="es-AR" dirty="0">
                         <a:solidFill>
                           <a:schemeClr val="bg1"/>
                         </a:solidFill>
                       </a:endParaRPr>
                     </a:p>
                   </a:txBody>
-                  <a:tcPr marL="97523" marR="97523" marT="48761" marB="48761"/>
+                  <a:tcPr/>
                 </a:tc>
                 <a:tc>
                   <a:txBody>
@@ -10935,21 +11359,21 @@
                     <a:p>
                       <a:pPr algn="ctr"/>
                       <a:r>
-                        <a:rPr lang="es-AR" sz="1900" dirty="0" smtClean="0">
+                        <a:rPr lang="es-AR" dirty="0" smtClean="0">
                           <a:solidFill>
                             <a:schemeClr val="bg1"/>
                           </a:solidFill>
                         </a:rPr>
                         <a:t>Inicio</a:t>
                       </a:r>
-                      <a:endParaRPr lang="es-AR" sz="1900" dirty="0">
+                      <a:endParaRPr lang="es-AR" dirty="0">
                         <a:solidFill>
                           <a:schemeClr val="bg1"/>
                         </a:solidFill>
                       </a:endParaRPr>
                     </a:p>
                   </a:txBody>
-                  <a:tcPr marL="97523" marR="97523" marT="48761" marB="48761"/>
+                  <a:tcPr/>
                 </a:tc>
                 <a:tc>
                   <a:txBody>
@@ -10958,21 +11382,21 @@
                     <a:p>
                       <a:pPr algn="ctr"/>
                       <a:r>
-                        <a:rPr lang="es-AR" sz="1900" dirty="0" smtClean="0">
+                        <a:rPr lang="es-AR" dirty="0" smtClean="0">
                           <a:solidFill>
                             <a:schemeClr val="bg1"/>
                           </a:solidFill>
                         </a:rPr>
                         <a:t>Fin</a:t>
                       </a:r>
-                      <a:endParaRPr lang="es-AR" sz="1900" dirty="0">
+                      <a:endParaRPr lang="es-AR" dirty="0">
                         <a:solidFill>
                           <a:schemeClr val="bg1"/>
                         </a:solidFill>
                       </a:endParaRPr>
                     </a:p>
                   </a:txBody>
-                  <a:tcPr marL="97523" marR="97523" marT="48761" marB="48761"/>
+                  <a:tcPr/>
                 </a:tc>
                 <a:tc>
                   <a:txBody>
@@ -10981,41 +11405,37 @@
                     <a:p>
                       <a:pPr algn="ctr"/>
                       <a:r>
-                        <a:rPr lang="es-AR" sz="1900" dirty="0" smtClean="0">
+                        <a:rPr lang="es-AR" dirty="0" smtClean="0">
                           <a:solidFill>
                             <a:schemeClr val="bg1"/>
                           </a:solidFill>
                         </a:rPr>
                         <a:t>Prioridad</a:t>
                       </a:r>
-                      <a:endParaRPr lang="es-AR" sz="1900" dirty="0">
+                      <a:endParaRPr lang="es-AR" dirty="0">
                         <a:solidFill>
                           <a:schemeClr val="bg1"/>
                         </a:solidFill>
                       </a:endParaRPr>
                     </a:p>
                   </a:txBody>
-                  <a:tcPr marL="97523" marR="97523" marT="48761" marB="48761"/>
+                  <a:tcPr/>
                 </a:tc>
               </a:tr>
-              <a:tr h="515769">
+              <a:tr h="483600">
                 <a:tc>
                   <a:txBody>
                     <a:bodyPr/>
                     <a:lstStyle/>
                     <a:p>
                       <a:r>
-                        <a:rPr lang="es-AR" sz="1900" dirty="0" smtClean="0"/>
-                        <a:t>Modificar</a:t>
-                      </a:r>
-                      <a:r>
-                        <a:rPr lang="es-AR" sz="1900" baseline="0" dirty="0" smtClean="0"/>
-                        <a:t> CU10 – Notificar.</a:t>
-                      </a:r>
-                      <a:endParaRPr lang="es-AR" sz="1900" dirty="0"/>
+                        <a:rPr lang="es-AR" dirty="0" smtClean="0"/>
+                        <a:t>Modificar CU06 – Modificar horario de cursada.</a:t>
+                      </a:r>
+                      <a:endParaRPr lang="es-AR" dirty="0"/>
                     </a:p>
                   </a:txBody>
-                  <a:tcPr marL="97523" marR="97523" marT="48761" marB="48761"/>
+                  <a:tcPr/>
                 </a:tc>
                 <a:tc>
                   <a:txBody>
@@ -11024,13 +11444,13 @@
                     <a:p>
                       <a:pPr algn="ctr"/>
                       <a:r>
-                        <a:rPr lang="es-AR" sz="1900" dirty="0" smtClean="0"/>
+                        <a:rPr lang="es-AR" dirty="0" smtClean="0"/>
                         <a:t>01-Sep</a:t>
                       </a:r>
-                      <a:endParaRPr lang="es-AR" sz="1900" dirty="0"/>
+                      <a:endParaRPr lang="es-AR" dirty="0"/>
                     </a:p>
                   </a:txBody>
-                  <a:tcPr marL="97523" marR="97523" marT="48761" marB="48761"/>
+                  <a:tcPr/>
                 </a:tc>
                 <a:tc>
                   <a:txBody>
@@ -11039,13 +11459,13 @@
                     <a:p>
                       <a:pPr algn="ctr"/>
                       <a:r>
-                        <a:rPr lang="es-AR" sz="1900" dirty="0" smtClean="0"/>
+                        <a:rPr lang="es-AR" dirty="0" smtClean="0"/>
                         <a:t>16-Sep</a:t>
                       </a:r>
-                      <a:endParaRPr lang="es-AR" sz="1900" dirty="0"/>
+                      <a:endParaRPr lang="es-AR" dirty="0"/>
                     </a:p>
                   </a:txBody>
-                  <a:tcPr marL="97523" marR="97523" marT="48761" marB="48761"/>
+                  <a:tcPr/>
                 </a:tc>
                 <a:tc>
                   <a:txBody>
@@ -11054,29 +11474,29 @@
                     <a:p>
                       <a:pPr algn="ctr"/>
                       <a:r>
-                        <a:rPr lang="es-AR" sz="1900" dirty="0" smtClean="0"/>
+                        <a:rPr lang="es-AR" dirty="0" smtClean="0"/>
                         <a:t>Media</a:t>
                       </a:r>
-                      <a:endParaRPr lang="es-AR" sz="1900" dirty="0"/>
+                      <a:endParaRPr lang="es-AR" dirty="0"/>
                     </a:p>
                   </a:txBody>
-                  <a:tcPr marL="97523" marR="97523" marT="48761" marB="48761"/>
+                  <a:tcPr/>
                 </a:tc>
               </a:tr>
-              <a:tr h="515769">
+              <a:tr h="483600">
                 <a:tc>
                   <a:txBody>
                     <a:bodyPr/>
                     <a:lstStyle/>
                     <a:p>
                       <a:r>
-                        <a:rPr lang="es-AR" sz="1900" dirty="0" smtClean="0"/>
-                        <a:t>Modificar Modelo de Casos de Uso.</a:t>
-                      </a:r>
-                      <a:endParaRPr lang="es-AR" sz="1900" dirty="0"/>
+                        <a:rPr lang="es-AR" dirty="0" smtClean="0"/>
+                        <a:t>Modificar CU07 – Modificar mesa de examen.</a:t>
+                      </a:r>
+                      <a:endParaRPr lang="es-AR" dirty="0"/>
                     </a:p>
                   </a:txBody>
-                  <a:tcPr marL="97523" marR="97523" marT="48761" marB="48761"/>
+                  <a:tcPr/>
                 </a:tc>
                 <a:tc>
                   <a:txBody>
@@ -11101,12 +11521,12 @@
                         <a:defRPr/>
                       </a:pPr>
                       <a:r>
-                        <a:rPr lang="es-AR" sz="1900" dirty="0" smtClean="0"/>
+                        <a:rPr lang="es-AR" dirty="0" smtClean="0"/>
                         <a:t>01-Sep</a:t>
                       </a:r>
                     </a:p>
                   </a:txBody>
-                  <a:tcPr marL="97523" marR="97523" marT="48761" marB="48761"/>
+                  <a:tcPr/>
                 </a:tc>
                 <a:tc>
                   <a:txBody>
@@ -11131,12 +11551,12 @@
                         <a:defRPr/>
                       </a:pPr>
                       <a:r>
-                        <a:rPr lang="es-AR" sz="1900" dirty="0" smtClean="0"/>
+                        <a:rPr lang="es-AR" dirty="0" smtClean="0"/>
                         <a:t>16-Sep</a:t>
                       </a:r>
                     </a:p>
                   </a:txBody>
-                  <a:tcPr marL="97523" marR="97523" marT="48761" marB="48761"/>
+                  <a:tcPr/>
                 </a:tc>
                 <a:tc>
                   <a:txBody>
@@ -11145,33 +11565,29 @@
                     <a:p>
                       <a:pPr algn="ctr"/>
                       <a:r>
-                        <a:rPr lang="es-AR" sz="1900" dirty="0" smtClean="0"/>
+                        <a:rPr lang="es-AR" dirty="0" smtClean="0"/>
                         <a:t>Media</a:t>
                       </a:r>
-                      <a:endParaRPr lang="es-AR" sz="1900" dirty="0"/>
+                      <a:endParaRPr lang="es-AR" dirty="0"/>
                     </a:p>
                   </a:txBody>
-                  <a:tcPr marL="97523" marR="97523" marT="48761" marB="48761"/>
+                  <a:tcPr/>
                 </a:tc>
               </a:tr>
-              <a:tr h="515769">
+              <a:tr h="483600">
                 <a:tc>
                   <a:txBody>
                     <a:bodyPr/>
                     <a:lstStyle/>
                     <a:p>
                       <a:r>
-                        <a:rPr lang="es-AR" sz="1900" dirty="0" smtClean="0"/>
-                        <a:t>Continuar Arquitectura</a:t>
-                      </a:r>
-                      <a:r>
-                        <a:rPr lang="es-AR" sz="1900" baseline="0" dirty="0" smtClean="0"/>
-                        <a:t> del Sistema.</a:t>
-                      </a:r>
-                      <a:endParaRPr lang="es-AR" sz="1900" dirty="0"/>
+                        <a:rPr lang="es-AR" dirty="0" smtClean="0"/>
+                        <a:t>Modificar Modelo de Datos.</a:t>
+                      </a:r>
+                      <a:endParaRPr lang="es-AR" dirty="0"/>
                     </a:p>
                   </a:txBody>
-                  <a:tcPr marL="97523" marR="97523" marT="48761" marB="48761"/>
+                  <a:tcPr/>
                 </a:tc>
                 <a:tc>
                   <a:txBody>
@@ -11196,12 +11612,12 @@
                         <a:defRPr/>
                       </a:pPr>
                       <a:r>
-                        <a:rPr lang="es-AR" sz="1900" dirty="0" smtClean="0"/>
+                        <a:rPr lang="es-AR" dirty="0" smtClean="0"/>
                         <a:t>01-Sep</a:t>
                       </a:r>
                     </a:p>
                   </a:txBody>
-                  <a:tcPr marL="97523" marR="97523" marT="48761" marB="48761"/>
+                  <a:tcPr/>
                 </a:tc>
                 <a:tc>
                   <a:txBody>
@@ -11226,12 +11642,12 @@
                         <a:defRPr/>
                       </a:pPr>
                       <a:r>
-                        <a:rPr lang="es-AR" sz="1900" dirty="0" smtClean="0"/>
+                        <a:rPr lang="es-AR" dirty="0" smtClean="0"/>
                         <a:t>16-Sep</a:t>
                       </a:r>
                     </a:p>
                   </a:txBody>
-                  <a:tcPr marL="97523" marR="97523" marT="48761" marB="48761"/>
+                  <a:tcPr/>
                 </a:tc>
                 <a:tc>
                   <a:txBody>
@@ -11240,16 +11656,16 @@
                     <a:p>
                       <a:pPr algn="ctr"/>
                       <a:r>
-                        <a:rPr lang="es-AR" sz="1900" dirty="0" smtClean="0"/>
+                        <a:rPr lang="es-AR" dirty="0" smtClean="0"/>
                         <a:t>Media</a:t>
                       </a:r>
-                      <a:endParaRPr lang="es-AR" sz="1900" dirty="0"/>
+                      <a:endParaRPr lang="es-AR" dirty="0"/>
                     </a:p>
                   </a:txBody>
-                  <a:tcPr marL="97523" marR="97523" marT="48761" marB="48761"/>
+                  <a:tcPr/>
                 </a:tc>
               </a:tr>
-              <a:tr h="515769">
+              <a:tr h="483600">
                 <a:tc>
                   <a:txBody>
                     <a:bodyPr/>
@@ -11273,12 +11689,17 @@
                         <a:defRPr/>
                       </a:pPr>
                       <a:r>
-                        <a:rPr lang="es-AR" sz="1900" dirty="0" smtClean="0"/>
-                        <a:t>Continuar Plan de Pruebas.</a:t>
-                      </a:r>
+                        <a:rPr lang="es-AR" dirty="0" smtClean="0"/>
+                        <a:t>Modificar</a:t>
+                      </a:r>
+                      <a:r>
+                        <a:rPr lang="es-AR" baseline="0" dirty="0" smtClean="0"/>
+                        <a:t> base de datos.</a:t>
+                      </a:r>
+                      <a:endParaRPr lang="es-AR" dirty="0" smtClean="0"/>
                     </a:p>
                   </a:txBody>
-                  <a:tcPr marL="97523" marR="97523" marT="48761" marB="48761"/>
+                  <a:tcPr/>
                 </a:tc>
                 <a:tc>
                   <a:txBody>
@@ -11303,12 +11724,12 @@
                         <a:defRPr/>
                       </a:pPr>
                       <a:r>
-                        <a:rPr lang="es-AR" sz="1900" dirty="0" smtClean="0"/>
+                        <a:rPr lang="es-AR" dirty="0" smtClean="0"/>
                         <a:t>01-Sep</a:t>
                       </a:r>
                     </a:p>
                   </a:txBody>
-                  <a:tcPr marL="97523" marR="97523" marT="48761" marB="48761"/>
+                  <a:tcPr/>
                 </a:tc>
                 <a:tc>
                   <a:txBody>
@@ -11333,12 +11754,12 @@
                         <a:defRPr/>
                       </a:pPr>
                       <a:r>
-                        <a:rPr lang="es-AR" sz="1900" dirty="0" smtClean="0"/>
+                        <a:rPr lang="es-AR" dirty="0" smtClean="0"/>
                         <a:t>16-Sep</a:t>
                       </a:r>
                     </a:p>
                   </a:txBody>
-                  <a:tcPr marL="97523" marR="97523" marT="48761" marB="48761"/>
+                  <a:tcPr/>
                 </a:tc>
                 <a:tc>
                   <a:txBody>
@@ -11347,16 +11768,16 @@
                     <a:p>
                       <a:pPr algn="ctr"/>
                       <a:r>
-                        <a:rPr lang="es-AR" sz="1900" dirty="0" smtClean="0"/>
-                        <a:t>Baja</a:t>
-                      </a:r>
-                      <a:endParaRPr lang="es-AR" sz="1900" dirty="0"/>
+                        <a:rPr lang="es-AR" dirty="0" smtClean="0"/>
+                        <a:t>Media</a:t>
+                      </a:r>
+                      <a:endParaRPr lang="es-AR" dirty="0"/>
                     </a:p>
                   </a:txBody>
-                  <a:tcPr marL="97523" marR="97523" marT="48761" marB="48761"/>
+                  <a:tcPr/>
                 </a:tc>
               </a:tr>
-              <a:tr h="515769">
+              <a:tr h="483600">
                 <a:tc>
                   <a:txBody>
                     <a:bodyPr/>
@@ -11380,17 +11801,17 @@
                         <a:defRPr/>
                       </a:pPr>
                       <a:r>
-                        <a:rPr lang="es-AR" sz="1900" dirty="0" smtClean="0"/>
-                        <a:t>Finalizar CU04 – Buscar</a:t>
-                      </a:r>
-                      <a:r>
-                        <a:rPr lang="es-AR" sz="1900" baseline="0" dirty="0" smtClean="0"/>
-                        <a:t> horario de cursada (APP)</a:t>
-                      </a:r>
-                      <a:endParaRPr lang="es-AR" sz="1900" dirty="0" smtClean="0"/>
+                        <a:rPr lang="es-AR" dirty="0" smtClean="0"/>
+                        <a:t>Continuar Modelo</a:t>
+                      </a:r>
+                      <a:r>
+                        <a:rPr lang="es-AR" baseline="0" dirty="0" smtClean="0"/>
+                        <a:t> de Diseño.</a:t>
+                      </a:r>
+                      <a:endParaRPr lang="es-AR" dirty="0" smtClean="0"/>
                     </a:p>
                   </a:txBody>
-                  <a:tcPr marL="97523" marR="97523" marT="48761" marB="48761"/>
+                  <a:tcPr/>
                 </a:tc>
                 <a:tc>
                   <a:txBody>
@@ -11415,12 +11836,12 @@
                         <a:defRPr/>
                       </a:pPr>
                       <a:r>
-                        <a:rPr lang="es-AR" sz="1900" dirty="0" smtClean="0"/>
+                        <a:rPr lang="es-AR" dirty="0" smtClean="0"/>
                         <a:t>01-Sep</a:t>
                       </a:r>
                     </a:p>
                   </a:txBody>
-                  <a:tcPr marL="97523" marR="97523" marT="48761" marB="48761"/>
+                  <a:tcPr/>
                 </a:tc>
                 <a:tc>
                   <a:txBody>
@@ -11445,12 +11866,12 @@
                         <a:defRPr/>
                       </a:pPr>
                       <a:r>
-                        <a:rPr lang="es-AR" sz="1900" dirty="0" smtClean="0"/>
+                        <a:rPr lang="es-AR" dirty="0" smtClean="0"/>
                         <a:t>16-Sep</a:t>
                       </a:r>
                     </a:p>
                   </a:txBody>
-                  <a:tcPr marL="97523" marR="97523" marT="48761" marB="48761"/>
+                  <a:tcPr/>
                 </a:tc>
                 <a:tc>
                   <a:txBody>
@@ -11459,16 +11880,16 @@
                     <a:p>
                       <a:pPr algn="ctr"/>
                       <a:r>
-                        <a:rPr lang="es-AR" sz="1900" dirty="0" smtClean="0"/>
-                        <a:t>Alta</a:t>
-                      </a:r>
-                      <a:endParaRPr lang="es-AR" sz="1900" dirty="0"/>
+                        <a:rPr lang="es-AR" dirty="0" smtClean="0"/>
+                        <a:t>Media</a:t>
+                      </a:r>
+                      <a:endParaRPr lang="es-AR" dirty="0"/>
                     </a:p>
                   </a:txBody>
-                  <a:tcPr marL="97523" marR="97523" marT="48761" marB="48761"/>
+                  <a:tcPr/>
                 </a:tc>
               </a:tr>
-              <a:tr h="515769">
+              <a:tr h="483600">
                 <a:tc>
                   <a:txBody>
                     <a:bodyPr/>
@@ -11492,17 +11913,17 @@
                         <a:defRPr/>
                       </a:pPr>
                       <a:r>
-                        <a:rPr lang="es-AR" sz="1900" dirty="0" smtClean="0"/>
-                        <a:t>Implementar</a:t>
-                      </a:r>
-                      <a:r>
-                        <a:rPr lang="es-AR" sz="1900" baseline="0" dirty="0" smtClean="0"/>
-                        <a:t> CU10 – Notificar.</a:t>
-                      </a:r>
-                      <a:endParaRPr lang="es-AR" sz="1900" dirty="0" smtClean="0"/>
+                        <a:rPr lang="es-AR" dirty="0" smtClean="0"/>
+                        <a:t>Implementar modificación</a:t>
+                      </a:r>
+                      <a:r>
+                        <a:rPr lang="es-AR" baseline="0" dirty="0" smtClean="0"/>
+                        <a:t> CU06 – Modificar horario de cursada.</a:t>
+                      </a:r>
+                      <a:endParaRPr lang="es-AR" dirty="0" smtClean="0"/>
                     </a:p>
                   </a:txBody>
-                  <a:tcPr marL="97523" marR="97523" marT="48761" marB="48761"/>
+                  <a:tcPr/>
                 </a:tc>
                 <a:tc>
                   <a:txBody>
@@ -11527,12 +11948,12 @@
                         <a:defRPr/>
                       </a:pPr>
                       <a:r>
-                        <a:rPr lang="es-AR" sz="1900" dirty="0" smtClean="0"/>
+                        <a:rPr lang="es-AR" dirty="0" smtClean="0"/>
                         <a:t>01-Sep</a:t>
                       </a:r>
                     </a:p>
                   </a:txBody>
-                  <a:tcPr marL="97523" marR="97523" marT="48761" marB="48761"/>
+                  <a:tcPr/>
                 </a:tc>
                 <a:tc>
                   <a:txBody>
@@ -11557,12 +11978,12 @@
                         <a:defRPr/>
                       </a:pPr>
                       <a:r>
-                        <a:rPr lang="es-AR" sz="1900" dirty="0" smtClean="0"/>
+                        <a:rPr lang="es-AR" dirty="0" smtClean="0"/>
                         <a:t>16-Sep</a:t>
                       </a:r>
                     </a:p>
                   </a:txBody>
-                  <a:tcPr marL="97523" marR="97523" marT="48761" marB="48761"/>
+                  <a:tcPr/>
                 </a:tc>
                 <a:tc>
                   <a:txBody>
@@ -11571,13 +11992,232 @@
                     <a:p>
                       <a:pPr algn="ctr"/>
                       <a:r>
-                        <a:rPr lang="es-AR" sz="1900" dirty="0" smtClean="0"/>
+                        <a:rPr lang="es-AR" dirty="0" smtClean="0"/>
                         <a:t>Alta</a:t>
                       </a:r>
-                      <a:endParaRPr lang="es-AR" sz="1900" dirty="0"/>
+                      <a:endParaRPr lang="es-AR" dirty="0"/>
                     </a:p>
                   </a:txBody>
-                  <a:tcPr marL="97523" marR="97523" marT="48761" marB="48761"/>
+                  <a:tcPr/>
+                </a:tc>
+              </a:tr>
+              <a:tr h="483600">
+                <a:tc>
+                  <a:txBody>
+                    <a:bodyPr/>
+                    <a:lstStyle/>
+                    <a:p>
+                      <a:pPr marL="0" marR="0" lvl="0" indent="0" algn="l" defTabSz="914400" rtl="0" eaLnBrk="1" fontAlgn="auto" latinLnBrk="0" hangingPunct="1">
+                        <a:lnSpc>
+                          <a:spcPct val="100000"/>
+                        </a:lnSpc>
+                        <a:spcBef>
+                          <a:spcPts val="0"/>
+                        </a:spcBef>
+                        <a:spcAft>
+                          <a:spcPts val="0"/>
+                        </a:spcAft>
+                        <a:buClrTx/>
+                        <a:buSzTx/>
+                        <a:buFontTx/>
+                        <a:buNone/>
+                        <a:tabLst/>
+                        <a:defRPr/>
+                      </a:pPr>
+                      <a:r>
+                        <a:rPr lang="es-AR" dirty="0" smtClean="0"/>
+                        <a:t>Implementar modificación CU07 – Modificar mesa</a:t>
+                      </a:r>
+                      <a:r>
+                        <a:rPr lang="es-AR" baseline="0" dirty="0" smtClean="0"/>
+                        <a:t> de examen.</a:t>
+                      </a:r>
+                      <a:endParaRPr lang="es-AR" dirty="0" smtClean="0"/>
+                    </a:p>
+                  </a:txBody>
+                  <a:tcPr/>
+                </a:tc>
+                <a:tc>
+                  <a:txBody>
+                    <a:bodyPr/>
+                    <a:lstStyle/>
+                    <a:p>
+                      <a:pPr marL="0" marR="0" lvl="0" indent="0" algn="ctr" defTabSz="914400" rtl="0" eaLnBrk="1" fontAlgn="auto" latinLnBrk="0" hangingPunct="1">
+                        <a:lnSpc>
+                          <a:spcPct val="100000"/>
+                        </a:lnSpc>
+                        <a:spcBef>
+                          <a:spcPts val="0"/>
+                        </a:spcBef>
+                        <a:spcAft>
+                          <a:spcPts val="0"/>
+                        </a:spcAft>
+                        <a:buClrTx/>
+                        <a:buSzTx/>
+                        <a:buFontTx/>
+                        <a:buNone/>
+                        <a:tabLst/>
+                        <a:defRPr/>
+                      </a:pPr>
+                      <a:r>
+                        <a:rPr lang="es-AR" dirty="0" smtClean="0"/>
+                        <a:t>01-Sep</a:t>
+                      </a:r>
+                    </a:p>
+                  </a:txBody>
+                  <a:tcPr/>
+                </a:tc>
+                <a:tc>
+                  <a:txBody>
+                    <a:bodyPr/>
+                    <a:lstStyle/>
+                    <a:p>
+                      <a:pPr marL="0" marR="0" lvl="0" indent="0" algn="ctr" defTabSz="914400" rtl="0" eaLnBrk="1" fontAlgn="auto" latinLnBrk="0" hangingPunct="1">
+                        <a:lnSpc>
+                          <a:spcPct val="100000"/>
+                        </a:lnSpc>
+                        <a:spcBef>
+                          <a:spcPts val="0"/>
+                        </a:spcBef>
+                        <a:spcAft>
+                          <a:spcPts val="0"/>
+                        </a:spcAft>
+                        <a:buClrTx/>
+                        <a:buSzTx/>
+                        <a:buFontTx/>
+                        <a:buNone/>
+                        <a:tabLst/>
+                        <a:defRPr/>
+                      </a:pPr>
+                      <a:r>
+                        <a:rPr lang="es-AR" dirty="0" smtClean="0"/>
+                        <a:t>16-Sep</a:t>
+                      </a:r>
+                    </a:p>
+                  </a:txBody>
+                  <a:tcPr/>
+                </a:tc>
+                <a:tc>
+                  <a:txBody>
+                    <a:bodyPr/>
+                    <a:lstStyle/>
+                    <a:p>
+                      <a:pPr algn="ctr"/>
+                      <a:r>
+                        <a:rPr lang="es-AR" dirty="0" smtClean="0"/>
+                        <a:t>Alta</a:t>
+                      </a:r>
+                      <a:endParaRPr lang="es-AR" dirty="0"/>
+                    </a:p>
+                  </a:txBody>
+                  <a:tcPr/>
+                </a:tc>
+              </a:tr>
+              <a:tr h="483600">
+                <a:tc>
+                  <a:txBody>
+                    <a:bodyPr/>
+                    <a:lstStyle/>
+                    <a:p>
+                      <a:pPr marL="0" marR="0" lvl="0" indent="0" algn="l" defTabSz="914400" rtl="0" eaLnBrk="1" fontAlgn="auto" latinLnBrk="0" hangingPunct="1">
+                        <a:lnSpc>
+                          <a:spcPct val="100000"/>
+                        </a:lnSpc>
+                        <a:spcBef>
+                          <a:spcPts val="0"/>
+                        </a:spcBef>
+                        <a:spcAft>
+                          <a:spcPts val="0"/>
+                        </a:spcAft>
+                        <a:buClrTx/>
+                        <a:buSzTx/>
+                        <a:buFontTx/>
+                        <a:buNone/>
+                        <a:tabLst/>
+                        <a:defRPr/>
+                      </a:pPr>
+                      <a:r>
+                        <a:rPr lang="es-AR" dirty="0" smtClean="0"/>
+                        <a:t>Planificar nueva iteración.</a:t>
+                      </a:r>
+                    </a:p>
+                  </a:txBody>
+                  <a:tcPr/>
+                </a:tc>
+                <a:tc>
+                  <a:txBody>
+                    <a:bodyPr/>
+                    <a:lstStyle/>
+                    <a:p>
+                      <a:pPr marL="0" marR="0" lvl="0" indent="0" algn="ctr" defTabSz="914400" rtl="0" eaLnBrk="1" fontAlgn="auto" latinLnBrk="0" hangingPunct="1">
+                        <a:lnSpc>
+                          <a:spcPct val="100000"/>
+                        </a:lnSpc>
+                        <a:spcBef>
+                          <a:spcPts val="0"/>
+                        </a:spcBef>
+                        <a:spcAft>
+                          <a:spcPts val="0"/>
+                        </a:spcAft>
+                        <a:buClrTx/>
+                        <a:buSzTx/>
+                        <a:buFontTx/>
+                        <a:buNone/>
+                        <a:tabLst/>
+                        <a:defRPr/>
+                      </a:pPr>
+                      <a:r>
+                        <a:rPr lang="es-AR" dirty="0" smtClean="0"/>
+                        <a:t>15-Sep</a:t>
+                      </a:r>
+                    </a:p>
+                  </a:txBody>
+                  <a:tcPr/>
+                </a:tc>
+                <a:tc>
+                  <a:txBody>
+                    <a:bodyPr/>
+                    <a:lstStyle/>
+                    <a:p>
+                      <a:pPr marL="0" marR="0" lvl="0" indent="0" algn="ctr" defTabSz="914400" rtl="0" eaLnBrk="1" fontAlgn="auto" latinLnBrk="0" hangingPunct="1">
+                        <a:lnSpc>
+                          <a:spcPct val="100000"/>
+                        </a:lnSpc>
+                        <a:spcBef>
+                          <a:spcPts val="0"/>
+                        </a:spcBef>
+                        <a:spcAft>
+                          <a:spcPts val="0"/>
+                        </a:spcAft>
+                        <a:buClrTx/>
+                        <a:buSzTx/>
+                        <a:buFontTx/>
+                        <a:buNone/>
+                        <a:tabLst/>
+                        <a:defRPr/>
+                      </a:pPr>
+                      <a:r>
+                        <a:rPr lang="es-AR" dirty="0" smtClean="0"/>
+                        <a:t>16-Sep</a:t>
+                      </a:r>
+                    </a:p>
+                  </a:txBody>
+                  <a:tcPr/>
+                </a:tc>
+                <a:tc>
+                  <a:txBody>
+                    <a:bodyPr/>
+                    <a:lstStyle/>
+                    <a:p>
+                      <a:pPr algn="ctr"/>
+                      <a:r>
+                        <a:rPr lang="es-AR" dirty="0" smtClean="0"/>
+                        <a:t>Baja</a:t>
+                      </a:r>
+                      <a:endParaRPr lang="es-AR" dirty="0"/>
+                    </a:p>
+                  </a:txBody>
+                  <a:tcPr/>
                 </a:tc>
               </a:tr>
             </a:tbl>
@@ -11596,7 +12236,7 @@
         </p:nvSpPr>
         <p:spPr>
           <a:xfrm>
-            <a:off x="168970" y="1544452"/>
+            <a:off x="172841" y="1494580"/>
             <a:ext cx="11847838" cy="509538"/>
           </a:xfrm>
         </p:spPr>
@@ -11617,7 +12257,7 @@
             </a:pPr>
             <a:r>
               <a:rPr lang="es-AR" dirty="0" smtClean="0"/>
-              <a:t>Quiroga Sandra</a:t>
+              <a:t>Márquez Emanuel</a:t>
             </a:r>
           </a:p>
         </p:txBody>
@@ -11625,7 +12265,7 @@
     </p:spTree>
     <p:extLst>
       <p:ext uri="{BB962C8B-B14F-4D97-AF65-F5344CB8AC3E}">
-        <p14:creationId xmlns:p14="http://schemas.microsoft.com/office/powerpoint/2010/main" val="1535279991"/>
+        <p14:creationId xmlns:p14="http://schemas.microsoft.com/office/powerpoint/2010/main" val="1484177780"/>
       </p:ext>
     </p:extLst>
   </p:cSld>
@@ -11688,7 +12328,7 @@
           <a:p>
             <a:r>
               <a:rPr lang="es-AR" dirty="0" smtClean="0"/>
-              <a:t>Planificación Iteración 4</a:t>
+              <a:t>Fin de presentación</a:t>
             </a:r>
             <a:endParaRPr lang="es-AR" dirty="0"/>
           </a:p>
@@ -11736,1809 +12376,6 @@
               <a:rPr lang="es-AR" smtClean="0"/>
               <a:pPr/>
               <a:t>17</a:t>
-            </a:fld>
-            <a:endParaRPr lang="es-AR" dirty="0"/>
-          </a:p>
-        </p:txBody>
-      </p:sp>
-      <p:graphicFrame>
-        <p:nvGraphicFramePr>
-          <p:cNvPr id="7" name="Tabla 6"/>
-          <p:cNvGraphicFramePr>
-            <a:graphicFrameLocks noGrp="1"/>
-          </p:cNvGraphicFramePr>
-          <p:nvPr>
-            <p:extLst>
-              <p:ext uri="{D42A27DB-BD31-4B8C-83A1-F6EECF244321}">
-                <p14:modId xmlns:p14="http://schemas.microsoft.com/office/powerpoint/2010/main" val="1344923249"/>
-              </p:ext>
-            </p:extLst>
-          </p:nvPr>
-        </p:nvGraphicFramePr>
-        <p:xfrm>
-          <a:off x="634620" y="2004118"/>
-          <a:ext cx="11013743" cy="4352400"/>
-        </p:xfrm>
-        <a:graphic>
-          <a:graphicData uri="http://schemas.openxmlformats.org/drawingml/2006/table">
-            <a:tbl>
-              <a:tblPr firstRow="1" bandRow="1">
-                <a:tableStyleId>{6E25E649-3F16-4E02-A733-19D2CDBF48F0}</a:tableStyleId>
-              </a:tblPr>
-              <a:tblGrid>
-                <a:gridCol w="6453366"/>
-                <a:gridCol w="1491444"/>
-                <a:gridCol w="1204628"/>
-                <a:gridCol w="1864305"/>
-              </a:tblGrid>
-              <a:tr h="483600">
-                <a:tc>
-                  <a:txBody>
-                    <a:bodyPr/>
-                    <a:lstStyle/>
-                    <a:p>
-                      <a:pPr algn="ctr"/>
-                      <a:r>
-                        <a:rPr lang="es-AR" dirty="0" smtClean="0">
-                          <a:solidFill>
-                            <a:schemeClr val="bg1"/>
-                          </a:solidFill>
-                        </a:rPr>
-                        <a:t>Nombre de la tarea</a:t>
-                      </a:r>
-                      <a:endParaRPr lang="es-AR" dirty="0">
-                        <a:solidFill>
-                          <a:schemeClr val="bg1"/>
-                        </a:solidFill>
-                      </a:endParaRPr>
-                    </a:p>
-                  </a:txBody>
-                  <a:tcPr/>
-                </a:tc>
-                <a:tc>
-                  <a:txBody>
-                    <a:bodyPr/>
-                    <a:lstStyle/>
-                    <a:p>
-                      <a:pPr algn="ctr"/>
-                      <a:r>
-                        <a:rPr lang="es-AR" dirty="0" smtClean="0">
-                          <a:solidFill>
-                            <a:schemeClr val="bg1"/>
-                          </a:solidFill>
-                        </a:rPr>
-                        <a:t>Inicio</a:t>
-                      </a:r>
-                      <a:endParaRPr lang="es-AR" dirty="0">
-                        <a:solidFill>
-                          <a:schemeClr val="bg1"/>
-                        </a:solidFill>
-                      </a:endParaRPr>
-                    </a:p>
-                  </a:txBody>
-                  <a:tcPr/>
-                </a:tc>
-                <a:tc>
-                  <a:txBody>
-                    <a:bodyPr/>
-                    <a:lstStyle/>
-                    <a:p>
-                      <a:pPr algn="ctr"/>
-                      <a:r>
-                        <a:rPr lang="es-AR" dirty="0" smtClean="0">
-                          <a:solidFill>
-                            <a:schemeClr val="bg1"/>
-                          </a:solidFill>
-                        </a:rPr>
-                        <a:t>Fin</a:t>
-                      </a:r>
-                      <a:endParaRPr lang="es-AR" dirty="0">
-                        <a:solidFill>
-                          <a:schemeClr val="bg1"/>
-                        </a:solidFill>
-                      </a:endParaRPr>
-                    </a:p>
-                  </a:txBody>
-                  <a:tcPr/>
-                </a:tc>
-                <a:tc>
-                  <a:txBody>
-                    <a:bodyPr/>
-                    <a:lstStyle/>
-                    <a:p>
-                      <a:pPr algn="ctr"/>
-                      <a:r>
-                        <a:rPr lang="es-AR" dirty="0" smtClean="0">
-                          <a:solidFill>
-                            <a:schemeClr val="bg1"/>
-                          </a:solidFill>
-                        </a:rPr>
-                        <a:t>Prioridad</a:t>
-                      </a:r>
-                      <a:endParaRPr lang="es-AR" dirty="0">
-                        <a:solidFill>
-                          <a:schemeClr val="bg1"/>
-                        </a:solidFill>
-                      </a:endParaRPr>
-                    </a:p>
-                  </a:txBody>
-                  <a:tcPr/>
-                </a:tc>
-              </a:tr>
-              <a:tr h="483600">
-                <a:tc>
-                  <a:txBody>
-                    <a:bodyPr/>
-                    <a:lstStyle/>
-                    <a:p>
-                      <a:r>
-                        <a:rPr lang="es-AR" dirty="0" smtClean="0"/>
-                        <a:t>Modificar CU06 – Modificar horario de cursada.</a:t>
-                      </a:r>
-                      <a:endParaRPr lang="es-AR" dirty="0"/>
-                    </a:p>
-                  </a:txBody>
-                  <a:tcPr/>
-                </a:tc>
-                <a:tc>
-                  <a:txBody>
-                    <a:bodyPr/>
-                    <a:lstStyle/>
-                    <a:p>
-                      <a:pPr algn="ctr"/>
-                      <a:r>
-                        <a:rPr lang="es-AR" dirty="0" smtClean="0"/>
-                        <a:t>01-Sep</a:t>
-                      </a:r>
-                      <a:endParaRPr lang="es-AR" dirty="0"/>
-                    </a:p>
-                  </a:txBody>
-                  <a:tcPr/>
-                </a:tc>
-                <a:tc>
-                  <a:txBody>
-                    <a:bodyPr/>
-                    <a:lstStyle/>
-                    <a:p>
-                      <a:pPr algn="ctr"/>
-                      <a:r>
-                        <a:rPr lang="es-AR" dirty="0" smtClean="0"/>
-                        <a:t>16-Sep</a:t>
-                      </a:r>
-                      <a:endParaRPr lang="es-AR" dirty="0"/>
-                    </a:p>
-                  </a:txBody>
-                  <a:tcPr/>
-                </a:tc>
-                <a:tc>
-                  <a:txBody>
-                    <a:bodyPr/>
-                    <a:lstStyle/>
-                    <a:p>
-                      <a:pPr algn="ctr"/>
-                      <a:r>
-                        <a:rPr lang="es-AR" dirty="0" smtClean="0"/>
-                        <a:t>Media</a:t>
-                      </a:r>
-                      <a:endParaRPr lang="es-AR" dirty="0"/>
-                    </a:p>
-                  </a:txBody>
-                  <a:tcPr/>
-                </a:tc>
-              </a:tr>
-              <a:tr h="483600">
-                <a:tc>
-                  <a:txBody>
-                    <a:bodyPr/>
-                    <a:lstStyle/>
-                    <a:p>
-                      <a:r>
-                        <a:rPr lang="es-AR" dirty="0" smtClean="0"/>
-                        <a:t>Modificar CU07 – Modificar mesa de examen.</a:t>
-                      </a:r>
-                      <a:endParaRPr lang="es-AR" dirty="0"/>
-                    </a:p>
-                  </a:txBody>
-                  <a:tcPr/>
-                </a:tc>
-                <a:tc>
-                  <a:txBody>
-                    <a:bodyPr/>
-                    <a:lstStyle/>
-                    <a:p>
-                      <a:pPr marL="0" marR="0" lvl="0" indent="0" algn="ctr" defTabSz="914400" rtl="0" eaLnBrk="1" fontAlgn="auto" latinLnBrk="0" hangingPunct="1">
-                        <a:lnSpc>
-                          <a:spcPct val="100000"/>
-                        </a:lnSpc>
-                        <a:spcBef>
-                          <a:spcPts val="0"/>
-                        </a:spcBef>
-                        <a:spcAft>
-                          <a:spcPts val="0"/>
-                        </a:spcAft>
-                        <a:buClrTx/>
-                        <a:buSzTx/>
-                        <a:buFontTx/>
-                        <a:buNone/>
-                        <a:tabLst/>
-                        <a:defRPr/>
-                      </a:pPr>
-                      <a:r>
-                        <a:rPr lang="es-AR" dirty="0" smtClean="0"/>
-                        <a:t>01-Sep</a:t>
-                      </a:r>
-                    </a:p>
-                  </a:txBody>
-                  <a:tcPr/>
-                </a:tc>
-                <a:tc>
-                  <a:txBody>
-                    <a:bodyPr/>
-                    <a:lstStyle/>
-                    <a:p>
-                      <a:pPr marL="0" marR="0" lvl="0" indent="0" algn="ctr" defTabSz="914400" rtl="0" eaLnBrk="1" fontAlgn="auto" latinLnBrk="0" hangingPunct="1">
-                        <a:lnSpc>
-                          <a:spcPct val="100000"/>
-                        </a:lnSpc>
-                        <a:spcBef>
-                          <a:spcPts val="0"/>
-                        </a:spcBef>
-                        <a:spcAft>
-                          <a:spcPts val="0"/>
-                        </a:spcAft>
-                        <a:buClrTx/>
-                        <a:buSzTx/>
-                        <a:buFontTx/>
-                        <a:buNone/>
-                        <a:tabLst/>
-                        <a:defRPr/>
-                      </a:pPr>
-                      <a:r>
-                        <a:rPr lang="es-AR" dirty="0" smtClean="0"/>
-                        <a:t>16-Sep</a:t>
-                      </a:r>
-                    </a:p>
-                  </a:txBody>
-                  <a:tcPr/>
-                </a:tc>
-                <a:tc>
-                  <a:txBody>
-                    <a:bodyPr/>
-                    <a:lstStyle/>
-                    <a:p>
-                      <a:pPr algn="ctr"/>
-                      <a:r>
-                        <a:rPr lang="es-AR" dirty="0" smtClean="0"/>
-                        <a:t>Media</a:t>
-                      </a:r>
-                      <a:endParaRPr lang="es-AR" dirty="0"/>
-                    </a:p>
-                  </a:txBody>
-                  <a:tcPr/>
-                </a:tc>
-              </a:tr>
-              <a:tr h="483600">
-                <a:tc>
-                  <a:txBody>
-                    <a:bodyPr/>
-                    <a:lstStyle/>
-                    <a:p>
-                      <a:r>
-                        <a:rPr lang="es-AR" dirty="0" smtClean="0"/>
-                        <a:t>Modificar Modelo de Datos.</a:t>
-                      </a:r>
-                      <a:endParaRPr lang="es-AR" dirty="0"/>
-                    </a:p>
-                  </a:txBody>
-                  <a:tcPr/>
-                </a:tc>
-                <a:tc>
-                  <a:txBody>
-                    <a:bodyPr/>
-                    <a:lstStyle/>
-                    <a:p>
-                      <a:pPr marL="0" marR="0" lvl="0" indent="0" algn="ctr" defTabSz="914400" rtl="0" eaLnBrk="1" fontAlgn="auto" latinLnBrk="0" hangingPunct="1">
-                        <a:lnSpc>
-                          <a:spcPct val="100000"/>
-                        </a:lnSpc>
-                        <a:spcBef>
-                          <a:spcPts val="0"/>
-                        </a:spcBef>
-                        <a:spcAft>
-                          <a:spcPts val="0"/>
-                        </a:spcAft>
-                        <a:buClrTx/>
-                        <a:buSzTx/>
-                        <a:buFontTx/>
-                        <a:buNone/>
-                        <a:tabLst/>
-                        <a:defRPr/>
-                      </a:pPr>
-                      <a:r>
-                        <a:rPr lang="es-AR" dirty="0" smtClean="0"/>
-                        <a:t>01-Sep</a:t>
-                      </a:r>
-                    </a:p>
-                  </a:txBody>
-                  <a:tcPr/>
-                </a:tc>
-                <a:tc>
-                  <a:txBody>
-                    <a:bodyPr/>
-                    <a:lstStyle/>
-                    <a:p>
-                      <a:pPr marL="0" marR="0" lvl="0" indent="0" algn="ctr" defTabSz="914400" rtl="0" eaLnBrk="1" fontAlgn="auto" latinLnBrk="0" hangingPunct="1">
-                        <a:lnSpc>
-                          <a:spcPct val="100000"/>
-                        </a:lnSpc>
-                        <a:spcBef>
-                          <a:spcPts val="0"/>
-                        </a:spcBef>
-                        <a:spcAft>
-                          <a:spcPts val="0"/>
-                        </a:spcAft>
-                        <a:buClrTx/>
-                        <a:buSzTx/>
-                        <a:buFontTx/>
-                        <a:buNone/>
-                        <a:tabLst/>
-                        <a:defRPr/>
-                      </a:pPr>
-                      <a:r>
-                        <a:rPr lang="es-AR" dirty="0" smtClean="0"/>
-                        <a:t>16-Sep</a:t>
-                      </a:r>
-                    </a:p>
-                  </a:txBody>
-                  <a:tcPr/>
-                </a:tc>
-                <a:tc>
-                  <a:txBody>
-                    <a:bodyPr/>
-                    <a:lstStyle/>
-                    <a:p>
-                      <a:pPr algn="ctr"/>
-                      <a:r>
-                        <a:rPr lang="es-AR" dirty="0" smtClean="0"/>
-                        <a:t>Media</a:t>
-                      </a:r>
-                      <a:endParaRPr lang="es-AR" dirty="0"/>
-                    </a:p>
-                  </a:txBody>
-                  <a:tcPr/>
-                </a:tc>
-              </a:tr>
-              <a:tr h="483600">
-                <a:tc>
-                  <a:txBody>
-                    <a:bodyPr/>
-                    <a:lstStyle/>
-                    <a:p>
-                      <a:pPr marL="0" marR="0" lvl="0" indent="0" algn="l" defTabSz="914400" rtl="0" eaLnBrk="1" fontAlgn="auto" latinLnBrk="0" hangingPunct="1">
-                        <a:lnSpc>
-                          <a:spcPct val="100000"/>
-                        </a:lnSpc>
-                        <a:spcBef>
-                          <a:spcPts val="0"/>
-                        </a:spcBef>
-                        <a:spcAft>
-                          <a:spcPts val="0"/>
-                        </a:spcAft>
-                        <a:buClrTx/>
-                        <a:buSzTx/>
-                        <a:buFontTx/>
-                        <a:buNone/>
-                        <a:tabLst/>
-                        <a:defRPr/>
-                      </a:pPr>
-                      <a:r>
-                        <a:rPr lang="es-AR" dirty="0" smtClean="0"/>
-                        <a:t>Modificar</a:t>
-                      </a:r>
-                      <a:r>
-                        <a:rPr lang="es-AR" baseline="0" dirty="0" smtClean="0"/>
-                        <a:t> base de datos.</a:t>
-                      </a:r>
-                      <a:endParaRPr lang="es-AR" dirty="0" smtClean="0"/>
-                    </a:p>
-                  </a:txBody>
-                  <a:tcPr/>
-                </a:tc>
-                <a:tc>
-                  <a:txBody>
-                    <a:bodyPr/>
-                    <a:lstStyle/>
-                    <a:p>
-                      <a:pPr marL="0" marR="0" lvl="0" indent="0" algn="ctr" defTabSz="914400" rtl="0" eaLnBrk="1" fontAlgn="auto" latinLnBrk="0" hangingPunct="1">
-                        <a:lnSpc>
-                          <a:spcPct val="100000"/>
-                        </a:lnSpc>
-                        <a:spcBef>
-                          <a:spcPts val="0"/>
-                        </a:spcBef>
-                        <a:spcAft>
-                          <a:spcPts val="0"/>
-                        </a:spcAft>
-                        <a:buClrTx/>
-                        <a:buSzTx/>
-                        <a:buFontTx/>
-                        <a:buNone/>
-                        <a:tabLst/>
-                        <a:defRPr/>
-                      </a:pPr>
-                      <a:r>
-                        <a:rPr lang="es-AR" dirty="0" smtClean="0"/>
-                        <a:t>01-Sep</a:t>
-                      </a:r>
-                    </a:p>
-                  </a:txBody>
-                  <a:tcPr/>
-                </a:tc>
-                <a:tc>
-                  <a:txBody>
-                    <a:bodyPr/>
-                    <a:lstStyle/>
-                    <a:p>
-                      <a:pPr marL="0" marR="0" lvl="0" indent="0" algn="ctr" defTabSz="914400" rtl="0" eaLnBrk="1" fontAlgn="auto" latinLnBrk="0" hangingPunct="1">
-                        <a:lnSpc>
-                          <a:spcPct val="100000"/>
-                        </a:lnSpc>
-                        <a:spcBef>
-                          <a:spcPts val="0"/>
-                        </a:spcBef>
-                        <a:spcAft>
-                          <a:spcPts val="0"/>
-                        </a:spcAft>
-                        <a:buClrTx/>
-                        <a:buSzTx/>
-                        <a:buFontTx/>
-                        <a:buNone/>
-                        <a:tabLst/>
-                        <a:defRPr/>
-                      </a:pPr>
-                      <a:r>
-                        <a:rPr lang="es-AR" dirty="0" smtClean="0"/>
-                        <a:t>16-Sep</a:t>
-                      </a:r>
-                    </a:p>
-                  </a:txBody>
-                  <a:tcPr/>
-                </a:tc>
-                <a:tc>
-                  <a:txBody>
-                    <a:bodyPr/>
-                    <a:lstStyle/>
-                    <a:p>
-                      <a:pPr algn="ctr"/>
-                      <a:r>
-                        <a:rPr lang="es-AR" dirty="0" smtClean="0"/>
-                        <a:t>Media</a:t>
-                      </a:r>
-                      <a:endParaRPr lang="es-AR" dirty="0"/>
-                    </a:p>
-                  </a:txBody>
-                  <a:tcPr/>
-                </a:tc>
-              </a:tr>
-              <a:tr h="483600">
-                <a:tc>
-                  <a:txBody>
-                    <a:bodyPr/>
-                    <a:lstStyle/>
-                    <a:p>
-                      <a:pPr marL="0" marR="0" lvl="0" indent="0" algn="l" defTabSz="914400" rtl="0" eaLnBrk="1" fontAlgn="auto" latinLnBrk="0" hangingPunct="1">
-                        <a:lnSpc>
-                          <a:spcPct val="100000"/>
-                        </a:lnSpc>
-                        <a:spcBef>
-                          <a:spcPts val="0"/>
-                        </a:spcBef>
-                        <a:spcAft>
-                          <a:spcPts val="0"/>
-                        </a:spcAft>
-                        <a:buClrTx/>
-                        <a:buSzTx/>
-                        <a:buFontTx/>
-                        <a:buNone/>
-                        <a:tabLst/>
-                        <a:defRPr/>
-                      </a:pPr>
-                      <a:r>
-                        <a:rPr lang="es-AR" dirty="0" smtClean="0"/>
-                        <a:t>Continuar Modelo</a:t>
-                      </a:r>
-                      <a:r>
-                        <a:rPr lang="es-AR" baseline="0" dirty="0" smtClean="0"/>
-                        <a:t> de Diseño.</a:t>
-                      </a:r>
-                      <a:endParaRPr lang="es-AR" dirty="0" smtClean="0"/>
-                    </a:p>
-                  </a:txBody>
-                  <a:tcPr/>
-                </a:tc>
-                <a:tc>
-                  <a:txBody>
-                    <a:bodyPr/>
-                    <a:lstStyle/>
-                    <a:p>
-                      <a:pPr marL="0" marR="0" lvl="0" indent="0" algn="ctr" defTabSz="914400" rtl="0" eaLnBrk="1" fontAlgn="auto" latinLnBrk="0" hangingPunct="1">
-                        <a:lnSpc>
-                          <a:spcPct val="100000"/>
-                        </a:lnSpc>
-                        <a:spcBef>
-                          <a:spcPts val="0"/>
-                        </a:spcBef>
-                        <a:spcAft>
-                          <a:spcPts val="0"/>
-                        </a:spcAft>
-                        <a:buClrTx/>
-                        <a:buSzTx/>
-                        <a:buFontTx/>
-                        <a:buNone/>
-                        <a:tabLst/>
-                        <a:defRPr/>
-                      </a:pPr>
-                      <a:r>
-                        <a:rPr lang="es-AR" dirty="0" smtClean="0"/>
-                        <a:t>01-Sep</a:t>
-                      </a:r>
-                    </a:p>
-                  </a:txBody>
-                  <a:tcPr/>
-                </a:tc>
-                <a:tc>
-                  <a:txBody>
-                    <a:bodyPr/>
-                    <a:lstStyle/>
-                    <a:p>
-                      <a:pPr marL="0" marR="0" lvl="0" indent="0" algn="ctr" defTabSz="914400" rtl="0" eaLnBrk="1" fontAlgn="auto" latinLnBrk="0" hangingPunct="1">
-                        <a:lnSpc>
-                          <a:spcPct val="100000"/>
-                        </a:lnSpc>
-                        <a:spcBef>
-                          <a:spcPts val="0"/>
-                        </a:spcBef>
-                        <a:spcAft>
-                          <a:spcPts val="0"/>
-                        </a:spcAft>
-                        <a:buClrTx/>
-                        <a:buSzTx/>
-                        <a:buFontTx/>
-                        <a:buNone/>
-                        <a:tabLst/>
-                        <a:defRPr/>
-                      </a:pPr>
-                      <a:r>
-                        <a:rPr lang="es-AR" dirty="0" smtClean="0"/>
-                        <a:t>16-Sep</a:t>
-                      </a:r>
-                    </a:p>
-                  </a:txBody>
-                  <a:tcPr/>
-                </a:tc>
-                <a:tc>
-                  <a:txBody>
-                    <a:bodyPr/>
-                    <a:lstStyle/>
-                    <a:p>
-                      <a:pPr algn="ctr"/>
-                      <a:r>
-                        <a:rPr lang="es-AR" dirty="0" smtClean="0"/>
-                        <a:t>Media</a:t>
-                      </a:r>
-                      <a:endParaRPr lang="es-AR" dirty="0"/>
-                    </a:p>
-                  </a:txBody>
-                  <a:tcPr/>
-                </a:tc>
-              </a:tr>
-              <a:tr h="483600">
-                <a:tc>
-                  <a:txBody>
-                    <a:bodyPr/>
-                    <a:lstStyle/>
-                    <a:p>
-                      <a:pPr marL="0" marR="0" lvl="0" indent="0" algn="l" defTabSz="914400" rtl="0" eaLnBrk="1" fontAlgn="auto" latinLnBrk="0" hangingPunct="1">
-                        <a:lnSpc>
-                          <a:spcPct val="100000"/>
-                        </a:lnSpc>
-                        <a:spcBef>
-                          <a:spcPts val="0"/>
-                        </a:spcBef>
-                        <a:spcAft>
-                          <a:spcPts val="0"/>
-                        </a:spcAft>
-                        <a:buClrTx/>
-                        <a:buSzTx/>
-                        <a:buFontTx/>
-                        <a:buNone/>
-                        <a:tabLst/>
-                        <a:defRPr/>
-                      </a:pPr>
-                      <a:r>
-                        <a:rPr lang="es-AR" dirty="0" smtClean="0"/>
-                        <a:t>Implementar modificación</a:t>
-                      </a:r>
-                      <a:r>
-                        <a:rPr lang="es-AR" baseline="0" dirty="0" smtClean="0"/>
-                        <a:t> CU06 – Modificar horario de cursada.</a:t>
-                      </a:r>
-                      <a:endParaRPr lang="es-AR" dirty="0" smtClean="0"/>
-                    </a:p>
-                  </a:txBody>
-                  <a:tcPr/>
-                </a:tc>
-                <a:tc>
-                  <a:txBody>
-                    <a:bodyPr/>
-                    <a:lstStyle/>
-                    <a:p>
-                      <a:pPr marL="0" marR="0" lvl="0" indent="0" algn="ctr" defTabSz="914400" rtl="0" eaLnBrk="1" fontAlgn="auto" latinLnBrk="0" hangingPunct="1">
-                        <a:lnSpc>
-                          <a:spcPct val="100000"/>
-                        </a:lnSpc>
-                        <a:spcBef>
-                          <a:spcPts val="0"/>
-                        </a:spcBef>
-                        <a:spcAft>
-                          <a:spcPts val="0"/>
-                        </a:spcAft>
-                        <a:buClrTx/>
-                        <a:buSzTx/>
-                        <a:buFontTx/>
-                        <a:buNone/>
-                        <a:tabLst/>
-                        <a:defRPr/>
-                      </a:pPr>
-                      <a:r>
-                        <a:rPr lang="es-AR" dirty="0" smtClean="0"/>
-                        <a:t>01-Sep</a:t>
-                      </a:r>
-                    </a:p>
-                  </a:txBody>
-                  <a:tcPr/>
-                </a:tc>
-                <a:tc>
-                  <a:txBody>
-                    <a:bodyPr/>
-                    <a:lstStyle/>
-                    <a:p>
-                      <a:pPr marL="0" marR="0" lvl="0" indent="0" algn="ctr" defTabSz="914400" rtl="0" eaLnBrk="1" fontAlgn="auto" latinLnBrk="0" hangingPunct="1">
-                        <a:lnSpc>
-                          <a:spcPct val="100000"/>
-                        </a:lnSpc>
-                        <a:spcBef>
-                          <a:spcPts val="0"/>
-                        </a:spcBef>
-                        <a:spcAft>
-                          <a:spcPts val="0"/>
-                        </a:spcAft>
-                        <a:buClrTx/>
-                        <a:buSzTx/>
-                        <a:buFontTx/>
-                        <a:buNone/>
-                        <a:tabLst/>
-                        <a:defRPr/>
-                      </a:pPr>
-                      <a:r>
-                        <a:rPr lang="es-AR" dirty="0" smtClean="0"/>
-                        <a:t>16-Sep</a:t>
-                      </a:r>
-                    </a:p>
-                  </a:txBody>
-                  <a:tcPr/>
-                </a:tc>
-                <a:tc>
-                  <a:txBody>
-                    <a:bodyPr/>
-                    <a:lstStyle/>
-                    <a:p>
-                      <a:pPr algn="ctr"/>
-                      <a:r>
-                        <a:rPr lang="es-AR" dirty="0" smtClean="0"/>
-                        <a:t>Alta</a:t>
-                      </a:r>
-                      <a:endParaRPr lang="es-AR" dirty="0"/>
-                    </a:p>
-                  </a:txBody>
-                  <a:tcPr/>
-                </a:tc>
-              </a:tr>
-              <a:tr h="483600">
-                <a:tc>
-                  <a:txBody>
-                    <a:bodyPr/>
-                    <a:lstStyle/>
-                    <a:p>
-                      <a:pPr marL="0" marR="0" lvl="0" indent="0" algn="l" defTabSz="914400" rtl="0" eaLnBrk="1" fontAlgn="auto" latinLnBrk="0" hangingPunct="1">
-                        <a:lnSpc>
-                          <a:spcPct val="100000"/>
-                        </a:lnSpc>
-                        <a:spcBef>
-                          <a:spcPts val="0"/>
-                        </a:spcBef>
-                        <a:spcAft>
-                          <a:spcPts val="0"/>
-                        </a:spcAft>
-                        <a:buClrTx/>
-                        <a:buSzTx/>
-                        <a:buFontTx/>
-                        <a:buNone/>
-                        <a:tabLst/>
-                        <a:defRPr/>
-                      </a:pPr>
-                      <a:r>
-                        <a:rPr lang="es-AR" dirty="0" smtClean="0"/>
-                        <a:t>Implementar modificación CU07 – Modificar mesa</a:t>
-                      </a:r>
-                      <a:r>
-                        <a:rPr lang="es-AR" baseline="0" dirty="0" smtClean="0"/>
-                        <a:t> de examen.</a:t>
-                      </a:r>
-                      <a:endParaRPr lang="es-AR" dirty="0" smtClean="0"/>
-                    </a:p>
-                  </a:txBody>
-                  <a:tcPr/>
-                </a:tc>
-                <a:tc>
-                  <a:txBody>
-                    <a:bodyPr/>
-                    <a:lstStyle/>
-                    <a:p>
-                      <a:pPr marL="0" marR="0" lvl="0" indent="0" algn="ctr" defTabSz="914400" rtl="0" eaLnBrk="1" fontAlgn="auto" latinLnBrk="0" hangingPunct="1">
-                        <a:lnSpc>
-                          <a:spcPct val="100000"/>
-                        </a:lnSpc>
-                        <a:spcBef>
-                          <a:spcPts val="0"/>
-                        </a:spcBef>
-                        <a:spcAft>
-                          <a:spcPts val="0"/>
-                        </a:spcAft>
-                        <a:buClrTx/>
-                        <a:buSzTx/>
-                        <a:buFontTx/>
-                        <a:buNone/>
-                        <a:tabLst/>
-                        <a:defRPr/>
-                      </a:pPr>
-                      <a:r>
-                        <a:rPr lang="es-AR" dirty="0" smtClean="0"/>
-                        <a:t>01-Sep</a:t>
-                      </a:r>
-                    </a:p>
-                  </a:txBody>
-                  <a:tcPr/>
-                </a:tc>
-                <a:tc>
-                  <a:txBody>
-                    <a:bodyPr/>
-                    <a:lstStyle/>
-                    <a:p>
-                      <a:pPr marL="0" marR="0" lvl="0" indent="0" algn="ctr" defTabSz="914400" rtl="0" eaLnBrk="1" fontAlgn="auto" latinLnBrk="0" hangingPunct="1">
-                        <a:lnSpc>
-                          <a:spcPct val="100000"/>
-                        </a:lnSpc>
-                        <a:spcBef>
-                          <a:spcPts val="0"/>
-                        </a:spcBef>
-                        <a:spcAft>
-                          <a:spcPts val="0"/>
-                        </a:spcAft>
-                        <a:buClrTx/>
-                        <a:buSzTx/>
-                        <a:buFontTx/>
-                        <a:buNone/>
-                        <a:tabLst/>
-                        <a:defRPr/>
-                      </a:pPr>
-                      <a:r>
-                        <a:rPr lang="es-AR" dirty="0" smtClean="0"/>
-                        <a:t>16-Sep</a:t>
-                      </a:r>
-                    </a:p>
-                  </a:txBody>
-                  <a:tcPr/>
-                </a:tc>
-                <a:tc>
-                  <a:txBody>
-                    <a:bodyPr/>
-                    <a:lstStyle/>
-                    <a:p>
-                      <a:pPr algn="ctr"/>
-                      <a:r>
-                        <a:rPr lang="es-AR" dirty="0" smtClean="0"/>
-                        <a:t>Alta</a:t>
-                      </a:r>
-                      <a:endParaRPr lang="es-AR" dirty="0"/>
-                    </a:p>
-                  </a:txBody>
-                  <a:tcPr/>
-                </a:tc>
-              </a:tr>
-              <a:tr h="483600">
-                <a:tc>
-                  <a:txBody>
-                    <a:bodyPr/>
-                    <a:lstStyle/>
-                    <a:p>
-                      <a:pPr marL="0" marR="0" lvl="0" indent="0" algn="l" defTabSz="914400" rtl="0" eaLnBrk="1" fontAlgn="auto" latinLnBrk="0" hangingPunct="1">
-                        <a:lnSpc>
-                          <a:spcPct val="100000"/>
-                        </a:lnSpc>
-                        <a:spcBef>
-                          <a:spcPts val="0"/>
-                        </a:spcBef>
-                        <a:spcAft>
-                          <a:spcPts val="0"/>
-                        </a:spcAft>
-                        <a:buClrTx/>
-                        <a:buSzTx/>
-                        <a:buFontTx/>
-                        <a:buNone/>
-                        <a:tabLst/>
-                        <a:defRPr/>
-                      </a:pPr>
-                      <a:r>
-                        <a:rPr lang="es-AR" dirty="0" smtClean="0"/>
-                        <a:t>Planificar nueva iteración.</a:t>
-                      </a:r>
-                    </a:p>
-                  </a:txBody>
-                  <a:tcPr/>
-                </a:tc>
-                <a:tc>
-                  <a:txBody>
-                    <a:bodyPr/>
-                    <a:lstStyle/>
-                    <a:p>
-                      <a:pPr marL="0" marR="0" lvl="0" indent="0" algn="ctr" defTabSz="914400" rtl="0" eaLnBrk="1" fontAlgn="auto" latinLnBrk="0" hangingPunct="1">
-                        <a:lnSpc>
-                          <a:spcPct val="100000"/>
-                        </a:lnSpc>
-                        <a:spcBef>
-                          <a:spcPts val="0"/>
-                        </a:spcBef>
-                        <a:spcAft>
-                          <a:spcPts val="0"/>
-                        </a:spcAft>
-                        <a:buClrTx/>
-                        <a:buSzTx/>
-                        <a:buFontTx/>
-                        <a:buNone/>
-                        <a:tabLst/>
-                        <a:defRPr/>
-                      </a:pPr>
-                      <a:r>
-                        <a:rPr lang="es-AR" dirty="0" smtClean="0"/>
-                        <a:t>15-Sep</a:t>
-                      </a:r>
-                    </a:p>
-                  </a:txBody>
-                  <a:tcPr/>
-                </a:tc>
-                <a:tc>
-                  <a:txBody>
-                    <a:bodyPr/>
-                    <a:lstStyle/>
-                    <a:p>
-                      <a:pPr marL="0" marR="0" lvl="0" indent="0" algn="ctr" defTabSz="914400" rtl="0" eaLnBrk="1" fontAlgn="auto" latinLnBrk="0" hangingPunct="1">
-                        <a:lnSpc>
-                          <a:spcPct val="100000"/>
-                        </a:lnSpc>
-                        <a:spcBef>
-                          <a:spcPts val="0"/>
-                        </a:spcBef>
-                        <a:spcAft>
-                          <a:spcPts val="0"/>
-                        </a:spcAft>
-                        <a:buClrTx/>
-                        <a:buSzTx/>
-                        <a:buFontTx/>
-                        <a:buNone/>
-                        <a:tabLst/>
-                        <a:defRPr/>
-                      </a:pPr>
-                      <a:r>
-                        <a:rPr lang="es-AR" dirty="0" smtClean="0"/>
-                        <a:t>16-Sep</a:t>
-                      </a:r>
-                    </a:p>
-                  </a:txBody>
-                  <a:tcPr/>
-                </a:tc>
-                <a:tc>
-                  <a:txBody>
-                    <a:bodyPr/>
-                    <a:lstStyle/>
-                    <a:p>
-                      <a:pPr algn="ctr"/>
-                      <a:r>
-                        <a:rPr lang="es-AR" dirty="0" smtClean="0"/>
-                        <a:t>Baja</a:t>
-                      </a:r>
-                      <a:endParaRPr lang="es-AR" dirty="0"/>
-                    </a:p>
-                  </a:txBody>
-                  <a:tcPr/>
-                </a:tc>
-              </a:tr>
-            </a:tbl>
-          </a:graphicData>
-        </a:graphic>
-      </p:graphicFrame>
-      <p:sp>
-        <p:nvSpPr>
-          <p:cNvPr id="8" name="Marcador de contenido 1"/>
-          <p:cNvSpPr>
-            <a:spLocks noGrp="1"/>
-          </p:cNvSpPr>
-          <p:nvPr>
-            <p:ph idx="1"/>
-          </p:nvPr>
-        </p:nvSpPr>
-        <p:spPr>
-          <a:xfrm>
-            <a:off x="172841" y="1494580"/>
-            <a:ext cx="11847838" cy="509538"/>
-          </a:xfrm>
-        </p:spPr>
-        <p:txBody>
-          <a:bodyPr>
-            <a:normAutofit/>
-          </a:bodyPr>
-          <a:lstStyle/>
-          <a:p>
-            <a:pPr marL="0" indent="0" algn="ctr">
-              <a:spcBef>
-                <a:spcPts val="1200"/>
-              </a:spcBef>
-              <a:spcAft>
-                <a:spcPts val="600"/>
-              </a:spcAft>
-              <a:buNone/>
-            </a:pPr>
-            <a:r>
-              <a:rPr lang="es-AR" dirty="0" smtClean="0"/>
-              <a:t>Márquez Emanuel</a:t>
-            </a:r>
-          </a:p>
-        </p:txBody>
-      </p:sp>
-    </p:spTree>
-    <p:extLst>
-      <p:ext uri="{BB962C8B-B14F-4D97-AF65-F5344CB8AC3E}">
-        <p14:creationId xmlns:p14="http://schemas.microsoft.com/office/powerpoint/2010/main" val="1484177780"/>
-      </p:ext>
-    </p:extLst>
-  </p:cSld>
-  <p:clrMapOvr>
-    <a:masterClrMapping/>
-  </p:clrMapOvr>
-  <mc:AlternateContent xmlns:mc="http://schemas.openxmlformats.org/markup-compatibility/2006" xmlns:p14="http://schemas.microsoft.com/office/powerpoint/2010/main">
-    <mc:Choice Requires="p14">
-      <p:transition spd="slow">
-        <p14:reveal/>
-      </p:transition>
-    </mc:Choice>
-    <mc:Fallback xmlns="">
-      <p:transition spd="slow">
-        <p:fade/>
-      </p:transition>
-    </mc:Fallback>
-  </mc:AlternateContent>
-  <p:timing>
-    <p:tnLst>
-      <p:par>
-        <p:cTn id="1" dur="indefinite" restart="never" nodeType="tmRoot"/>
-      </p:par>
-    </p:tnLst>
-  </p:timing>
-</p:sld>
-</file>
-
-<file path=ppt/slides/slide18.xml><?xml version="1.0" encoding="utf-8"?>
-<p:sld xmlns:a="http://schemas.openxmlformats.org/drawingml/2006/main" xmlns:r="http://schemas.openxmlformats.org/officeDocument/2006/relationships" xmlns:p="http://schemas.openxmlformats.org/presentationml/2006/main">
-  <p:cSld>
-    <p:spTree>
-      <p:nvGrpSpPr>
-        <p:cNvPr id="1" name=""/>
-        <p:cNvGrpSpPr/>
-        <p:nvPr/>
-      </p:nvGrpSpPr>
-      <p:grpSpPr>
-        <a:xfrm>
-          <a:off x="0" y="0"/>
-          <a:ext cx="0" cy="0"/>
-          <a:chOff x="0" y="0"/>
-          <a:chExt cx="0" cy="0"/>
-        </a:xfrm>
-      </p:grpSpPr>
-      <p:sp>
-        <p:nvSpPr>
-          <p:cNvPr id="3" name="Título 2"/>
-          <p:cNvSpPr>
-            <a:spLocks noGrp="1"/>
-          </p:cNvSpPr>
-          <p:nvPr>
-            <p:ph type="title"/>
-          </p:nvPr>
-        </p:nvSpPr>
-        <p:spPr/>
-        <p:txBody>
-          <a:bodyPr/>
-          <a:lstStyle/>
-          <a:p>
-            <a:r>
-              <a:rPr lang="es-AR" dirty="0" smtClean="0"/>
-              <a:t>Notificaciones y Favoritos</a:t>
-            </a:r>
-            <a:endParaRPr lang="es-AR" dirty="0"/>
-          </a:p>
-        </p:txBody>
-      </p:sp>
-      <p:sp>
-        <p:nvSpPr>
-          <p:cNvPr id="4" name="Marcador de pie de página 3"/>
-          <p:cNvSpPr>
-            <a:spLocks noGrp="1"/>
-          </p:cNvSpPr>
-          <p:nvPr>
-            <p:ph type="ftr" sz="quarter" idx="11"/>
-          </p:nvPr>
-        </p:nvSpPr>
-        <p:spPr/>
-        <p:txBody>
-          <a:bodyPr/>
-          <a:lstStyle/>
-          <a:p>
-            <a:r>
-              <a:rPr lang="es-AR" smtClean="0"/>
-              <a:t>OYARZO Mariela – QUIROGA Sandra – MÁRQUEZ EMANUEL</a:t>
-            </a:r>
-            <a:endParaRPr lang="es-AR" dirty="0"/>
-          </a:p>
-        </p:txBody>
-      </p:sp>
-      <p:sp>
-        <p:nvSpPr>
-          <p:cNvPr id="5" name="Marcador de número de diapositiva 4"/>
-          <p:cNvSpPr>
-            <a:spLocks noGrp="1"/>
-          </p:cNvSpPr>
-          <p:nvPr>
-            <p:ph type="sldNum" sz="quarter" idx="12"/>
-          </p:nvPr>
-        </p:nvSpPr>
-        <p:spPr/>
-        <p:txBody>
-          <a:bodyPr/>
-          <a:lstStyle/>
-          <a:p>
-            <a:fld id="{779E3280-5C43-43EF-BE7D-8C553A58A779}" type="slidenum">
-              <a:rPr lang="es-AR" smtClean="0"/>
-              <a:pPr/>
-              <a:t>18</a:t>
-            </a:fld>
-            <a:endParaRPr lang="es-AR" dirty="0"/>
-          </a:p>
-        </p:txBody>
-      </p:sp>
-      <p:sp>
-        <p:nvSpPr>
-          <p:cNvPr id="8" name="Marcador de contenido 1"/>
-          <p:cNvSpPr>
-            <a:spLocks noGrp="1"/>
-          </p:cNvSpPr>
-          <p:nvPr>
-            <p:ph idx="1"/>
-          </p:nvPr>
-        </p:nvSpPr>
-        <p:spPr>
-          <a:xfrm>
-            <a:off x="163772" y="1501254"/>
-            <a:ext cx="11856907" cy="4974449"/>
-          </a:xfrm>
-        </p:spPr>
-        <p:txBody>
-          <a:bodyPr>
-            <a:normAutofit/>
-          </a:bodyPr>
-          <a:lstStyle/>
-          <a:p>
-            <a:pPr marL="0" indent="0">
-              <a:spcBef>
-                <a:spcPts val="1200"/>
-              </a:spcBef>
-              <a:spcAft>
-                <a:spcPts val="600"/>
-              </a:spcAft>
-              <a:buNone/>
-            </a:pPr>
-            <a:r>
-              <a:rPr lang="es-AR" dirty="0" smtClean="0"/>
-              <a:t>Sobre las notificaciones y favoritos en la APP se acordó junto con el equipo de catedra (durante 2017):</a:t>
-            </a:r>
-          </a:p>
-          <a:p>
-            <a:pPr>
-              <a:spcBef>
-                <a:spcPts val="1200"/>
-              </a:spcBef>
-              <a:spcAft>
-                <a:spcPts val="600"/>
-              </a:spcAft>
-            </a:pPr>
-            <a:r>
-              <a:rPr lang="es-AR" dirty="0" smtClean="0"/>
-              <a:t>Dar la opción de tener favoritos para evitar nuevas búsquedas. Esto es, tanto para horarios de cursada como para mesas de examen.</a:t>
-            </a:r>
-          </a:p>
-          <a:p>
-            <a:pPr>
-              <a:spcBef>
-                <a:spcPts val="1200"/>
-              </a:spcBef>
-              <a:spcAft>
-                <a:spcPts val="600"/>
-              </a:spcAft>
-            </a:pPr>
-            <a:r>
-              <a:rPr lang="es-AR" dirty="0" smtClean="0"/>
-              <a:t>No mostrar notificaciones en la aplicación (al estilo </a:t>
-            </a:r>
-            <a:r>
-              <a:rPr lang="es-AR" dirty="0" err="1" smtClean="0"/>
-              <a:t>whatsapp</a:t>
-            </a:r>
-            <a:r>
-              <a:rPr lang="es-AR" dirty="0" smtClean="0"/>
-              <a:t>) debido a la complejidad.</a:t>
-            </a:r>
-          </a:p>
-          <a:p>
-            <a:pPr>
-              <a:spcBef>
-                <a:spcPts val="1200"/>
-              </a:spcBef>
-              <a:spcAft>
-                <a:spcPts val="600"/>
-              </a:spcAft>
-            </a:pPr>
-            <a:r>
-              <a:rPr lang="es-AR" dirty="0" smtClean="0"/>
-              <a:t>Realizar notificaciones a correos electrónicos ante modificaciones. Respecto a:</a:t>
-            </a:r>
-          </a:p>
-          <a:p>
-            <a:pPr marL="914400" lvl="1" indent="-457200">
-              <a:spcBef>
-                <a:spcPts val="1200"/>
-              </a:spcBef>
-              <a:spcAft>
-                <a:spcPts val="600"/>
-              </a:spcAft>
-              <a:buFont typeface="+mj-lt"/>
-              <a:buAutoNum type="alphaLcParenR"/>
-            </a:pPr>
-            <a:r>
-              <a:rPr lang="es-AR" dirty="0" smtClean="0"/>
-              <a:t>Mesas de examen: asignación de aula, cambio de día, hora o aula.</a:t>
-            </a:r>
-          </a:p>
-          <a:p>
-            <a:pPr marL="914400" lvl="1" indent="-457200">
-              <a:spcBef>
-                <a:spcPts val="1200"/>
-              </a:spcBef>
-              <a:spcAft>
-                <a:spcPts val="600"/>
-              </a:spcAft>
-              <a:buFont typeface="+mj-lt"/>
-              <a:buAutoNum type="alphaLcParenR"/>
-            </a:pPr>
-            <a:r>
-              <a:rPr lang="es-AR" dirty="0" smtClean="0"/>
-              <a:t>Horarios de cursada: cambio de día, hora o aula.</a:t>
-            </a:r>
-          </a:p>
-        </p:txBody>
-      </p:sp>
-    </p:spTree>
-    <p:extLst>
-      <p:ext uri="{BB962C8B-B14F-4D97-AF65-F5344CB8AC3E}">
-        <p14:creationId xmlns:p14="http://schemas.microsoft.com/office/powerpoint/2010/main" val="4207353226"/>
-      </p:ext>
-    </p:extLst>
-  </p:cSld>
-  <p:clrMapOvr>
-    <a:masterClrMapping/>
-  </p:clrMapOvr>
-  <mc:AlternateContent xmlns:mc="http://schemas.openxmlformats.org/markup-compatibility/2006" xmlns:p14="http://schemas.microsoft.com/office/powerpoint/2010/main">
-    <mc:Choice Requires="p14">
-      <p:transition spd="slow">
-        <p14:reveal/>
-      </p:transition>
-    </mc:Choice>
-    <mc:Fallback xmlns="">
-      <p:transition spd="slow">
-        <p:fade/>
-      </p:transition>
-    </mc:Fallback>
-  </mc:AlternateContent>
-  <p:timing>
-    <p:tnLst>
-      <p:par>
-        <p:cTn id="1" dur="indefinite" restart="never" nodeType="tmRoot"/>
-      </p:par>
-    </p:tnLst>
-  </p:timing>
-</p:sld>
-</file>
-
-<file path=ppt/slides/slide19.xml><?xml version="1.0" encoding="utf-8"?>
-<p:sld xmlns:a="http://schemas.openxmlformats.org/drawingml/2006/main" xmlns:r="http://schemas.openxmlformats.org/officeDocument/2006/relationships" xmlns:p="http://schemas.openxmlformats.org/presentationml/2006/main">
-  <p:cSld>
-    <p:spTree>
-      <p:nvGrpSpPr>
-        <p:cNvPr id="1" name=""/>
-        <p:cNvGrpSpPr/>
-        <p:nvPr/>
-      </p:nvGrpSpPr>
-      <p:grpSpPr>
-        <a:xfrm>
-          <a:off x="0" y="0"/>
-          <a:ext cx="0" cy="0"/>
-          <a:chOff x="0" y="0"/>
-          <a:chExt cx="0" cy="0"/>
-        </a:xfrm>
-      </p:grpSpPr>
-      <p:sp>
-        <p:nvSpPr>
-          <p:cNvPr id="3" name="Título 2"/>
-          <p:cNvSpPr>
-            <a:spLocks noGrp="1"/>
-          </p:cNvSpPr>
-          <p:nvPr>
-            <p:ph type="title"/>
-          </p:nvPr>
-        </p:nvSpPr>
-        <p:spPr/>
-        <p:txBody>
-          <a:bodyPr/>
-          <a:lstStyle/>
-          <a:p>
-            <a:r>
-              <a:rPr lang="es-AR" dirty="0" smtClean="0"/>
-              <a:t>Notificaciones y Favoritos</a:t>
-            </a:r>
-            <a:endParaRPr lang="es-AR" dirty="0"/>
-          </a:p>
-        </p:txBody>
-      </p:sp>
-      <p:sp>
-        <p:nvSpPr>
-          <p:cNvPr id="4" name="Marcador de pie de página 3"/>
-          <p:cNvSpPr>
-            <a:spLocks noGrp="1"/>
-          </p:cNvSpPr>
-          <p:nvPr>
-            <p:ph type="ftr" sz="quarter" idx="11"/>
-          </p:nvPr>
-        </p:nvSpPr>
-        <p:spPr/>
-        <p:txBody>
-          <a:bodyPr/>
-          <a:lstStyle/>
-          <a:p>
-            <a:r>
-              <a:rPr lang="es-AR" smtClean="0"/>
-              <a:t>OYARZO Mariela – QUIROGA Sandra – MÁRQUEZ EMANUEL</a:t>
-            </a:r>
-            <a:endParaRPr lang="es-AR" dirty="0"/>
-          </a:p>
-        </p:txBody>
-      </p:sp>
-      <p:sp>
-        <p:nvSpPr>
-          <p:cNvPr id="5" name="Marcador de número de diapositiva 4"/>
-          <p:cNvSpPr>
-            <a:spLocks noGrp="1"/>
-          </p:cNvSpPr>
-          <p:nvPr>
-            <p:ph type="sldNum" sz="quarter" idx="12"/>
-          </p:nvPr>
-        </p:nvSpPr>
-        <p:spPr/>
-        <p:txBody>
-          <a:bodyPr/>
-          <a:lstStyle/>
-          <a:p>
-            <a:fld id="{779E3280-5C43-43EF-BE7D-8C553A58A779}" type="slidenum">
-              <a:rPr lang="es-AR" smtClean="0"/>
-              <a:pPr/>
-              <a:t>19</a:t>
-            </a:fld>
-            <a:endParaRPr lang="es-AR" dirty="0"/>
-          </a:p>
-        </p:txBody>
-      </p:sp>
-      <p:sp>
-        <p:nvSpPr>
-          <p:cNvPr id="8" name="Marcador de contenido 1"/>
-          <p:cNvSpPr>
-            <a:spLocks noGrp="1"/>
-          </p:cNvSpPr>
-          <p:nvPr>
-            <p:ph idx="1"/>
-          </p:nvPr>
-        </p:nvSpPr>
-        <p:spPr>
-          <a:xfrm>
-            <a:off x="163772" y="1401148"/>
-            <a:ext cx="11758337" cy="5074555"/>
-          </a:xfrm>
-        </p:spPr>
-        <p:txBody>
-          <a:bodyPr>
-            <a:normAutofit/>
-          </a:bodyPr>
-          <a:lstStyle/>
-          <a:p>
-            <a:pPr marL="0" indent="0" algn="l">
-              <a:spcBef>
-                <a:spcPts val="1200"/>
-              </a:spcBef>
-              <a:spcAft>
-                <a:spcPts val="600"/>
-              </a:spcAft>
-              <a:buNone/>
-            </a:pPr>
-            <a:r>
-              <a:rPr lang="es-AR" dirty="0" smtClean="0"/>
-              <a:t>El grupo de desarrollo presenta una solución:</a:t>
-            </a:r>
-          </a:p>
-          <a:p>
-            <a:pPr marL="0" indent="0" algn="l">
-              <a:spcBef>
-                <a:spcPts val="1200"/>
-              </a:spcBef>
-              <a:spcAft>
-                <a:spcPts val="600"/>
-              </a:spcAft>
-              <a:buNone/>
-            </a:pPr>
-            <a:endParaRPr lang="es-AR" dirty="0" smtClean="0"/>
-          </a:p>
-          <a:p>
-            <a:pPr>
-              <a:spcBef>
-                <a:spcPts val="1200"/>
-              </a:spcBef>
-              <a:spcAft>
-                <a:spcPts val="600"/>
-              </a:spcAft>
-            </a:pPr>
-            <a:r>
-              <a:rPr lang="es-AR" dirty="0" smtClean="0"/>
-              <a:t>Permitir el ingreso de un correo electrónico.</a:t>
-            </a:r>
-          </a:p>
-          <a:p>
-            <a:pPr>
-              <a:spcBef>
-                <a:spcPts val="1200"/>
-              </a:spcBef>
-              <a:spcAft>
-                <a:spcPts val="600"/>
-              </a:spcAft>
-            </a:pPr>
-            <a:r>
-              <a:rPr lang="es-AR" dirty="0" smtClean="0"/>
-              <a:t>Tener la opción de almacenar favoritos solo a aquellos usuarios que presenten un correo electrónico. Las notificaciones se hacen sobre los favoritos almacenados en la aplicación al correo indicado.</a:t>
-            </a:r>
-          </a:p>
-          <a:p>
-            <a:pPr>
-              <a:spcBef>
-                <a:spcPts val="1200"/>
-              </a:spcBef>
-              <a:spcAft>
-                <a:spcPts val="600"/>
-              </a:spcAft>
-            </a:pPr>
-            <a:r>
-              <a:rPr lang="es-AR" dirty="0" smtClean="0"/>
-              <a:t>Limitar la cantidad de favoritos para evitar usuarios maliciosos.</a:t>
-            </a:r>
-          </a:p>
-          <a:p>
-            <a:pPr algn="l">
-              <a:spcBef>
-                <a:spcPts val="1200"/>
-              </a:spcBef>
-              <a:spcAft>
-                <a:spcPts val="600"/>
-              </a:spcAft>
-            </a:pPr>
-            <a:endParaRPr lang="es-AR" dirty="0"/>
-          </a:p>
-          <a:p>
-            <a:pPr marL="0" indent="0" algn="l">
-              <a:spcBef>
-                <a:spcPts val="1200"/>
-              </a:spcBef>
-              <a:spcAft>
-                <a:spcPts val="600"/>
-              </a:spcAft>
-              <a:buNone/>
-            </a:pPr>
-            <a:r>
-              <a:rPr lang="es-AR" i="1" dirty="0" smtClean="0"/>
-              <a:t>Se presenta el video del prototipo.</a:t>
-            </a:r>
-            <a:endParaRPr lang="es-AR" i="1" dirty="0"/>
-          </a:p>
-          <a:p>
-            <a:pPr marL="0" indent="0" algn="l">
-              <a:spcBef>
-                <a:spcPts val="1200"/>
-              </a:spcBef>
-              <a:spcAft>
-                <a:spcPts val="600"/>
-              </a:spcAft>
-              <a:buNone/>
-            </a:pPr>
-            <a:endParaRPr lang="es-AR" dirty="0" smtClean="0"/>
-          </a:p>
-        </p:txBody>
-      </p:sp>
-    </p:spTree>
-    <p:extLst>
-      <p:ext uri="{BB962C8B-B14F-4D97-AF65-F5344CB8AC3E}">
-        <p14:creationId xmlns:p14="http://schemas.microsoft.com/office/powerpoint/2010/main" val="1788742800"/>
-      </p:ext>
-    </p:extLst>
-  </p:cSld>
-  <p:clrMapOvr>
-    <a:masterClrMapping/>
-  </p:clrMapOvr>
-  <mc:AlternateContent xmlns:mc="http://schemas.openxmlformats.org/markup-compatibility/2006" xmlns:p14="http://schemas.microsoft.com/office/powerpoint/2010/main">
-    <mc:Choice Requires="p14">
-      <p:transition spd="slow">
-        <p14:reveal/>
-      </p:transition>
-    </mc:Choice>
-    <mc:Fallback xmlns="">
-      <p:transition spd="slow">
-        <p:fade/>
-      </p:transition>
-    </mc:Fallback>
-  </mc:AlternateContent>
-  <p:timing>
-    <p:tnLst>
-      <p:par>
-        <p:cTn id="1" dur="indefinite" restart="never" nodeType="tmRoot"/>
-      </p:par>
-    </p:tnLst>
-  </p:timing>
-</p:sld>
-</file>
-
-<file path=ppt/slides/slide2.xml><?xml version="1.0" encoding="utf-8"?>
-<p:sld xmlns:a="http://schemas.openxmlformats.org/drawingml/2006/main" xmlns:r="http://schemas.openxmlformats.org/officeDocument/2006/relationships" xmlns:p="http://schemas.openxmlformats.org/presentationml/2006/main">
-  <p:cSld>
-    <p:spTree>
-      <p:nvGrpSpPr>
-        <p:cNvPr id="1" name=""/>
-        <p:cNvGrpSpPr/>
-        <p:nvPr/>
-      </p:nvGrpSpPr>
-      <p:grpSpPr>
-        <a:xfrm>
-          <a:off x="0" y="0"/>
-          <a:ext cx="0" cy="0"/>
-          <a:chOff x="0" y="0"/>
-          <a:chExt cx="0" cy="0"/>
-        </a:xfrm>
-      </p:grpSpPr>
-      <p:sp>
-        <p:nvSpPr>
-          <p:cNvPr id="2" name="1 Marcador de contenido"/>
-          <p:cNvSpPr>
-            <a:spLocks noGrp="1"/>
-          </p:cNvSpPr>
-          <p:nvPr>
-            <p:ph idx="1"/>
-          </p:nvPr>
-        </p:nvSpPr>
-        <p:spPr/>
-        <p:txBody>
-          <a:bodyPr>
-            <a:normAutofit/>
-          </a:bodyPr>
-          <a:lstStyle/>
-          <a:p>
-            <a:endParaRPr lang="es-AR" b="1" u="sng" dirty="0" smtClean="0"/>
-          </a:p>
-          <a:p>
-            <a:r>
-              <a:rPr lang="es-AR" b="1" u="sng" dirty="0" smtClean="0"/>
-              <a:t>Nombre </a:t>
-            </a:r>
-            <a:r>
-              <a:rPr lang="es-AR" b="1" u="sng" dirty="0"/>
-              <a:t>del </a:t>
-            </a:r>
-            <a:r>
-              <a:rPr lang="es-AR" b="1" u="sng" dirty="0" smtClean="0"/>
-              <a:t>grupo</a:t>
-            </a:r>
-            <a:r>
-              <a:rPr lang="es-AR" b="1" dirty="0" smtClean="0"/>
-              <a:t>: </a:t>
-            </a:r>
-            <a:r>
-              <a:rPr lang="es-AR" dirty="0" err="1" smtClean="0"/>
-              <a:t>Yenú</a:t>
-            </a:r>
-            <a:endParaRPr lang="es-AR" dirty="0" smtClean="0"/>
-          </a:p>
-          <a:p>
-            <a:r>
-              <a:rPr lang="es-US" b="1" u="sng" dirty="0" smtClean="0"/>
-              <a:t>Nombre del sistema</a:t>
-            </a:r>
-            <a:r>
-              <a:rPr lang="es-US" dirty="0" smtClean="0"/>
-              <a:t>: Tempus</a:t>
-            </a:r>
-          </a:p>
-          <a:p>
-            <a:r>
-              <a:rPr lang="es-US" b="1" u="sng" dirty="0" smtClean="0"/>
-              <a:t>Año de cursada</a:t>
-            </a:r>
-            <a:r>
-              <a:rPr lang="es-US" dirty="0" smtClean="0"/>
-              <a:t>: 2017</a:t>
-            </a:r>
-          </a:p>
-          <a:p>
-            <a:endParaRPr lang="es-US" dirty="0" smtClean="0"/>
-          </a:p>
-          <a:p>
-            <a:r>
-              <a:rPr lang="es-US" dirty="0" smtClean="0"/>
-              <a:t>Objetivo crear un </a:t>
-            </a:r>
-            <a:r>
-              <a:rPr lang="es-US" b="1" dirty="0" smtClean="0"/>
-              <a:t>sistema web  </a:t>
-            </a:r>
-            <a:r>
-              <a:rPr lang="es-US" dirty="0" smtClean="0"/>
-              <a:t>y una a</a:t>
-            </a:r>
-            <a:r>
-              <a:rPr lang="es-US" b="1" dirty="0" smtClean="0"/>
-              <a:t>plicación (App)</a:t>
-            </a:r>
-            <a:r>
-              <a:rPr lang="es-US" dirty="0" smtClean="0"/>
-              <a:t>.</a:t>
-            </a:r>
-          </a:p>
-          <a:p>
-            <a:endParaRPr lang="es-US" dirty="0" smtClean="0"/>
-          </a:p>
-          <a:p>
-            <a:endParaRPr lang="es-US" dirty="0"/>
-          </a:p>
-          <a:p>
-            <a:r>
-              <a:rPr lang="es-US" b="1" u="sng" dirty="0" smtClean="0"/>
-              <a:t>Aplicación (App): </a:t>
-            </a:r>
-            <a:r>
-              <a:rPr lang="es-US" dirty="0" smtClean="0"/>
-              <a:t>destinado a docentes y alumnos que quieran </a:t>
-            </a:r>
-            <a:r>
-              <a:rPr lang="es-ES" i="1" dirty="0" smtClean="0"/>
-              <a:t> </a:t>
-            </a:r>
-            <a:r>
-              <a:rPr lang="es-ES" i="1" dirty="0"/>
-              <a:t>consultar horarios de cursada y mesas de </a:t>
-            </a:r>
-            <a:r>
-              <a:rPr lang="es-ES" i="1" dirty="0" smtClean="0"/>
-              <a:t>examen.</a:t>
-            </a:r>
-            <a:endParaRPr lang="es-US" dirty="0"/>
-          </a:p>
-          <a:p>
-            <a:endParaRPr lang="es-US" b="1" u="sng" dirty="0" smtClean="0"/>
-          </a:p>
-          <a:p>
-            <a:endParaRPr lang="es-AR" dirty="0"/>
-          </a:p>
-        </p:txBody>
-      </p:sp>
-      <p:sp>
-        <p:nvSpPr>
-          <p:cNvPr id="3" name="2 Título"/>
-          <p:cNvSpPr>
-            <a:spLocks noGrp="1"/>
-          </p:cNvSpPr>
-          <p:nvPr>
-            <p:ph type="title"/>
-          </p:nvPr>
-        </p:nvSpPr>
-        <p:spPr/>
-        <p:txBody>
-          <a:bodyPr/>
-          <a:lstStyle/>
-          <a:p>
-            <a:r>
-              <a:rPr lang="es-US" dirty="0" smtClean="0"/>
-              <a:t>Presentación </a:t>
-            </a:r>
-            <a:endParaRPr lang="es-AR" dirty="0"/>
-          </a:p>
-        </p:txBody>
-      </p:sp>
-      <p:sp>
-        <p:nvSpPr>
-          <p:cNvPr id="4" name="3 Marcador de pie de página"/>
-          <p:cNvSpPr>
-            <a:spLocks noGrp="1"/>
-          </p:cNvSpPr>
-          <p:nvPr>
-            <p:ph type="ftr" sz="quarter" idx="11"/>
-          </p:nvPr>
-        </p:nvSpPr>
-        <p:spPr/>
-        <p:txBody>
-          <a:bodyPr/>
-          <a:lstStyle/>
-          <a:p>
-            <a:r>
-              <a:rPr lang="es-AR" smtClean="0"/>
-              <a:t>OYARZO Mariela – QUIROGA Sandra – MÁRQUEZ EMANUEL</a:t>
-            </a:r>
-            <a:endParaRPr lang="es-AR" dirty="0"/>
-          </a:p>
-        </p:txBody>
-      </p:sp>
-      <p:sp>
-        <p:nvSpPr>
-          <p:cNvPr id="5" name="4 Marcador de número de diapositiva"/>
-          <p:cNvSpPr>
-            <a:spLocks noGrp="1"/>
-          </p:cNvSpPr>
-          <p:nvPr>
-            <p:ph type="sldNum" sz="quarter" idx="12"/>
-          </p:nvPr>
-        </p:nvSpPr>
-        <p:spPr/>
-        <p:txBody>
-          <a:bodyPr/>
-          <a:lstStyle/>
-          <a:p>
-            <a:fld id="{779E3280-5C43-43EF-BE7D-8C553A58A779}" type="slidenum">
-              <a:rPr lang="es-AR" smtClean="0"/>
-              <a:pPr/>
-              <a:t>2</a:t>
-            </a:fld>
-            <a:endParaRPr lang="es-AR" dirty="0"/>
-          </a:p>
-        </p:txBody>
-      </p:sp>
-    </p:spTree>
-    <p:extLst>
-      <p:ext uri="{BB962C8B-B14F-4D97-AF65-F5344CB8AC3E}">
-        <p14:creationId xmlns:p14="http://schemas.microsoft.com/office/powerpoint/2010/main" val="3757246666"/>
-      </p:ext>
-    </p:extLst>
-  </p:cSld>
-  <p:clrMapOvr>
-    <a:masterClrMapping/>
-  </p:clrMapOvr>
-  <p:timing>
-    <p:tnLst>
-      <p:par>
-        <p:cTn id="1" dur="indefinite" restart="never" nodeType="tmRoot"/>
-      </p:par>
-    </p:tnLst>
-  </p:timing>
-</p:sld>
-</file>
-
-<file path=ppt/slides/slide20.xml><?xml version="1.0" encoding="utf-8"?>
-<p:sld xmlns:a="http://schemas.openxmlformats.org/drawingml/2006/main" xmlns:r="http://schemas.openxmlformats.org/officeDocument/2006/relationships" xmlns:p="http://schemas.openxmlformats.org/presentationml/2006/main">
-  <p:cSld>
-    <p:spTree>
-      <p:nvGrpSpPr>
-        <p:cNvPr id="1" name=""/>
-        <p:cNvGrpSpPr/>
-        <p:nvPr/>
-      </p:nvGrpSpPr>
-      <p:grpSpPr>
-        <a:xfrm>
-          <a:off x="0" y="0"/>
-          <a:ext cx="0" cy="0"/>
-          <a:chOff x="0" y="0"/>
-          <a:chExt cx="0" cy="0"/>
-        </a:xfrm>
-      </p:grpSpPr>
-      <p:sp>
-        <p:nvSpPr>
-          <p:cNvPr id="3" name="Título 2"/>
-          <p:cNvSpPr>
-            <a:spLocks noGrp="1"/>
-          </p:cNvSpPr>
-          <p:nvPr>
-            <p:ph type="title"/>
-          </p:nvPr>
-        </p:nvSpPr>
-        <p:spPr/>
-        <p:txBody>
-          <a:bodyPr/>
-          <a:lstStyle/>
-          <a:p>
-            <a:r>
-              <a:rPr lang="es-AR" dirty="0" smtClean="0"/>
-              <a:t>Fin de presentación</a:t>
-            </a:r>
-            <a:endParaRPr lang="es-AR" dirty="0"/>
-          </a:p>
-        </p:txBody>
-      </p:sp>
-      <p:sp>
-        <p:nvSpPr>
-          <p:cNvPr id="4" name="Marcador de pie de página 3"/>
-          <p:cNvSpPr>
-            <a:spLocks noGrp="1"/>
-          </p:cNvSpPr>
-          <p:nvPr>
-            <p:ph type="ftr" sz="quarter" idx="11"/>
-          </p:nvPr>
-        </p:nvSpPr>
-        <p:spPr/>
-        <p:txBody>
-          <a:bodyPr/>
-          <a:lstStyle/>
-          <a:p>
-            <a:r>
-              <a:rPr lang="es-AR" smtClean="0"/>
-              <a:t>OYARZO Mariela – QUIROGA Sandra – MÁRQUEZ EMANUEL</a:t>
-            </a:r>
-            <a:endParaRPr lang="es-AR" dirty="0"/>
-          </a:p>
-        </p:txBody>
-      </p:sp>
-      <p:sp>
-        <p:nvSpPr>
-          <p:cNvPr id="5" name="Marcador de número de diapositiva 4"/>
-          <p:cNvSpPr>
-            <a:spLocks noGrp="1"/>
-          </p:cNvSpPr>
-          <p:nvPr>
-            <p:ph type="sldNum" sz="quarter" idx="12"/>
-          </p:nvPr>
-        </p:nvSpPr>
-        <p:spPr/>
-        <p:txBody>
-          <a:bodyPr/>
-          <a:lstStyle/>
-          <a:p>
-            <a:fld id="{779E3280-5C43-43EF-BE7D-8C553A58A779}" type="slidenum">
-              <a:rPr lang="es-AR" smtClean="0"/>
-              <a:pPr/>
-              <a:t>20</a:t>
             </a:fld>
             <a:endParaRPr lang="es-AR" dirty="0"/>
           </a:p>
@@ -13606,6 +12443,242 @@
 </p:sld>
 </file>
 
+<file path=ppt/slides/slide2.xml><?xml version="1.0" encoding="utf-8"?>
+<p:sld xmlns:a="http://schemas.openxmlformats.org/drawingml/2006/main" xmlns:r="http://schemas.openxmlformats.org/officeDocument/2006/relationships" xmlns:p="http://schemas.openxmlformats.org/presentationml/2006/main">
+  <p:cSld>
+    <p:spTree>
+      <p:nvGrpSpPr>
+        <p:cNvPr id="1" name=""/>
+        <p:cNvGrpSpPr/>
+        <p:nvPr/>
+      </p:nvGrpSpPr>
+      <p:grpSpPr>
+        <a:xfrm>
+          <a:off x="0" y="0"/>
+          <a:ext cx="0" cy="0"/>
+          <a:chOff x="0" y="0"/>
+          <a:chExt cx="0" cy="0"/>
+        </a:xfrm>
+      </p:grpSpPr>
+      <p:sp>
+        <p:nvSpPr>
+          <p:cNvPr id="2" name="1 Marcador de contenido"/>
+          <p:cNvSpPr>
+            <a:spLocks noGrp="1"/>
+          </p:cNvSpPr>
+          <p:nvPr>
+            <p:ph idx="1"/>
+          </p:nvPr>
+        </p:nvSpPr>
+        <p:spPr/>
+        <p:txBody>
+          <a:bodyPr/>
+          <a:lstStyle/>
+          <a:p>
+            <a:pPr marL="0" indent="0">
+              <a:spcAft>
+                <a:spcPts val="600"/>
+              </a:spcAft>
+              <a:buNone/>
+            </a:pPr>
+            <a:r>
+              <a:rPr lang="es-ES" b="1" u="sng" dirty="0" smtClean="0"/>
+              <a:t>Temas </a:t>
+            </a:r>
+            <a:r>
+              <a:rPr lang="es-ES" b="1" u="sng" dirty="0" smtClean="0"/>
+              <a:t>desarrollados</a:t>
+            </a:r>
+            <a:r>
+              <a:rPr lang="es-ES" dirty="0" smtClean="0"/>
+              <a:t>:</a:t>
+            </a:r>
+            <a:endParaRPr lang="es-ES" dirty="0" smtClean="0"/>
+          </a:p>
+          <a:p>
+            <a:pPr marL="0" indent="0">
+              <a:spcBef>
+                <a:spcPts val="600"/>
+              </a:spcBef>
+              <a:spcAft>
+                <a:spcPts val="600"/>
+              </a:spcAft>
+              <a:buNone/>
+            </a:pPr>
+            <a:endParaRPr lang="es-ES" dirty="0" smtClean="0"/>
+          </a:p>
+          <a:p>
+            <a:pPr marL="514350" indent="-514350">
+              <a:spcBef>
+                <a:spcPts val="600"/>
+              </a:spcBef>
+              <a:spcAft>
+                <a:spcPts val="600"/>
+              </a:spcAft>
+              <a:buFont typeface="+mj-lt"/>
+              <a:buAutoNum type="arabicPeriod"/>
+            </a:pPr>
+            <a:r>
+              <a:rPr lang="es-ES" dirty="0" smtClean="0"/>
+              <a:t>Descripción general del proyecto.</a:t>
+            </a:r>
+          </a:p>
+          <a:p>
+            <a:pPr marL="514350" indent="-514350">
+              <a:spcBef>
+                <a:spcPts val="600"/>
+              </a:spcBef>
+              <a:spcAft>
+                <a:spcPts val="600"/>
+              </a:spcAft>
+              <a:buFont typeface="+mj-lt"/>
+              <a:buAutoNum type="arabicPeriod"/>
+            </a:pPr>
+            <a:r>
+              <a:rPr lang="es-ES" dirty="0" smtClean="0"/>
+              <a:t>Estado actual del proyecto.</a:t>
+            </a:r>
+          </a:p>
+          <a:p>
+            <a:pPr marL="514350" indent="-514350">
+              <a:spcBef>
+                <a:spcPts val="600"/>
+              </a:spcBef>
+              <a:spcAft>
+                <a:spcPts val="600"/>
+              </a:spcAft>
+              <a:buFont typeface="+mj-lt"/>
+              <a:buAutoNum type="arabicPeriod"/>
+            </a:pPr>
+            <a:r>
+              <a:rPr lang="es-ES" dirty="0" smtClean="0"/>
+              <a:t>Planificación de la nueva iteración.</a:t>
+            </a:r>
+          </a:p>
+          <a:p>
+            <a:pPr marL="0" indent="0">
+              <a:spcBef>
+                <a:spcPts val="600"/>
+              </a:spcBef>
+              <a:spcAft>
+                <a:spcPts val="600"/>
+              </a:spcAft>
+              <a:buNone/>
+            </a:pPr>
+            <a:endParaRPr lang="es-ES" dirty="0" smtClean="0"/>
+          </a:p>
+          <a:p>
+            <a:pPr marL="0" indent="0">
+              <a:buNone/>
+            </a:pPr>
+            <a:endParaRPr lang="es-ES" dirty="0" smtClean="0"/>
+          </a:p>
+          <a:p>
+            <a:pPr marL="514350" indent="-514350">
+              <a:buFont typeface="+mj-lt"/>
+              <a:buAutoNum type="arabicPeriod"/>
+            </a:pPr>
+            <a:endParaRPr lang="es-ES" dirty="0" smtClean="0"/>
+          </a:p>
+        </p:txBody>
+      </p:sp>
+      <p:sp>
+        <p:nvSpPr>
+          <p:cNvPr id="3" name="2 Título"/>
+          <p:cNvSpPr>
+            <a:spLocks noGrp="1"/>
+          </p:cNvSpPr>
+          <p:nvPr>
+            <p:ph type="title"/>
+          </p:nvPr>
+        </p:nvSpPr>
+        <p:spPr/>
+        <p:txBody>
+          <a:bodyPr/>
+          <a:lstStyle/>
+          <a:p>
+            <a:r>
+              <a:rPr lang="es-AR" dirty="0" smtClean="0"/>
+              <a:t>Introducción</a:t>
+            </a:r>
+            <a:endParaRPr lang="es-AR" dirty="0"/>
+          </a:p>
+        </p:txBody>
+      </p:sp>
+      <p:sp>
+        <p:nvSpPr>
+          <p:cNvPr id="4" name="3 Marcador de pie de página"/>
+          <p:cNvSpPr>
+            <a:spLocks noGrp="1"/>
+          </p:cNvSpPr>
+          <p:nvPr>
+            <p:ph type="ftr" sz="quarter" idx="11"/>
+          </p:nvPr>
+        </p:nvSpPr>
+        <p:spPr/>
+        <p:txBody>
+          <a:bodyPr/>
+          <a:lstStyle/>
+          <a:p>
+            <a:r>
+              <a:rPr lang="es-AR" sz="1600" dirty="0" smtClean="0"/>
+              <a:t>OYARZO Mariela – QUIROGA Sandra – MÁRQUEZ Emanuel</a:t>
+            </a:r>
+            <a:endParaRPr lang="es-AR" sz="1600" dirty="0"/>
+          </a:p>
+        </p:txBody>
+      </p:sp>
+      <p:sp>
+        <p:nvSpPr>
+          <p:cNvPr id="5" name="4 Marcador de número de diapositiva"/>
+          <p:cNvSpPr>
+            <a:spLocks noGrp="1"/>
+          </p:cNvSpPr>
+          <p:nvPr>
+            <p:ph type="sldNum" sz="quarter" idx="12"/>
+          </p:nvPr>
+        </p:nvSpPr>
+        <p:spPr/>
+        <p:txBody>
+          <a:bodyPr/>
+          <a:lstStyle/>
+          <a:p>
+            <a:fld id="{779E3280-5C43-43EF-BE7D-8C553A58A779}" type="slidenum">
+              <a:rPr lang="es-AR" smtClean="0"/>
+              <a:pPr/>
+              <a:t>2</a:t>
+            </a:fld>
+            <a:endParaRPr lang="es-AR" dirty="0"/>
+          </a:p>
+        </p:txBody>
+      </p:sp>
+    </p:spTree>
+  </p:cSld>
+  <p:clrMapOvr>
+    <a:masterClrMapping/>
+  </p:clrMapOvr>
+  <mc:AlternateContent xmlns:mc="http://schemas.openxmlformats.org/markup-compatibility/2006" xmlns:p14="http://schemas.microsoft.com/office/powerpoint/2010/main">
+    <mc:Choice Requires="p14">
+      <p:transition spd="slow">
+        <p14:reveal/>
+      </p:transition>
+    </mc:Choice>
+    <mc:Fallback xmlns="">
+      <p:transition spd="slow">
+        <p:fade/>
+      </p:transition>
+    </mc:Fallback>
+  </mc:AlternateContent>
+  <p:timing>
+    <p:tnLst>
+      <p:par>
+        <p:cTn id="1" dur="indefinite" restart="never" nodeType="tmRoot"/>
+      </p:par>
+    </p:tnLst>
+  </p:timing>
+</p:sld>
+</file>
+
 <file path=ppt/slides/slide3.xml><?xml version="1.0" encoding="utf-8"?>
 <p:sld xmlns:a="http://schemas.openxmlformats.org/drawingml/2006/main" xmlns:r="http://schemas.openxmlformats.org/officeDocument/2006/relationships" xmlns:p="http://schemas.openxmlformats.org/presentationml/2006/main">
   <p:cSld>
@@ -13636,162 +12709,94 @@
         <p:spPr/>
         <p:txBody>
           <a:bodyPr>
-            <a:normAutofit fontScale="85000" lnSpcReduction="20000"/>
+            <a:normAutofit/>
           </a:bodyPr>
           <a:lstStyle/>
           <a:p>
+            <a:endParaRPr lang="es-US" b="1" u="sng" dirty="0" smtClean="0"/>
+          </a:p>
+          <a:p>
+            <a:r>
+              <a:rPr lang="es-AR" b="1" u="sng" dirty="0" smtClean="0"/>
+              <a:t>Nombre </a:t>
+            </a:r>
+            <a:r>
+              <a:rPr lang="es-AR" b="1" u="sng" dirty="0"/>
+              <a:t>del </a:t>
+            </a:r>
+            <a:r>
+              <a:rPr lang="es-AR" b="1" u="sng" dirty="0" smtClean="0"/>
+              <a:t>grupo</a:t>
+            </a:r>
+            <a:r>
+              <a:rPr lang="es-AR" b="1" dirty="0" smtClean="0"/>
+              <a:t>: </a:t>
+            </a:r>
+            <a:r>
+              <a:rPr lang="es-AR" dirty="0" err="1" smtClean="0"/>
+              <a:t>Yenú</a:t>
+            </a:r>
+            <a:endParaRPr lang="es-AR" dirty="0" smtClean="0"/>
+          </a:p>
+          <a:p>
+            <a:r>
+              <a:rPr lang="es-US" b="1" u="sng" dirty="0" smtClean="0"/>
+              <a:t>Nombre del sistema</a:t>
+            </a:r>
+            <a:r>
+              <a:rPr lang="es-US" dirty="0" smtClean="0"/>
+              <a:t>: Tempus</a:t>
+            </a:r>
+          </a:p>
+          <a:p>
+            <a:r>
+              <a:rPr lang="es-US" b="1" u="sng" dirty="0" smtClean="0"/>
+              <a:t>Año de cursada</a:t>
+            </a:r>
+            <a:r>
+              <a:rPr lang="es-US" dirty="0" smtClean="0"/>
+              <a:t>: 2017</a:t>
+            </a:r>
+          </a:p>
+          <a:p>
+            <a:endParaRPr lang="es-US" dirty="0" smtClean="0"/>
+          </a:p>
+          <a:p>
+            <a:r>
+              <a:rPr lang="es-US" dirty="0" smtClean="0"/>
+              <a:t>Objetivo crear un </a:t>
+            </a:r>
+            <a:r>
+              <a:rPr lang="es-US" b="1" dirty="0" smtClean="0"/>
+              <a:t>sistema web  </a:t>
+            </a:r>
+            <a:r>
+              <a:rPr lang="es-US" dirty="0" smtClean="0"/>
+              <a:t>y una a</a:t>
+            </a:r>
+            <a:r>
+              <a:rPr lang="es-US" b="1" dirty="0" smtClean="0"/>
+              <a:t>plicación (App)</a:t>
+            </a:r>
+            <a:r>
+              <a:rPr lang="es-US" dirty="0" smtClean="0"/>
+              <a:t>.</a:t>
+            </a:r>
+          </a:p>
+          <a:p>
+            <a:endParaRPr lang="es-US" dirty="0" smtClean="0"/>
+          </a:p>
+          <a:p>
             <a:pPr marL="0" indent="0">
               <a:buNone/>
             </a:pPr>
-            <a:r>
-              <a:rPr lang="es-US" sz="2400" dirty="0" smtClean="0"/>
-              <a:t>Destinado </a:t>
-            </a:r>
-            <a:r>
-              <a:rPr lang="es-US" sz="2400" dirty="0"/>
-              <a:t>principalmente a:</a:t>
-            </a:r>
-          </a:p>
-          <a:p>
-            <a:pPr marL="0" indent="0">
-              <a:buNone/>
-            </a:pPr>
-            <a:r>
-              <a:rPr lang="es-US" sz="2400" dirty="0"/>
-              <a:t>                </a:t>
-            </a:r>
-            <a:r>
-              <a:rPr lang="es-US" sz="2400" b="1" dirty="0"/>
-              <a:t> S</a:t>
-            </a:r>
-            <a:r>
-              <a:rPr lang="es-US" sz="2400" b="1" i="1" dirty="0"/>
-              <a:t>ecretaria </a:t>
-            </a:r>
-            <a:r>
-              <a:rPr lang="es-US" sz="2400" b="1" i="1" dirty="0" smtClean="0"/>
-              <a:t>académica UNPA-UARG:  </a:t>
-            </a:r>
-            <a:r>
-              <a:rPr lang="es-ES" sz="2400" i="1" dirty="0"/>
-              <a:t>Encargado de administrar las cursadas y mesas de examen. Además puede acceder a los informes</a:t>
-            </a:r>
-            <a:r>
-              <a:rPr lang="es-ES" sz="2400" i="1" dirty="0" smtClean="0"/>
-              <a:t>. </a:t>
-            </a:r>
-            <a:r>
-              <a:rPr lang="es-ES" sz="2400" dirty="0"/>
-              <a:t>. Esta tarea debe hacerse accediendo al sistema a través de su sitio web e identificándose mediante un correo institucional.</a:t>
-            </a:r>
-          </a:p>
-          <a:p>
-            <a:pPr marL="0" indent="0">
-              <a:buNone/>
-            </a:pPr>
-            <a:endParaRPr lang="es-US" sz="2400" b="1" i="1" u="sng" dirty="0"/>
-          </a:p>
-          <a:p>
-            <a:pPr marL="0" indent="0">
-              <a:buNone/>
-            </a:pPr>
-            <a:r>
-              <a:rPr lang="es-US" sz="2400" b="1" i="1" dirty="0"/>
-              <a:t>                Administrador: </a:t>
-            </a:r>
-            <a:r>
-              <a:rPr lang="es-ES" sz="2400" i="1" dirty="0"/>
-              <a:t>Encargado de administrar usuarios, roles y permisos. Tiene acceso al sistema completo</a:t>
-            </a:r>
-          </a:p>
-          <a:p>
-            <a:endParaRPr lang="es-AR" sz="2400" dirty="0"/>
-          </a:p>
-          <a:p>
-            <a:pPr marL="457200" indent="-457200">
-              <a:buAutoNum type="arabicPeriod"/>
-            </a:pPr>
-            <a:r>
-              <a:rPr lang="es-AR" sz="2400" dirty="0"/>
-              <a:t>Horarios de cursada</a:t>
-            </a:r>
-            <a:r>
-              <a:rPr lang="es-AR" sz="2400" dirty="0" smtClean="0"/>
-              <a:t>.(cada cuatrimestre)</a:t>
-            </a:r>
-            <a:endParaRPr lang="es-AR" sz="2400" dirty="0"/>
-          </a:p>
-          <a:p>
-            <a:pPr marL="914400" lvl="1" indent="-457200">
-              <a:buAutoNum type="alphaLcPeriod"/>
-            </a:pPr>
-            <a:r>
-              <a:rPr lang="es-AR" dirty="0"/>
-              <a:t>Cargar horarios utilizando archivo.</a:t>
-            </a:r>
-          </a:p>
-          <a:p>
-            <a:pPr marL="914400" lvl="1" indent="-457200">
-              <a:buAutoNum type="alphaLcPeriod"/>
-            </a:pPr>
-            <a:r>
-              <a:rPr lang="es-AR" dirty="0"/>
-              <a:t>Crear nuevo horario.</a:t>
-            </a:r>
-          </a:p>
-          <a:p>
-            <a:pPr marL="914400" lvl="1" indent="-457200">
-              <a:buAutoNum type="alphaLcPeriod"/>
-            </a:pPr>
-            <a:r>
-              <a:rPr lang="es-AR" dirty="0"/>
-              <a:t>Buscar horarios para eliminar o modificar.</a:t>
-            </a:r>
-          </a:p>
-          <a:p>
-            <a:pPr lvl="1"/>
+            <a:endParaRPr lang="es-US" dirty="0"/>
+          </a:p>
+          <a:p>
+            <a:endParaRPr lang="es-US" b="1" u="sng" dirty="0" smtClean="0"/>
+          </a:p>
+          <a:p>
             <a:endParaRPr lang="es-AR" dirty="0"/>
-          </a:p>
-          <a:p>
-            <a:pPr marL="457200" indent="-457200">
-              <a:buAutoNum type="arabicPeriod"/>
-            </a:pPr>
-            <a:r>
-              <a:rPr lang="es-AR" sz="2400" dirty="0"/>
-              <a:t>Mesas de examen</a:t>
-            </a:r>
-            <a:r>
-              <a:rPr lang="es-AR" sz="2400" dirty="0" smtClean="0"/>
-              <a:t>. (cada turno)</a:t>
-            </a:r>
-            <a:endParaRPr lang="es-AR" sz="2400" dirty="0"/>
-          </a:p>
-          <a:p>
-            <a:pPr marL="914400" lvl="1" indent="-457200">
-              <a:buAutoNum type="alphaLcPeriod"/>
-            </a:pPr>
-            <a:r>
-              <a:rPr lang="es-AR" dirty="0"/>
-              <a:t>Cargar mesas utilizando archivo.</a:t>
-            </a:r>
-          </a:p>
-          <a:p>
-            <a:pPr marL="914400" lvl="1" indent="-457200">
-              <a:buAutoNum type="alphaLcPeriod"/>
-            </a:pPr>
-            <a:r>
-              <a:rPr lang="es-AR" dirty="0"/>
-              <a:t>Crear nueva mesa de examen.</a:t>
-            </a:r>
-          </a:p>
-          <a:p>
-            <a:pPr marL="914400" lvl="1" indent="-457200">
-              <a:buAutoNum type="alphaLcPeriod"/>
-            </a:pPr>
-            <a:r>
-              <a:rPr lang="es-AR" dirty="0"/>
-              <a:t>Buscar mesas para eliminar o modificar</a:t>
-            </a:r>
           </a:p>
         </p:txBody>
       </p:sp>
@@ -13812,7 +12817,7 @@
           <a:p>
             <a:r>
               <a:rPr lang="es-US" dirty="0" smtClean="0"/>
-              <a:t> Web</a:t>
+              <a:t>Presentación </a:t>
             </a:r>
             <a:endParaRPr lang="es-AR" dirty="0"/>
           </a:p>
@@ -13868,13 +12873,20 @@
     </p:spTree>
     <p:extLst>
       <p:ext uri="{BB962C8B-B14F-4D97-AF65-F5344CB8AC3E}">
-        <p14:creationId xmlns:p14="http://schemas.microsoft.com/office/powerpoint/2010/main" val="220951808"/>
+        <p14:creationId xmlns:p14="http://schemas.microsoft.com/office/powerpoint/2010/main" val="3757246666"/>
       </p:ext>
     </p:extLst>
   </p:cSld>
   <p:clrMapOvr>
     <a:masterClrMapping/>
   </p:clrMapOvr>
+  <p:timing>
+    <p:tnLst>
+      <p:par>
+        <p:cTn id="1" dur="indefinite" restart="never" nodeType="tmRoot"/>
+      </p:par>
+    </p:tnLst>
+  </p:timing>
 </p:sld>
 </file>
 
@@ -13907,31 +12919,218 @@
         </p:nvSpPr>
         <p:spPr/>
         <p:txBody>
+          <a:bodyPr>
+            <a:normAutofit fontScale="92500" lnSpcReduction="20000"/>
+          </a:bodyPr>
+          <a:lstStyle/>
+          <a:p>
+            <a:pPr marL="0" indent="0">
+              <a:buNone/>
+            </a:pPr>
+            <a:r>
+              <a:rPr lang="es-US" sz="2400" dirty="0" smtClean="0"/>
+              <a:t>Destinado </a:t>
+            </a:r>
+            <a:r>
+              <a:rPr lang="es-US" sz="2400" dirty="0"/>
+              <a:t>principalmente a:</a:t>
+            </a:r>
+          </a:p>
+          <a:p>
+            <a:pPr marL="0" indent="0">
+              <a:buNone/>
+            </a:pPr>
+            <a:r>
+              <a:rPr lang="es-US" sz="2400" dirty="0"/>
+              <a:t>                </a:t>
+            </a:r>
+            <a:r>
+              <a:rPr lang="es-US" sz="2400" b="1" dirty="0"/>
+              <a:t> S</a:t>
+            </a:r>
+            <a:r>
+              <a:rPr lang="es-US" sz="2400" b="1" i="1" dirty="0"/>
+              <a:t>ecretaria </a:t>
+            </a:r>
+            <a:r>
+              <a:rPr lang="es-US" sz="2400" b="1" i="1" dirty="0" smtClean="0"/>
+              <a:t>académica UNPA-UARG: </a:t>
+            </a:r>
+            <a:r>
+              <a:rPr lang="es-US" sz="2400" dirty="0" smtClean="0"/>
+              <a:t>quienes se </a:t>
+            </a:r>
+            <a:r>
+              <a:rPr lang="es-US" sz="2400" dirty="0" err="1" smtClean="0"/>
+              <a:t>necargarian</a:t>
+            </a:r>
+            <a:r>
+              <a:rPr lang="es-US" sz="2400" dirty="0" smtClean="0"/>
+              <a:t> </a:t>
+            </a:r>
+            <a:r>
+              <a:rPr lang="es-ES" sz="2400" dirty="0" smtClean="0"/>
+              <a:t>de </a:t>
+            </a:r>
+            <a:r>
+              <a:rPr lang="es-ES" sz="2400" dirty="0"/>
+              <a:t>administrar las cursadas y mesas de examen. Además </a:t>
+            </a:r>
+            <a:r>
+              <a:rPr lang="es-ES" sz="2400" dirty="0" smtClean="0"/>
+              <a:t>de</a:t>
+            </a:r>
+            <a:r>
+              <a:rPr lang="es-ES" sz="2400" dirty="0" smtClean="0"/>
+              <a:t> </a:t>
+            </a:r>
+            <a:r>
+              <a:rPr lang="es-ES" sz="2400" dirty="0"/>
+              <a:t>acceder a los </a:t>
+            </a:r>
+            <a:r>
+              <a:rPr lang="es-ES" sz="2400" dirty="0" smtClean="0"/>
+              <a:t>informes. Esta </a:t>
+            </a:r>
+            <a:r>
+              <a:rPr lang="es-ES" sz="2400" dirty="0"/>
+              <a:t>tarea debe hacerse accediendo al sistema a través de su sitio web e identificándose mediante un correo institucional.</a:t>
+            </a:r>
+          </a:p>
+          <a:p>
+            <a:pPr marL="0" indent="0">
+              <a:buNone/>
+            </a:pPr>
+            <a:r>
+              <a:rPr lang="es-US" sz="2400" b="1" i="1" dirty="0"/>
+              <a:t> </a:t>
+            </a:r>
+            <a:r>
+              <a:rPr lang="es-US" sz="2400" b="1" i="1" dirty="0" smtClean="0"/>
+              <a:t>                </a:t>
+            </a:r>
+            <a:r>
+              <a:rPr lang="es-US" sz="2400" b="1" i="1" dirty="0" smtClean="0"/>
+              <a:t>Administrador</a:t>
+            </a:r>
+            <a:r>
+              <a:rPr lang="es-US" sz="2400" b="1" i="1" dirty="0"/>
+              <a:t>: </a:t>
+            </a:r>
+            <a:r>
+              <a:rPr lang="es-ES" sz="2400" i="1" dirty="0"/>
+              <a:t>Encargado de administrar usuarios, roles y permisos. Tiene acceso al sistema completo</a:t>
+            </a:r>
+          </a:p>
+          <a:p>
+            <a:endParaRPr lang="es-AR" sz="2400" dirty="0"/>
+          </a:p>
+          <a:p>
+            <a:pPr marL="457200" indent="-457200">
+              <a:buAutoNum type="arabicPeriod"/>
+            </a:pPr>
+            <a:r>
+              <a:rPr lang="es-AR" sz="2400" dirty="0"/>
+              <a:t>Horarios de cursada</a:t>
+            </a:r>
+            <a:r>
+              <a:rPr lang="es-AR" sz="2400" dirty="0" smtClean="0"/>
+              <a:t>.(cada cuatrimestre)</a:t>
+            </a:r>
+            <a:endParaRPr lang="es-AR" sz="2400" dirty="0"/>
+          </a:p>
+          <a:p>
+            <a:pPr marL="914400" lvl="1" indent="-457200">
+              <a:buAutoNum type="alphaLcPeriod"/>
+            </a:pPr>
+            <a:r>
+              <a:rPr lang="es-AR" dirty="0"/>
+              <a:t>Cargar horarios utilizando archivo.</a:t>
+            </a:r>
+          </a:p>
+          <a:p>
+            <a:pPr marL="914400" lvl="1" indent="-457200">
+              <a:buAutoNum type="alphaLcPeriod"/>
+            </a:pPr>
+            <a:r>
+              <a:rPr lang="es-AR" dirty="0"/>
+              <a:t>Crear nuevo horario.</a:t>
+            </a:r>
+          </a:p>
+          <a:p>
+            <a:pPr marL="914400" lvl="1" indent="-457200">
+              <a:buAutoNum type="alphaLcPeriod"/>
+            </a:pPr>
+            <a:r>
+              <a:rPr lang="es-AR" dirty="0"/>
+              <a:t>Buscar horarios para eliminar o modificar.</a:t>
+            </a:r>
+          </a:p>
+          <a:p>
+            <a:pPr lvl="1"/>
+            <a:endParaRPr lang="es-AR" dirty="0"/>
+          </a:p>
+          <a:p>
+            <a:pPr marL="457200" indent="-457200">
+              <a:buAutoNum type="arabicPeriod"/>
+            </a:pPr>
+            <a:r>
+              <a:rPr lang="es-AR" sz="2400" dirty="0"/>
+              <a:t>Mesas de examen</a:t>
+            </a:r>
+            <a:r>
+              <a:rPr lang="es-AR" sz="2400" dirty="0" smtClean="0"/>
+              <a:t>. (cada turno)</a:t>
+            </a:r>
+            <a:endParaRPr lang="es-AR" sz="2400" dirty="0"/>
+          </a:p>
+          <a:p>
+            <a:pPr marL="914400" lvl="1" indent="-457200">
+              <a:buAutoNum type="alphaLcPeriod"/>
+            </a:pPr>
+            <a:r>
+              <a:rPr lang="es-AR" dirty="0"/>
+              <a:t>Cargar mesas utilizando archivo.</a:t>
+            </a:r>
+          </a:p>
+          <a:p>
+            <a:pPr marL="914400" lvl="1" indent="-457200">
+              <a:buAutoNum type="alphaLcPeriod"/>
+            </a:pPr>
+            <a:r>
+              <a:rPr lang="es-AR" dirty="0"/>
+              <a:t>Crear nueva mesa de examen.</a:t>
+            </a:r>
+          </a:p>
+          <a:p>
+            <a:pPr marL="914400" lvl="1" indent="-457200">
+              <a:buAutoNum type="alphaLcPeriod"/>
+            </a:pPr>
+            <a:r>
+              <a:rPr lang="es-AR" dirty="0"/>
+              <a:t>Buscar mesas para eliminar o modificar</a:t>
+            </a:r>
+          </a:p>
+        </p:txBody>
+      </p:sp>
+      <p:sp>
+        <p:nvSpPr>
+          <p:cNvPr id="3" name="2 Título"/>
+          <p:cNvSpPr>
+            <a:spLocks noGrp="1"/>
+          </p:cNvSpPr>
+          <p:nvPr>
+            <p:ph type="title"/>
+          </p:nvPr>
+        </p:nvSpPr>
+        <p:spPr/>
+        <p:txBody>
           <a:bodyPr/>
           <a:lstStyle/>
           <a:p>
-            <a:endParaRPr lang="es-AR" dirty="0"/>
-          </a:p>
-        </p:txBody>
-      </p:sp>
-      <p:sp>
-        <p:nvSpPr>
-          <p:cNvPr id="3" name="2 Título"/>
-          <p:cNvSpPr>
-            <a:spLocks noGrp="1"/>
-          </p:cNvSpPr>
-          <p:nvPr>
-            <p:ph type="title"/>
-          </p:nvPr>
-        </p:nvSpPr>
-        <p:spPr/>
-        <p:txBody>
-          <a:bodyPr/>
-          <a:lstStyle/>
-          <a:p>
             <a:r>
               <a:rPr lang="es-US" dirty="0" smtClean="0"/>
-              <a:t>Horarios de cursada</a:t>
+              <a:t> Web</a:t>
             </a:r>
             <a:endParaRPr lang="es-AR" dirty="0"/>
           </a:p>
@@ -13979,6 +13178,125 @@
               <a:rPr lang="es-AR" smtClean="0"/>
               <a:pPr/>
               <a:t>4</a:t>
+            </a:fld>
+            <a:endParaRPr lang="es-AR" dirty="0"/>
+          </a:p>
+        </p:txBody>
+      </p:sp>
+    </p:spTree>
+    <p:extLst>
+      <p:ext uri="{BB962C8B-B14F-4D97-AF65-F5344CB8AC3E}">
+        <p14:creationId xmlns:p14="http://schemas.microsoft.com/office/powerpoint/2010/main" val="220951808"/>
+      </p:ext>
+    </p:extLst>
+  </p:cSld>
+  <p:clrMapOvr>
+    <a:masterClrMapping/>
+  </p:clrMapOvr>
+</p:sld>
+</file>
+
+<file path=ppt/slides/slide5.xml><?xml version="1.0" encoding="utf-8"?>
+<p:sld xmlns:a="http://schemas.openxmlformats.org/drawingml/2006/main" xmlns:r="http://schemas.openxmlformats.org/officeDocument/2006/relationships" xmlns:p="http://schemas.openxmlformats.org/presentationml/2006/main">
+  <p:cSld>
+    <p:spTree>
+      <p:nvGrpSpPr>
+        <p:cNvPr id="1" name=""/>
+        <p:cNvGrpSpPr/>
+        <p:nvPr/>
+      </p:nvGrpSpPr>
+      <p:grpSpPr>
+        <a:xfrm>
+          <a:off x="0" y="0"/>
+          <a:ext cx="0" cy="0"/>
+          <a:chOff x="0" y="0"/>
+          <a:chExt cx="0" cy="0"/>
+        </a:xfrm>
+      </p:grpSpPr>
+      <p:sp>
+        <p:nvSpPr>
+          <p:cNvPr id="2" name="1 Marcador de contenido"/>
+          <p:cNvSpPr>
+            <a:spLocks noGrp="1"/>
+          </p:cNvSpPr>
+          <p:nvPr>
+            <p:ph idx="1"/>
+          </p:nvPr>
+        </p:nvSpPr>
+        <p:spPr/>
+        <p:txBody>
+          <a:bodyPr/>
+          <a:lstStyle/>
+          <a:p>
+            <a:endParaRPr lang="es-AR" dirty="0"/>
+          </a:p>
+        </p:txBody>
+      </p:sp>
+      <p:sp>
+        <p:nvSpPr>
+          <p:cNvPr id="3" name="2 Título"/>
+          <p:cNvSpPr>
+            <a:spLocks noGrp="1"/>
+          </p:cNvSpPr>
+          <p:nvPr>
+            <p:ph type="title"/>
+          </p:nvPr>
+        </p:nvSpPr>
+        <p:spPr/>
+        <p:txBody>
+          <a:bodyPr/>
+          <a:lstStyle/>
+          <a:p>
+            <a:r>
+              <a:rPr lang="es-US" dirty="0" smtClean="0"/>
+              <a:t>Horarios de cursada</a:t>
+            </a:r>
+            <a:endParaRPr lang="es-AR" dirty="0"/>
+          </a:p>
+        </p:txBody>
+      </p:sp>
+      <p:sp>
+        <p:nvSpPr>
+          <p:cNvPr id="4" name="3 Marcador de pie de página"/>
+          <p:cNvSpPr>
+            <a:spLocks noGrp="1"/>
+          </p:cNvSpPr>
+          <p:nvPr>
+            <p:ph type="ftr" sz="quarter" idx="11"/>
+          </p:nvPr>
+        </p:nvSpPr>
+        <p:spPr/>
+        <p:txBody>
+          <a:bodyPr/>
+          <a:lstStyle/>
+          <a:p>
+            <a:r>
+              <a:rPr lang="es-AR" smtClean="0"/>
+              <a:t>OYARZO Mariela – QUIROGA Sandra – MÁRQUEZ EMANUEL</a:t>
+            </a:r>
+            <a:endParaRPr lang="es-AR" dirty="0"/>
+          </a:p>
+        </p:txBody>
+      </p:sp>
+      <p:sp>
+        <p:nvSpPr>
+          <p:cNvPr id="5" name="4 Marcador de número de diapositiva"/>
+          <p:cNvSpPr>
+            <a:spLocks noGrp="1"/>
+          </p:cNvSpPr>
+          <p:nvPr>
+            <p:ph type="sldNum" sz="quarter" idx="12"/>
+          </p:nvPr>
+        </p:nvSpPr>
+        <p:spPr/>
+        <p:txBody>
+          <a:bodyPr/>
+          <a:lstStyle/>
+          <a:p>
+            <a:fld id="{779E3280-5C43-43EF-BE7D-8C553A58A779}" type="slidenum">
+              <a:rPr lang="es-AR" smtClean="0"/>
+              <a:pPr/>
+              <a:t>5</a:t>
             </a:fld>
             <a:endParaRPr lang="es-AR" dirty="0"/>
           </a:p>
@@ -14025,7 +13343,7 @@
 </p:sld>
 </file>
 
-<file path=ppt/slides/slide5.xml><?xml version="1.0" encoding="utf-8"?>
+<file path=ppt/slides/slide6.xml><?xml version="1.0" encoding="utf-8"?>
 <p:sld xmlns:a="http://schemas.openxmlformats.org/drawingml/2006/main" xmlns:r="http://schemas.openxmlformats.org/officeDocument/2006/relationships" xmlns:p="http://schemas.openxmlformats.org/presentationml/2006/main">
   <p:cSld>
     <p:spTree>
@@ -14106,7 +13424,7 @@
             <a:fld id="{779E3280-5C43-43EF-BE7D-8C553A58A779}" type="slidenum">
               <a:rPr lang="es-AR" smtClean="0"/>
               <a:pPr/>
-              <a:t>5</a:t>
+              <a:t>6</a:t>
             </a:fld>
             <a:endParaRPr lang="es-AR" dirty="0"/>
           </a:p>
@@ -14155,150 +13473,6 @@
 </p:sld>
 </file>
 
-<file path=ppt/slides/slide6.xml><?xml version="1.0" encoding="utf-8"?>
-<p:sld xmlns:a="http://schemas.openxmlformats.org/drawingml/2006/main" xmlns:r="http://schemas.openxmlformats.org/officeDocument/2006/relationships" xmlns:p="http://schemas.openxmlformats.org/presentationml/2006/main">
-  <p:cSld>
-    <p:spTree>
-      <p:nvGrpSpPr>
-        <p:cNvPr id="1" name=""/>
-        <p:cNvGrpSpPr/>
-        <p:nvPr/>
-      </p:nvGrpSpPr>
-      <p:grpSpPr>
-        <a:xfrm>
-          <a:off x="0" y="0"/>
-          <a:ext cx="0" cy="0"/>
-          <a:chOff x="0" y="0"/>
-          <a:chExt cx="0" cy="0"/>
-        </a:xfrm>
-      </p:grpSpPr>
-      <p:sp>
-        <p:nvSpPr>
-          <p:cNvPr id="2" name="1 Marcador de contenido"/>
-          <p:cNvSpPr>
-            <a:spLocks noGrp="1"/>
-          </p:cNvSpPr>
-          <p:nvPr>
-            <p:ph idx="1"/>
-          </p:nvPr>
-        </p:nvSpPr>
-        <p:spPr/>
-        <p:txBody>
-          <a:bodyPr/>
-          <a:lstStyle/>
-          <a:p>
-            <a:r>
-              <a:rPr lang="es-ES" dirty="0"/>
-              <a:t>S</a:t>
-            </a:r>
-            <a:r>
-              <a:rPr lang="es-ES" dirty="0" smtClean="0"/>
-              <a:t>e </a:t>
-            </a:r>
-            <a:r>
-              <a:rPr lang="es-ES" dirty="0"/>
-              <a:t>permite a usuarios públicos que accedan desde una aplicación móvil consultar los horarios de cursada y mesas de examen que han sido previamente cargados por Secretaría Académica</a:t>
-            </a:r>
-            <a:r>
-              <a:rPr lang="es-ES" dirty="0" smtClean="0"/>
-              <a:t>.</a:t>
-            </a:r>
-          </a:p>
-          <a:p>
-            <a:r>
-              <a:rPr lang="es-ES" dirty="0" smtClean="0"/>
-              <a:t>Se podrá guardar en favoritos aquellos horarios de cursada y mesas de examen de interés para el alumno o docente. Resaltando en favoritos cuando ocurra algún cambio.</a:t>
-            </a:r>
-            <a:endParaRPr lang="es-ES" dirty="0"/>
-          </a:p>
-          <a:p>
-            <a:endParaRPr lang="es-AR" dirty="0"/>
-          </a:p>
-        </p:txBody>
-      </p:sp>
-      <p:sp>
-        <p:nvSpPr>
-          <p:cNvPr id="3" name="2 Título"/>
-          <p:cNvSpPr>
-            <a:spLocks noGrp="1"/>
-          </p:cNvSpPr>
-          <p:nvPr>
-            <p:ph type="title"/>
-          </p:nvPr>
-        </p:nvSpPr>
-        <p:spPr/>
-        <p:txBody>
-          <a:bodyPr/>
-          <a:lstStyle/>
-          <a:p>
-            <a:r>
-              <a:rPr lang="es-US" dirty="0" smtClean="0"/>
-              <a:t>Aplicación móvil (App)</a:t>
-            </a:r>
-            <a:endParaRPr lang="es-AR" dirty="0"/>
-          </a:p>
-        </p:txBody>
-      </p:sp>
-      <p:sp>
-        <p:nvSpPr>
-          <p:cNvPr id="4" name="3 Marcador de pie de página"/>
-          <p:cNvSpPr>
-            <a:spLocks noGrp="1"/>
-          </p:cNvSpPr>
-          <p:nvPr>
-            <p:ph type="ftr" sz="quarter" idx="11"/>
-          </p:nvPr>
-        </p:nvSpPr>
-        <p:spPr/>
-        <p:txBody>
-          <a:bodyPr/>
-          <a:lstStyle/>
-          <a:p>
-            <a:r>
-              <a:rPr lang="es-AR" smtClean="0"/>
-              <a:t>OYARZO Mariela – QUIROGA Sandra – MÁRQUEZ EMANUEL</a:t>
-            </a:r>
-            <a:endParaRPr lang="es-AR" dirty="0"/>
-          </a:p>
-        </p:txBody>
-      </p:sp>
-      <p:sp>
-        <p:nvSpPr>
-          <p:cNvPr id="5" name="4 Marcador de número de diapositiva"/>
-          <p:cNvSpPr>
-            <a:spLocks noGrp="1"/>
-          </p:cNvSpPr>
-          <p:nvPr>
-            <p:ph type="sldNum" sz="quarter" idx="12"/>
-          </p:nvPr>
-        </p:nvSpPr>
-        <p:spPr/>
-        <p:txBody>
-          <a:bodyPr/>
-          <a:lstStyle/>
-          <a:p>
-            <a:fld id="{779E3280-5C43-43EF-BE7D-8C553A58A779}" type="slidenum">
-              <a:rPr lang="es-AR" smtClean="0"/>
-              <a:pPr/>
-              <a:t>6</a:t>
-            </a:fld>
-            <a:endParaRPr lang="es-AR" dirty="0"/>
-          </a:p>
-        </p:txBody>
-      </p:sp>
-    </p:spTree>
-    <p:extLst>
-      <p:ext uri="{BB962C8B-B14F-4D97-AF65-F5344CB8AC3E}">
-        <p14:creationId xmlns:p14="http://schemas.microsoft.com/office/powerpoint/2010/main" val="380695127"/>
-      </p:ext>
-    </p:extLst>
-  </p:cSld>
-  <p:clrMapOvr>
-    <a:masterClrMapping/>
-  </p:clrMapOvr>
-</p:sld>
-</file>
-
 <file path=ppt/slides/slide7.xml><?xml version="1.0" encoding="utf-8"?>
 <p:sld xmlns:a="http://schemas.openxmlformats.org/drawingml/2006/main" xmlns:r="http://schemas.openxmlformats.org/officeDocument/2006/relationships" xmlns:p="http://schemas.openxmlformats.org/presentationml/2006/main">
   <p:cSld>
@@ -14318,12 +13492,12 @@
       </p:grpSpPr>
       <p:sp>
         <p:nvSpPr>
-          <p:cNvPr id="2" name="1 Marcador de contenido"/>
-          <p:cNvSpPr>
-            <a:spLocks noGrp="1"/>
-          </p:cNvSpPr>
-          <p:nvPr>
-            <p:ph idx="1"/>
+          <p:cNvPr id="3" name="2 Título"/>
+          <p:cNvSpPr>
+            <a:spLocks noGrp="1"/>
+          </p:cNvSpPr>
+          <p:nvPr>
+            <p:ph type="title"/>
           </p:nvPr>
         </p:nvSpPr>
         <p:spPr/>
@@ -14331,139 +13505,9 @@
           <a:bodyPr/>
           <a:lstStyle/>
           <a:p>
-            <a:pPr marL="0" indent="0">
-              <a:spcAft>
-                <a:spcPts val="600"/>
-              </a:spcAft>
-              <a:buNone/>
-            </a:pPr>
-            <a:r>
-              <a:rPr lang="es-ES" b="1" u="sng" dirty="0" smtClean="0"/>
-              <a:t>Temas a desarrollar</a:t>
-            </a:r>
-            <a:r>
-              <a:rPr lang="es-ES" dirty="0" smtClean="0"/>
-              <a:t>:</a:t>
-            </a:r>
-          </a:p>
-          <a:p>
-            <a:pPr marL="0" indent="0">
-              <a:spcAft>
-                <a:spcPts val="600"/>
-              </a:spcAft>
-              <a:buNone/>
-            </a:pPr>
-            <a:endParaRPr lang="es-ES" dirty="0" smtClean="0"/>
-          </a:p>
-          <a:p>
-            <a:pPr marL="514350" indent="-514350">
-              <a:spcBef>
-                <a:spcPts val="600"/>
-              </a:spcBef>
-              <a:spcAft>
-                <a:spcPts val="600"/>
-              </a:spcAft>
-              <a:buFont typeface="+mj-lt"/>
-              <a:buAutoNum type="arabicPeriod"/>
-            </a:pPr>
-            <a:r>
-              <a:rPr lang="es-ES" dirty="0" smtClean="0"/>
-              <a:t>Objetivo de la presentación.</a:t>
-            </a:r>
-          </a:p>
-          <a:p>
-            <a:pPr marL="514350" indent="-514350">
-              <a:spcBef>
-                <a:spcPts val="600"/>
-              </a:spcBef>
-              <a:spcAft>
-                <a:spcPts val="600"/>
-              </a:spcAft>
-              <a:buFont typeface="+mj-lt"/>
-              <a:buAutoNum type="arabicPeriod"/>
-            </a:pPr>
-            <a:r>
-              <a:rPr lang="es-ES" dirty="0" smtClean="0"/>
-              <a:t>Descripción general del proyecto.</a:t>
-            </a:r>
-          </a:p>
-          <a:p>
-            <a:pPr marL="514350" indent="-514350">
-              <a:spcBef>
-                <a:spcPts val="600"/>
-              </a:spcBef>
-              <a:spcAft>
-                <a:spcPts val="600"/>
-              </a:spcAft>
-              <a:buFont typeface="+mj-lt"/>
-              <a:buAutoNum type="arabicPeriod"/>
-            </a:pPr>
-            <a:r>
-              <a:rPr lang="es-ES" dirty="0" smtClean="0"/>
-              <a:t>Estado actual del proyecto.</a:t>
-            </a:r>
-          </a:p>
-          <a:p>
-            <a:pPr marL="514350" indent="-514350">
-              <a:spcBef>
-                <a:spcPts val="600"/>
-              </a:spcBef>
-              <a:spcAft>
-                <a:spcPts val="600"/>
-              </a:spcAft>
-              <a:buFont typeface="+mj-lt"/>
-              <a:buAutoNum type="arabicPeriod"/>
-            </a:pPr>
-            <a:r>
-              <a:rPr lang="es-ES" dirty="0" smtClean="0"/>
-              <a:t>Planificación de la nueva iteración.</a:t>
-            </a:r>
-          </a:p>
-          <a:p>
-            <a:pPr marL="0" indent="0">
-              <a:spcBef>
-                <a:spcPts val="600"/>
-              </a:spcBef>
-              <a:spcAft>
-                <a:spcPts val="600"/>
-              </a:spcAft>
-              <a:buNone/>
-            </a:pPr>
-            <a:endParaRPr lang="es-ES" dirty="0" smtClean="0"/>
-          </a:p>
-          <a:p>
-            <a:pPr marL="0" indent="0">
-              <a:buNone/>
-            </a:pPr>
-            <a:endParaRPr lang="es-ES" dirty="0" smtClean="0"/>
-          </a:p>
-          <a:p>
-            <a:pPr marL="514350" indent="-514350">
-              <a:buFont typeface="+mj-lt"/>
-              <a:buAutoNum type="arabicPeriod"/>
-            </a:pPr>
-            <a:endParaRPr lang="es-ES" dirty="0" smtClean="0"/>
-          </a:p>
-        </p:txBody>
-      </p:sp>
-      <p:sp>
-        <p:nvSpPr>
-          <p:cNvPr id="3" name="2 Título"/>
-          <p:cNvSpPr>
-            <a:spLocks noGrp="1"/>
-          </p:cNvSpPr>
-          <p:nvPr>
-            <p:ph type="title"/>
-          </p:nvPr>
-        </p:nvSpPr>
-        <p:spPr/>
-        <p:txBody>
-          <a:bodyPr/>
-          <a:lstStyle/>
-          <a:p>
             <a:r>
               <a:rPr lang="es-AR" dirty="0" smtClean="0"/>
-              <a:t>Introducción</a:t>
+              <a:t>Descripción general</a:t>
             </a:r>
             <a:endParaRPr lang="es-AR" dirty="0"/>
           </a:p>
@@ -14516,7 +13560,96 @@
           </a:p>
         </p:txBody>
       </p:sp>
+      <p:pic>
+        <p:nvPicPr>
+          <p:cNvPr id="6" name="Imagen 5"/>
+          <p:cNvPicPr>
+            <a:picLocks noChangeAspect="1"/>
+          </p:cNvPicPr>
+          <p:nvPr/>
+        </p:nvPicPr>
+        <p:blipFill rotWithShape="1">
+          <a:blip r:embed="rId3"/>
+          <a:srcRect l="784" t="12121" r="1604" b="6248"/>
+          <a:stretch/>
+        </p:blipFill>
+        <p:spPr>
+          <a:xfrm>
+            <a:off x="1622784" y="1509772"/>
+            <a:ext cx="9037415" cy="4249244"/>
+          </a:xfrm>
+          <a:prstGeom prst="rect">
+            <a:avLst/>
+          </a:prstGeom>
+          <a:ln>
+            <a:solidFill>
+              <a:schemeClr val="bg1"/>
+            </a:solidFill>
+          </a:ln>
+        </p:spPr>
+      </p:pic>
+      <p:sp>
+        <p:nvSpPr>
+          <p:cNvPr id="2" name="CuadroTexto 1"/>
+          <p:cNvSpPr txBox="1"/>
+          <p:nvPr/>
+        </p:nvSpPr>
+        <p:spPr>
+          <a:xfrm>
+            <a:off x="191069" y="5855750"/>
+            <a:ext cx="11829609" cy="523220"/>
+          </a:xfrm>
+          <a:prstGeom prst="rect">
+            <a:avLst/>
+          </a:prstGeom>
+          <a:noFill/>
+        </p:spPr>
+        <p:txBody>
+          <a:bodyPr wrap="square" rtlCol="0">
+            <a:spAutoFit/>
+          </a:bodyPr>
+          <a:lstStyle/>
+          <a:p>
+            <a:pPr algn="ctr"/>
+            <a:r>
+              <a:rPr lang="es-AR" sz="2800" dirty="0">
+                <a:solidFill>
+                  <a:schemeClr val="bg1">
+                    <a:lumMod val="75000"/>
+                    <a:lumOff val="25000"/>
+                  </a:schemeClr>
+                </a:solidFill>
+              </a:rPr>
+              <a:t>Pagina web </a:t>
+            </a:r>
+            <a:r>
+              <a:rPr lang="es-AR" sz="2800" dirty="0" smtClean="0">
+                <a:solidFill>
+                  <a:schemeClr val="bg1">
+                    <a:lumMod val="75000"/>
+                    <a:lumOff val="25000"/>
+                  </a:schemeClr>
+                </a:solidFill>
+              </a:rPr>
+              <a:t>Tempus – Búsqueda de horarios de cursada</a:t>
+            </a:r>
+            <a:endParaRPr lang="es-AR" sz="2800" dirty="0">
+              <a:solidFill>
+                <a:schemeClr val="bg1">
+                  <a:lumMod val="75000"/>
+                  <a:lumOff val="25000"/>
+                </a:schemeClr>
+              </a:solidFill>
+            </a:endParaRPr>
+          </a:p>
+        </p:txBody>
+      </p:sp>
     </p:spTree>
+    <p:extLst>
+      <p:ext uri="{BB962C8B-B14F-4D97-AF65-F5344CB8AC3E}">
+        <p14:creationId xmlns:p14="http://schemas.microsoft.com/office/powerpoint/2010/main" val="1549140909"/>
+      </p:ext>
+    </p:extLst>
   </p:cSld>
   <p:clrMapOvr>
     <a:masterClrMapping/>
@@ -14570,77 +13703,37 @@
             <p:ph idx="1"/>
           </p:nvPr>
         </p:nvSpPr>
-        <p:spPr>
-          <a:xfrm>
-            <a:off x="218364" y="1501254"/>
-            <a:ext cx="11682484" cy="4974450"/>
-          </a:xfrm>
-        </p:spPr>
+        <p:spPr/>
         <p:txBody>
           <a:bodyPr/>
           <a:lstStyle/>
           <a:p>
-            <a:pPr marL="0" indent="0">
-              <a:buNone/>
-            </a:pPr>
-            <a:r>
-              <a:rPr lang="es-ES" b="1" dirty="0" smtClean="0"/>
-              <a:t>Reunión del 17-Ago-18</a:t>
+            <a:r>
+              <a:rPr lang="es-ES" dirty="0"/>
+              <a:t>S</a:t>
             </a:r>
             <a:r>
               <a:rPr lang="es-ES" dirty="0" smtClean="0"/>
-              <a:t>: El grupo de desarrollo tomó la decisión de realizar una reunión con el objetivo de reanudar el proyecto Tempus. Durante la misma, se decidió:</a:t>
-            </a:r>
-          </a:p>
-          <a:p>
-            <a:pPr marL="0" indent="0">
-              <a:buNone/>
-            </a:pPr>
-            <a:endParaRPr lang="es-ES" dirty="0" smtClean="0"/>
-          </a:p>
-          <a:p>
+              <a:t>e </a:t>
+            </a:r>
+            <a:r>
+              <a:rPr lang="es-ES" dirty="0"/>
+              <a:t>permite a usuarios públicos que accedan desde una aplicación móvil consultar los horarios de cursada y mesas de examen que han sido previamente cargados por Secretaría Académica</a:t>
+            </a:r>
             <a:r>
               <a:rPr lang="es-ES" dirty="0" smtClean="0"/>
-              <a:t>Comprometerse con la finalización del trabajo.</a:t>
+              <a:t>.</a:t>
             </a:r>
           </a:p>
           <a:p>
             <a:r>
               <a:rPr lang="es-ES" dirty="0" smtClean="0"/>
-              <a:t>Repasar la documentación actual disponible en el repositorio (</a:t>
-            </a:r>
-            <a:r>
-              <a:rPr lang="es-ES" dirty="0" err="1" smtClean="0"/>
-              <a:t>Github</a:t>
-            </a:r>
-            <a:r>
-              <a:rPr lang="es-ES" dirty="0" smtClean="0"/>
-              <a:t>).</a:t>
-            </a:r>
-          </a:p>
-          <a:p>
-            <a:r>
-              <a:rPr lang="es-ES" dirty="0" smtClean="0"/>
-              <a:t>Determinar el estado de la documentación.</a:t>
-            </a:r>
-          </a:p>
-          <a:p>
-            <a:r>
-              <a:rPr lang="es-ES" dirty="0" smtClean="0"/>
-              <a:t>Planificar nueva iteración.</a:t>
-            </a:r>
-          </a:p>
-          <a:p>
-            <a:r>
-              <a:rPr lang="es-ES" dirty="0" smtClean="0"/>
-              <a:t>Realizar presentación al equipo de catedra.</a:t>
-            </a:r>
-          </a:p>
-          <a:p>
-            <a:pPr marL="0" indent="0">
-              <a:buNone/>
-            </a:pPr>
-            <a:endParaRPr lang="es-ES" dirty="0" smtClean="0"/>
+              <a:t>Se podrá guardar en favoritos aquellos horarios de cursada y mesas de examen de interés para el alumno o docente. Resaltando en favoritos cuando ocurra algún cambio.</a:t>
+            </a:r>
+            <a:endParaRPr lang="es-ES" dirty="0"/>
+          </a:p>
+          <a:p>
+            <a:endParaRPr lang="es-AR" dirty="0"/>
           </a:p>
         </p:txBody>
       </p:sp>
@@ -14660,8 +13753,8 @@
           <a:lstStyle/>
           <a:p>
             <a:r>
-              <a:rPr lang="es-AR" dirty="0" smtClean="0"/>
-              <a:t>Objetivo de la presentación</a:t>
+              <a:rPr lang="es-US" dirty="0" smtClean="0"/>
+              <a:t>Aplicación móvil (App)</a:t>
             </a:r>
             <a:endParaRPr lang="es-AR" dirty="0"/>
           </a:p>
@@ -14683,10 +13776,10 @@
           <a:lstStyle/>
           <a:p>
             <a:r>
-              <a:rPr lang="es-AR" sz="1600" dirty="0" smtClean="0"/>
-              <a:t>OYARZO Mariela – QUIROGA Sandra – MÁRQUEZ Emanuel</a:t>
-            </a:r>
-            <a:endParaRPr lang="es-AR" sz="1600" dirty="0"/>
+              <a:rPr lang="es-AR" smtClean="0"/>
+              <a:t>OYARZO Mariela – QUIROGA Sandra – MÁRQUEZ EMANUEL</a:t>
+            </a:r>
+            <a:endParaRPr lang="es-AR" dirty="0"/>
           </a:p>
         </p:txBody>
       </p:sp>
@@ -14717,32 +13810,13 @@
     </p:spTree>
     <p:extLst>
       <p:ext uri="{BB962C8B-B14F-4D97-AF65-F5344CB8AC3E}">
-        <p14:creationId xmlns:p14="http://schemas.microsoft.com/office/powerpoint/2010/main" val="614728282"/>
+        <p14:creationId xmlns:p14="http://schemas.microsoft.com/office/powerpoint/2010/main" val="380695127"/>
       </p:ext>
     </p:extLst>
   </p:cSld>
   <p:clrMapOvr>
     <a:masterClrMapping/>
   </p:clrMapOvr>
-  <mc:AlternateContent xmlns:mc="http://schemas.openxmlformats.org/markup-compatibility/2006" xmlns:p14="http://schemas.microsoft.com/office/powerpoint/2010/main">
-    <mc:Choice Requires="p14">
-      <p:transition spd="slow">
-        <p14:reveal/>
-      </p:transition>
-    </mc:Choice>
-    <mc:Fallback xmlns="">
-      <p:transition spd="slow">
-        <p:fade/>
-      </p:transition>
-    </mc:Fallback>
-  </mc:AlternateContent>
-  <p:timing>
-    <p:tnLst>
-      <p:par>
-        <p:cTn id="1" dur="indefinite" restart="never" nodeType="tmRoot"/>
-      </p:par>
-    </p:tnLst>
-  </p:timing>
 </p:sld>
 </file>
 
@@ -14779,8 +13853,8 @@
           <a:lstStyle/>
           <a:p>
             <a:r>
-              <a:rPr lang="es-AR" dirty="0" smtClean="0"/>
-              <a:t>Descripción general</a:t>
+              <a:rPr lang="es-US" dirty="0" smtClean="0"/>
+              <a:t>App</a:t>
             </a:r>
             <a:endParaRPr lang="es-AR" dirty="0"/>
           </a:p>
@@ -14802,10 +13876,10 @@
           <a:lstStyle/>
           <a:p>
             <a:r>
-              <a:rPr lang="es-AR" sz="1600" dirty="0" smtClean="0"/>
-              <a:t>OYARZO Mariela – QUIROGA Sandra – MÁRQUEZ Emanuel</a:t>
-            </a:r>
-            <a:endParaRPr lang="es-AR" sz="1600" dirty="0"/>
+              <a:rPr lang="es-AR" smtClean="0"/>
+              <a:t>OYARZO Mariela – QUIROGA Sandra – MÁRQUEZ EMANUEL</a:t>
+            </a:r>
+            <a:endParaRPr lang="es-AR" dirty="0"/>
           </a:p>
         </p:txBody>
       </p:sp>
@@ -14835,117 +13909,232 @@
       </p:sp>
       <p:pic>
         <p:nvPicPr>
-          <p:cNvPr id="6" name="Imagen 5"/>
+          <p:cNvPr id="1028" name="Picture 4"/>
           <p:cNvPicPr>
-            <a:picLocks noChangeAspect="1"/>
+            <a:picLocks noChangeAspect="1" noChangeArrowheads="1"/>
           </p:cNvPicPr>
           <p:nvPr/>
         </p:nvPicPr>
-        <p:blipFill rotWithShape="1">
-          <a:blip r:embed="rId3"/>
-          <a:srcRect l="784" t="12121" r="1604" b="6248"/>
-          <a:stretch/>
+        <p:blipFill>
+          <a:blip r:embed="rId2">
+            <a:extLst>
+              <a:ext uri="{28A0092B-C50C-407E-A947-70E740481C1C}">
+                <a14:useLocalDpi xmlns:a14="http://schemas.microsoft.com/office/drawing/2010/main" val="0"/>
+              </a:ext>
+            </a:extLst>
+          </a:blip>
+          <a:srcRect/>
+          <a:stretch>
+            <a:fillRect/>
+          </a:stretch>
         </p:blipFill>
-        <p:spPr>
+        <p:spPr bwMode="auto">
           <a:xfrm>
-            <a:off x="1622784" y="1509772"/>
-            <a:ext cx="9037415" cy="4249244"/>
-          </a:xfrm>
-          <a:prstGeom prst="rect">
-            <a:avLst/>
-          </a:prstGeom>
-          <a:ln>
-            <a:solidFill>
-              <a:schemeClr val="bg1"/>
-            </a:solidFill>
-          </a:ln>
-        </p:spPr>
-      </p:pic>
-      <p:sp>
-        <p:nvSpPr>
-          <p:cNvPr id="2" name="CuadroTexto 1"/>
-          <p:cNvSpPr txBox="1"/>
-          <p:nvPr/>
-        </p:nvSpPr>
-        <p:spPr>
-          <a:xfrm>
-            <a:off x="191069" y="5855750"/>
-            <a:ext cx="11829609" cy="523220"/>
+            <a:off x="618259" y="1785938"/>
+            <a:ext cx="2609850" cy="4593869"/>
           </a:xfrm>
           <a:prstGeom prst="rect">
             <a:avLst/>
           </a:prstGeom>
           <a:noFill/>
+          <a:ln>
+            <a:noFill/>
+          </a:ln>
+          <a:extLst>
+            <a:ext uri="{909E8E84-426E-40DD-AFC4-6F175D3DCCD1}">
+              <a14:hiddenFill xmlns:a14="http://schemas.microsoft.com/office/drawing/2010/main">
+                <a:solidFill>
+                  <a:schemeClr val="accent1"/>
+                </a:solidFill>
+              </a14:hiddenFill>
+            </a:ext>
+            <a:ext uri="{91240B29-F687-4F45-9708-019B960494DF}">
+              <a14:hiddenLine xmlns:a14="http://schemas.microsoft.com/office/drawing/2010/main" w="9525">
+                <a:solidFill>
+                  <a:schemeClr val="tx1"/>
+                </a:solidFill>
+                <a:miter lim="800000"/>
+                <a:headEnd/>
+                <a:tailEnd/>
+              </a14:hiddenLine>
+            </a:ext>
+          </a:extLst>
         </p:spPr>
-        <p:txBody>
-          <a:bodyPr wrap="square" rtlCol="0">
-            <a:spAutoFit/>
-          </a:bodyPr>
-          <a:lstStyle/>
-          <a:p>
-            <a:pPr algn="ctr"/>
-            <a:r>
-              <a:rPr lang="es-AR" sz="2800" dirty="0">
+      </p:pic>
+      <p:pic>
+        <p:nvPicPr>
+          <p:cNvPr id="1033" name="Picture 9"/>
+          <p:cNvPicPr>
+            <a:picLocks noGrp="1" noChangeAspect="1" noChangeArrowheads="1"/>
+          </p:cNvPicPr>
+          <p:nvPr>
+            <p:ph idx="1"/>
+          </p:nvPr>
+        </p:nvPicPr>
+        <p:blipFill>
+          <a:blip r:embed="rId3">
+            <a:extLst>
+              <a:ext uri="{28A0092B-C50C-407E-A947-70E740481C1C}">
+                <a14:useLocalDpi xmlns:a14="http://schemas.microsoft.com/office/drawing/2010/main" val="0"/>
+              </a:ext>
+            </a:extLst>
+          </a:blip>
+          <a:srcRect/>
+          <a:stretch>
+            <a:fillRect/>
+          </a:stretch>
+        </p:blipFill>
+        <p:spPr bwMode="auto">
+          <a:xfrm>
+            <a:off x="3505200" y="1808961"/>
+            <a:ext cx="2563812" cy="4547822"/>
+          </a:xfrm>
+          <a:prstGeom prst="rect">
+            <a:avLst/>
+          </a:prstGeom>
+          <a:noFill/>
+          <a:ln>
+            <a:noFill/>
+          </a:ln>
+          <a:extLst>
+            <a:ext uri="{909E8E84-426E-40DD-AFC4-6F175D3DCCD1}">
+              <a14:hiddenFill xmlns:a14="http://schemas.microsoft.com/office/drawing/2010/main">
                 <a:solidFill>
-                  <a:schemeClr val="bg1">
-                    <a:lumMod val="75000"/>
-                    <a:lumOff val="25000"/>
-                  </a:schemeClr>
+                  <a:schemeClr val="accent1"/>
                 </a:solidFill>
-              </a:rPr>
-              <a:t>Pagina web </a:t>
-            </a:r>
-            <a:r>
-              <a:rPr lang="es-AR" sz="2800" dirty="0" smtClean="0">
+              </a14:hiddenFill>
+            </a:ext>
+            <a:ext uri="{91240B29-F687-4F45-9708-019B960494DF}">
+              <a14:hiddenLine xmlns:a14="http://schemas.microsoft.com/office/drawing/2010/main" w="9525">
                 <a:solidFill>
-                  <a:schemeClr val="bg1">
-                    <a:lumMod val="75000"/>
-                    <a:lumOff val="25000"/>
-                  </a:schemeClr>
+                  <a:schemeClr val="tx1"/>
                 </a:solidFill>
-              </a:rPr>
-              <a:t>Tempus – Búsqueda de horarios de cursada</a:t>
-            </a:r>
-            <a:endParaRPr lang="es-AR" sz="2800" dirty="0">
-              <a:solidFill>
-                <a:schemeClr val="bg1">
-                  <a:lumMod val="75000"/>
-                  <a:lumOff val="25000"/>
-                </a:schemeClr>
-              </a:solidFill>
-            </a:endParaRPr>
-          </a:p>
-        </p:txBody>
-      </p:sp>
+                <a:miter lim="800000"/>
+                <a:headEnd/>
+                <a:tailEnd/>
+              </a14:hiddenLine>
+            </a:ext>
+          </a:extLst>
+        </p:spPr>
+      </p:pic>
+      <p:pic>
+        <p:nvPicPr>
+          <p:cNvPr id="1035" name="Picture 11"/>
+          <p:cNvPicPr>
+            <a:picLocks noChangeAspect="1" noChangeArrowheads="1"/>
+          </p:cNvPicPr>
+          <p:nvPr/>
+        </p:nvPicPr>
+        <p:blipFill>
+          <a:blip r:embed="rId4">
+            <a:extLst>
+              <a:ext uri="{28A0092B-C50C-407E-A947-70E740481C1C}">
+                <a14:useLocalDpi xmlns:a14="http://schemas.microsoft.com/office/drawing/2010/main" val="0"/>
+              </a:ext>
+            </a:extLst>
+          </a:blip>
+          <a:srcRect/>
+          <a:stretch>
+            <a:fillRect/>
+          </a:stretch>
+        </p:blipFill>
+        <p:spPr bwMode="auto">
+          <a:xfrm>
+            <a:off x="6419708" y="1785938"/>
+            <a:ext cx="2589210" cy="4593869"/>
+          </a:xfrm>
+          <a:prstGeom prst="rect">
+            <a:avLst/>
+          </a:prstGeom>
+          <a:noFill/>
+          <a:ln>
+            <a:noFill/>
+          </a:ln>
+          <a:extLst>
+            <a:ext uri="{909E8E84-426E-40DD-AFC4-6F175D3DCCD1}">
+              <a14:hiddenFill xmlns:a14="http://schemas.microsoft.com/office/drawing/2010/main">
+                <a:solidFill>
+                  <a:schemeClr val="accent1"/>
+                </a:solidFill>
+              </a14:hiddenFill>
+            </a:ext>
+            <a:ext uri="{91240B29-F687-4F45-9708-019B960494DF}">
+              <a14:hiddenLine xmlns:a14="http://schemas.microsoft.com/office/drawing/2010/main" w="9525">
+                <a:solidFill>
+                  <a:schemeClr val="tx1"/>
+                </a:solidFill>
+                <a:miter lim="800000"/>
+                <a:headEnd/>
+                <a:tailEnd/>
+              </a14:hiddenLine>
+            </a:ext>
+          </a:extLst>
+        </p:spPr>
+      </p:pic>
+      <p:pic>
+        <p:nvPicPr>
+          <p:cNvPr id="1038" name="Picture 14"/>
+          <p:cNvPicPr>
+            <a:picLocks noChangeAspect="1" noChangeArrowheads="1"/>
+          </p:cNvPicPr>
+          <p:nvPr/>
+        </p:nvPicPr>
+        <p:blipFill>
+          <a:blip r:embed="rId5">
+            <a:extLst>
+              <a:ext uri="{28A0092B-C50C-407E-A947-70E740481C1C}">
+                <a14:useLocalDpi xmlns:a14="http://schemas.microsoft.com/office/drawing/2010/main" val="0"/>
+              </a:ext>
+            </a:extLst>
+          </a:blip>
+          <a:srcRect/>
+          <a:stretch>
+            <a:fillRect/>
+          </a:stretch>
+        </p:blipFill>
+        <p:spPr bwMode="auto">
+          <a:xfrm>
+            <a:off x="9259073" y="1785938"/>
+            <a:ext cx="2562317" cy="4593869"/>
+          </a:xfrm>
+          <a:prstGeom prst="rect">
+            <a:avLst/>
+          </a:prstGeom>
+          <a:noFill/>
+          <a:ln>
+            <a:noFill/>
+          </a:ln>
+          <a:extLst>
+            <a:ext uri="{909E8E84-426E-40DD-AFC4-6F175D3DCCD1}">
+              <a14:hiddenFill xmlns:a14="http://schemas.microsoft.com/office/drawing/2010/main">
+                <a:solidFill>
+                  <a:schemeClr val="accent1"/>
+                </a:solidFill>
+              </a14:hiddenFill>
+            </a:ext>
+            <a:ext uri="{91240B29-F687-4F45-9708-019B960494DF}">
+              <a14:hiddenLine xmlns:a14="http://schemas.microsoft.com/office/drawing/2010/main" w="9525">
+                <a:solidFill>
+                  <a:schemeClr val="tx1"/>
+                </a:solidFill>
+                <a:miter lim="800000"/>
+                <a:headEnd/>
+                <a:tailEnd/>
+              </a14:hiddenLine>
+            </a:ext>
+          </a:extLst>
+        </p:spPr>
+      </p:pic>
     </p:spTree>
     <p:extLst>
       <p:ext uri="{BB962C8B-B14F-4D97-AF65-F5344CB8AC3E}">
-        <p14:creationId xmlns:p14="http://schemas.microsoft.com/office/powerpoint/2010/main" val="1549140909"/>
+        <p14:creationId xmlns:p14="http://schemas.microsoft.com/office/powerpoint/2010/main" val="4030803815"/>
       </p:ext>
     </p:extLst>
   </p:cSld>
   <p:clrMapOvr>
     <a:masterClrMapping/>
   </p:clrMapOvr>
-  <mc:AlternateContent xmlns:mc="http://schemas.openxmlformats.org/markup-compatibility/2006" xmlns:p14="http://schemas.microsoft.com/office/powerpoint/2010/main">
-    <mc:Choice Requires="p14">
-      <p:transition spd="slow">
-        <p14:reveal/>
-      </p:transition>
-    </mc:Choice>
-    <mc:Fallback xmlns="">
-      <p:transition spd="slow">
-        <p:fade/>
-      </p:transition>
-    </mc:Fallback>
-  </mc:AlternateContent>
-  <p:timing>
-    <p:tnLst>
-      <p:par>
-        <p:cTn id="1" dur="indefinite" restart="never" nodeType="tmRoot"/>
-      </p:par>
-    </p:tnLst>
-  </p:timing>
 </p:sld>
 </file>
 
@@ -15204,7 +14393,7 @@
   <a:extraClrSchemeLst/>
   <a:extLst>
     <a:ext uri="{05A4C25C-085E-4340-85A3-A5531E510DB2}">
-      <thm15:themeFamily xmlns:thm15="http://schemas.microsoft.com/office/thememl/2012/main" xmlns="" name="Depth" id="{7BEAFC2A-325C-49C4-AC08-2B765DA903F9}" vid="{1735E755-43E6-43AA-ABA2-C989ECC79AF5}"/>
+      <thm15:themeFamily xmlns="" xmlns:thm15="http://schemas.microsoft.com/office/thememl/2012/main" name="Depth" id="{7BEAFC2A-325C-49C4-AC08-2B765DA903F9}" vid="{1735E755-43E6-43AA-ABA2-C989ECC79AF5}"/>
     </a:ext>
   </a:extLst>
 </a:theme>

--- a/08. Presentaciones/Presentación 10 - 21.11.19.pptx
+++ b/08. Presentaciones/Presentación 10 - 21.11.19.pptx
@@ -5,10 +5,10 @@
     <p:sldMasterId id="2147483696" r:id="rId1"/>
   </p:sldMasterIdLst>
   <p:notesMasterIdLst>
-    <p:notesMasterId r:id="rId19"/>
+    <p:notesMasterId r:id="rId20"/>
   </p:notesMasterIdLst>
   <p:handoutMasterIdLst>
-    <p:handoutMasterId r:id="rId20"/>
+    <p:handoutMasterId r:id="rId21"/>
   </p:handoutMasterIdLst>
   <p:sldIdLst>
     <p:sldId id="277" r:id="rId2"/>
@@ -20,14 +20,15 @@
     <p:sldId id="352" r:id="rId8"/>
     <p:sldId id="357" r:id="rId9"/>
     <p:sldId id="358" r:id="rId10"/>
-    <p:sldId id="318" r:id="rId11"/>
-    <p:sldId id="334" r:id="rId12"/>
-    <p:sldId id="343" r:id="rId13"/>
-    <p:sldId id="345" r:id="rId14"/>
-    <p:sldId id="346" r:id="rId15"/>
-    <p:sldId id="347" r:id="rId16"/>
-    <p:sldId id="348" r:id="rId17"/>
-    <p:sldId id="302" r:id="rId18"/>
+    <p:sldId id="359" r:id="rId11"/>
+    <p:sldId id="318" r:id="rId12"/>
+    <p:sldId id="334" r:id="rId13"/>
+    <p:sldId id="343" r:id="rId14"/>
+    <p:sldId id="345" r:id="rId15"/>
+    <p:sldId id="346" r:id="rId16"/>
+    <p:sldId id="347" r:id="rId17"/>
+    <p:sldId id="348" r:id="rId18"/>
+    <p:sldId id="302" r:id="rId19"/>
   </p:sldIdLst>
   <p:sldSz cx="12192000" cy="6858000"/>
   <p:notesSz cx="6858000" cy="9144000"/>
@@ -128,7 +129,7 @@
   </p:defaultTextStyle>
   <p:extLst>
     <p:ext uri="{EFAFB233-063F-42B5-8137-9DF3F51BA10A}">
-      <p15:sldGuideLst xmlns="" xmlns:p15="http://schemas.microsoft.com/office/powerpoint/2012/main">
+      <p15:sldGuideLst xmlns:p15="http://schemas.microsoft.com/office/powerpoint/2012/main" xmlns="">
         <p15:guide id="1" orient="horz" pos="2160">
           <p15:clr>
             <a:srgbClr val="A4A3A4"/>
@@ -869,7 +870,7 @@
             <a:fld id="{843DA2E2-D4DA-497B-9B47-16255EA7513A}" type="slidenum">
               <a:rPr lang="es-AR" smtClean="0"/>
               <a:pPr/>
-              <a:t>10</a:t>
+              <a:t>11</a:t>
             </a:fld>
             <a:endParaRPr lang="es-AR"/>
           </a:p>
@@ -7218,6 +7219,636 @@
           <a:chExt cx="0" cy="0"/>
         </a:xfrm>
       </p:grpSpPr>
+      <p:graphicFrame>
+        <p:nvGraphicFramePr>
+          <p:cNvPr id="6" name="5 Marcador de contenido"/>
+          <p:cNvGraphicFramePr>
+            <a:graphicFrameLocks noGrp="1"/>
+          </p:cNvGraphicFramePr>
+          <p:nvPr>
+            <p:ph idx="1"/>
+            <p:extLst>
+              <p:ext uri="{D42A27DB-BD31-4B8C-83A1-F6EECF244321}">
+                <p14:modId xmlns:p14="http://schemas.microsoft.com/office/powerpoint/2010/main" val="3871647691"/>
+              </p:ext>
+            </p:extLst>
+          </p:nvPr>
+        </p:nvGraphicFramePr>
+        <p:xfrm>
+          <a:off x="290943" y="2466109"/>
+          <a:ext cx="11596256" cy="2285999"/>
+        </p:xfrm>
+        <a:graphic>
+          <a:graphicData uri="http://schemas.openxmlformats.org/drawingml/2006/table">
+            <a:tbl>
+              <a:tblPr>
+                <a:tableStyleId>{5C22544A-7EE6-4342-B048-85BDC9FD1C3A}</a:tableStyleId>
+              </a:tblPr>
+              <a:tblGrid>
+                <a:gridCol w="556418"/>
+                <a:gridCol w="2010692"/>
+                <a:gridCol w="6390375"/>
+                <a:gridCol w="796690"/>
+                <a:gridCol w="1201357"/>
+                <a:gridCol w="640724"/>
+              </a:tblGrid>
+              <a:tr h="323055">
+                <a:tc>
+                  <a:txBody>
+                    <a:bodyPr/>
+                    <a:lstStyle/>
+                    <a:p>
+                      <a:pPr algn="ctr" fontAlgn="b"/>
+                      <a:r>
+                        <a:rPr lang="es-AR" sz="1200" u="none" strike="noStrike" dirty="0">
+                          <a:effectLst/>
+                        </a:rPr>
+                        <a:t>Ref.</a:t>
+                      </a:r>
+                      <a:endParaRPr lang="es-AR" sz="1200" b="1" i="0" u="none" strike="noStrike" dirty="0">
+                        <a:solidFill>
+                          <a:srgbClr val="FFFFFF"/>
+                        </a:solidFill>
+                        <a:effectLst/>
+                        <a:latin typeface="Calibri"/>
+                      </a:endParaRPr>
+                    </a:p>
+                  </a:txBody>
+                  <a:tcPr marL="9525" marR="9525" marT="9525" marB="0" anchor="b"/>
+                </a:tc>
+                <a:tc>
+                  <a:txBody>
+                    <a:bodyPr/>
+                    <a:lstStyle/>
+                    <a:p>
+                      <a:pPr algn="ctr" fontAlgn="b"/>
+                      <a:r>
+                        <a:rPr lang="es-AR" sz="1200" u="none" strike="noStrike">
+                          <a:effectLst/>
+                        </a:rPr>
+                        <a:t>Categoría</a:t>
+                      </a:r>
+                      <a:endParaRPr lang="es-AR" sz="1200" b="1" i="0" u="none" strike="noStrike">
+                        <a:solidFill>
+                          <a:srgbClr val="FFFFFF"/>
+                        </a:solidFill>
+                        <a:effectLst/>
+                        <a:latin typeface="Calibri"/>
+                      </a:endParaRPr>
+                    </a:p>
+                  </a:txBody>
+                  <a:tcPr marL="9525" marR="9525" marT="9525" marB="0" anchor="b"/>
+                </a:tc>
+                <a:tc>
+                  <a:txBody>
+                    <a:bodyPr/>
+                    <a:lstStyle/>
+                    <a:p>
+                      <a:pPr algn="ctr" fontAlgn="b"/>
+                      <a:r>
+                        <a:rPr lang="es-AR" sz="1200" u="none" strike="noStrike">
+                          <a:effectLst/>
+                        </a:rPr>
+                        <a:t>Riesgo</a:t>
+                      </a:r>
+                      <a:endParaRPr lang="es-AR" sz="1200" b="1" i="0" u="none" strike="noStrike">
+                        <a:solidFill>
+                          <a:srgbClr val="FFFFFF"/>
+                        </a:solidFill>
+                        <a:effectLst/>
+                        <a:latin typeface="Calibri"/>
+                      </a:endParaRPr>
+                    </a:p>
+                  </a:txBody>
+                  <a:tcPr marL="9525" marR="9525" marT="9525" marB="0" anchor="b"/>
+                </a:tc>
+                <a:tc>
+                  <a:txBody>
+                    <a:bodyPr/>
+                    <a:lstStyle/>
+                    <a:p>
+                      <a:pPr algn="ctr" fontAlgn="b"/>
+                      <a:r>
+                        <a:rPr lang="es-AR" sz="1200" u="none" strike="noStrike">
+                          <a:effectLst/>
+                        </a:rPr>
+                        <a:t>Impacto</a:t>
+                      </a:r>
+                      <a:endParaRPr lang="es-AR" sz="1200" b="1" i="0" u="none" strike="noStrike">
+                        <a:solidFill>
+                          <a:srgbClr val="FFFFFF"/>
+                        </a:solidFill>
+                        <a:effectLst/>
+                        <a:latin typeface="Calibri"/>
+                      </a:endParaRPr>
+                    </a:p>
+                  </a:txBody>
+                  <a:tcPr marL="9525" marR="9525" marT="9525" marB="0" anchor="b"/>
+                </a:tc>
+                <a:tc>
+                  <a:txBody>
+                    <a:bodyPr/>
+                    <a:lstStyle/>
+                    <a:p>
+                      <a:pPr algn="ctr" fontAlgn="b"/>
+                      <a:r>
+                        <a:rPr lang="es-AR" sz="1200" u="none" strike="noStrike">
+                          <a:effectLst/>
+                        </a:rPr>
+                        <a:t>Probabilidad</a:t>
+                      </a:r>
+                      <a:endParaRPr lang="es-AR" sz="1200" b="1" i="0" u="none" strike="noStrike">
+                        <a:solidFill>
+                          <a:srgbClr val="FFFFFF"/>
+                        </a:solidFill>
+                        <a:effectLst/>
+                        <a:latin typeface="Calibri"/>
+                      </a:endParaRPr>
+                    </a:p>
+                  </a:txBody>
+                  <a:tcPr marL="9525" marR="9525" marT="9525" marB="0" anchor="b"/>
+                </a:tc>
+                <a:tc>
+                  <a:txBody>
+                    <a:bodyPr/>
+                    <a:lstStyle/>
+                    <a:p>
+                      <a:pPr algn="ctr" fontAlgn="b"/>
+                      <a:r>
+                        <a:rPr lang="es-AR" sz="1200" u="none" strike="noStrike">
+                          <a:effectLst/>
+                        </a:rPr>
+                        <a:t>Factor</a:t>
+                      </a:r>
+                      <a:endParaRPr lang="es-AR" sz="1200" b="1" i="0" u="none" strike="noStrike">
+                        <a:solidFill>
+                          <a:srgbClr val="FFFFFF"/>
+                        </a:solidFill>
+                        <a:effectLst/>
+                        <a:latin typeface="Calibri"/>
+                      </a:endParaRPr>
+                    </a:p>
+                  </a:txBody>
+                  <a:tcPr marL="9525" marR="9525" marT="9525" marB="0" anchor="b"/>
+                </a:tc>
+              </a:tr>
+              <a:tr h="556885">
+                <a:tc>
+                  <a:txBody>
+                    <a:bodyPr/>
+                    <a:lstStyle/>
+                    <a:p>
+                      <a:pPr algn="l" fontAlgn="b"/>
+                      <a:r>
+                        <a:rPr lang="es-AR" sz="1100" u="none" strike="noStrike">
+                          <a:effectLst/>
+                        </a:rPr>
+                        <a:t>RK01</a:t>
+                      </a:r>
+                      <a:endParaRPr lang="es-AR" sz="1100" b="0" i="0" u="none" strike="noStrike">
+                        <a:solidFill>
+                          <a:srgbClr val="000000"/>
+                        </a:solidFill>
+                        <a:effectLst/>
+                        <a:latin typeface="Calibri"/>
+                      </a:endParaRPr>
+                    </a:p>
+                  </a:txBody>
+                  <a:tcPr marL="9525" marR="9525" marT="9525" marB="0" anchor="b"/>
+                </a:tc>
+                <a:tc>
+                  <a:txBody>
+                    <a:bodyPr/>
+                    <a:lstStyle/>
+                    <a:p>
+                      <a:pPr algn="l" fontAlgn="b"/>
+                      <a:r>
+                        <a:rPr lang="es-AR" sz="1100" u="none" strike="noStrike">
+                          <a:effectLst/>
+                        </a:rPr>
+                        <a:t>Cronograma</a:t>
+                      </a:r>
+                      <a:endParaRPr lang="es-AR" sz="1100" b="0" i="0" u="none" strike="noStrike">
+                        <a:solidFill>
+                          <a:srgbClr val="000000"/>
+                        </a:solidFill>
+                        <a:effectLst/>
+                        <a:latin typeface="Calibri"/>
+                      </a:endParaRPr>
+                    </a:p>
+                  </a:txBody>
+                  <a:tcPr marL="9525" marR="9525" marT="9525" marB="0" anchor="b"/>
+                </a:tc>
+                <a:tc>
+                  <a:txBody>
+                    <a:bodyPr/>
+                    <a:lstStyle/>
+                    <a:p>
+                      <a:pPr algn="l" fontAlgn="b"/>
+                      <a:r>
+                        <a:rPr lang="es-ES" sz="1100" u="none" strike="noStrike">
+                          <a:effectLst/>
+                        </a:rPr>
+                        <a:t>¿Todos los integrantes del grupo de desarrollo cuentan con el tiempo necesario para la realizacion de las actividades?</a:t>
+                      </a:r>
+                      <a:endParaRPr lang="es-ES" sz="1100" b="0" i="0" u="none" strike="noStrike">
+                        <a:solidFill>
+                          <a:srgbClr val="000000"/>
+                        </a:solidFill>
+                        <a:effectLst/>
+                        <a:latin typeface="Calibri"/>
+                      </a:endParaRPr>
+                    </a:p>
+                  </a:txBody>
+                  <a:tcPr marL="9525" marR="9525" marT="9525" marB="0" anchor="b"/>
+                </a:tc>
+                <a:tc>
+                  <a:txBody>
+                    <a:bodyPr/>
+                    <a:lstStyle/>
+                    <a:p>
+                      <a:pPr algn="r" fontAlgn="b"/>
+                      <a:r>
+                        <a:rPr lang="es-AR" sz="1100" u="none" strike="noStrike">
+                          <a:effectLst/>
+                        </a:rPr>
+                        <a:t>4</a:t>
+                      </a:r>
+                      <a:endParaRPr lang="es-AR" sz="1100" b="0" i="0" u="none" strike="noStrike">
+                        <a:solidFill>
+                          <a:srgbClr val="000000"/>
+                        </a:solidFill>
+                        <a:effectLst/>
+                        <a:latin typeface="Calibri"/>
+                      </a:endParaRPr>
+                    </a:p>
+                  </a:txBody>
+                  <a:tcPr marL="9525" marR="9525" marT="9525" marB="0" anchor="b"/>
+                </a:tc>
+                <a:tc>
+                  <a:txBody>
+                    <a:bodyPr/>
+                    <a:lstStyle/>
+                    <a:p>
+                      <a:pPr algn="ctr" fontAlgn="b"/>
+                      <a:r>
+                        <a:rPr lang="es-AR" sz="1100" u="none" strike="noStrike">
+                          <a:effectLst/>
+                        </a:rPr>
+                        <a:t>50%</a:t>
+                      </a:r>
+                      <a:endParaRPr lang="es-AR" sz="1100" b="0" i="0" u="none" strike="noStrike">
+                        <a:solidFill>
+                          <a:srgbClr val="000000"/>
+                        </a:solidFill>
+                        <a:effectLst/>
+                        <a:latin typeface="Calibri"/>
+                      </a:endParaRPr>
+                    </a:p>
+                  </a:txBody>
+                  <a:tcPr marL="9525" marR="9525" marT="9525" marB="0" anchor="b"/>
+                </a:tc>
+                <a:tc>
+                  <a:txBody>
+                    <a:bodyPr/>
+                    <a:lstStyle/>
+                    <a:p>
+                      <a:pPr algn="ctr" fontAlgn="b"/>
+                      <a:r>
+                        <a:rPr lang="es-AR" sz="1100" u="none" strike="noStrike">
+                          <a:effectLst/>
+                        </a:rPr>
+                        <a:t>200</a:t>
+                      </a:r>
+                      <a:endParaRPr lang="es-AR" sz="1100" b="0" i="0" u="none" strike="noStrike">
+                        <a:solidFill>
+                          <a:srgbClr val="000000"/>
+                        </a:solidFill>
+                        <a:effectLst/>
+                        <a:latin typeface="Calibri"/>
+                      </a:endParaRPr>
+                    </a:p>
+                  </a:txBody>
+                  <a:tcPr marL="9525" marR="9525" marT="9525" marB="0" anchor="b"/>
+                </a:tc>
+              </a:tr>
+              <a:tr h="307672">
+                <a:tc>
+                  <a:txBody>
+                    <a:bodyPr/>
+                    <a:lstStyle/>
+                    <a:p>
+                      <a:pPr algn="l" fontAlgn="b"/>
+                      <a:r>
+                        <a:rPr lang="es-AR" sz="1100" u="none" strike="noStrike">
+                          <a:effectLst/>
+                        </a:rPr>
+                        <a:t>RK10</a:t>
+                      </a:r>
+                      <a:endParaRPr lang="es-AR" sz="1100" b="0" i="0" u="none" strike="noStrike">
+                        <a:solidFill>
+                          <a:srgbClr val="000000"/>
+                        </a:solidFill>
+                        <a:effectLst/>
+                        <a:latin typeface="Calibri"/>
+                      </a:endParaRPr>
+                    </a:p>
+                  </a:txBody>
+                  <a:tcPr marL="9525" marR="9525" marT="9525" marB="0" anchor="b"/>
+                </a:tc>
+                <a:tc>
+                  <a:txBody>
+                    <a:bodyPr/>
+                    <a:lstStyle/>
+                    <a:p>
+                      <a:pPr algn="l" fontAlgn="b"/>
+                      <a:r>
+                        <a:rPr lang="es-AR" sz="1100" u="none" strike="noStrike">
+                          <a:effectLst/>
+                        </a:rPr>
+                        <a:t>Duración y Tamaño</a:t>
+                      </a:r>
+                      <a:endParaRPr lang="es-AR" sz="1100" b="0" i="0" u="none" strike="noStrike">
+                        <a:solidFill>
+                          <a:srgbClr val="000000"/>
+                        </a:solidFill>
+                        <a:effectLst/>
+                        <a:latin typeface="Calibri"/>
+                      </a:endParaRPr>
+                    </a:p>
+                  </a:txBody>
+                  <a:tcPr marL="9525" marR="9525" marT="9525" marB="0" anchor="b"/>
+                </a:tc>
+                <a:tc>
+                  <a:txBody>
+                    <a:bodyPr/>
+                    <a:lstStyle/>
+                    <a:p>
+                      <a:pPr algn="l" fontAlgn="b"/>
+                      <a:r>
+                        <a:rPr lang="es-ES" sz="1100" u="none" strike="noStrike">
+                          <a:effectLst/>
+                        </a:rPr>
+                        <a:t>¿Existen factores que puedan alterar el ritmo de trabajo actual?</a:t>
+                      </a:r>
+                      <a:endParaRPr lang="es-ES" sz="1100" b="0" i="0" u="none" strike="noStrike">
+                        <a:solidFill>
+                          <a:srgbClr val="000000"/>
+                        </a:solidFill>
+                        <a:effectLst/>
+                        <a:latin typeface="Calibri"/>
+                      </a:endParaRPr>
+                    </a:p>
+                  </a:txBody>
+                  <a:tcPr marL="9525" marR="9525" marT="9525" marB="0" anchor="b"/>
+                </a:tc>
+                <a:tc>
+                  <a:txBody>
+                    <a:bodyPr/>
+                    <a:lstStyle/>
+                    <a:p>
+                      <a:pPr algn="r" fontAlgn="b"/>
+                      <a:r>
+                        <a:rPr lang="es-AR" sz="1100" u="none" strike="noStrike">
+                          <a:effectLst/>
+                        </a:rPr>
+                        <a:t>3</a:t>
+                      </a:r>
+                      <a:endParaRPr lang="es-AR" sz="1100" b="0" i="0" u="none" strike="noStrike">
+                        <a:solidFill>
+                          <a:srgbClr val="000000"/>
+                        </a:solidFill>
+                        <a:effectLst/>
+                        <a:latin typeface="Calibri"/>
+                      </a:endParaRPr>
+                    </a:p>
+                  </a:txBody>
+                  <a:tcPr marL="9525" marR="9525" marT="9525" marB="0" anchor="b"/>
+                </a:tc>
+                <a:tc>
+                  <a:txBody>
+                    <a:bodyPr/>
+                    <a:lstStyle/>
+                    <a:p>
+                      <a:pPr algn="ctr" fontAlgn="b"/>
+                      <a:r>
+                        <a:rPr lang="es-AR" sz="1100" u="none" strike="noStrike">
+                          <a:effectLst/>
+                        </a:rPr>
+                        <a:t>60%</a:t>
+                      </a:r>
+                      <a:endParaRPr lang="es-AR" sz="1100" b="0" i="0" u="none" strike="noStrike">
+                        <a:solidFill>
+                          <a:srgbClr val="000000"/>
+                        </a:solidFill>
+                        <a:effectLst/>
+                        <a:latin typeface="Calibri"/>
+                      </a:endParaRPr>
+                    </a:p>
+                  </a:txBody>
+                  <a:tcPr marL="9525" marR="9525" marT="9525" marB="0" anchor="b"/>
+                </a:tc>
+                <a:tc>
+                  <a:txBody>
+                    <a:bodyPr/>
+                    <a:lstStyle/>
+                    <a:p>
+                      <a:pPr algn="ctr" fontAlgn="b"/>
+                      <a:r>
+                        <a:rPr lang="es-AR" sz="1100" u="none" strike="noStrike">
+                          <a:effectLst/>
+                        </a:rPr>
+                        <a:t>180</a:t>
+                      </a:r>
+                      <a:endParaRPr lang="es-AR" sz="1100" b="0" i="0" u="none" strike="noStrike">
+                        <a:solidFill>
+                          <a:srgbClr val="000000"/>
+                        </a:solidFill>
+                        <a:effectLst/>
+                        <a:latin typeface="Calibri"/>
+                      </a:endParaRPr>
+                    </a:p>
+                  </a:txBody>
+                  <a:tcPr marL="9525" marR="9525" marT="9525" marB="0" anchor="b"/>
+                </a:tc>
+              </a:tr>
+              <a:tr h="1098387">
+                <a:tc>
+                  <a:txBody>
+                    <a:bodyPr/>
+                    <a:lstStyle/>
+                    <a:p>
+                      <a:pPr algn="l" fontAlgn="b"/>
+                      <a:r>
+                        <a:rPr lang="es-AR" sz="1100" u="none" strike="noStrike" dirty="0">
+                          <a:effectLst/>
+                        </a:rPr>
+                        <a:t>RK11</a:t>
+                      </a:r>
+                      <a:endParaRPr lang="es-AR" sz="1100" b="0" i="0" u="none" strike="noStrike" dirty="0">
+                        <a:solidFill>
+                          <a:srgbClr val="000000"/>
+                        </a:solidFill>
+                        <a:effectLst/>
+                        <a:latin typeface="Calibri"/>
+                      </a:endParaRPr>
+                    </a:p>
+                  </a:txBody>
+                  <a:tcPr marL="9525" marR="9525" marT="9525" marB="0" anchor="b"/>
+                </a:tc>
+                <a:tc>
+                  <a:txBody>
+                    <a:bodyPr/>
+                    <a:lstStyle/>
+                    <a:p>
+                      <a:pPr algn="l" fontAlgn="b"/>
+                      <a:r>
+                        <a:rPr lang="es-AR" sz="1100" u="none" strike="noStrike">
+                          <a:effectLst/>
+                        </a:rPr>
+                        <a:t>Tecnología</a:t>
+                      </a:r>
+                      <a:endParaRPr lang="es-AR" sz="1100" b="0" i="0" u="none" strike="noStrike">
+                        <a:solidFill>
+                          <a:srgbClr val="000000"/>
+                        </a:solidFill>
+                        <a:effectLst/>
+                        <a:latin typeface="Calibri"/>
+                      </a:endParaRPr>
+                    </a:p>
+                  </a:txBody>
+                  <a:tcPr marL="9525" marR="9525" marT="9525" marB="0" anchor="b"/>
+                </a:tc>
+                <a:tc>
+                  <a:txBody>
+                    <a:bodyPr/>
+                    <a:lstStyle/>
+                    <a:p>
+                      <a:pPr algn="l" fontAlgn="b"/>
+                      <a:r>
+                        <a:rPr lang="es-ES" sz="1100" u="none" strike="noStrike">
+                          <a:effectLst/>
+                        </a:rPr>
+                        <a:t>Dado el avance tecnológico se</a:t>
+                      </a:r>
+                      <a:br>
+                        <a:rPr lang="es-ES" sz="1100" u="none" strike="noStrike">
+                          <a:effectLst/>
+                        </a:rPr>
+                      </a:br>
+                      <a:r>
+                        <a:rPr lang="es-ES" sz="1100" u="none" strike="noStrike">
+                          <a:effectLst/>
+                        </a:rPr>
+                        <a:t>puede cambiar la tecnología de</a:t>
+                      </a:r>
+                      <a:br>
+                        <a:rPr lang="es-ES" sz="1100" u="none" strike="noStrike">
+                          <a:effectLst/>
+                        </a:rPr>
+                      </a:br>
+                      <a:r>
+                        <a:rPr lang="es-ES" sz="1100" u="none" strike="noStrike">
+                          <a:effectLst/>
+                        </a:rPr>
+                        <a:t>desarrollo durante el proyecto y</a:t>
+                      </a:r>
+                      <a:br>
+                        <a:rPr lang="es-ES" sz="1100" u="none" strike="noStrike">
+                          <a:effectLst/>
+                        </a:rPr>
+                      </a:br>
+                      <a:r>
+                        <a:rPr lang="es-ES" sz="1100" u="none" strike="noStrike">
+                          <a:effectLst/>
+                        </a:rPr>
+                        <a:t>afectar lo antes desarrollado</a:t>
+                      </a:r>
+                      <a:endParaRPr lang="es-ES" sz="1100" b="0" i="0" u="none" strike="noStrike">
+                        <a:solidFill>
+                          <a:srgbClr val="000000"/>
+                        </a:solidFill>
+                        <a:effectLst/>
+                        <a:latin typeface="Calibri"/>
+                      </a:endParaRPr>
+                    </a:p>
+                  </a:txBody>
+                  <a:tcPr marL="9525" marR="9525" marT="9525" marB="0" anchor="b"/>
+                </a:tc>
+                <a:tc>
+                  <a:txBody>
+                    <a:bodyPr/>
+                    <a:lstStyle/>
+                    <a:p>
+                      <a:pPr algn="ctr" fontAlgn="b"/>
+                      <a:r>
+                        <a:rPr lang="es-AR" sz="1100" u="none" strike="noStrike">
+                          <a:effectLst/>
+                        </a:rPr>
+                        <a:t>5</a:t>
+                      </a:r>
+                      <a:endParaRPr lang="es-AR" sz="1100" b="0" i="0" u="none" strike="noStrike">
+                        <a:solidFill>
+                          <a:srgbClr val="000000"/>
+                        </a:solidFill>
+                        <a:effectLst/>
+                        <a:latin typeface="Calibri"/>
+                      </a:endParaRPr>
+                    </a:p>
+                  </a:txBody>
+                  <a:tcPr marL="9525" marR="9525" marT="9525" marB="0" anchor="b"/>
+                </a:tc>
+                <a:tc>
+                  <a:txBody>
+                    <a:bodyPr/>
+                    <a:lstStyle/>
+                    <a:p>
+                      <a:pPr algn="ctr" fontAlgn="b"/>
+                      <a:r>
+                        <a:rPr lang="es-AR" sz="1100" u="none" strike="noStrike">
+                          <a:effectLst/>
+                        </a:rPr>
+                        <a:t>80%</a:t>
+                      </a:r>
+                      <a:endParaRPr lang="es-AR" sz="1100" b="0" i="0" u="none" strike="noStrike">
+                        <a:solidFill>
+                          <a:srgbClr val="000000"/>
+                        </a:solidFill>
+                        <a:effectLst/>
+                        <a:latin typeface="Calibri"/>
+                      </a:endParaRPr>
+                    </a:p>
+                  </a:txBody>
+                  <a:tcPr marL="9525" marR="9525" marT="9525" marB="0" anchor="b"/>
+                </a:tc>
+                <a:tc>
+                  <a:txBody>
+                    <a:bodyPr/>
+                    <a:lstStyle/>
+                    <a:p>
+                      <a:pPr algn="ctr" fontAlgn="b"/>
+                      <a:r>
+                        <a:rPr lang="es-AR" sz="1100" u="none" strike="noStrike" dirty="0">
+                          <a:effectLst/>
+                        </a:rPr>
+                        <a:t>400</a:t>
+                      </a:r>
+                      <a:endParaRPr lang="es-AR" sz="1100" b="0" i="0" u="none" strike="noStrike" dirty="0">
+                        <a:solidFill>
+                          <a:srgbClr val="000000"/>
+                        </a:solidFill>
+                        <a:effectLst/>
+                        <a:latin typeface="Calibri"/>
+                      </a:endParaRPr>
+                    </a:p>
+                  </a:txBody>
+                  <a:tcPr marL="9525" marR="9525" marT="9525" marB="0" anchor="b"/>
+                </a:tc>
+              </a:tr>
+            </a:tbl>
+          </a:graphicData>
+        </a:graphic>
+      </p:graphicFrame>
       <p:sp>
         <p:nvSpPr>
           <p:cNvPr id="3" name="2 Título"/>
@@ -7234,8 +7865,8 @@
           <a:lstStyle/>
           <a:p>
             <a:r>
-              <a:rPr lang="es-AR" dirty="0" smtClean="0"/>
-              <a:t>Estado del proyecto</a:t>
+              <a:rPr lang="es-US" dirty="0" smtClean="0"/>
+              <a:t>Gestión de riesgos</a:t>
             </a:r>
             <a:endParaRPr lang="es-AR" dirty="0"/>
           </a:p>
@@ -7257,10 +7888,10 @@
           <a:lstStyle/>
           <a:p>
             <a:r>
-              <a:rPr lang="es-AR" sz="1600" dirty="0" smtClean="0"/>
-              <a:t>OYARZO Mariela – QUIROGA Sandra – MÁRQUEZ Emanuel</a:t>
-            </a:r>
-            <a:endParaRPr lang="es-AR" sz="1600" dirty="0"/>
+              <a:rPr lang="es-AR" smtClean="0"/>
+              <a:t>OYARZO Mariela – QUIROGA Sandra – MÁRQUEZ EMANUEL</a:t>
+            </a:r>
+            <a:endParaRPr lang="es-AR" dirty="0"/>
           </a:p>
         </p:txBody>
       </p:sp>
@@ -7288,6 +7919,106 @@
           </a:p>
         </p:txBody>
       </p:sp>
+    </p:spTree>
+    <p:extLst>
+      <p:ext uri="{BB962C8B-B14F-4D97-AF65-F5344CB8AC3E}">
+        <p14:creationId xmlns:p14="http://schemas.microsoft.com/office/powerpoint/2010/main" val="1501962716"/>
+      </p:ext>
+    </p:extLst>
+  </p:cSld>
+  <p:clrMapOvr>
+    <a:masterClrMapping/>
+  </p:clrMapOvr>
+</p:sld>
+</file>
+
+<file path=ppt/slides/slide11.xml><?xml version="1.0" encoding="utf-8"?>
+<p:sld xmlns:a="http://schemas.openxmlformats.org/drawingml/2006/main" xmlns:r="http://schemas.openxmlformats.org/officeDocument/2006/relationships" xmlns:p="http://schemas.openxmlformats.org/presentationml/2006/main">
+  <p:cSld>
+    <p:spTree>
+      <p:nvGrpSpPr>
+        <p:cNvPr id="1" name=""/>
+        <p:cNvGrpSpPr/>
+        <p:nvPr/>
+      </p:nvGrpSpPr>
+      <p:grpSpPr>
+        <a:xfrm>
+          <a:off x="0" y="0"/>
+          <a:ext cx="0" cy="0"/>
+          <a:chOff x="0" y="0"/>
+          <a:chExt cx="0" cy="0"/>
+        </a:xfrm>
+      </p:grpSpPr>
+      <p:sp>
+        <p:nvSpPr>
+          <p:cNvPr id="3" name="2 Título"/>
+          <p:cNvSpPr>
+            <a:spLocks noGrp="1"/>
+          </p:cNvSpPr>
+          <p:nvPr>
+            <p:ph type="title"/>
+          </p:nvPr>
+        </p:nvSpPr>
+        <p:spPr/>
+        <p:txBody>
+          <a:bodyPr/>
+          <a:lstStyle/>
+          <a:p>
+            <a:r>
+              <a:rPr lang="es-AR" dirty="0" smtClean="0"/>
+              <a:t>Estado del proyecto</a:t>
+            </a:r>
+            <a:endParaRPr lang="es-AR" dirty="0"/>
+          </a:p>
+        </p:txBody>
+      </p:sp>
+      <p:sp>
+        <p:nvSpPr>
+          <p:cNvPr id="4" name="3 Marcador de pie de página"/>
+          <p:cNvSpPr>
+            <a:spLocks noGrp="1"/>
+          </p:cNvSpPr>
+          <p:nvPr>
+            <p:ph type="ftr" sz="quarter" idx="11"/>
+          </p:nvPr>
+        </p:nvSpPr>
+        <p:spPr/>
+        <p:txBody>
+          <a:bodyPr/>
+          <a:lstStyle/>
+          <a:p>
+            <a:r>
+              <a:rPr lang="es-AR" sz="1600" dirty="0" smtClean="0"/>
+              <a:t>OYARZO Mariela – QUIROGA Sandra – MÁRQUEZ Emanuel</a:t>
+            </a:r>
+            <a:endParaRPr lang="es-AR" sz="1600" dirty="0"/>
+          </a:p>
+        </p:txBody>
+      </p:sp>
+      <p:sp>
+        <p:nvSpPr>
+          <p:cNvPr id="5" name="4 Marcador de número de diapositiva"/>
+          <p:cNvSpPr>
+            <a:spLocks noGrp="1"/>
+          </p:cNvSpPr>
+          <p:nvPr>
+            <p:ph type="sldNum" sz="quarter" idx="12"/>
+          </p:nvPr>
+        </p:nvSpPr>
+        <p:spPr/>
+        <p:txBody>
+          <a:bodyPr/>
+          <a:lstStyle/>
+          <a:p>
+            <a:fld id="{779E3280-5C43-43EF-BE7D-8C553A58A779}" type="slidenum">
+              <a:rPr lang="es-AR" smtClean="0"/>
+              <a:pPr/>
+              <a:t>11</a:t>
+            </a:fld>
+            <a:endParaRPr lang="es-AR" dirty="0"/>
+          </a:p>
+        </p:txBody>
+      </p:sp>
       <p:graphicFrame>
         <p:nvGraphicFramePr>
           <p:cNvPr id="6" name="Tabla 5"/>
@@ -7297,7 +8028,7 @@
           <p:nvPr>
             <p:extLst>
               <p:ext uri="{D42A27DB-BD31-4B8C-83A1-F6EECF244321}">
-                <p14:modId xmlns:p14="http://schemas.microsoft.com/office/powerpoint/2010/main" val="208644761"/>
+                <p14:modId xmlns:p14="http://schemas.microsoft.com/office/powerpoint/2010/main" val="958873719"/>
               </p:ext>
             </p:extLst>
           </p:nvPr>
@@ -7683,12 +8414,8 @@
                         <a:defRPr/>
                       </a:pPr>
                       <a:r>
-                        <a:rPr lang="es-AR" sz="2200" dirty="0" smtClean="0"/>
-                        <a:t>365</a:t>
-                      </a:r>
-                      <a:r>
                         <a:rPr lang="es-AR" sz="2200" baseline="0" dirty="0" smtClean="0"/>
-                        <a:t> (26-Nov-17)</a:t>
+                        <a:t>511(22-Nov-19)</a:t>
                       </a:r>
                       <a:endParaRPr lang="es-AR" sz="2200" dirty="0" smtClean="0"/>
                     </a:p>
@@ -7794,7 +8521,7 @@
 </p:sld>
 </file>
 
-<file path=ppt/slides/slide11.xml><?xml version="1.0" encoding="utf-8"?>
+<file path=ppt/slides/slide12.xml><?xml version="1.0" encoding="utf-8"?>
 <p:sld xmlns:a="http://schemas.openxmlformats.org/drawingml/2006/main" xmlns:r="http://schemas.openxmlformats.org/officeDocument/2006/relationships" xmlns:p="http://schemas.openxmlformats.org/presentationml/2006/main">
   <p:cSld>
     <p:spTree>
@@ -7875,7 +8602,7 @@
             <a:fld id="{779E3280-5C43-43EF-BE7D-8C553A58A779}" type="slidenum">
               <a:rPr lang="es-AR" smtClean="0"/>
               <a:pPr/>
-              <a:t>11</a:t>
+              <a:t>12</a:t>
             </a:fld>
             <a:endParaRPr lang="es-AR" dirty="0"/>
           </a:p>
@@ -8475,7 +9202,7 @@
 </p:sld>
 </file>
 
-<file path=ppt/slides/slide12.xml><?xml version="1.0" encoding="utf-8"?>
+<file path=ppt/slides/slide13.xml><?xml version="1.0" encoding="utf-8"?>
 <p:sld xmlns:a="http://schemas.openxmlformats.org/drawingml/2006/main" xmlns:r="http://schemas.openxmlformats.org/officeDocument/2006/relationships" xmlns:p="http://schemas.openxmlformats.org/presentationml/2006/main">
   <p:cSld>
     <p:spTree>
@@ -8556,7 +9283,7 @@
             <a:fld id="{779E3280-5C43-43EF-BE7D-8C553A58A779}" type="slidenum">
               <a:rPr lang="es-AR" smtClean="0"/>
               <a:pPr/>
-              <a:t>12</a:t>
+              <a:t>13</a:t>
             </a:fld>
             <a:endParaRPr lang="es-AR" dirty="0"/>
           </a:p>
@@ -9215,263 +9942,6 @@
 </p:sld>
 </file>
 
-<file path=ppt/slides/slide13.xml><?xml version="1.0" encoding="utf-8"?>
-<p:sld xmlns:a="http://schemas.openxmlformats.org/drawingml/2006/main" xmlns:r="http://schemas.openxmlformats.org/officeDocument/2006/relationships" xmlns:p="http://schemas.openxmlformats.org/presentationml/2006/main">
-  <p:cSld>
-    <p:spTree>
-      <p:nvGrpSpPr>
-        <p:cNvPr id="1" name=""/>
-        <p:cNvGrpSpPr/>
-        <p:nvPr/>
-      </p:nvGrpSpPr>
-      <p:grpSpPr>
-        <a:xfrm>
-          <a:off x="0" y="0"/>
-          <a:ext cx="0" cy="0"/>
-          <a:chOff x="0" y="0"/>
-          <a:chExt cx="0" cy="0"/>
-        </a:xfrm>
-      </p:grpSpPr>
-      <p:sp>
-        <p:nvSpPr>
-          <p:cNvPr id="3" name="Título 2"/>
-          <p:cNvSpPr>
-            <a:spLocks noGrp="1"/>
-          </p:cNvSpPr>
-          <p:nvPr>
-            <p:ph type="title"/>
-          </p:nvPr>
-        </p:nvSpPr>
-        <p:spPr/>
-        <p:txBody>
-          <a:bodyPr/>
-          <a:lstStyle/>
-          <a:p>
-            <a:r>
-              <a:rPr lang="es-AR" dirty="0" smtClean="0"/>
-              <a:t>Planificación Iteración 4</a:t>
-            </a:r>
-            <a:endParaRPr lang="es-AR" dirty="0"/>
-          </a:p>
-        </p:txBody>
-      </p:sp>
-      <p:sp>
-        <p:nvSpPr>
-          <p:cNvPr id="4" name="Marcador de pie de página 3"/>
-          <p:cNvSpPr>
-            <a:spLocks noGrp="1"/>
-          </p:cNvSpPr>
-          <p:nvPr>
-            <p:ph type="ftr" sz="quarter" idx="11"/>
-          </p:nvPr>
-        </p:nvSpPr>
-        <p:spPr/>
-        <p:txBody>
-          <a:bodyPr/>
-          <a:lstStyle/>
-          <a:p>
-            <a:r>
-              <a:rPr lang="es-AR" smtClean="0"/>
-              <a:t>OYARZO Mariela – QUIROGA Sandra – MÁRQUEZ EMANUEL</a:t>
-            </a:r>
-            <a:endParaRPr lang="es-AR" dirty="0"/>
-          </a:p>
-        </p:txBody>
-      </p:sp>
-      <p:sp>
-        <p:nvSpPr>
-          <p:cNvPr id="5" name="Marcador de número de diapositiva 4"/>
-          <p:cNvSpPr>
-            <a:spLocks noGrp="1"/>
-          </p:cNvSpPr>
-          <p:nvPr>
-            <p:ph type="sldNum" sz="quarter" idx="12"/>
-          </p:nvPr>
-        </p:nvSpPr>
-        <p:spPr/>
-        <p:txBody>
-          <a:bodyPr/>
-          <a:lstStyle/>
-          <a:p>
-            <a:fld id="{779E3280-5C43-43EF-BE7D-8C553A58A779}" type="slidenum">
-              <a:rPr lang="es-AR" smtClean="0"/>
-              <a:pPr/>
-              <a:t>13</a:t>
-            </a:fld>
-            <a:endParaRPr lang="es-AR" dirty="0"/>
-          </a:p>
-        </p:txBody>
-      </p:sp>
-      <p:sp>
-        <p:nvSpPr>
-          <p:cNvPr id="2" name="Marcador de contenido 1"/>
-          <p:cNvSpPr>
-            <a:spLocks noGrp="1"/>
-          </p:cNvSpPr>
-          <p:nvPr>
-            <p:ph idx="1"/>
-          </p:nvPr>
-        </p:nvSpPr>
-        <p:spPr>
-          <a:xfrm>
-            <a:off x="163773" y="1401149"/>
-            <a:ext cx="11847838" cy="5074555"/>
-          </a:xfrm>
-        </p:spPr>
-        <p:txBody>
-          <a:bodyPr>
-            <a:normAutofit/>
-          </a:bodyPr>
-          <a:lstStyle/>
-          <a:p>
-            <a:pPr marL="0" indent="0">
-              <a:spcBef>
-                <a:spcPts val="1200"/>
-              </a:spcBef>
-              <a:spcAft>
-                <a:spcPts val="600"/>
-              </a:spcAft>
-              <a:buNone/>
-            </a:pPr>
-            <a:endParaRPr lang="es-AR" dirty="0" smtClean="0"/>
-          </a:p>
-          <a:p>
-            <a:pPr marL="0" indent="0">
-              <a:spcBef>
-                <a:spcPts val="1200"/>
-              </a:spcBef>
-              <a:spcAft>
-                <a:spcPts val="600"/>
-              </a:spcAft>
-              <a:buNone/>
-            </a:pPr>
-            <a:r>
-              <a:rPr lang="es-AR" b="1" dirty="0" smtClean="0"/>
-              <a:t>Fase</a:t>
-            </a:r>
-            <a:r>
-              <a:rPr lang="es-AR" dirty="0" smtClean="0"/>
-              <a:t>: Construcción.</a:t>
-            </a:r>
-          </a:p>
-          <a:p>
-            <a:pPr marL="0" indent="0">
-              <a:spcBef>
-                <a:spcPts val="1200"/>
-              </a:spcBef>
-              <a:spcAft>
-                <a:spcPts val="600"/>
-              </a:spcAft>
-              <a:buNone/>
-            </a:pPr>
-            <a:r>
-              <a:rPr lang="es-AR" b="1" dirty="0" smtClean="0"/>
-              <a:t>Iteración</a:t>
-            </a:r>
-            <a:r>
-              <a:rPr lang="es-AR" dirty="0" smtClean="0"/>
-              <a:t>: N° 4.</a:t>
-            </a:r>
-          </a:p>
-          <a:p>
-            <a:pPr marL="0" indent="0">
-              <a:spcBef>
-                <a:spcPts val="1200"/>
-              </a:spcBef>
-              <a:spcAft>
-                <a:spcPts val="600"/>
-              </a:spcAft>
-              <a:buNone/>
-            </a:pPr>
-            <a:r>
-              <a:rPr lang="es-AR" b="1" dirty="0" smtClean="0"/>
-              <a:t>Fecha de inicio</a:t>
-            </a:r>
-            <a:r>
-              <a:rPr lang="es-AR" dirty="0" smtClean="0"/>
-              <a:t>: 01 de Septiembre de 2018.</a:t>
-            </a:r>
-          </a:p>
-          <a:p>
-            <a:pPr marL="0" indent="0">
-              <a:spcBef>
-                <a:spcPts val="1200"/>
-              </a:spcBef>
-              <a:spcAft>
-                <a:spcPts val="600"/>
-              </a:spcAft>
-              <a:buNone/>
-            </a:pPr>
-            <a:r>
-              <a:rPr lang="es-AR" b="1" dirty="0" smtClean="0"/>
-              <a:t>Fecha de fin</a:t>
-            </a:r>
-            <a:r>
-              <a:rPr lang="es-AR" dirty="0" smtClean="0"/>
-              <a:t>: 16 de Septiembre de 2018.</a:t>
-            </a:r>
-          </a:p>
-          <a:p>
-            <a:pPr marL="0" indent="0">
-              <a:buNone/>
-            </a:pPr>
-            <a:endParaRPr lang="es-AR" dirty="0" smtClean="0"/>
-          </a:p>
-          <a:p>
-            <a:pPr marL="0" indent="0">
-              <a:buNone/>
-            </a:pPr>
-            <a:endParaRPr lang="es-AR" sz="2000" dirty="0"/>
-          </a:p>
-          <a:p>
-            <a:pPr marL="0" indent="0">
-              <a:buNone/>
-            </a:pPr>
-            <a:r>
-              <a:rPr lang="es-AR" i="1" dirty="0" smtClean="0"/>
-              <a:t>Las actividades se encuentran sujetas a las conclusiones obtenidas durante esta presentación por lo que pueden ser modificada posteriormente. </a:t>
-            </a:r>
-          </a:p>
-          <a:p>
-            <a:pPr marL="0" indent="0">
-              <a:buNone/>
-            </a:pPr>
-            <a:endParaRPr lang="es-AR" dirty="0"/>
-          </a:p>
-        </p:txBody>
-      </p:sp>
-    </p:spTree>
-    <p:extLst>
-      <p:ext uri="{BB962C8B-B14F-4D97-AF65-F5344CB8AC3E}">
-        <p14:creationId xmlns:p14="http://schemas.microsoft.com/office/powerpoint/2010/main" val="357477803"/>
-      </p:ext>
-    </p:extLst>
-  </p:cSld>
-  <p:clrMapOvr>
-    <a:masterClrMapping/>
-  </p:clrMapOvr>
-  <mc:AlternateContent xmlns:mc="http://schemas.openxmlformats.org/markup-compatibility/2006" xmlns:p14="http://schemas.microsoft.com/office/powerpoint/2010/main">
-    <mc:Choice Requires="p14">
-      <p:transition spd="slow">
-        <p14:reveal/>
-      </p:transition>
-    </mc:Choice>
-    <mc:Fallback xmlns="">
-      <p:transition spd="slow">
-        <p:fade/>
-      </p:transition>
-    </mc:Fallback>
-  </mc:AlternateContent>
-  <p:timing>
-    <p:tnLst>
-      <p:par>
-        <p:cTn id="1" dur="indefinite" restart="never" nodeType="tmRoot"/>
-      </p:par>
-    </p:tnLst>
-  </p:timing>
-</p:sld>
-</file>
-
 <file path=ppt/slides/slide14.xml><?xml version="1.0" encoding="utf-8"?>
 <p:sld xmlns:a="http://schemas.openxmlformats.org/drawingml/2006/main" xmlns:r="http://schemas.openxmlformats.org/officeDocument/2006/relationships" xmlns:p="http://schemas.openxmlformats.org/presentationml/2006/main">
   <p:cSld>
@@ -9506,7 +9976,15 @@
           <a:p>
             <a:r>
               <a:rPr lang="es-AR" dirty="0" smtClean="0"/>
-              <a:t>Planificación Iteración 4</a:t>
+              <a:t>Construcción i</a:t>
+            </a:r>
+            <a:r>
+              <a:rPr lang="es-AR" dirty="0" smtClean="0"/>
+              <a:t>teración </a:t>
+            </a:r>
+            <a:r>
+              <a:rPr lang="es-AR" dirty="0"/>
+              <a:t>7</a:t>
             </a:r>
             <a:endParaRPr lang="es-AR" dirty="0"/>
           </a:p>
@@ -9559,724 +10037,9 @@
           </a:p>
         </p:txBody>
       </p:sp>
-      <p:graphicFrame>
-        <p:nvGraphicFramePr>
-          <p:cNvPr id="7" name="Tabla 6"/>
-          <p:cNvGraphicFramePr>
-            <a:graphicFrameLocks noGrp="1"/>
-          </p:cNvGraphicFramePr>
-          <p:nvPr>
-            <p:extLst>
-              <p:ext uri="{D42A27DB-BD31-4B8C-83A1-F6EECF244321}">
-                <p14:modId xmlns:p14="http://schemas.microsoft.com/office/powerpoint/2010/main" val="2286812360"/>
-              </p:ext>
-            </p:extLst>
-          </p:nvPr>
-        </p:nvGraphicFramePr>
-        <p:xfrm>
-          <a:off x="1105469" y="2333766"/>
-          <a:ext cx="9949218" cy="3671248"/>
-        </p:xfrm>
-        <a:graphic>
-          <a:graphicData uri="http://schemas.openxmlformats.org/drawingml/2006/table">
-            <a:tbl>
-              <a:tblPr firstRow="1" bandRow="1">
-                <a:tableStyleId>{6E25E649-3F16-4E02-A733-19D2CDBF48F0}</a:tableStyleId>
-              </a:tblPr>
-              <a:tblGrid>
-                <a:gridCol w="5829621"/>
-                <a:gridCol w="1347290"/>
-                <a:gridCol w="1088195"/>
-                <a:gridCol w="1684112"/>
-              </a:tblGrid>
-              <a:tr h="524464">
-                <a:tc>
-                  <a:txBody>
-                    <a:bodyPr/>
-                    <a:lstStyle/>
-                    <a:p>
-                      <a:pPr algn="ctr"/>
-                      <a:r>
-                        <a:rPr lang="es-AR" dirty="0" smtClean="0">
-                          <a:solidFill>
-                            <a:schemeClr val="bg1"/>
-                          </a:solidFill>
-                        </a:rPr>
-                        <a:t>Nombre de la tarea</a:t>
-                      </a:r>
-                      <a:endParaRPr lang="es-AR" dirty="0">
-                        <a:solidFill>
-                          <a:schemeClr val="bg1"/>
-                        </a:solidFill>
-                      </a:endParaRPr>
-                    </a:p>
-                  </a:txBody>
-                  <a:tcPr/>
-                </a:tc>
-                <a:tc>
-                  <a:txBody>
-                    <a:bodyPr/>
-                    <a:lstStyle/>
-                    <a:p>
-                      <a:pPr algn="ctr"/>
-                      <a:r>
-                        <a:rPr lang="es-AR" dirty="0" smtClean="0">
-                          <a:solidFill>
-                            <a:schemeClr val="bg1"/>
-                          </a:solidFill>
-                        </a:rPr>
-                        <a:t>Inicio</a:t>
-                      </a:r>
-                      <a:endParaRPr lang="es-AR" dirty="0">
-                        <a:solidFill>
-                          <a:schemeClr val="bg1"/>
-                        </a:solidFill>
-                      </a:endParaRPr>
-                    </a:p>
-                  </a:txBody>
-                  <a:tcPr/>
-                </a:tc>
-                <a:tc>
-                  <a:txBody>
-                    <a:bodyPr/>
-                    <a:lstStyle/>
-                    <a:p>
-                      <a:pPr algn="ctr"/>
-                      <a:r>
-                        <a:rPr lang="es-AR" dirty="0" smtClean="0">
-                          <a:solidFill>
-                            <a:schemeClr val="bg1"/>
-                          </a:solidFill>
-                        </a:rPr>
-                        <a:t>Fin</a:t>
-                      </a:r>
-                      <a:endParaRPr lang="es-AR" dirty="0">
-                        <a:solidFill>
-                          <a:schemeClr val="bg1"/>
-                        </a:solidFill>
-                      </a:endParaRPr>
-                    </a:p>
-                  </a:txBody>
-                  <a:tcPr/>
-                </a:tc>
-                <a:tc>
-                  <a:txBody>
-                    <a:bodyPr/>
-                    <a:lstStyle/>
-                    <a:p>
-                      <a:pPr algn="ctr"/>
-                      <a:r>
-                        <a:rPr lang="es-AR" dirty="0" smtClean="0">
-                          <a:solidFill>
-                            <a:schemeClr val="bg1"/>
-                          </a:solidFill>
-                        </a:rPr>
-                        <a:t>Prioridad</a:t>
-                      </a:r>
-                      <a:endParaRPr lang="es-AR" dirty="0">
-                        <a:solidFill>
-                          <a:schemeClr val="bg1"/>
-                        </a:solidFill>
-                      </a:endParaRPr>
-                    </a:p>
-                  </a:txBody>
-                  <a:tcPr/>
-                </a:tc>
-              </a:tr>
-              <a:tr h="524464">
-                <a:tc>
-                  <a:txBody>
-                    <a:bodyPr/>
-                    <a:lstStyle/>
-                    <a:p>
-                      <a:r>
-                        <a:rPr lang="es-AR" dirty="0" smtClean="0"/>
-                        <a:t>Continuar Glosario.</a:t>
-                      </a:r>
-                      <a:endParaRPr lang="es-AR" dirty="0"/>
-                    </a:p>
-                  </a:txBody>
-                  <a:tcPr/>
-                </a:tc>
-                <a:tc>
-                  <a:txBody>
-                    <a:bodyPr/>
-                    <a:lstStyle/>
-                    <a:p>
-                      <a:pPr algn="ctr"/>
-                      <a:r>
-                        <a:rPr lang="es-AR" dirty="0" smtClean="0"/>
-                        <a:t>01-Sep</a:t>
-                      </a:r>
-                      <a:endParaRPr lang="es-AR" dirty="0"/>
-                    </a:p>
-                  </a:txBody>
-                  <a:tcPr/>
-                </a:tc>
-                <a:tc>
-                  <a:txBody>
-                    <a:bodyPr/>
-                    <a:lstStyle/>
-                    <a:p>
-                      <a:pPr algn="ctr"/>
-                      <a:r>
-                        <a:rPr lang="es-AR" dirty="0" smtClean="0"/>
-                        <a:t>16-Sep</a:t>
-                      </a:r>
-                      <a:endParaRPr lang="es-AR" dirty="0"/>
-                    </a:p>
-                  </a:txBody>
-                  <a:tcPr/>
-                </a:tc>
-                <a:tc>
-                  <a:txBody>
-                    <a:bodyPr/>
-                    <a:lstStyle/>
-                    <a:p>
-                      <a:pPr algn="ctr"/>
-                      <a:r>
-                        <a:rPr lang="es-AR" dirty="0" smtClean="0"/>
-                        <a:t>Baja</a:t>
-                      </a:r>
-                      <a:endParaRPr lang="es-AR" dirty="0"/>
-                    </a:p>
-                  </a:txBody>
-                  <a:tcPr/>
-                </a:tc>
-              </a:tr>
-              <a:tr h="524464">
-                <a:tc>
-                  <a:txBody>
-                    <a:bodyPr/>
-                    <a:lstStyle/>
-                    <a:p>
-                      <a:r>
-                        <a:rPr lang="es-AR" dirty="0" smtClean="0"/>
-                        <a:t>Descargar archivos</a:t>
-                      </a:r>
-                      <a:r>
-                        <a:rPr lang="es-AR" baseline="0" dirty="0" smtClean="0"/>
-                        <a:t> Excel del corriente año.</a:t>
-                      </a:r>
-                      <a:endParaRPr lang="es-AR" dirty="0"/>
-                    </a:p>
-                  </a:txBody>
-                  <a:tcPr/>
-                </a:tc>
-                <a:tc>
-                  <a:txBody>
-                    <a:bodyPr/>
-                    <a:lstStyle/>
-                    <a:p>
-                      <a:pPr marL="0" marR="0" lvl="0" indent="0" algn="ctr" defTabSz="914400" rtl="0" eaLnBrk="1" fontAlgn="auto" latinLnBrk="0" hangingPunct="1">
-                        <a:lnSpc>
-                          <a:spcPct val="100000"/>
-                        </a:lnSpc>
-                        <a:spcBef>
-                          <a:spcPts val="0"/>
-                        </a:spcBef>
-                        <a:spcAft>
-                          <a:spcPts val="0"/>
-                        </a:spcAft>
-                        <a:buClrTx/>
-                        <a:buSzTx/>
-                        <a:buFontTx/>
-                        <a:buNone/>
-                        <a:tabLst/>
-                        <a:defRPr/>
-                      </a:pPr>
-                      <a:r>
-                        <a:rPr lang="es-AR" dirty="0" smtClean="0"/>
-                        <a:t>01-Sep</a:t>
-                      </a:r>
-                    </a:p>
-                  </a:txBody>
-                  <a:tcPr/>
-                </a:tc>
-                <a:tc>
-                  <a:txBody>
-                    <a:bodyPr/>
-                    <a:lstStyle/>
-                    <a:p>
-                      <a:pPr marL="0" marR="0" lvl="0" indent="0" algn="ctr" defTabSz="914400" rtl="0" eaLnBrk="1" fontAlgn="auto" latinLnBrk="0" hangingPunct="1">
-                        <a:lnSpc>
-                          <a:spcPct val="100000"/>
-                        </a:lnSpc>
-                        <a:spcBef>
-                          <a:spcPts val="0"/>
-                        </a:spcBef>
-                        <a:spcAft>
-                          <a:spcPts val="0"/>
-                        </a:spcAft>
-                        <a:buClrTx/>
-                        <a:buSzTx/>
-                        <a:buFontTx/>
-                        <a:buNone/>
-                        <a:tabLst/>
-                        <a:defRPr/>
-                      </a:pPr>
-                      <a:r>
-                        <a:rPr lang="es-AR" dirty="0" smtClean="0"/>
-                        <a:t>16-Sep</a:t>
-                      </a:r>
-                    </a:p>
-                  </a:txBody>
-                  <a:tcPr/>
-                </a:tc>
-                <a:tc>
-                  <a:txBody>
-                    <a:bodyPr/>
-                    <a:lstStyle/>
-                    <a:p>
-                      <a:pPr algn="ctr"/>
-                      <a:r>
-                        <a:rPr lang="es-AR" dirty="0" smtClean="0"/>
-                        <a:t>Media</a:t>
-                      </a:r>
-                      <a:endParaRPr lang="es-AR" dirty="0"/>
-                    </a:p>
-                  </a:txBody>
-                  <a:tcPr/>
-                </a:tc>
-              </a:tr>
-              <a:tr h="524464">
-                <a:tc>
-                  <a:txBody>
-                    <a:bodyPr/>
-                    <a:lstStyle/>
-                    <a:p>
-                      <a:r>
-                        <a:rPr lang="es-AR" dirty="0" smtClean="0"/>
-                        <a:t>Completar CP</a:t>
-                      </a:r>
-                      <a:r>
-                        <a:rPr lang="es-AR" baseline="0" dirty="0" smtClean="0"/>
-                        <a:t> para CU02 – Importar horarios de cursada.</a:t>
-                      </a:r>
-                      <a:endParaRPr lang="es-AR" dirty="0"/>
-                    </a:p>
-                  </a:txBody>
-                  <a:tcPr/>
-                </a:tc>
-                <a:tc>
-                  <a:txBody>
-                    <a:bodyPr/>
-                    <a:lstStyle/>
-                    <a:p>
-                      <a:pPr marL="0" marR="0" lvl="0" indent="0" algn="ctr" defTabSz="914400" rtl="0" eaLnBrk="1" fontAlgn="auto" latinLnBrk="0" hangingPunct="1">
-                        <a:lnSpc>
-                          <a:spcPct val="100000"/>
-                        </a:lnSpc>
-                        <a:spcBef>
-                          <a:spcPts val="0"/>
-                        </a:spcBef>
-                        <a:spcAft>
-                          <a:spcPts val="0"/>
-                        </a:spcAft>
-                        <a:buClrTx/>
-                        <a:buSzTx/>
-                        <a:buFontTx/>
-                        <a:buNone/>
-                        <a:tabLst/>
-                        <a:defRPr/>
-                      </a:pPr>
-                      <a:r>
-                        <a:rPr lang="es-AR" dirty="0" smtClean="0"/>
-                        <a:t>01-Sep</a:t>
-                      </a:r>
-                    </a:p>
-                  </a:txBody>
-                  <a:tcPr/>
-                </a:tc>
-                <a:tc>
-                  <a:txBody>
-                    <a:bodyPr/>
-                    <a:lstStyle/>
-                    <a:p>
-                      <a:pPr marL="0" marR="0" lvl="0" indent="0" algn="ctr" defTabSz="914400" rtl="0" eaLnBrk="1" fontAlgn="auto" latinLnBrk="0" hangingPunct="1">
-                        <a:lnSpc>
-                          <a:spcPct val="100000"/>
-                        </a:lnSpc>
-                        <a:spcBef>
-                          <a:spcPts val="0"/>
-                        </a:spcBef>
-                        <a:spcAft>
-                          <a:spcPts val="0"/>
-                        </a:spcAft>
-                        <a:buClrTx/>
-                        <a:buSzTx/>
-                        <a:buFontTx/>
-                        <a:buNone/>
-                        <a:tabLst/>
-                        <a:defRPr/>
-                      </a:pPr>
-                      <a:r>
-                        <a:rPr lang="es-AR" dirty="0" smtClean="0"/>
-                        <a:t>16-Sep</a:t>
-                      </a:r>
-                    </a:p>
-                  </a:txBody>
-                  <a:tcPr/>
-                </a:tc>
-                <a:tc>
-                  <a:txBody>
-                    <a:bodyPr/>
-                    <a:lstStyle/>
-                    <a:p>
-                      <a:pPr algn="ctr"/>
-                      <a:r>
-                        <a:rPr lang="es-AR" dirty="0" smtClean="0"/>
-                        <a:t>Alta</a:t>
-                      </a:r>
-                      <a:endParaRPr lang="es-AR" dirty="0"/>
-                    </a:p>
-                  </a:txBody>
-                  <a:tcPr/>
-                </a:tc>
-              </a:tr>
-              <a:tr h="524464">
-                <a:tc>
-                  <a:txBody>
-                    <a:bodyPr/>
-                    <a:lstStyle/>
-                    <a:p>
-                      <a:pPr marL="0" marR="0" lvl="0" indent="0" algn="l" defTabSz="914400" rtl="0" eaLnBrk="1" fontAlgn="auto" latinLnBrk="0" hangingPunct="1">
-                        <a:lnSpc>
-                          <a:spcPct val="100000"/>
-                        </a:lnSpc>
-                        <a:spcBef>
-                          <a:spcPts val="0"/>
-                        </a:spcBef>
-                        <a:spcAft>
-                          <a:spcPts val="0"/>
-                        </a:spcAft>
-                        <a:buClrTx/>
-                        <a:buSzTx/>
-                        <a:buFontTx/>
-                        <a:buNone/>
-                        <a:tabLst/>
-                        <a:defRPr/>
-                      </a:pPr>
-                      <a:r>
-                        <a:rPr lang="es-AR" dirty="0" smtClean="0"/>
-                        <a:t>Completar CP</a:t>
-                      </a:r>
-                      <a:r>
-                        <a:rPr lang="es-AR" baseline="0" dirty="0" smtClean="0"/>
-                        <a:t> para CU03 – Importar mesas de examen.</a:t>
-                      </a:r>
-                      <a:endParaRPr lang="es-AR" dirty="0" smtClean="0"/>
-                    </a:p>
-                  </a:txBody>
-                  <a:tcPr/>
-                </a:tc>
-                <a:tc>
-                  <a:txBody>
-                    <a:bodyPr/>
-                    <a:lstStyle/>
-                    <a:p>
-                      <a:pPr marL="0" marR="0" lvl="0" indent="0" algn="ctr" defTabSz="914400" rtl="0" eaLnBrk="1" fontAlgn="auto" latinLnBrk="0" hangingPunct="1">
-                        <a:lnSpc>
-                          <a:spcPct val="100000"/>
-                        </a:lnSpc>
-                        <a:spcBef>
-                          <a:spcPts val="0"/>
-                        </a:spcBef>
-                        <a:spcAft>
-                          <a:spcPts val="0"/>
-                        </a:spcAft>
-                        <a:buClrTx/>
-                        <a:buSzTx/>
-                        <a:buFontTx/>
-                        <a:buNone/>
-                        <a:tabLst/>
-                        <a:defRPr/>
-                      </a:pPr>
-                      <a:r>
-                        <a:rPr lang="es-AR" dirty="0" smtClean="0"/>
-                        <a:t>01-Sep</a:t>
-                      </a:r>
-                    </a:p>
-                  </a:txBody>
-                  <a:tcPr/>
-                </a:tc>
-                <a:tc>
-                  <a:txBody>
-                    <a:bodyPr/>
-                    <a:lstStyle/>
-                    <a:p>
-                      <a:pPr marL="0" marR="0" lvl="0" indent="0" algn="ctr" defTabSz="914400" rtl="0" eaLnBrk="1" fontAlgn="auto" latinLnBrk="0" hangingPunct="1">
-                        <a:lnSpc>
-                          <a:spcPct val="100000"/>
-                        </a:lnSpc>
-                        <a:spcBef>
-                          <a:spcPts val="0"/>
-                        </a:spcBef>
-                        <a:spcAft>
-                          <a:spcPts val="0"/>
-                        </a:spcAft>
-                        <a:buClrTx/>
-                        <a:buSzTx/>
-                        <a:buFontTx/>
-                        <a:buNone/>
-                        <a:tabLst/>
-                        <a:defRPr/>
-                      </a:pPr>
-                      <a:r>
-                        <a:rPr lang="es-AR" dirty="0" smtClean="0"/>
-                        <a:t>16-Sep</a:t>
-                      </a:r>
-                    </a:p>
-                  </a:txBody>
-                  <a:tcPr/>
-                </a:tc>
-                <a:tc>
-                  <a:txBody>
-                    <a:bodyPr/>
-                    <a:lstStyle/>
-                    <a:p>
-                      <a:pPr algn="ctr"/>
-                      <a:r>
-                        <a:rPr lang="es-AR" dirty="0" smtClean="0"/>
-                        <a:t>Alta</a:t>
-                      </a:r>
-                      <a:endParaRPr lang="es-AR" dirty="0"/>
-                    </a:p>
-                  </a:txBody>
-                  <a:tcPr/>
-                </a:tc>
-              </a:tr>
-              <a:tr h="524464">
-                <a:tc>
-                  <a:txBody>
-                    <a:bodyPr/>
-                    <a:lstStyle/>
-                    <a:p>
-                      <a:pPr marL="0" marR="0" lvl="0" indent="0" algn="l" defTabSz="914400" rtl="0" eaLnBrk="1" fontAlgn="auto" latinLnBrk="0" hangingPunct="1">
-                        <a:lnSpc>
-                          <a:spcPct val="100000"/>
-                        </a:lnSpc>
-                        <a:spcBef>
-                          <a:spcPts val="0"/>
-                        </a:spcBef>
-                        <a:spcAft>
-                          <a:spcPts val="0"/>
-                        </a:spcAft>
-                        <a:buClrTx/>
-                        <a:buSzTx/>
-                        <a:buFontTx/>
-                        <a:buNone/>
-                        <a:tabLst/>
-                        <a:defRPr/>
-                      </a:pPr>
-                      <a:r>
-                        <a:rPr lang="es-AR" dirty="0" smtClean="0"/>
-                        <a:t>Completar</a:t>
-                      </a:r>
-                      <a:r>
-                        <a:rPr lang="es-AR" baseline="0" dirty="0" smtClean="0"/>
-                        <a:t> CU11 – Informe mesa de examen</a:t>
-                      </a:r>
-                      <a:endParaRPr lang="es-AR" dirty="0" smtClean="0"/>
-                    </a:p>
-                  </a:txBody>
-                  <a:tcPr/>
-                </a:tc>
-                <a:tc>
-                  <a:txBody>
-                    <a:bodyPr/>
-                    <a:lstStyle/>
-                    <a:p>
-                      <a:pPr marL="0" marR="0" lvl="0" indent="0" algn="ctr" defTabSz="914400" rtl="0" eaLnBrk="1" fontAlgn="auto" latinLnBrk="0" hangingPunct="1">
-                        <a:lnSpc>
-                          <a:spcPct val="100000"/>
-                        </a:lnSpc>
-                        <a:spcBef>
-                          <a:spcPts val="0"/>
-                        </a:spcBef>
-                        <a:spcAft>
-                          <a:spcPts val="0"/>
-                        </a:spcAft>
-                        <a:buClrTx/>
-                        <a:buSzTx/>
-                        <a:buFontTx/>
-                        <a:buNone/>
-                        <a:tabLst/>
-                        <a:defRPr/>
-                      </a:pPr>
-                      <a:r>
-                        <a:rPr lang="es-AR" dirty="0" smtClean="0"/>
-                        <a:t>01-Sep</a:t>
-                      </a:r>
-                    </a:p>
-                  </a:txBody>
-                  <a:tcPr/>
-                </a:tc>
-                <a:tc>
-                  <a:txBody>
-                    <a:bodyPr/>
-                    <a:lstStyle/>
-                    <a:p>
-                      <a:pPr marL="0" marR="0" lvl="0" indent="0" algn="ctr" defTabSz="914400" rtl="0" eaLnBrk="1" fontAlgn="auto" latinLnBrk="0" hangingPunct="1">
-                        <a:lnSpc>
-                          <a:spcPct val="100000"/>
-                        </a:lnSpc>
-                        <a:spcBef>
-                          <a:spcPts val="0"/>
-                        </a:spcBef>
-                        <a:spcAft>
-                          <a:spcPts val="0"/>
-                        </a:spcAft>
-                        <a:buClrTx/>
-                        <a:buSzTx/>
-                        <a:buFontTx/>
-                        <a:buNone/>
-                        <a:tabLst/>
-                        <a:defRPr/>
-                      </a:pPr>
-                      <a:r>
-                        <a:rPr lang="es-AR" dirty="0" smtClean="0"/>
-                        <a:t>16-Sep</a:t>
-                      </a:r>
-                    </a:p>
-                  </a:txBody>
-                  <a:tcPr/>
-                </a:tc>
-                <a:tc>
-                  <a:txBody>
-                    <a:bodyPr/>
-                    <a:lstStyle/>
-                    <a:p>
-                      <a:pPr algn="ctr"/>
-                      <a:r>
-                        <a:rPr lang="es-AR" dirty="0" smtClean="0"/>
-                        <a:t>Alta</a:t>
-                      </a:r>
-                      <a:endParaRPr lang="es-AR" dirty="0"/>
-                    </a:p>
-                  </a:txBody>
-                  <a:tcPr/>
-                </a:tc>
-              </a:tr>
-              <a:tr h="524464">
-                <a:tc>
-                  <a:txBody>
-                    <a:bodyPr/>
-                    <a:lstStyle/>
-                    <a:p>
-                      <a:pPr marL="0" marR="0" lvl="0" indent="0" algn="l" defTabSz="914400" rtl="0" eaLnBrk="1" fontAlgn="auto" latinLnBrk="0" hangingPunct="1">
-                        <a:lnSpc>
-                          <a:spcPct val="100000"/>
-                        </a:lnSpc>
-                        <a:spcBef>
-                          <a:spcPts val="0"/>
-                        </a:spcBef>
-                        <a:spcAft>
-                          <a:spcPts val="0"/>
-                        </a:spcAft>
-                        <a:buClrTx/>
-                        <a:buSzTx/>
-                        <a:buFontTx/>
-                        <a:buNone/>
-                        <a:tabLst/>
-                        <a:defRPr/>
-                      </a:pPr>
-                      <a:r>
-                        <a:rPr lang="es-AR" dirty="0" smtClean="0"/>
-                        <a:t>Iniciar</a:t>
-                      </a:r>
-                      <a:r>
-                        <a:rPr lang="es-AR" baseline="0" dirty="0" smtClean="0"/>
-                        <a:t> manual de usuario (APP)</a:t>
-                      </a:r>
-                      <a:endParaRPr lang="es-AR" dirty="0" smtClean="0"/>
-                    </a:p>
-                  </a:txBody>
-                  <a:tcPr/>
-                </a:tc>
-                <a:tc>
-                  <a:txBody>
-                    <a:bodyPr/>
-                    <a:lstStyle/>
-                    <a:p>
-                      <a:pPr marL="0" marR="0" lvl="0" indent="0" algn="ctr" defTabSz="914400" rtl="0" eaLnBrk="1" fontAlgn="auto" latinLnBrk="0" hangingPunct="1">
-                        <a:lnSpc>
-                          <a:spcPct val="100000"/>
-                        </a:lnSpc>
-                        <a:spcBef>
-                          <a:spcPts val="0"/>
-                        </a:spcBef>
-                        <a:spcAft>
-                          <a:spcPts val="0"/>
-                        </a:spcAft>
-                        <a:buClrTx/>
-                        <a:buSzTx/>
-                        <a:buFontTx/>
-                        <a:buNone/>
-                        <a:tabLst/>
-                        <a:defRPr/>
-                      </a:pPr>
-                      <a:r>
-                        <a:rPr lang="es-AR" dirty="0" smtClean="0"/>
-                        <a:t>01-Sep</a:t>
-                      </a:r>
-                    </a:p>
-                  </a:txBody>
-                  <a:tcPr/>
-                </a:tc>
-                <a:tc>
-                  <a:txBody>
-                    <a:bodyPr/>
-                    <a:lstStyle/>
-                    <a:p>
-                      <a:pPr marL="0" marR="0" lvl="0" indent="0" algn="ctr" defTabSz="914400" rtl="0" eaLnBrk="1" fontAlgn="auto" latinLnBrk="0" hangingPunct="1">
-                        <a:lnSpc>
-                          <a:spcPct val="100000"/>
-                        </a:lnSpc>
-                        <a:spcBef>
-                          <a:spcPts val="0"/>
-                        </a:spcBef>
-                        <a:spcAft>
-                          <a:spcPts val="0"/>
-                        </a:spcAft>
-                        <a:buClrTx/>
-                        <a:buSzTx/>
-                        <a:buFontTx/>
-                        <a:buNone/>
-                        <a:tabLst/>
-                        <a:defRPr/>
-                      </a:pPr>
-                      <a:r>
-                        <a:rPr lang="es-AR" dirty="0" smtClean="0"/>
-                        <a:t>16-Sep</a:t>
-                      </a:r>
-                    </a:p>
-                  </a:txBody>
-                  <a:tcPr/>
-                </a:tc>
-                <a:tc>
-                  <a:txBody>
-                    <a:bodyPr/>
-                    <a:lstStyle/>
-                    <a:p>
-                      <a:pPr algn="ctr"/>
-                      <a:r>
-                        <a:rPr lang="es-AR" dirty="0" smtClean="0"/>
-                        <a:t>Media</a:t>
-                      </a:r>
-                      <a:endParaRPr lang="es-AR" dirty="0"/>
-                    </a:p>
-                  </a:txBody>
-                  <a:tcPr/>
-                </a:tc>
-              </a:tr>
-            </a:tbl>
-          </a:graphicData>
-        </a:graphic>
-      </p:graphicFrame>
-      <p:sp>
-        <p:nvSpPr>
-          <p:cNvPr id="8" name="Marcador de contenido 1"/>
+      <p:sp>
+        <p:nvSpPr>
+          <p:cNvPr id="2" name="Marcador de contenido 1"/>
           <p:cNvSpPr>
             <a:spLocks noGrp="1"/>
           </p:cNvSpPr>
@@ -10286,8 +10049,8 @@
         </p:nvSpPr>
         <p:spPr>
           <a:xfrm>
-            <a:off x="168970" y="1507277"/>
-            <a:ext cx="11847838" cy="509538"/>
+            <a:off x="163773" y="1401149"/>
+            <a:ext cx="11847838" cy="5074555"/>
           </a:xfrm>
         </p:spPr>
         <p:txBody>
@@ -10296,7 +10059,7 @@
           </a:bodyPr>
           <a:lstStyle/>
           <a:p>
-            <a:pPr marL="0" indent="0" algn="ctr">
+            <a:pPr marL="0" indent="0">
               <a:spcBef>
                 <a:spcPts val="1200"/>
               </a:spcBef>
@@ -10305,17 +10068,122 @@
               </a:spcAft>
               <a:buNone/>
             </a:pPr>
+            <a:endParaRPr lang="es-AR" dirty="0" smtClean="0"/>
+          </a:p>
+          <a:p>
+            <a:pPr marL="0" indent="0">
+              <a:spcBef>
+                <a:spcPts val="1200"/>
+              </a:spcBef>
+              <a:spcAft>
+                <a:spcPts val="600"/>
+              </a:spcAft>
+              <a:buNone/>
+            </a:pPr>
+            <a:r>
+              <a:rPr lang="es-AR" b="1" dirty="0" smtClean="0"/>
+              <a:t>Fase</a:t>
+            </a:r>
             <a:r>
               <a:rPr lang="es-AR" dirty="0" smtClean="0"/>
-              <a:t>Oyarzo Mariela</a:t>
-            </a:r>
+              <a:t>: Construcción.</a:t>
+            </a:r>
+          </a:p>
+          <a:p>
+            <a:pPr marL="0" indent="0">
+              <a:spcBef>
+                <a:spcPts val="1200"/>
+              </a:spcBef>
+              <a:spcAft>
+                <a:spcPts val="600"/>
+              </a:spcAft>
+              <a:buNone/>
+            </a:pPr>
+            <a:r>
+              <a:rPr lang="es-AR" b="1" dirty="0" smtClean="0"/>
+              <a:t>Iteración</a:t>
+            </a:r>
+            <a:r>
+              <a:rPr lang="es-AR" dirty="0" smtClean="0"/>
+              <a:t>: N° </a:t>
+            </a:r>
+            <a:r>
+              <a:rPr lang="es-AR" dirty="0"/>
+              <a:t>7</a:t>
+            </a:r>
+            <a:endParaRPr lang="es-AR" dirty="0" smtClean="0"/>
+          </a:p>
+          <a:p>
+            <a:pPr marL="0" indent="0">
+              <a:spcBef>
+                <a:spcPts val="1200"/>
+              </a:spcBef>
+              <a:spcAft>
+                <a:spcPts val="600"/>
+              </a:spcAft>
+              <a:buNone/>
+            </a:pPr>
+            <a:r>
+              <a:rPr lang="es-AR" b="1" dirty="0" smtClean="0"/>
+              <a:t>Fecha de inicio</a:t>
+            </a:r>
+            <a:r>
+              <a:rPr lang="es-AR" dirty="0" smtClean="0"/>
+              <a:t>: 01 de Septiembre de 2018.</a:t>
+            </a:r>
+          </a:p>
+          <a:p>
+            <a:pPr marL="0" indent="0">
+              <a:spcBef>
+                <a:spcPts val="1200"/>
+              </a:spcBef>
+              <a:spcAft>
+                <a:spcPts val="600"/>
+              </a:spcAft>
+              <a:buNone/>
+            </a:pPr>
+            <a:r>
+              <a:rPr lang="es-AR" b="1" dirty="0" smtClean="0"/>
+              <a:t>Fecha de fin</a:t>
+            </a:r>
+            <a:r>
+              <a:rPr lang="es-AR" dirty="0" smtClean="0"/>
+              <a:t>: 16 de Septiembre de 2018.</a:t>
+            </a:r>
+          </a:p>
+          <a:p>
+            <a:pPr marL="0" indent="0">
+              <a:buNone/>
+            </a:pPr>
+            <a:endParaRPr lang="es-AR" dirty="0" smtClean="0"/>
+          </a:p>
+          <a:p>
+            <a:pPr marL="0" indent="0">
+              <a:buNone/>
+            </a:pPr>
+            <a:endParaRPr lang="es-AR" sz="2000" dirty="0"/>
+          </a:p>
+          <a:p>
+            <a:pPr marL="0" indent="0">
+              <a:buNone/>
+            </a:pPr>
+            <a:r>
+              <a:rPr lang="es-AR" i="1" dirty="0" smtClean="0"/>
+              <a:t>Las actividades se encuentran sujetas a las conclusiones obtenidas durante esta presentación por lo que pueden ser modificada posteriormente. </a:t>
+            </a:r>
+          </a:p>
+          <a:p>
+            <a:pPr marL="0" indent="0">
+              <a:buNone/>
+            </a:pPr>
+            <a:endParaRPr lang="es-AR" dirty="0"/>
           </a:p>
         </p:txBody>
       </p:sp>
     </p:spTree>
     <p:extLst>
       <p:ext uri="{BB962C8B-B14F-4D97-AF65-F5344CB8AC3E}">
-        <p14:creationId xmlns:p14="http://schemas.microsoft.com/office/powerpoint/2010/main" val="3837480749"/>
+        <p14:creationId xmlns:p14="http://schemas.microsoft.com/office/powerpoint/2010/main" val="357477803"/>
       </p:ext>
     </p:extLst>
   </p:cSld>
@@ -10440,14 +10308,14 @@
           <p:nvPr>
             <p:extLst>
               <p:ext uri="{D42A27DB-BD31-4B8C-83A1-F6EECF244321}">
-                <p14:modId xmlns:p14="http://schemas.microsoft.com/office/powerpoint/2010/main" val="666159431"/>
+                <p14:modId xmlns:p14="http://schemas.microsoft.com/office/powerpoint/2010/main" val="2286812360"/>
               </p:ext>
             </p:extLst>
           </p:nvPr>
         </p:nvGraphicFramePr>
         <p:xfrm>
-          <a:off x="913098" y="2310304"/>
-          <a:ext cx="10248341" cy="3610383"/>
+          <a:off x="1105469" y="2333766"/>
+          <a:ext cx="9949218" cy="3671248"/>
         </p:xfrm>
         <a:graphic>
           <a:graphicData uri="http://schemas.openxmlformats.org/drawingml/2006/table">
@@ -10456,12 +10324,12 @@
                 <a:tableStyleId>{6E25E649-3F16-4E02-A733-19D2CDBF48F0}</a:tableStyleId>
               </a:tblPr>
               <a:tblGrid>
-                <a:gridCol w="6004888"/>
-                <a:gridCol w="1387796"/>
-                <a:gridCol w="1120912"/>
-                <a:gridCol w="1734745"/>
+                <a:gridCol w="5829621"/>
+                <a:gridCol w="1347290"/>
+                <a:gridCol w="1088195"/>
+                <a:gridCol w="1684112"/>
               </a:tblGrid>
-              <a:tr h="515769">
+              <a:tr h="524464">
                 <a:tc>
                   <a:txBody>
                     <a:bodyPr/>
@@ -10469,21 +10337,21 @@
                     <a:p>
                       <a:pPr algn="ctr"/>
                       <a:r>
-                        <a:rPr lang="es-AR" sz="1900" dirty="0" smtClean="0">
+                        <a:rPr lang="es-AR" dirty="0" smtClean="0">
                           <a:solidFill>
                             <a:schemeClr val="bg1"/>
                           </a:solidFill>
                         </a:rPr>
                         <a:t>Nombre de la tarea</a:t>
                       </a:r>
-                      <a:endParaRPr lang="es-AR" sz="1900" dirty="0">
+                      <a:endParaRPr lang="es-AR" dirty="0">
                         <a:solidFill>
                           <a:schemeClr val="bg1"/>
                         </a:solidFill>
                       </a:endParaRPr>
                     </a:p>
                   </a:txBody>
-                  <a:tcPr marL="97523" marR="97523" marT="48761" marB="48761"/>
+                  <a:tcPr/>
                 </a:tc>
                 <a:tc>
                   <a:txBody>
@@ -10492,21 +10360,21 @@
                     <a:p>
                       <a:pPr algn="ctr"/>
                       <a:r>
-                        <a:rPr lang="es-AR" sz="1900" dirty="0" smtClean="0">
+                        <a:rPr lang="es-AR" dirty="0" smtClean="0">
                           <a:solidFill>
                             <a:schemeClr val="bg1"/>
                           </a:solidFill>
                         </a:rPr>
                         <a:t>Inicio</a:t>
                       </a:r>
-                      <a:endParaRPr lang="es-AR" sz="1900" dirty="0">
+                      <a:endParaRPr lang="es-AR" dirty="0">
                         <a:solidFill>
                           <a:schemeClr val="bg1"/>
                         </a:solidFill>
                       </a:endParaRPr>
                     </a:p>
                   </a:txBody>
-                  <a:tcPr marL="97523" marR="97523" marT="48761" marB="48761"/>
+                  <a:tcPr/>
                 </a:tc>
                 <a:tc>
                   <a:txBody>
@@ -10515,21 +10383,21 @@
                     <a:p>
                       <a:pPr algn="ctr"/>
                       <a:r>
-                        <a:rPr lang="es-AR" sz="1900" dirty="0" smtClean="0">
+                        <a:rPr lang="es-AR" dirty="0" smtClean="0">
                           <a:solidFill>
                             <a:schemeClr val="bg1"/>
                           </a:solidFill>
                         </a:rPr>
                         <a:t>Fin</a:t>
                       </a:r>
-                      <a:endParaRPr lang="es-AR" sz="1900" dirty="0">
+                      <a:endParaRPr lang="es-AR" dirty="0">
                         <a:solidFill>
                           <a:schemeClr val="bg1"/>
                         </a:solidFill>
                       </a:endParaRPr>
                     </a:p>
                   </a:txBody>
-                  <a:tcPr marL="97523" marR="97523" marT="48761" marB="48761"/>
+                  <a:tcPr/>
                 </a:tc>
                 <a:tc>
                   <a:txBody>
@@ -10538,41 +10406,37 @@
                     <a:p>
                       <a:pPr algn="ctr"/>
                       <a:r>
-                        <a:rPr lang="es-AR" sz="1900" dirty="0" smtClean="0">
+                        <a:rPr lang="es-AR" dirty="0" smtClean="0">
                           <a:solidFill>
                             <a:schemeClr val="bg1"/>
                           </a:solidFill>
                         </a:rPr>
                         <a:t>Prioridad</a:t>
                       </a:r>
-                      <a:endParaRPr lang="es-AR" sz="1900" dirty="0">
+                      <a:endParaRPr lang="es-AR" dirty="0">
                         <a:solidFill>
                           <a:schemeClr val="bg1"/>
                         </a:solidFill>
                       </a:endParaRPr>
                     </a:p>
                   </a:txBody>
-                  <a:tcPr marL="97523" marR="97523" marT="48761" marB="48761"/>
+                  <a:tcPr/>
                 </a:tc>
               </a:tr>
-              <a:tr h="515769">
-                <a:tc>
-                  <a:txBody>
-                    <a:bodyPr/>
-                    <a:lstStyle/>
-                    <a:p>
-                      <a:r>
-                        <a:rPr lang="es-AR" sz="1900" dirty="0" smtClean="0"/>
-                        <a:t>Modificar</a:t>
-                      </a:r>
-                      <a:r>
-                        <a:rPr lang="es-AR" sz="1900" baseline="0" dirty="0" smtClean="0"/>
-                        <a:t> CU10 – Notificar.</a:t>
-                      </a:r>
-                      <a:endParaRPr lang="es-AR" sz="1900" dirty="0"/>
-                    </a:p>
-                  </a:txBody>
-                  <a:tcPr marL="97523" marR="97523" marT="48761" marB="48761"/>
+              <a:tr h="524464">
+                <a:tc>
+                  <a:txBody>
+                    <a:bodyPr/>
+                    <a:lstStyle/>
+                    <a:p>
+                      <a:r>
+                        <a:rPr lang="es-AR" dirty="0" smtClean="0"/>
+                        <a:t>Continuar Glosario.</a:t>
+                      </a:r>
+                      <a:endParaRPr lang="es-AR" dirty="0"/>
+                    </a:p>
+                  </a:txBody>
+                  <a:tcPr/>
                 </a:tc>
                 <a:tc>
                   <a:txBody>
@@ -10581,13 +10445,13 @@
                     <a:p>
                       <a:pPr algn="ctr"/>
                       <a:r>
-                        <a:rPr lang="es-AR" sz="1900" dirty="0" smtClean="0"/>
+                        <a:rPr lang="es-AR" dirty="0" smtClean="0"/>
                         <a:t>01-Sep</a:t>
                       </a:r>
-                      <a:endParaRPr lang="es-AR" sz="1900" dirty="0"/>
-                    </a:p>
-                  </a:txBody>
-                  <a:tcPr marL="97523" marR="97523" marT="48761" marB="48761"/>
+                      <a:endParaRPr lang="es-AR" dirty="0"/>
+                    </a:p>
+                  </a:txBody>
+                  <a:tcPr/>
                 </a:tc>
                 <a:tc>
                   <a:txBody>
@@ -10596,13 +10460,13 @@
                     <a:p>
                       <a:pPr algn="ctr"/>
                       <a:r>
-                        <a:rPr lang="es-AR" sz="1900" dirty="0" smtClean="0"/>
+                        <a:rPr lang="es-AR" dirty="0" smtClean="0"/>
                         <a:t>16-Sep</a:t>
                       </a:r>
-                      <a:endParaRPr lang="es-AR" sz="1900" dirty="0"/>
-                    </a:p>
-                  </a:txBody>
-                  <a:tcPr marL="97523" marR="97523" marT="48761" marB="48761"/>
+                      <a:endParaRPr lang="es-AR" dirty="0"/>
+                    </a:p>
+                  </a:txBody>
+                  <a:tcPr/>
                 </a:tc>
                 <a:tc>
                   <a:txBody>
@@ -10611,29 +10475,33 @@
                     <a:p>
                       <a:pPr algn="ctr"/>
                       <a:r>
-                        <a:rPr lang="es-AR" sz="1900" dirty="0" smtClean="0"/>
-                        <a:t>Media</a:t>
-                      </a:r>
-                      <a:endParaRPr lang="es-AR" sz="1900" dirty="0"/>
-                    </a:p>
-                  </a:txBody>
-                  <a:tcPr marL="97523" marR="97523" marT="48761" marB="48761"/>
+                        <a:rPr lang="es-AR" dirty="0" smtClean="0"/>
+                        <a:t>Baja</a:t>
+                      </a:r>
+                      <a:endParaRPr lang="es-AR" dirty="0"/>
+                    </a:p>
+                  </a:txBody>
+                  <a:tcPr/>
                 </a:tc>
               </a:tr>
-              <a:tr h="515769">
-                <a:tc>
-                  <a:txBody>
-                    <a:bodyPr/>
-                    <a:lstStyle/>
-                    <a:p>
-                      <a:r>
-                        <a:rPr lang="es-AR" sz="1900" dirty="0" smtClean="0"/>
-                        <a:t>Modificar Modelo de Casos de Uso.</a:t>
-                      </a:r>
-                      <a:endParaRPr lang="es-AR" sz="1900" dirty="0"/>
-                    </a:p>
-                  </a:txBody>
-                  <a:tcPr marL="97523" marR="97523" marT="48761" marB="48761"/>
+              <a:tr h="524464">
+                <a:tc>
+                  <a:txBody>
+                    <a:bodyPr/>
+                    <a:lstStyle/>
+                    <a:p>
+                      <a:r>
+                        <a:rPr lang="es-AR" dirty="0" smtClean="0"/>
+                        <a:t>Descargar archivos</a:t>
+                      </a:r>
+                      <a:r>
+                        <a:rPr lang="es-AR" baseline="0" dirty="0" smtClean="0"/>
+                        <a:t> Excel del corriente año.</a:t>
+                      </a:r>
+                      <a:endParaRPr lang="es-AR" dirty="0"/>
+                    </a:p>
+                  </a:txBody>
+                  <a:tcPr/>
                 </a:tc>
                 <a:tc>
                   <a:txBody>
@@ -10658,12 +10526,12 @@
                         <a:defRPr/>
                       </a:pPr>
                       <a:r>
-                        <a:rPr lang="es-AR" sz="1900" dirty="0" smtClean="0"/>
+                        <a:rPr lang="es-AR" dirty="0" smtClean="0"/>
                         <a:t>01-Sep</a:t>
                       </a:r>
                     </a:p>
                   </a:txBody>
-                  <a:tcPr marL="97523" marR="97523" marT="48761" marB="48761"/>
+                  <a:tcPr/>
                 </a:tc>
                 <a:tc>
                   <a:txBody>
@@ -10688,12 +10556,12 @@
                         <a:defRPr/>
                       </a:pPr>
                       <a:r>
-                        <a:rPr lang="es-AR" sz="1900" dirty="0" smtClean="0"/>
+                        <a:rPr lang="es-AR" dirty="0" smtClean="0"/>
                         <a:t>16-Sep</a:t>
                       </a:r>
                     </a:p>
                   </a:txBody>
-                  <a:tcPr marL="97523" marR="97523" marT="48761" marB="48761"/>
+                  <a:tcPr/>
                 </a:tc>
                 <a:tc>
                   <a:txBody>
@@ -10702,33 +10570,33 @@
                     <a:p>
                       <a:pPr algn="ctr"/>
                       <a:r>
-                        <a:rPr lang="es-AR" sz="1900" dirty="0" smtClean="0"/>
+                        <a:rPr lang="es-AR" dirty="0" smtClean="0"/>
                         <a:t>Media</a:t>
                       </a:r>
-                      <a:endParaRPr lang="es-AR" sz="1900" dirty="0"/>
-                    </a:p>
-                  </a:txBody>
-                  <a:tcPr marL="97523" marR="97523" marT="48761" marB="48761"/>
+                      <a:endParaRPr lang="es-AR" dirty="0"/>
+                    </a:p>
+                  </a:txBody>
+                  <a:tcPr/>
                 </a:tc>
               </a:tr>
-              <a:tr h="515769">
-                <a:tc>
-                  <a:txBody>
-                    <a:bodyPr/>
-                    <a:lstStyle/>
-                    <a:p>
-                      <a:r>
-                        <a:rPr lang="es-AR" sz="1900" dirty="0" smtClean="0"/>
-                        <a:t>Continuar Arquitectura</a:t>
-                      </a:r>
-                      <a:r>
-                        <a:rPr lang="es-AR" sz="1900" baseline="0" dirty="0" smtClean="0"/>
-                        <a:t> del Sistema.</a:t>
-                      </a:r>
-                      <a:endParaRPr lang="es-AR" sz="1900" dirty="0"/>
-                    </a:p>
-                  </a:txBody>
-                  <a:tcPr marL="97523" marR="97523" marT="48761" marB="48761"/>
+              <a:tr h="524464">
+                <a:tc>
+                  <a:txBody>
+                    <a:bodyPr/>
+                    <a:lstStyle/>
+                    <a:p>
+                      <a:r>
+                        <a:rPr lang="es-AR" dirty="0" smtClean="0"/>
+                        <a:t>Completar CP</a:t>
+                      </a:r>
+                      <a:r>
+                        <a:rPr lang="es-AR" baseline="0" dirty="0" smtClean="0"/>
+                        <a:t> para CU02 – Importar horarios de cursada.</a:t>
+                      </a:r>
+                      <a:endParaRPr lang="es-AR" dirty="0"/>
+                    </a:p>
+                  </a:txBody>
+                  <a:tcPr/>
                 </a:tc>
                 <a:tc>
                   <a:txBody>
@@ -10753,12 +10621,12 @@
                         <a:defRPr/>
                       </a:pPr>
                       <a:r>
-                        <a:rPr lang="es-AR" sz="1900" dirty="0" smtClean="0"/>
+                        <a:rPr lang="es-AR" dirty="0" smtClean="0"/>
                         <a:t>01-Sep</a:t>
                       </a:r>
                     </a:p>
                   </a:txBody>
-                  <a:tcPr marL="97523" marR="97523" marT="48761" marB="48761"/>
+                  <a:tcPr/>
                 </a:tc>
                 <a:tc>
                   <a:txBody>
@@ -10783,12 +10651,12 @@
                         <a:defRPr/>
                       </a:pPr>
                       <a:r>
-                        <a:rPr lang="es-AR" sz="1900" dirty="0" smtClean="0"/>
+                        <a:rPr lang="es-AR" dirty="0" smtClean="0"/>
                         <a:t>16-Sep</a:t>
                       </a:r>
                     </a:p>
                   </a:txBody>
-                  <a:tcPr marL="97523" marR="97523" marT="48761" marB="48761"/>
+                  <a:tcPr/>
                 </a:tc>
                 <a:tc>
                   <a:txBody>
@@ -10797,16 +10665,16 @@
                     <a:p>
                       <a:pPr algn="ctr"/>
                       <a:r>
-                        <a:rPr lang="es-AR" sz="1900" dirty="0" smtClean="0"/>
-                        <a:t>Media</a:t>
-                      </a:r>
-                      <a:endParaRPr lang="es-AR" sz="1900" dirty="0"/>
-                    </a:p>
-                  </a:txBody>
-                  <a:tcPr marL="97523" marR="97523" marT="48761" marB="48761"/>
+                        <a:rPr lang="es-AR" dirty="0" smtClean="0"/>
+                        <a:t>Alta</a:t>
+                      </a:r>
+                      <a:endParaRPr lang="es-AR" dirty="0"/>
+                    </a:p>
+                  </a:txBody>
+                  <a:tcPr/>
                 </a:tc>
               </a:tr>
-              <a:tr h="515769">
+              <a:tr h="524464">
                 <a:tc>
                   <a:txBody>
                     <a:bodyPr/>
@@ -10830,12 +10698,17 @@
                         <a:defRPr/>
                       </a:pPr>
                       <a:r>
-                        <a:rPr lang="es-AR" sz="1900" dirty="0" smtClean="0"/>
-                        <a:t>Continuar Plan de Pruebas.</a:t>
-                      </a:r>
-                    </a:p>
-                  </a:txBody>
-                  <a:tcPr marL="97523" marR="97523" marT="48761" marB="48761"/>
+                        <a:rPr lang="es-AR" dirty="0" smtClean="0"/>
+                        <a:t>Completar CP</a:t>
+                      </a:r>
+                      <a:r>
+                        <a:rPr lang="es-AR" baseline="0" dirty="0" smtClean="0"/>
+                        <a:t> para CU03 – Importar mesas de examen.</a:t>
+                      </a:r>
+                      <a:endParaRPr lang="es-AR" dirty="0" smtClean="0"/>
+                    </a:p>
+                  </a:txBody>
+                  <a:tcPr/>
                 </a:tc>
                 <a:tc>
                   <a:txBody>
@@ -10860,12 +10733,12 @@
                         <a:defRPr/>
                       </a:pPr>
                       <a:r>
-                        <a:rPr lang="es-AR" sz="1900" dirty="0" smtClean="0"/>
+                        <a:rPr lang="es-AR" dirty="0" smtClean="0"/>
                         <a:t>01-Sep</a:t>
                       </a:r>
                     </a:p>
                   </a:txBody>
-                  <a:tcPr marL="97523" marR="97523" marT="48761" marB="48761"/>
+                  <a:tcPr/>
                 </a:tc>
                 <a:tc>
                   <a:txBody>
@@ -10890,12 +10763,12 @@
                         <a:defRPr/>
                       </a:pPr>
                       <a:r>
-                        <a:rPr lang="es-AR" sz="1900" dirty="0" smtClean="0"/>
+                        <a:rPr lang="es-AR" dirty="0" smtClean="0"/>
                         <a:t>16-Sep</a:t>
                       </a:r>
                     </a:p>
                   </a:txBody>
-                  <a:tcPr marL="97523" marR="97523" marT="48761" marB="48761"/>
+                  <a:tcPr/>
                 </a:tc>
                 <a:tc>
                   <a:txBody>
@@ -10904,16 +10777,16 @@
                     <a:p>
                       <a:pPr algn="ctr"/>
                       <a:r>
-                        <a:rPr lang="es-AR" sz="1900" dirty="0" smtClean="0"/>
-                        <a:t>Baja</a:t>
-                      </a:r>
-                      <a:endParaRPr lang="es-AR" sz="1900" dirty="0"/>
-                    </a:p>
-                  </a:txBody>
-                  <a:tcPr marL="97523" marR="97523" marT="48761" marB="48761"/>
+                        <a:rPr lang="es-AR" dirty="0" smtClean="0"/>
+                        <a:t>Alta</a:t>
+                      </a:r>
+                      <a:endParaRPr lang="es-AR" dirty="0"/>
+                    </a:p>
+                  </a:txBody>
+                  <a:tcPr/>
                 </a:tc>
               </a:tr>
-              <a:tr h="515769">
+              <a:tr h="524464">
                 <a:tc>
                   <a:txBody>
                     <a:bodyPr/>
@@ -10937,17 +10810,17 @@
                         <a:defRPr/>
                       </a:pPr>
                       <a:r>
-                        <a:rPr lang="es-AR" sz="1900" dirty="0" smtClean="0"/>
-                        <a:t>Finalizar CU04 – Buscar</a:t>
-                      </a:r>
-                      <a:r>
-                        <a:rPr lang="es-AR" sz="1900" baseline="0" dirty="0" smtClean="0"/>
-                        <a:t> horario de cursada (APP)</a:t>
-                      </a:r>
-                      <a:endParaRPr lang="es-AR" sz="1900" dirty="0" smtClean="0"/>
-                    </a:p>
-                  </a:txBody>
-                  <a:tcPr marL="97523" marR="97523" marT="48761" marB="48761"/>
+                        <a:rPr lang="es-AR" dirty="0" smtClean="0"/>
+                        <a:t>Completar</a:t>
+                      </a:r>
+                      <a:r>
+                        <a:rPr lang="es-AR" baseline="0" dirty="0" smtClean="0"/>
+                        <a:t> CU11 – Informe mesa de examen</a:t>
+                      </a:r>
+                      <a:endParaRPr lang="es-AR" dirty="0" smtClean="0"/>
+                    </a:p>
+                  </a:txBody>
+                  <a:tcPr/>
                 </a:tc>
                 <a:tc>
                   <a:txBody>
@@ -10972,12 +10845,12 @@
                         <a:defRPr/>
                       </a:pPr>
                       <a:r>
-                        <a:rPr lang="es-AR" sz="1900" dirty="0" smtClean="0"/>
+                        <a:rPr lang="es-AR" dirty="0" smtClean="0"/>
                         <a:t>01-Sep</a:t>
                       </a:r>
                     </a:p>
                   </a:txBody>
-                  <a:tcPr marL="97523" marR="97523" marT="48761" marB="48761"/>
+                  <a:tcPr/>
                 </a:tc>
                 <a:tc>
                   <a:txBody>
@@ -11002,12 +10875,12 @@
                         <a:defRPr/>
                       </a:pPr>
                       <a:r>
-                        <a:rPr lang="es-AR" sz="1900" dirty="0" smtClean="0"/>
+                        <a:rPr lang="es-AR" dirty="0" smtClean="0"/>
                         <a:t>16-Sep</a:t>
                       </a:r>
                     </a:p>
                   </a:txBody>
-                  <a:tcPr marL="97523" marR="97523" marT="48761" marB="48761"/>
+                  <a:tcPr/>
                 </a:tc>
                 <a:tc>
                   <a:txBody>
@@ -11016,16 +10889,16 @@
                     <a:p>
                       <a:pPr algn="ctr"/>
                       <a:r>
-                        <a:rPr lang="es-AR" sz="1900" dirty="0" smtClean="0"/>
+                        <a:rPr lang="es-AR" dirty="0" smtClean="0"/>
                         <a:t>Alta</a:t>
                       </a:r>
-                      <a:endParaRPr lang="es-AR" sz="1900" dirty="0"/>
-                    </a:p>
-                  </a:txBody>
-                  <a:tcPr marL="97523" marR="97523" marT="48761" marB="48761"/>
+                      <a:endParaRPr lang="es-AR" dirty="0"/>
+                    </a:p>
+                  </a:txBody>
+                  <a:tcPr/>
                 </a:tc>
               </a:tr>
-              <a:tr h="515769">
+              <a:tr h="524464">
                 <a:tc>
                   <a:txBody>
                     <a:bodyPr/>
@@ -11049,17 +10922,17 @@
                         <a:defRPr/>
                       </a:pPr>
                       <a:r>
-                        <a:rPr lang="es-AR" sz="1900" dirty="0" smtClean="0"/>
-                        <a:t>Implementar</a:t>
-                      </a:r>
-                      <a:r>
-                        <a:rPr lang="es-AR" sz="1900" baseline="0" dirty="0" smtClean="0"/>
-                        <a:t> CU10 – Notificar.</a:t>
-                      </a:r>
-                      <a:endParaRPr lang="es-AR" sz="1900" dirty="0" smtClean="0"/>
-                    </a:p>
-                  </a:txBody>
-                  <a:tcPr marL="97523" marR="97523" marT="48761" marB="48761"/>
+                        <a:rPr lang="es-AR" dirty="0" smtClean="0"/>
+                        <a:t>Iniciar</a:t>
+                      </a:r>
+                      <a:r>
+                        <a:rPr lang="es-AR" baseline="0" dirty="0" smtClean="0"/>
+                        <a:t> manual de usuario (APP)</a:t>
+                      </a:r>
+                      <a:endParaRPr lang="es-AR" dirty="0" smtClean="0"/>
+                    </a:p>
+                  </a:txBody>
+                  <a:tcPr/>
                 </a:tc>
                 <a:tc>
                   <a:txBody>
@@ -11084,12 +10957,12 @@
                         <a:defRPr/>
                       </a:pPr>
                       <a:r>
-                        <a:rPr lang="es-AR" sz="1900" dirty="0" smtClean="0"/>
+                        <a:rPr lang="es-AR" dirty="0" smtClean="0"/>
                         <a:t>01-Sep</a:t>
                       </a:r>
                     </a:p>
                   </a:txBody>
-                  <a:tcPr marL="97523" marR="97523" marT="48761" marB="48761"/>
+                  <a:tcPr/>
                 </a:tc>
                 <a:tc>
                   <a:txBody>
@@ -11114,12 +10987,12 @@
                         <a:defRPr/>
                       </a:pPr>
                       <a:r>
-                        <a:rPr lang="es-AR" sz="1900" dirty="0" smtClean="0"/>
+                        <a:rPr lang="es-AR" dirty="0" smtClean="0"/>
                         <a:t>16-Sep</a:t>
                       </a:r>
                     </a:p>
                   </a:txBody>
-                  <a:tcPr marL="97523" marR="97523" marT="48761" marB="48761"/>
+                  <a:tcPr/>
                 </a:tc>
                 <a:tc>
                   <a:txBody>
@@ -11128,13 +11001,13 @@
                     <a:p>
                       <a:pPr algn="ctr"/>
                       <a:r>
-                        <a:rPr lang="es-AR" sz="1900" dirty="0" smtClean="0"/>
-                        <a:t>Alta</a:t>
-                      </a:r>
-                      <a:endParaRPr lang="es-AR" sz="1900" dirty="0"/>
-                    </a:p>
-                  </a:txBody>
-                  <a:tcPr marL="97523" marR="97523" marT="48761" marB="48761"/>
+                        <a:rPr lang="es-AR" dirty="0" smtClean="0"/>
+                        <a:t>Media</a:t>
+                      </a:r>
+                      <a:endParaRPr lang="es-AR" dirty="0"/>
+                    </a:p>
+                  </a:txBody>
+                  <a:tcPr/>
                 </a:tc>
               </a:tr>
             </a:tbl>
@@ -11153,7 +11026,7 @@
         </p:nvSpPr>
         <p:spPr>
           <a:xfrm>
-            <a:off x="168970" y="1544452"/>
+            <a:off x="168970" y="1507277"/>
             <a:ext cx="11847838" cy="509538"/>
           </a:xfrm>
         </p:spPr>
@@ -11174,7 +11047,7 @@
             </a:pPr>
             <a:r>
               <a:rPr lang="es-AR" dirty="0" smtClean="0"/>
-              <a:t>Quiroga Sandra</a:t>
+              <a:t>Oyarzo Mariela</a:t>
             </a:r>
           </a:p>
         </p:txBody>
@@ -11182,7 +11055,7 @@
     </p:spTree>
     <p:extLst>
       <p:ext uri="{BB962C8B-B14F-4D97-AF65-F5344CB8AC3E}">
-        <p14:creationId xmlns:p14="http://schemas.microsoft.com/office/powerpoint/2010/main" val="1535279991"/>
+        <p14:creationId xmlns:p14="http://schemas.microsoft.com/office/powerpoint/2010/main" val="3837480749"/>
       </p:ext>
     </p:extLst>
   </p:cSld>
@@ -11307,14 +11180,14 @@
           <p:nvPr>
             <p:extLst>
               <p:ext uri="{D42A27DB-BD31-4B8C-83A1-F6EECF244321}">
-                <p14:modId xmlns:p14="http://schemas.microsoft.com/office/powerpoint/2010/main" val="1344923249"/>
+                <p14:modId xmlns:p14="http://schemas.microsoft.com/office/powerpoint/2010/main" val="666159431"/>
               </p:ext>
             </p:extLst>
           </p:nvPr>
         </p:nvGraphicFramePr>
         <p:xfrm>
-          <a:off x="634620" y="2004118"/>
-          <a:ext cx="11013743" cy="4352400"/>
+          <a:off x="913098" y="2310304"/>
+          <a:ext cx="10248341" cy="3610383"/>
         </p:xfrm>
         <a:graphic>
           <a:graphicData uri="http://schemas.openxmlformats.org/drawingml/2006/table">
@@ -11323,12 +11196,12 @@
                 <a:tableStyleId>{6E25E649-3F16-4E02-A733-19D2CDBF48F0}</a:tableStyleId>
               </a:tblPr>
               <a:tblGrid>
-                <a:gridCol w="6453366"/>
-                <a:gridCol w="1491444"/>
-                <a:gridCol w="1204628"/>
-                <a:gridCol w="1864305"/>
+                <a:gridCol w="6004888"/>
+                <a:gridCol w="1387796"/>
+                <a:gridCol w="1120912"/>
+                <a:gridCol w="1734745"/>
               </a:tblGrid>
-              <a:tr h="483600">
+              <a:tr h="515769">
                 <a:tc>
                   <a:txBody>
                     <a:bodyPr/>
@@ -11336,21 +11209,21 @@
                     <a:p>
                       <a:pPr algn="ctr"/>
                       <a:r>
-                        <a:rPr lang="es-AR" dirty="0" smtClean="0">
+                        <a:rPr lang="es-AR" sz="1900" dirty="0" smtClean="0">
                           <a:solidFill>
                             <a:schemeClr val="bg1"/>
                           </a:solidFill>
                         </a:rPr>
                         <a:t>Nombre de la tarea</a:t>
                       </a:r>
-                      <a:endParaRPr lang="es-AR" dirty="0">
+                      <a:endParaRPr lang="es-AR" sz="1900" dirty="0">
                         <a:solidFill>
                           <a:schemeClr val="bg1"/>
                         </a:solidFill>
                       </a:endParaRPr>
                     </a:p>
                   </a:txBody>
-                  <a:tcPr/>
+                  <a:tcPr marL="97523" marR="97523" marT="48761" marB="48761"/>
                 </a:tc>
                 <a:tc>
                   <a:txBody>
@@ -11359,21 +11232,21 @@
                     <a:p>
                       <a:pPr algn="ctr"/>
                       <a:r>
-                        <a:rPr lang="es-AR" dirty="0" smtClean="0">
+                        <a:rPr lang="es-AR" sz="1900" dirty="0" smtClean="0">
                           <a:solidFill>
                             <a:schemeClr val="bg1"/>
                           </a:solidFill>
                         </a:rPr>
                         <a:t>Inicio</a:t>
                       </a:r>
-                      <a:endParaRPr lang="es-AR" dirty="0">
+                      <a:endParaRPr lang="es-AR" sz="1900" dirty="0">
                         <a:solidFill>
                           <a:schemeClr val="bg1"/>
                         </a:solidFill>
                       </a:endParaRPr>
                     </a:p>
                   </a:txBody>
-                  <a:tcPr/>
+                  <a:tcPr marL="97523" marR="97523" marT="48761" marB="48761"/>
                 </a:tc>
                 <a:tc>
                   <a:txBody>
@@ -11382,21 +11255,21 @@
                     <a:p>
                       <a:pPr algn="ctr"/>
                       <a:r>
-                        <a:rPr lang="es-AR" dirty="0" smtClean="0">
+                        <a:rPr lang="es-AR" sz="1900" dirty="0" smtClean="0">
                           <a:solidFill>
                             <a:schemeClr val="bg1"/>
                           </a:solidFill>
                         </a:rPr>
                         <a:t>Fin</a:t>
                       </a:r>
-                      <a:endParaRPr lang="es-AR" dirty="0">
+                      <a:endParaRPr lang="es-AR" sz="1900" dirty="0">
                         <a:solidFill>
                           <a:schemeClr val="bg1"/>
                         </a:solidFill>
                       </a:endParaRPr>
                     </a:p>
                   </a:txBody>
-                  <a:tcPr/>
+                  <a:tcPr marL="97523" marR="97523" marT="48761" marB="48761"/>
                 </a:tc>
                 <a:tc>
                   <a:txBody>
@@ -11405,37 +11278,41 @@
                     <a:p>
                       <a:pPr algn="ctr"/>
                       <a:r>
-                        <a:rPr lang="es-AR" dirty="0" smtClean="0">
+                        <a:rPr lang="es-AR" sz="1900" dirty="0" smtClean="0">
                           <a:solidFill>
                             <a:schemeClr val="bg1"/>
                           </a:solidFill>
                         </a:rPr>
                         <a:t>Prioridad</a:t>
                       </a:r>
-                      <a:endParaRPr lang="es-AR" dirty="0">
+                      <a:endParaRPr lang="es-AR" sz="1900" dirty="0">
                         <a:solidFill>
                           <a:schemeClr val="bg1"/>
                         </a:solidFill>
                       </a:endParaRPr>
                     </a:p>
                   </a:txBody>
-                  <a:tcPr/>
+                  <a:tcPr marL="97523" marR="97523" marT="48761" marB="48761"/>
                 </a:tc>
               </a:tr>
-              <a:tr h="483600">
-                <a:tc>
-                  <a:txBody>
-                    <a:bodyPr/>
-                    <a:lstStyle/>
-                    <a:p>
-                      <a:r>
-                        <a:rPr lang="es-AR" dirty="0" smtClean="0"/>
-                        <a:t>Modificar CU06 – Modificar horario de cursada.</a:t>
-                      </a:r>
-                      <a:endParaRPr lang="es-AR" dirty="0"/>
-                    </a:p>
-                  </a:txBody>
-                  <a:tcPr/>
+              <a:tr h="515769">
+                <a:tc>
+                  <a:txBody>
+                    <a:bodyPr/>
+                    <a:lstStyle/>
+                    <a:p>
+                      <a:r>
+                        <a:rPr lang="es-AR" sz="1900" dirty="0" smtClean="0"/>
+                        <a:t>Modificar</a:t>
+                      </a:r>
+                      <a:r>
+                        <a:rPr lang="es-AR" sz="1900" baseline="0" dirty="0" smtClean="0"/>
+                        <a:t> CU10 – Notificar.</a:t>
+                      </a:r>
+                      <a:endParaRPr lang="es-AR" sz="1900" dirty="0"/>
+                    </a:p>
+                  </a:txBody>
+                  <a:tcPr marL="97523" marR="97523" marT="48761" marB="48761"/>
                 </a:tc>
                 <a:tc>
                   <a:txBody>
@@ -11444,13 +11321,13 @@
                     <a:p>
                       <a:pPr algn="ctr"/>
                       <a:r>
-                        <a:rPr lang="es-AR" dirty="0" smtClean="0"/>
+                        <a:rPr lang="es-AR" sz="1900" dirty="0" smtClean="0"/>
                         <a:t>01-Sep</a:t>
                       </a:r>
-                      <a:endParaRPr lang="es-AR" dirty="0"/>
-                    </a:p>
-                  </a:txBody>
-                  <a:tcPr/>
+                      <a:endParaRPr lang="es-AR" sz="1900" dirty="0"/>
+                    </a:p>
+                  </a:txBody>
+                  <a:tcPr marL="97523" marR="97523" marT="48761" marB="48761"/>
                 </a:tc>
                 <a:tc>
                   <a:txBody>
@@ -11459,13 +11336,13 @@
                     <a:p>
                       <a:pPr algn="ctr"/>
                       <a:r>
-                        <a:rPr lang="es-AR" dirty="0" smtClean="0"/>
+                        <a:rPr lang="es-AR" sz="1900" dirty="0" smtClean="0"/>
                         <a:t>16-Sep</a:t>
                       </a:r>
-                      <a:endParaRPr lang="es-AR" dirty="0"/>
-                    </a:p>
-                  </a:txBody>
-                  <a:tcPr/>
+                      <a:endParaRPr lang="es-AR" sz="1900" dirty="0"/>
+                    </a:p>
+                  </a:txBody>
+                  <a:tcPr marL="97523" marR="97523" marT="48761" marB="48761"/>
                 </a:tc>
                 <a:tc>
                   <a:txBody>
@@ -11474,29 +11351,29 @@
                     <a:p>
                       <a:pPr algn="ctr"/>
                       <a:r>
-                        <a:rPr lang="es-AR" dirty="0" smtClean="0"/>
+                        <a:rPr lang="es-AR" sz="1900" dirty="0" smtClean="0"/>
                         <a:t>Media</a:t>
                       </a:r>
-                      <a:endParaRPr lang="es-AR" dirty="0"/>
-                    </a:p>
-                  </a:txBody>
-                  <a:tcPr/>
+                      <a:endParaRPr lang="es-AR" sz="1900" dirty="0"/>
+                    </a:p>
+                  </a:txBody>
+                  <a:tcPr marL="97523" marR="97523" marT="48761" marB="48761"/>
                 </a:tc>
               </a:tr>
-              <a:tr h="483600">
-                <a:tc>
-                  <a:txBody>
-                    <a:bodyPr/>
-                    <a:lstStyle/>
-                    <a:p>
-                      <a:r>
-                        <a:rPr lang="es-AR" dirty="0" smtClean="0"/>
-                        <a:t>Modificar CU07 – Modificar mesa de examen.</a:t>
-                      </a:r>
-                      <a:endParaRPr lang="es-AR" dirty="0"/>
-                    </a:p>
-                  </a:txBody>
-                  <a:tcPr/>
+              <a:tr h="515769">
+                <a:tc>
+                  <a:txBody>
+                    <a:bodyPr/>
+                    <a:lstStyle/>
+                    <a:p>
+                      <a:r>
+                        <a:rPr lang="es-AR" sz="1900" dirty="0" smtClean="0"/>
+                        <a:t>Modificar Modelo de Casos de Uso.</a:t>
+                      </a:r>
+                      <a:endParaRPr lang="es-AR" sz="1900" dirty="0"/>
+                    </a:p>
+                  </a:txBody>
+                  <a:tcPr marL="97523" marR="97523" marT="48761" marB="48761"/>
                 </a:tc>
                 <a:tc>
                   <a:txBody>
@@ -11521,12 +11398,12 @@
                         <a:defRPr/>
                       </a:pPr>
                       <a:r>
-                        <a:rPr lang="es-AR" dirty="0" smtClean="0"/>
+                        <a:rPr lang="es-AR" sz="1900" dirty="0" smtClean="0"/>
                         <a:t>01-Sep</a:t>
                       </a:r>
                     </a:p>
                   </a:txBody>
-                  <a:tcPr/>
+                  <a:tcPr marL="97523" marR="97523" marT="48761" marB="48761"/>
                 </a:tc>
                 <a:tc>
                   <a:txBody>
@@ -11551,12 +11428,12 @@
                         <a:defRPr/>
                       </a:pPr>
                       <a:r>
-                        <a:rPr lang="es-AR" dirty="0" smtClean="0"/>
+                        <a:rPr lang="es-AR" sz="1900" dirty="0" smtClean="0"/>
                         <a:t>16-Sep</a:t>
                       </a:r>
                     </a:p>
                   </a:txBody>
-                  <a:tcPr/>
+                  <a:tcPr marL="97523" marR="97523" marT="48761" marB="48761"/>
                 </a:tc>
                 <a:tc>
                   <a:txBody>
@@ -11565,29 +11442,33 @@
                     <a:p>
                       <a:pPr algn="ctr"/>
                       <a:r>
-                        <a:rPr lang="es-AR" dirty="0" smtClean="0"/>
+                        <a:rPr lang="es-AR" sz="1900" dirty="0" smtClean="0"/>
                         <a:t>Media</a:t>
                       </a:r>
-                      <a:endParaRPr lang="es-AR" dirty="0"/>
-                    </a:p>
-                  </a:txBody>
-                  <a:tcPr/>
+                      <a:endParaRPr lang="es-AR" sz="1900" dirty="0"/>
+                    </a:p>
+                  </a:txBody>
+                  <a:tcPr marL="97523" marR="97523" marT="48761" marB="48761"/>
                 </a:tc>
               </a:tr>
-              <a:tr h="483600">
-                <a:tc>
-                  <a:txBody>
-                    <a:bodyPr/>
-                    <a:lstStyle/>
-                    <a:p>
-                      <a:r>
-                        <a:rPr lang="es-AR" dirty="0" smtClean="0"/>
-                        <a:t>Modificar Modelo de Datos.</a:t>
-                      </a:r>
-                      <a:endParaRPr lang="es-AR" dirty="0"/>
-                    </a:p>
-                  </a:txBody>
-                  <a:tcPr/>
+              <a:tr h="515769">
+                <a:tc>
+                  <a:txBody>
+                    <a:bodyPr/>
+                    <a:lstStyle/>
+                    <a:p>
+                      <a:r>
+                        <a:rPr lang="es-AR" sz="1900" dirty="0" smtClean="0"/>
+                        <a:t>Continuar Arquitectura</a:t>
+                      </a:r>
+                      <a:r>
+                        <a:rPr lang="es-AR" sz="1900" baseline="0" dirty="0" smtClean="0"/>
+                        <a:t> del Sistema.</a:t>
+                      </a:r>
+                      <a:endParaRPr lang="es-AR" sz="1900" dirty="0"/>
+                    </a:p>
+                  </a:txBody>
+                  <a:tcPr marL="97523" marR="97523" marT="48761" marB="48761"/>
                 </a:tc>
                 <a:tc>
                   <a:txBody>
@@ -11612,12 +11493,12 @@
                         <a:defRPr/>
                       </a:pPr>
                       <a:r>
-                        <a:rPr lang="es-AR" dirty="0" smtClean="0"/>
+                        <a:rPr lang="es-AR" sz="1900" dirty="0" smtClean="0"/>
                         <a:t>01-Sep</a:t>
                       </a:r>
                     </a:p>
                   </a:txBody>
-                  <a:tcPr/>
+                  <a:tcPr marL="97523" marR="97523" marT="48761" marB="48761"/>
                 </a:tc>
                 <a:tc>
                   <a:txBody>
@@ -11642,12 +11523,12 @@
                         <a:defRPr/>
                       </a:pPr>
                       <a:r>
-                        <a:rPr lang="es-AR" dirty="0" smtClean="0"/>
+                        <a:rPr lang="es-AR" sz="1900" dirty="0" smtClean="0"/>
                         <a:t>16-Sep</a:t>
                       </a:r>
                     </a:p>
                   </a:txBody>
-                  <a:tcPr/>
+                  <a:tcPr marL="97523" marR="97523" marT="48761" marB="48761"/>
                 </a:tc>
                 <a:tc>
                   <a:txBody>
@@ -11656,16 +11537,16 @@
                     <a:p>
                       <a:pPr algn="ctr"/>
                       <a:r>
-                        <a:rPr lang="es-AR" dirty="0" smtClean="0"/>
+                        <a:rPr lang="es-AR" sz="1900" dirty="0" smtClean="0"/>
                         <a:t>Media</a:t>
                       </a:r>
-                      <a:endParaRPr lang="es-AR" dirty="0"/>
-                    </a:p>
-                  </a:txBody>
-                  <a:tcPr/>
+                      <a:endParaRPr lang="es-AR" sz="1900" dirty="0"/>
+                    </a:p>
+                  </a:txBody>
+                  <a:tcPr marL="97523" marR="97523" marT="48761" marB="48761"/>
                 </a:tc>
               </a:tr>
-              <a:tr h="483600">
+              <a:tr h="515769">
                 <a:tc>
                   <a:txBody>
                     <a:bodyPr/>
@@ -11689,17 +11570,12 @@
                         <a:defRPr/>
                       </a:pPr>
                       <a:r>
-                        <a:rPr lang="es-AR" dirty="0" smtClean="0"/>
-                        <a:t>Modificar</a:t>
-                      </a:r>
-                      <a:r>
-                        <a:rPr lang="es-AR" baseline="0" dirty="0" smtClean="0"/>
-                        <a:t> base de datos.</a:t>
-                      </a:r>
-                      <a:endParaRPr lang="es-AR" dirty="0" smtClean="0"/>
-                    </a:p>
-                  </a:txBody>
-                  <a:tcPr/>
+                        <a:rPr lang="es-AR" sz="1900" dirty="0" smtClean="0"/>
+                        <a:t>Continuar Plan de Pruebas.</a:t>
+                      </a:r>
+                    </a:p>
+                  </a:txBody>
+                  <a:tcPr marL="97523" marR="97523" marT="48761" marB="48761"/>
                 </a:tc>
                 <a:tc>
                   <a:txBody>
@@ -11724,12 +11600,12 @@
                         <a:defRPr/>
                       </a:pPr>
                       <a:r>
-                        <a:rPr lang="es-AR" dirty="0" smtClean="0"/>
+                        <a:rPr lang="es-AR" sz="1900" dirty="0" smtClean="0"/>
                         <a:t>01-Sep</a:t>
                       </a:r>
                     </a:p>
                   </a:txBody>
-                  <a:tcPr/>
+                  <a:tcPr marL="97523" marR="97523" marT="48761" marB="48761"/>
                 </a:tc>
                 <a:tc>
                   <a:txBody>
@@ -11754,12 +11630,12 @@
                         <a:defRPr/>
                       </a:pPr>
                       <a:r>
-                        <a:rPr lang="es-AR" dirty="0" smtClean="0"/>
+                        <a:rPr lang="es-AR" sz="1900" dirty="0" smtClean="0"/>
                         <a:t>16-Sep</a:t>
                       </a:r>
                     </a:p>
                   </a:txBody>
-                  <a:tcPr/>
+                  <a:tcPr marL="97523" marR="97523" marT="48761" marB="48761"/>
                 </a:tc>
                 <a:tc>
                   <a:txBody>
@@ -11768,16 +11644,16 @@
                     <a:p>
                       <a:pPr algn="ctr"/>
                       <a:r>
-                        <a:rPr lang="es-AR" dirty="0" smtClean="0"/>
-                        <a:t>Media</a:t>
-                      </a:r>
-                      <a:endParaRPr lang="es-AR" dirty="0"/>
-                    </a:p>
-                  </a:txBody>
-                  <a:tcPr/>
+                        <a:rPr lang="es-AR" sz="1900" dirty="0" smtClean="0"/>
+                        <a:t>Baja</a:t>
+                      </a:r>
+                      <a:endParaRPr lang="es-AR" sz="1900" dirty="0"/>
+                    </a:p>
+                  </a:txBody>
+                  <a:tcPr marL="97523" marR="97523" marT="48761" marB="48761"/>
                 </a:tc>
               </a:tr>
-              <a:tr h="483600">
+              <a:tr h="515769">
                 <a:tc>
                   <a:txBody>
                     <a:bodyPr/>
@@ -11801,17 +11677,17 @@
                         <a:defRPr/>
                       </a:pPr>
                       <a:r>
-                        <a:rPr lang="es-AR" dirty="0" smtClean="0"/>
-                        <a:t>Continuar Modelo</a:t>
-                      </a:r>
-                      <a:r>
-                        <a:rPr lang="es-AR" baseline="0" dirty="0" smtClean="0"/>
-                        <a:t> de Diseño.</a:t>
-                      </a:r>
-                      <a:endParaRPr lang="es-AR" dirty="0" smtClean="0"/>
-                    </a:p>
-                  </a:txBody>
-                  <a:tcPr/>
+                        <a:rPr lang="es-AR" sz="1900" dirty="0" smtClean="0"/>
+                        <a:t>Finalizar CU04 – Buscar</a:t>
+                      </a:r>
+                      <a:r>
+                        <a:rPr lang="es-AR" sz="1900" baseline="0" dirty="0" smtClean="0"/>
+                        <a:t> horario de cursada (APP)</a:t>
+                      </a:r>
+                      <a:endParaRPr lang="es-AR" sz="1900" dirty="0" smtClean="0"/>
+                    </a:p>
+                  </a:txBody>
+                  <a:tcPr marL="97523" marR="97523" marT="48761" marB="48761"/>
                 </a:tc>
                 <a:tc>
                   <a:txBody>
@@ -11836,12 +11712,12 @@
                         <a:defRPr/>
                       </a:pPr>
                       <a:r>
-                        <a:rPr lang="es-AR" dirty="0" smtClean="0"/>
+                        <a:rPr lang="es-AR" sz="1900" dirty="0" smtClean="0"/>
                         <a:t>01-Sep</a:t>
                       </a:r>
                     </a:p>
                   </a:txBody>
-                  <a:tcPr/>
+                  <a:tcPr marL="97523" marR="97523" marT="48761" marB="48761"/>
                 </a:tc>
                 <a:tc>
                   <a:txBody>
@@ -11866,12 +11742,12 @@
                         <a:defRPr/>
                       </a:pPr>
                       <a:r>
-                        <a:rPr lang="es-AR" dirty="0" smtClean="0"/>
+                        <a:rPr lang="es-AR" sz="1900" dirty="0" smtClean="0"/>
                         <a:t>16-Sep</a:t>
                       </a:r>
                     </a:p>
                   </a:txBody>
-                  <a:tcPr/>
+                  <a:tcPr marL="97523" marR="97523" marT="48761" marB="48761"/>
                 </a:tc>
                 <a:tc>
                   <a:txBody>
@@ -11880,16 +11756,16 @@
                     <a:p>
                       <a:pPr algn="ctr"/>
                       <a:r>
-                        <a:rPr lang="es-AR" dirty="0" smtClean="0"/>
-                        <a:t>Media</a:t>
-                      </a:r>
-                      <a:endParaRPr lang="es-AR" dirty="0"/>
-                    </a:p>
-                  </a:txBody>
-                  <a:tcPr/>
+                        <a:rPr lang="es-AR" sz="1900" dirty="0" smtClean="0"/>
+                        <a:t>Alta</a:t>
+                      </a:r>
+                      <a:endParaRPr lang="es-AR" sz="1900" dirty="0"/>
+                    </a:p>
+                  </a:txBody>
+                  <a:tcPr marL="97523" marR="97523" marT="48761" marB="48761"/>
                 </a:tc>
               </a:tr>
-              <a:tr h="483600">
+              <a:tr h="515769">
                 <a:tc>
                   <a:txBody>
                     <a:bodyPr/>
@@ -11913,17 +11789,17 @@
                         <a:defRPr/>
                       </a:pPr>
                       <a:r>
-                        <a:rPr lang="es-AR" dirty="0" smtClean="0"/>
-                        <a:t>Implementar modificación</a:t>
-                      </a:r>
-                      <a:r>
-                        <a:rPr lang="es-AR" baseline="0" dirty="0" smtClean="0"/>
-                        <a:t> CU06 – Modificar horario de cursada.</a:t>
-                      </a:r>
-                      <a:endParaRPr lang="es-AR" dirty="0" smtClean="0"/>
-                    </a:p>
-                  </a:txBody>
-                  <a:tcPr/>
+                        <a:rPr lang="es-AR" sz="1900" dirty="0" smtClean="0"/>
+                        <a:t>Implementar</a:t>
+                      </a:r>
+                      <a:r>
+                        <a:rPr lang="es-AR" sz="1900" baseline="0" dirty="0" smtClean="0"/>
+                        <a:t> CU10 – Notificar.</a:t>
+                      </a:r>
+                      <a:endParaRPr lang="es-AR" sz="1900" dirty="0" smtClean="0"/>
+                    </a:p>
+                  </a:txBody>
+                  <a:tcPr marL="97523" marR="97523" marT="48761" marB="48761"/>
                 </a:tc>
                 <a:tc>
                   <a:txBody>
@@ -11948,12 +11824,12 @@
                         <a:defRPr/>
                       </a:pPr>
                       <a:r>
-                        <a:rPr lang="es-AR" dirty="0" smtClean="0"/>
+                        <a:rPr lang="es-AR" sz="1900" dirty="0" smtClean="0"/>
                         <a:t>01-Sep</a:t>
                       </a:r>
                     </a:p>
                   </a:txBody>
-                  <a:tcPr/>
+                  <a:tcPr marL="97523" marR="97523" marT="48761" marB="48761"/>
                 </a:tc>
                 <a:tc>
                   <a:txBody>
@@ -11978,12 +11854,12 @@
                         <a:defRPr/>
                       </a:pPr>
                       <a:r>
-                        <a:rPr lang="es-AR" dirty="0" smtClean="0"/>
+                        <a:rPr lang="es-AR" sz="1900" dirty="0" smtClean="0"/>
                         <a:t>16-Sep</a:t>
                       </a:r>
                     </a:p>
                   </a:txBody>
-                  <a:tcPr/>
+                  <a:tcPr marL="97523" marR="97523" marT="48761" marB="48761"/>
                 </a:tc>
                 <a:tc>
                   <a:txBody>
@@ -11992,232 +11868,13 @@
                     <a:p>
                       <a:pPr algn="ctr"/>
                       <a:r>
-                        <a:rPr lang="es-AR" dirty="0" smtClean="0"/>
+                        <a:rPr lang="es-AR" sz="1900" dirty="0" smtClean="0"/>
                         <a:t>Alta</a:t>
                       </a:r>
-                      <a:endParaRPr lang="es-AR" dirty="0"/>
-                    </a:p>
-                  </a:txBody>
-                  <a:tcPr/>
-                </a:tc>
-              </a:tr>
-              <a:tr h="483600">
-                <a:tc>
-                  <a:txBody>
-                    <a:bodyPr/>
-                    <a:lstStyle/>
-                    <a:p>
-                      <a:pPr marL="0" marR="0" lvl="0" indent="0" algn="l" defTabSz="914400" rtl="0" eaLnBrk="1" fontAlgn="auto" latinLnBrk="0" hangingPunct="1">
-                        <a:lnSpc>
-                          <a:spcPct val="100000"/>
-                        </a:lnSpc>
-                        <a:spcBef>
-                          <a:spcPts val="0"/>
-                        </a:spcBef>
-                        <a:spcAft>
-                          <a:spcPts val="0"/>
-                        </a:spcAft>
-                        <a:buClrTx/>
-                        <a:buSzTx/>
-                        <a:buFontTx/>
-                        <a:buNone/>
-                        <a:tabLst/>
-                        <a:defRPr/>
-                      </a:pPr>
-                      <a:r>
-                        <a:rPr lang="es-AR" dirty="0" smtClean="0"/>
-                        <a:t>Implementar modificación CU07 – Modificar mesa</a:t>
-                      </a:r>
-                      <a:r>
-                        <a:rPr lang="es-AR" baseline="0" dirty="0" smtClean="0"/>
-                        <a:t> de examen.</a:t>
-                      </a:r>
-                      <a:endParaRPr lang="es-AR" dirty="0" smtClean="0"/>
-                    </a:p>
-                  </a:txBody>
-                  <a:tcPr/>
-                </a:tc>
-                <a:tc>
-                  <a:txBody>
-                    <a:bodyPr/>
-                    <a:lstStyle/>
-                    <a:p>
-                      <a:pPr marL="0" marR="0" lvl="0" indent="0" algn="ctr" defTabSz="914400" rtl="0" eaLnBrk="1" fontAlgn="auto" latinLnBrk="0" hangingPunct="1">
-                        <a:lnSpc>
-                          <a:spcPct val="100000"/>
-                        </a:lnSpc>
-                        <a:spcBef>
-                          <a:spcPts val="0"/>
-                        </a:spcBef>
-                        <a:spcAft>
-                          <a:spcPts val="0"/>
-                        </a:spcAft>
-                        <a:buClrTx/>
-                        <a:buSzTx/>
-                        <a:buFontTx/>
-                        <a:buNone/>
-                        <a:tabLst/>
-                        <a:defRPr/>
-                      </a:pPr>
-                      <a:r>
-                        <a:rPr lang="es-AR" dirty="0" smtClean="0"/>
-                        <a:t>01-Sep</a:t>
-                      </a:r>
-                    </a:p>
-                  </a:txBody>
-                  <a:tcPr/>
-                </a:tc>
-                <a:tc>
-                  <a:txBody>
-                    <a:bodyPr/>
-                    <a:lstStyle/>
-                    <a:p>
-                      <a:pPr marL="0" marR="0" lvl="0" indent="0" algn="ctr" defTabSz="914400" rtl="0" eaLnBrk="1" fontAlgn="auto" latinLnBrk="0" hangingPunct="1">
-                        <a:lnSpc>
-                          <a:spcPct val="100000"/>
-                        </a:lnSpc>
-                        <a:spcBef>
-                          <a:spcPts val="0"/>
-                        </a:spcBef>
-                        <a:spcAft>
-                          <a:spcPts val="0"/>
-                        </a:spcAft>
-                        <a:buClrTx/>
-                        <a:buSzTx/>
-                        <a:buFontTx/>
-                        <a:buNone/>
-                        <a:tabLst/>
-                        <a:defRPr/>
-                      </a:pPr>
-                      <a:r>
-                        <a:rPr lang="es-AR" dirty="0" smtClean="0"/>
-                        <a:t>16-Sep</a:t>
-                      </a:r>
-                    </a:p>
-                  </a:txBody>
-                  <a:tcPr/>
-                </a:tc>
-                <a:tc>
-                  <a:txBody>
-                    <a:bodyPr/>
-                    <a:lstStyle/>
-                    <a:p>
-                      <a:pPr algn="ctr"/>
-                      <a:r>
-                        <a:rPr lang="es-AR" dirty="0" smtClean="0"/>
-                        <a:t>Alta</a:t>
-                      </a:r>
-                      <a:endParaRPr lang="es-AR" dirty="0"/>
-                    </a:p>
-                  </a:txBody>
-                  <a:tcPr/>
-                </a:tc>
-              </a:tr>
-              <a:tr h="483600">
-                <a:tc>
-                  <a:txBody>
-                    <a:bodyPr/>
-                    <a:lstStyle/>
-                    <a:p>
-                      <a:pPr marL="0" marR="0" lvl="0" indent="0" algn="l" defTabSz="914400" rtl="0" eaLnBrk="1" fontAlgn="auto" latinLnBrk="0" hangingPunct="1">
-                        <a:lnSpc>
-                          <a:spcPct val="100000"/>
-                        </a:lnSpc>
-                        <a:spcBef>
-                          <a:spcPts val="0"/>
-                        </a:spcBef>
-                        <a:spcAft>
-                          <a:spcPts val="0"/>
-                        </a:spcAft>
-                        <a:buClrTx/>
-                        <a:buSzTx/>
-                        <a:buFontTx/>
-                        <a:buNone/>
-                        <a:tabLst/>
-                        <a:defRPr/>
-                      </a:pPr>
-                      <a:r>
-                        <a:rPr lang="es-AR" dirty="0" smtClean="0"/>
-                        <a:t>Planificar nueva iteración.</a:t>
-                      </a:r>
-                    </a:p>
-                  </a:txBody>
-                  <a:tcPr/>
-                </a:tc>
-                <a:tc>
-                  <a:txBody>
-                    <a:bodyPr/>
-                    <a:lstStyle/>
-                    <a:p>
-                      <a:pPr marL="0" marR="0" lvl="0" indent="0" algn="ctr" defTabSz="914400" rtl="0" eaLnBrk="1" fontAlgn="auto" latinLnBrk="0" hangingPunct="1">
-                        <a:lnSpc>
-                          <a:spcPct val="100000"/>
-                        </a:lnSpc>
-                        <a:spcBef>
-                          <a:spcPts val="0"/>
-                        </a:spcBef>
-                        <a:spcAft>
-                          <a:spcPts val="0"/>
-                        </a:spcAft>
-                        <a:buClrTx/>
-                        <a:buSzTx/>
-                        <a:buFontTx/>
-                        <a:buNone/>
-                        <a:tabLst/>
-                        <a:defRPr/>
-                      </a:pPr>
-                      <a:r>
-                        <a:rPr lang="es-AR" dirty="0" smtClean="0"/>
-                        <a:t>15-Sep</a:t>
-                      </a:r>
-                    </a:p>
-                  </a:txBody>
-                  <a:tcPr/>
-                </a:tc>
-                <a:tc>
-                  <a:txBody>
-                    <a:bodyPr/>
-                    <a:lstStyle/>
-                    <a:p>
-                      <a:pPr marL="0" marR="0" lvl="0" indent="0" algn="ctr" defTabSz="914400" rtl="0" eaLnBrk="1" fontAlgn="auto" latinLnBrk="0" hangingPunct="1">
-                        <a:lnSpc>
-                          <a:spcPct val="100000"/>
-                        </a:lnSpc>
-                        <a:spcBef>
-                          <a:spcPts val="0"/>
-                        </a:spcBef>
-                        <a:spcAft>
-                          <a:spcPts val="0"/>
-                        </a:spcAft>
-                        <a:buClrTx/>
-                        <a:buSzTx/>
-                        <a:buFontTx/>
-                        <a:buNone/>
-                        <a:tabLst/>
-                        <a:defRPr/>
-                      </a:pPr>
-                      <a:r>
-                        <a:rPr lang="es-AR" dirty="0" smtClean="0"/>
-                        <a:t>16-Sep</a:t>
-                      </a:r>
-                    </a:p>
-                  </a:txBody>
-                  <a:tcPr/>
-                </a:tc>
-                <a:tc>
-                  <a:txBody>
-                    <a:bodyPr/>
-                    <a:lstStyle/>
-                    <a:p>
-                      <a:pPr algn="ctr"/>
-                      <a:r>
-                        <a:rPr lang="es-AR" dirty="0" smtClean="0"/>
-                        <a:t>Baja</a:t>
-                      </a:r>
-                      <a:endParaRPr lang="es-AR" dirty="0"/>
-                    </a:p>
-                  </a:txBody>
-                  <a:tcPr/>
+                      <a:endParaRPr lang="es-AR" sz="1900" dirty="0"/>
+                    </a:p>
+                  </a:txBody>
+                  <a:tcPr marL="97523" marR="97523" marT="48761" marB="48761"/>
                 </a:tc>
               </a:tr>
             </a:tbl>
@@ -12236,7 +11893,7 @@
         </p:nvSpPr>
         <p:spPr>
           <a:xfrm>
-            <a:off x="172841" y="1494580"/>
+            <a:off x="168970" y="1544452"/>
             <a:ext cx="11847838" cy="509538"/>
           </a:xfrm>
         </p:spPr>
@@ -12257,7 +11914,7 @@
             </a:pPr>
             <a:r>
               <a:rPr lang="es-AR" dirty="0" smtClean="0"/>
-              <a:t>Márquez Emanuel</a:t>
+              <a:t>Quiroga Sandra</a:t>
             </a:r>
           </a:p>
         </p:txBody>
@@ -12265,7 +11922,7 @@
     </p:spTree>
     <p:extLst>
       <p:ext uri="{BB962C8B-B14F-4D97-AF65-F5344CB8AC3E}">
-        <p14:creationId xmlns:p14="http://schemas.microsoft.com/office/powerpoint/2010/main" val="1484177780"/>
+        <p14:creationId xmlns:p14="http://schemas.microsoft.com/office/powerpoint/2010/main" val="1535279991"/>
       </p:ext>
     </p:extLst>
   </p:cSld>
@@ -12328,7 +11985,7 @@
           <a:p>
             <a:r>
               <a:rPr lang="es-AR" dirty="0" smtClean="0"/>
-              <a:t>Fin de presentación</a:t>
+              <a:t>Planificación Iteración 4</a:t>
             </a:r>
             <a:endParaRPr lang="es-AR" dirty="0"/>
           </a:p>
@@ -12376,6 +12033,1089 @@
               <a:rPr lang="es-AR" smtClean="0"/>
               <a:pPr/>
               <a:t>17</a:t>
+            </a:fld>
+            <a:endParaRPr lang="es-AR" dirty="0"/>
+          </a:p>
+        </p:txBody>
+      </p:sp>
+      <p:graphicFrame>
+        <p:nvGraphicFramePr>
+          <p:cNvPr id="7" name="Tabla 6"/>
+          <p:cNvGraphicFramePr>
+            <a:graphicFrameLocks noGrp="1"/>
+          </p:cNvGraphicFramePr>
+          <p:nvPr>
+            <p:extLst>
+              <p:ext uri="{D42A27DB-BD31-4B8C-83A1-F6EECF244321}">
+                <p14:modId xmlns:p14="http://schemas.microsoft.com/office/powerpoint/2010/main" val="1344923249"/>
+              </p:ext>
+            </p:extLst>
+          </p:nvPr>
+        </p:nvGraphicFramePr>
+        <p:xfrm>
+          <a:off x="634620" y="2004118"/>
+          <a:ext cx="11013743" cy="4352400"/>
+        </p:xfrm>
+        <a:graphic>
+          <a:graphicData uri="http://schemas.openxmlformats.org/drawingml/2006/table">
+            <a:tbl>
+              <a:tblPr firstRow="1" bandRow="1">
+                <a:tableStyleId>{6E25E649-3F16-4E02-A733-19D2CDBF48F0}</a:tableStyleId>
+              </a:tblPr>
+              <a:tblGrid>
+                <a:gridCol w="6453366"/>
+                <a:gridCol w="1491444"/>
+                <a:gridCol w="1204628"/>
+                <a:gridCol w="1864305"/>
+              </a:tblGrid>
+              <a:tr h="483600">
+                <a:tc>
+                  <a:txBody>
+                    <a:bodyPr/>
+                    <a:lstStyle/>
+                    <a:p>
+                      <a:pPr algn="ctr"/>
+                      <a:r>
+                        <a:rPr lang="es-AR" dirty="0" smtClean="0">
+                          <a:solidFill>
+                            <a:schemeClr val="bg1"/>
+                          </a:solidFill>
+                        </a:rPr>
+                        <a:t>Nombre de la tarea</a:t>
+                      </a:r>
+                      <a:endParaRPr lang="es-AR" dirty="0">
+                        <a:solidFill>
+                          <a:schemeClr val="bg1"/>
+                        </a:solidFill>
+                      </a:endParaRPr>
+                    </a:p>
+                  </a:txBody>
+                  <a:tcPr/>
+                </a:tc>
+                <a:tc>
+                  <a:txBody>
+                    <a:bodyPr/>
+                    <a:lstStyle/>
+                    <a:p>
+                      <a:pPr algn="ctr"/>
+                      <a:r>
+                        <a:rPr lang="es-AR" dirty="0" smtClean="0">
+                          <a:solidFill>
+                            <a:schemeClr val="bg1"/>
+                          </a:solidFill>
+                        </a:rPr>
+                        <a:t>Inicio</a:t>
+                      </a:r>
+                      <a:endParaRPr lang="es-AR" dirty="0">
+                        <a:solidFill>
+                          <a:schemeClr val="bg1"/>
+                        </a:solidFill>
+                      </a:endParaRPr>
+                    </a:p>
+                  </a:txBody>
+                  <a:tcPr/>
+                </a:tc>
+                <a:tc>
+                  <a:txBody>
+                    <a:bodyPr/>
+                    <a:lstStyle/>
+                    <a:p>
+                      <a:pPr algn="ctr"/>
+                      <a:r>
+                        <a:rPr lang="es-AR" dirty="0" smtClean="0">
+                          <a:solidFill>
+                            <a:schemeClr val="bg1"/>
+                          </a:solidFill>
+                        </a:rPr>
+                        <a:t>Fin</a:t>
+                      </a:r>
+                      <a:endParaRPr lang="es-AR" dirty="0">
+                        <a:solidFill>
+                          <a:schemeClr val="bg1"/>
+                        </a:solidFill>
+                      </a:endParaRPr>
+                    </a:p>
+                  </a:txBody>
+                  <a:tcPr/>
+                </a:tc>
+                <a:tc>
+                  <a:txBody>
+                    <a:bodyPr/>
+                    <a:lstStyle/>
+                    <a:p>
+                      <a:pPr algn="ctr"/>
+                      <a:r>
+                        <a:rPr lang="es-AR" dirty="0" smtClean="0">
+                          <a:solidFill>
+                            <a:schemeClr val="bg1"/>
+                          </a:solidFill>
+                        </a:rPr>
+                        <a:t>Prioridad</a:t>
+                      </a:r>
+                      <a:endParaRPr lang="es-AR" dirty="0">
+                        <a:solidFill>
+                          <a:schemeClr val="bg1"/>
+                        </a:solidFill>
+                      </a:endParaRPr>
+                    </a:p>
+                  </a:txBody>
+                  <a:tcPr/>
+                </a:tc>
+              </a:tr>
+              <a:tr h="483600">
+                <a:tc>
+                  <a:txBody>
+                    <a:bodyPr/>
+                    <a:lstStyle/>
+                    <a:p>
+                      <a:r>
+                        <a:rPr lang="es-AR" dirty="0" smtClean="0"/>
+                        <a:t>Modificar CU06 – Modificar horario de cursada.</a:t>
+                      </a:r>
+                      <a:endParaRPr lang="es-AR" dirty="0"/>
+                    </a:p>
+                  </a:txBody>
+                  <a:tcPr/>
+                </a:tc>
+                <a:tc>
+                  <a:txBody>
+                    <a:bodyPr/>
+                    <a:lstStyle/>
+                    <a:p>
+                      <a:pPr algn="ctr"/>
+                      <a:r>
+                        <a:rPr lang="es-AR" dirty="0" smtClean="0"/>
+                        <a:t>01-Sep</a:t>
+                      </a:r>
+                      <a:endParaRPr lang="es-AR" dirty="0"/>
+                    </a:p>
+                  </a:txBody>
+                  <a:tcPr/>
+                </a:tc>
+                <a:tc>
+                  <a:txBody>
+                    <a:bodyPr/>
+                    <a:lstStyle/>
+                    <a:p>
+                      <a:pPr algn="ctr"/>
+                      <a:r>
+                        <a:rPr lang="es-AR" dirty="0" smtClean="0"/>
+                        <a:t>16-Sep</a:t>
+                      </a:r>
+                      <a:endParaRPr lang="es-AR" dirty="0"/>
+                    </a:p>
+                  </a:txBody>
+                  <a:tcPr/>
+                </a:tc>
+                <a:tc>
+                  <a:txBody>
+                    <a:bodyPr/>
+                    <a:lstStyle/>
+                    <a:p>
+                      <a:pPr algn="ctr"/>
+                      <a:r>
+                        <a:rPr lang="es-AR" dirty="0" smtClean="0"/>
+                        <a:t>Media</a:t>
+                      </a:r>
+                      <a:endParaRPr lang="es-AR" dirty="0"/>
+                    </a:p>
+                  </a:txBody>
+                  <a:tcPr/>
+                </a:tc>
+              </a:tr>
+              <a:tr h="483600">
+                <a:tc>
+                  <a:txBody>
+                    <a:bodyPr/>
+                    <a:lstStyle/>
+                    <a:p>
+                      <a:r>
+                        <a:rPr lang="es-AR" dirty="0" smtClean="0"/>
+                        <a:t>Modificar CU07 – Modificar mesa de examen.</a:t>
+                      </a:r>
+                      <a:endParaRPr lang="es-AR" dirty="0"/>
+                    </a:p>
+                  </a:txBody>
+                  <a:tcPr/>
+                </a:tc>
+                <a:tc>
+                  <a:txBody>
+                    <a:bodyPr/>
+                    <a:lstStyle/>
+                    <a:p>
+                      <a:pPr marL="0" marR="0" lvl="0" indent="0" algn="ctr" defTabSz="914400" rtl="0" eaLnBrk="1" fontAlgn="auto" latinLnBrk="0" hangingPunct="1">
+                        <a:lnSpc>
+                          <a:spcPct val="100000"/>
+                        </a:lnSpc>
+                        <a:spcBef>
+                          <a:spcPts val="0"/>
+                        </a:spcBef>
+                        <a:spcAft>
+                          <a:spcPts val="0"/>
+                        </a:spcAft>
+                        <a:buClrTx/>
+                        <a:buSzTx/>
+                        <a:buFontTx/>
+                        <a:buNone/>
+                        <a:tabLst/>
+                        <a:defRPr/>
+                      </a:pPr>
+                      <a:r>
+                        <a:rPr lang="es-AR" dirty="0" smtClean="0"/>
+                        <a:t>01-Sep</a:t>
+                      </a:r>
+                    </a:p>
+                  </a:txBody>
+                  <a:tcPr/>
+                </a:tc>
+                <a:tc>
+                  <a:txBody>
+                    <a:bodyPr/>
+                    <a:lstStyle/>
+                    <a:p>
+                      <a:pPr marL="0" marR="0" lvl="0" indent="0" algn="ctr" defTabSz="914400" rtl="0" eaLnBrk="1" fontAlgn="auto" latinLnBrk="0" hangingPunct="1">
+                        <a:lnSpc>
+                          <a:spcPct val="100000"/>
+                        </a:lnSpc>
+                        <a:spcBef>
+                          <a:spcPts val="0"/>
+                        </a:spcBef>
+                        <a:spcAft>
+                          <a:spcPts val="0"/>
+                        </a:spcAft>
+                        <a:buClrTx/>
+                        <a:buSzTx/>
+                        <a:buFontTx/>
+                        <a:buNone/>
+                        <a:tabLst/>
+                        <a:defRPr/>
+                      </a:pPr>
+                      <a:r>
+                        <a:rPr lang="es-AR" dirty="0" smtClean="0"/>
+                        <a:t>16-Sep</a:t>
+                      </a:r>
+                    </a:p>
+                  </a:txBody>
+                  <a:tcPr/>
+                </a:tc>
+                <a:tc>
+                  <a:txBody>
+                    <a:bodyPr/>
+                    <a:lstStyle/>
+                    <a:p>
+                      <a:pPr algn="ctr"/>
+                      <a:r>
+                        <a:rPr lang="es-AR" dirty="0" smtClean="0"/>
+                        <a:t>Media</a:t>
+                      </a:r>
+                      <a:endParaRPr lang="es-AR" dirty="0"/>
+                    </a:p>
+                  </a:txBody>
+                  <a:tcPr/>
+                </a:tc>
+              </a:tr>
+              <a:tr h="483600">
+                <a:tc>
+                  <a:txBody>
+                    <a:bodyPr/>
+                    <a:lstStyle/>
+                    <a:p>
+                      <a:r>
+                        <a:rPr lang="es-AR" dirty="0" smtClean="0"/>
+                        <a:t>Modificar Modelo de Datos.</a:t>
+                      </a:r>
+                      <a:endParaRPr lang="es-AR" dirty="0"/>
+                    </a:p>
+                  </a:txBody>
+                  <a:tcPr/>
+                </a:tc>
+                <a:tc>
+                  <a:txBody>
+                    <a:bodyPr/>
+                    <a:lstStyle/>
+                    <a:p>
+                      <a:pPr marL="0" marR="0" lvl="0" indent="0" algn="ctr" defTabSz="914400" rtl="0" eaLnBrk="1" fontAlgn="auto" latinLnBrk="0" hangingPunct="1">
+                        <a:lnSpc>
+                          <a:spcPct val="100000"/>
+                        </a:lnSpc>
+                        <a:spcBef>
+                          <a:spcPts val="0"/>
+                        </a:spcBef>
+                        <a:spcAft>
+                          <a:spcPts val="0"/>
+                        </a:spcAft>
+                        <a:buClrTx/>
+                        <a:buSzTx/>
+                        <a:buFontTx/>
+                        <a:buNone/>
+                        <a:tabLst/>
+                        <a:defRPr/>
+                      </a:pPr>
+                      <a:r>
+                        <a:rPr lang="es-AR" dirty="0" smtClean="0"/>
+                        <a:t>01-Sep</a:t>
+                      </a:r>
+                    </a:p>
+                  </a:txBody>
+                  <a:tcPr/>
+                </a:tc>
+                <a:tc>
+                  <a:txBody>
+                    <a:bodyPr/>
+                    <a:lstStyle/>
+                    <a:p>
+                      <a:pPr marL="0" marR="0" lvl="0" indent="0" algn="ctr" defTabSz="914400" rtl="0" eaLnBrk="1" fontAlgn="auto" latinLnBrk="0" hangingPunct="1">
+                        <a:lnSpc>
+                          <a:spcPct val="100000"/>
+                        </a:lnSpc>
+                        <a:spcBef>
+                          <a:spcPts val="0"/>
+                        </a:spcBef>
+                        <a:spcAft>
+                          <a:spcPts val="0"/>
+                        </a:spcAft>
+                        <a:buClrTx/>
+                        <a:buSzTx/>
+                        <a:buFontTx/>
+                        <a:buNone/>
+                        <a:tabLst/>
+                        <a:defRPr/>
+                      </a:pPr>
+                      <a:r>
+                        <a:rPr lang="es-AR" dirty="0" smtClean="0"/>
+                        <a:t>16-Sep</a:t>
+                      </a:r>
+                    </a:p>
+                  </a:txBody>
+                  <a:tcPr/>
+                </a:tc>
+                <a:tc>
+                  <a:txBody>
+                    <a:bodyPr/>
+                    <a:lstStyle/>
+                    <a:p>
+                      <a:pPr algn="ctr"/>
+                      <a:r>
+                        <a:rPr lang="es-AR" dirty="0" smtClean="0"/>
+                        <a:t>Media</a:t>
+                      </a:r>
+                      <a:endParaRPr lang="es-AR" dirty="0"/>
+                    </a:p>
+                  </a:txBody>
+                  <a:tcPr/>
+                </a:tc>
+              </a:tr>
+              <a:tr h="483600">
+                <a:tc>
+                  <a:txBody>
+                    <a:bodyPr/>
+                    <a:lstStyle/>
+                    <a:p>
+                      <a:pPr marL="0" marR="0" lvl="0" indent="0" algn="l" defTabSz="914400" rtl="0" eaLnBrk="1" fontAlgn="auto" latinLnBrk="0" hangingPunct="1">
+                        <a:lnSpc>
+                          <a:spcPct val="100000"/>
+                        </a:lnSpc>
+                        <a:spcBef>
+                          <a:spcPts val="0"/>
+                        </a:spcBef>
+                        <a:spcAft>
+                          <a:spcPts val="0"/>
+                        </a:spcAft>
+                        <a:buClrTx/>
+                        <a:buSzTx/>
+                        <a:buFontTx/>
+                        <a:buNone/>
+                        <a:tabLst/>
+                        <a:defRPr/>
+                      </a:pPr>
+                      <a:r>
+                        <a:rPr lang="es-AR" dirty="0" smtClean="0"/>
+                        <a:t>Modificar</a:t>
+                      </a:r>
+                      <a:r>
+                        <a:rPr lang="es-AR" baseline="0" dirty="0" smtClean="0"/>
+                        <a:t> base de datos.</a:t>
+                      </a:r>
+                      <a:endParaRPr lang="es-AR" dirty="0" smtClean="0"/>
+                    </a:p>
+                  </a:txBody>
+                  <a:tcPr/>
+                </a:tc>
+                <a:tc>
+                  <a:txBody>
+                    <a:bodyPr/>
+                    <a:lstStyle/>
+                    <a:p>
+                      <a:pPr marL="0" marR="0" lvl="0" indent="0" algn="ctr" defTabSz="914400" rtl="0" eaLnBrk="1" fontAlgn="auto" latinLnBrk="0" hangingPunct="1">
+                        <a:lnSpc>
+                          <a:spcPct val="100000"/>
+                        </a:lnSpc>
+                        <a:spcBef>
+                          <a:spcPts val="0"/>
+                        </a:spcBef>
+                        <a:spcAft>
+                          <a:spcPts val="0"/>
+                        </a:spcAft>
+                        <a:buClrTx/>
+                        <a:buSzTx/>
+                        <a:buFontTx/>
+                        <a:buNone/>
+                        <a:tabLst/>
+                        <a:defRPr/>
+                      </a:pPr>
+                      <a:r>
+                        <a:rPr lang="es-AR" dirty="0" smtClean="0"/>
+                        <a:t>01-Sep</a:t>
+                      </a:r>
+                    </a:p>
+                  </a:txBody>
+                  <a:tcPr/>
+                </a:tc>
+                <a:tc>
+                  <a:txBody>
+                    <a:bodyPr/>
+                    <a:lstStyle/>
+                    <a:p>
+                      <a:pPr marL="0" marR="0" lvl="0" indent="0" algn="ctr" defTabSz="914400" rtl="0" eaLnBrk="1" fontAlgn="auto" latinLnBrk="0" hangingPunct="1">
+                        <a:lnSpc>
+                          <a:spcPct val="100000"/>
+                        </a:lnSpc>
+                        <a:spcBef>
+                          <a:spcPts val="0"/>
+                        </a:spcBef>
+                        <a:spcAft>
+                          <a:spcPts val="0"/>
+                        </a:spcAft>
+                        <a:buClrTx/>
+                        <a:buSzTx/>
+                        <a:buFontTx/>
+                        <a:buNone/>
+                        <a:tabLst/>
+                        <a:defRPr/>
+                      </a:pPr>
+                      <a:r>
+                        <a:rPr lang="es-AR" dirty="0" smtClean="0"/>
+                        <a:t>16-Sep</a:t>
+                      </a:r>
+                    </a:p>
+                  </a:txBody>
+                  <a:tcPr/>
+                </a:tc>
+                <a:tc>
+                  <a:txBody>
+                    <a:bodyPr/>
+                    <a:lstStyle/>
+                    <a:p>
+                      <a:pPr algn="ctr"/>
+                      <a:r>
+                        <a:rPr lang="es-AR" dirty="0" smtClean="0"/>
+                        <a:t>Media</a:t>
+                      </a:r>
+                      <a:endParaRPr lang="es-AR" dirty="0"/>
+                    </a:p>
+                  </a:txBody>
+                  <a:tcPr/>
+                </a:tc>
+              </a:tr>
+              <a:tr h="483600">
+                <a:tc>
+                  <a:txBody>
+                    <a:bodyPr/>
+                    <a:lstStyle/>
+                    <a:p>
+                      <a:pPr marL="0" marR="0" lvl="0" indent="0" algn="l" defTabSz="914400" rtl="0" eaLnBrk="1" fontAlgn="auto" latinLnBrk="0" hangingPunct="1">
+                        <a:lnSpc>
+                          <a:spcPct val="100000"/>
+                        </a:lnSpc>
+                        <a:spcBef>
+                          <a:spcPts val="0"/>
+                        </a:spcBef>
+                        <a:spcAft>
+                          <a:spcPts val="0"/>
+                        </a:spcAft>
+                        <a:buClrTx/>
+                        <a:buSzTx/>
+                        <a:buFontTx/>
+                        <a:buNone/>
+                        <a:tabLst/>
+                        <a:defRPr/>
+                      </a:pPr>
+                      <a:r>
+                        <a:rPr lang="es-AR" dirty="0" smtClean="0"/>
+                        <a:t>Continuar Modelo</a:t>
+                      </a:r>
+                      <a:r>
+                        <a:rPr lang="es-AR" baseline="0" dirty="0" smtClean="0"/>
+                        <a:t> de Diseño.</a:t>
+                      </a:r>
+                      <a:endParaRPr lang="es-AR" dirty="0" smtClean="0"/>
+                    </a:p>
+                  </a:txBody>
+                  <a:tcPr/>
+                </a:tc>
+                <a:tc>
+                  <a:txBody>
+                    <a:bodyPr/>
+                    <a:lstStyle/>
+                    <a:p>
+                      <a:pPr marL="0" marR="0" lvl="0" indent="0" algn="ctr" defTabSz="914400" rtl="0" eaLnBrk="1" fontAlgn="auto" latinLnBrk="0" hangingPunct="1">
+                        <a:lnSpc>
+                          <a:spcPct val="100000"/>
+                        </a:lnSpc>
+                        <a:spcBef>
+                          <a:spcPts val="0"/>
+                        </a:spcBef>
+                        <a:spcAft>
+                          <a:spcPts val="0"/>
+                        </a:spcAft>
+                        <a:buClrTx/>
+                        <a:buSzTx/>
+                        <a:buFontTx/>
+                        <a:buNone/>
+                        <a:tabLst/>
+                        <a:defRPr/>
+                      </a:pPr>
+                      <a:r>
+                        <a:rPr lang="es-AR" dirty="0" smtClean="0"/>
+                        <a:t>01-Sep</a:t>
+                      </a:r>
+                    </a:p>
+                  </a:txBody>
+                  <a:tcPr/>
+                </a:tc>
+                <a:tc>
+                  <a:txBody>
+                    <a:bodyPr/>
+                    <a:lstStyle/>
+                    <a:p>
+                      <a:pPr marL="0" marR="0" lvl="0" indent="0" algn="ctr" defTabSz="914400" rtl="0" eaLnBrk="1" fontAlgn="auto" latinLnBrk="0" hangingPunct="1">
+                        <a:lnSpc>
+                          <a:spcPct val="100000"/>
+                        </a:lnSpc>
+                        <a:spcBef>
+                          <a:spcPts val="0"/>
+                        </a:spcBef>
+                        <a:spcAft>
+                          <a:spcPts val="0"/>
+                        </a:spcAft>
+                        <a:buClrTx/>
+                        <a:buSzTx/>
+                        <a:buFontTx/>
+                        <a:buNone/>
+                        <a:tabLst/>
+                        <a:defRPr/>
+                      </a:pPr>
+                      <a:r>
+                        <a:rPr lang="es-AR" dirty="0" smtClean="0"/>
+                        <a:t>16-Sep</a:t>
+                      </a:r>
+                    </a:p>
+                  </a:txBody>
+                  <a:tcPr/>
+                </a:tc>
+                <a:tc>
+                  <a:txBody>
+                    <a:bodyPr/>
+                    <a:lstStyle/>
+                    <a:p>
+                      <a:pPr algn="ctr"/>
+                      <a:r>
+                        <a:rPr lang="es-AR" dirty="0" smtClean="0"/>
+                        <a:t>Media</a:t>
+                      </a:r>
+                      <a:endParaRPr lang="es-AR" dirty="0"/>
+                    </a:p>
+                  </a:txBody>
+                  <a:tcPr/>
+                </a:tc>
+              </a:tr>
+              <a:tr h="483600">
+                <a:tc>
+                  <a:txBody>
+                    <a:bodyPr/>
+                    <a:lstStyle/>
+                    <a:p>
+                      <a:pPr marL="0" marR="0" lvl="0" indent="0" algn="l" defTabSz="914400" rtl="0" eaLnBrk="1" fontAlgn="auto" latinLnBrk="0" hangingPunct="1">
+                        <a:lnSpc>
+                          <a:spcPct val="100000"/>
+                        </a:lnSpc>
+                        <a:spcBef>
+                          <a:spcPts val="0"/>
+                        </a:spcBef>
+                        <a:spcAft>
+                          <a:spcPts val="0"/>
+                        </a:spcAft>
+                        <a:buClrTx/>
+                        <a:buSzTx/>
+                        <a:buFontTx/>
+                        <a:buNone/>
+                        <a:tabLst/>
+                        <a:defRPr/>
+                      </a:pPr>
+                      <a:r>
+                        <a:rPr lang="es-AR" dirty="0" smtClean="0"/>
+                        <a:t>Implementar modificación</a:t>
+                      </a:r>
+                      <a:r>
+                        <a:rPr lang="es-AR" baseline="0" dirty="0" smtClean="0"/>
+                        <a:t> CU06 – Modificar horario de cursada.</a:t>
+                      </a:r>
+                      <a:endParaRPr lang="es-AR" dirty="0" smtClean="0"/>
+                    </a:p>
+                  </a:txBody>
+                  <a:tcPr/>
+                </a:tc>
+                <a:tc>
+                  <a:txBody>
+                    <a:bodyPr/>
+                    <a:lstStyle/>
+                    <a:p>
+                      <a:pPr marL="0" marR="0" lvl="0" indent="0" algn="ctr" defTabSz="914400" rtl="0" eaLnBrk="1" fontAlgn="auto" latinLnBrk="0" hangingPunct="1">
+                        <a:lnSpc>
+                          <a:spcPct val="100000"/>
+                        </a:lnSpc>
+                        <a:spcBef>
+                          <a:spcPts val="0"/>
+                        </a:spcBef>
+                        <a:spcAft>
+                          <a:spcPts val="0"/>
+                        </a:spcAft>
+                        <a:buClrTx/>
+                        <a:buSzTx/>
+                        <a:buFontTx/>
+                        <a:buNone/>
+                        <a:tabLst/>
+                        <a:defRPr/>
+                      </a:pPr>
+                      <a:r>
+                        <a:rPr lang="es-AR" dirty="0" smtClean="0"/>
+                        <a:t>01-Sep</a:t>
+                      </a:r>
+                    </a:p>
+                  </a:txBody>
+                  <a:tcPr/>
+                </a:tc>
+                <a:tc>
+                  <a:txBody>
+                    <a:bodyPr/>
+                    <a:lstStyle/>
+                    <a:p>
+                      <a:pPr marL="0" marR="0" lvl="0" indent="0" algn="ctr" defTabSz="914400" rtl="0" eaLnBrk="1" fontAlgn="auto" latinLnBrk="0" hangingPunct="1">
+                        <a:lnSpc>
+                          <a:spcPct val="100000"/>
+                        </a:lnSpc>
+                        <a:spcBef>
+                          <a:spcPts val="0"/>
+                        </a:spcBef>
+                        <a:spcAft>
+                          <a:spcPts val="0"/>
+                        </a:spcAft>
+                        <a:buClrTx/>
+                        <a:buSzTx/>
+                        <a:buFontTx/>
+                        <a:buNone/>
+                        <a:tabLst/>
+                        <a:defRPr/>
+                      </a:pPr>
+                      <a:r>
+                        <a:rPr lang="es-AR" dirty="0" smtClean="0"/>
+                        <a:t>16-Sep</a:t>
+                      </a:r>
+                    </a:p>
+                  </a:txBody>
+                  <a:tcPr/>
+                </a:tc>
+                <a:tc>
+                  <a:txBody>
+                    <a:bodyPr/>
+                    <a:lstStyle/>
+                    <a:p>
+                      <a:pPr algn="ctr"/>
+                      <a:r>
+                        <a:rPr lang="es-AR" dirty="0" smtClean="0"/>
+                        <a:t>Alta</a:t>
+                      </a:r>
+                      <a:endParaRPr lang="es-AR" dirty="0"/>
+                    </a:p>
+                  </a:txBody>
+                  <a:tcPr/>
+                </a:tc>
+              </a:tr>
+              <a:tr h="483600">
+                <a:tc>
+                  <a:txBody>
+                    <a:bodyPr/>
+                    <a:lstStyle/>
+                    <a:p>
+                      <a:pPr marL="0" marR="0" lvl="0" indent="0" algn="l" defTabSz="914400" rtl="0" eaLnBrk="1" fontAlgn="auto" latinLnBrk="0" hangingPunct="1">
+                        <a:lnSpc>
+                          <a:spcPct val="100000"/>
+                        </a:lnSpc>
+                        <a:spcBef>
+                          <a:spcPts val="0"/>
+                        </a:spcBef>
+                        <a:spcAft>
+                          <a:spcPts val="0"/>
+                        </a:spcAft>
+                        <a:buClrTx/>
+                        <a:buSzTx/>
+                        <a:buFontTx/>
+                        <a:buNone/>
+                        <a:tabLst/>
+                        <a:defRPr/>
+                      </a:pPr>
+                      <a:r>
+                        <a:rPr lang="es-AR" dirty="0" smtClean="0"/>
+                        <a:t>Implementar modificación CU07 – Modificar mesa</a:t>
+                      </a:r>
+                      <a:r>
+                        <a:rPr lang="es-AR" baseline="0" dirty="0" smtClean="0"/>
+                        <a:t> de examen.</a:t>
+                      </a:r>
+                      <a:endParaRPr lang="es-AR" dirty="0" smtClean="0"/>
+                    </a:p>
+                  </a:txBody>
+                  <a:tcPr/>
+                </a:tc>
+                <a:tc>
+                  <a:txBody>
+                    <a:bodyPr/>
+                    <a:lstStyle/>
+                    <a:p>
+                      <a:pPr marL="0" marR="0" lvl="0" indent="0" algn="ctr" defTabSz="914400" rtl="0" eaLnBrk="1" fontAlgn="auto" latinLnBrk="0" hangingPunct="1">
+                        <a:lnSpc>
+                          <a:spcPct val="100000"/>
+                        </a:lnSpc>
+                        <a:spcBef>
+                          <a:spcPts val="0"/>
+                        </a:spcBef>
+                        <a:spcAft>
+                          <a:spcPts val="0"/>
+                        </a:spcAft>
+                        <a:buClrTx/>
+                        <a:buSzTx/>
+                        <a:buFontTx/>
+                        <a:buNone/>
+                        <a:tabLst/>
+                        <a:defRPr/>
+                      </a:pPr>
+                      <a:r>
+                        <a:rPr lang="es-AR" dirty="0" smtClean="0"/>
+                        <a:t>01-Sep</a:t>
+                      </a:r>
+                    </a:p>
+                  </a:txBody>
+                  <a:tcPr/>
+                </a:tc>
+                <a:tc>
+                  <a:txBody>
+                    <a:bodyPr/>
+                    <a:lstStyle/>
+                    <a:p>
+                      <a:pPr marL="0" marR="0" lvl="0" indent="0" algn="ctr" defTabSz="914400" rtl="0" eaLnBrk="1" fontAlgn="auto" latinLnBrk="0" hangingPunct="1">
+                        <a:lnSpc>
+                          <a:spcPct val="100000"/>
+                        </a:lnSpc>
+                        <a:spcBef>
+                          <a:spcPts val="0"/>
+                        </a:spcBef>
+                        <a:spcAft>
+                          <a:spcPts val="0"/>
+                        </a:spcAft>
+                        <a:buClrTx/>
+                        <a:buSzTx/>
+                        <a:buFontTx/>
+                        <a:buNone/>
+                        <a:tabLst/>
+                        <a:defRPr/>
+                      </a:pPr>
+                      <a:r>
+                        <a:rPr lang="es-AR" dirty="0" smtClean="0"/>
+                        <a:t>16-Sep</a:t>
+                      </a:r>
+                    </a:p>
+                  </a:txBody>
+                  <a:tcPr/>
+                </a:tc>
+                <a:tc>
+                  <a:txBody>
+                    <a:bodyPr/>
+                    <a:lstStyle/>
+                    <a:p>
+                      <a:pPr algn="ctr"/>
+                      <a:r>
+                        <a:rPr lang="es-AR" dirty="0" smtClean="0"/>
+                        <a:t>Alta</a:t>
+                      </a:r>
+                      <a:endParaRPr lang="es-AR" dirty="0"/>
+                    </a:p>
+                  </a:txBody>
+                  <a:tcPr/>
+                </a:tc>
+              </a:tr>
+              <a:tr h="483600">
+                <a:tc>
+                  <a:txBody>
+                    <a:bodyPr/>
+                    <a:lstStyle/>
+                    <a:p>
+                      <a:pPr marL="0" marR="0" lvl="0" indent="0" algn="l" defTabSz="914400" rtl="0" eaLnBrk="1" fontAlgn="auto" latinLnBrk="0" hangingPunct="1">
+                        <a:lnSpc>
+                          <a:spcPct val="100000"/>
+                        </a:lnSpc>
+                        <a:spcBef>
+                          <a:spcPts val="0"/>
+                        </a:spcBef>
+                        <a:spcAft>
+                          <a:spcPts val="0"/>
+                        </a:spcAft>
+                        <a:buClrTx/>
+                        <a:buSzTx/>
+                        <a:buFontTx/>
+                        <a:buNone/>
+                        <a:tabLst/>
+                        <a:defRPr/>
+                      </a:pPr>
+                      <a:r>
+                        <a:rPr lang="es-AR" dirty="0" smtClean="0"/>
+                        <a:t>Planificar nueva iteración.</a:t>
+                      </a:r>
+                    </a:p>
+                  </a:txBody>
+                  <a:tcPr/>
+                </a:tc>
+                <a:tc>
+                  <a:txBody>
+                    <a:bodyPr/>
+                    <a:lstStyle/>
+                    <a:p>
+                      <a:pPr marL="0" marR="0" lvl="0" indent="0" algn="ctr" defTabSz="914400" rtl="0" eaLnBrk="1" fontAlgn="auto" latinLnBrk="0" hangingPunct="1">
+                        <a:lnSpc>
+                          <a:spcPct val="100000"/>
+                        </a:lnSpc>
+                        <a:spcBef>
+                          <a:spcPts val="0"/>
+                        </a:spcBef>
+                        <a:spcAft>
+                          <a:spcPts val="0"/>
+                        </a:spcAft>
+                        <a:buClrTx/>
+                        <a:buSzTx/>
+                        <a:buFontTx/>
+                        <a:buNone/>
+                        <a:tabLst/>
+                        <a:defRPr/>
+                      </a:pPr>
+                      <a:r>
+                        <a:rPr lang="es-AR" dirty="0" smtClean="0"/>
+                        <a:t>15-Sep</a:t>
+                      </a:r>
+                    </a:p>
+                  </a:txBody>
+                  <a:tcPr/>
+                </a:tc>
+                <a:tc>
+                  <a:txBody>
+                    <a:bodyPr/>
+                    <a:lstStyle/>
+                    <a:p>
+                      <a:pPr marL="0" marR="0" lvl="0" indent="0" algn="ctr" defTabSz="914400" rtl="0" eaLnBrk="1" fontAlgn="auto" latinLnBrk="0" hangingPunct="1">
+                        <a:lnSpc>
+                          <a:spcPct val="100000"/>
+                        </a:lnSpc>
+                        <a:spcBef>
+                          <a:spcPts val="0"/>
+                        </a:spcBef>
+                        <a:spcAft>
+                          <a:spcPts val="0"/>
+                        </a:spcAft>
+                        <a:buClrTx/>
+                        <a:buSzTx/>
+                        <a:buFontTx/>
+                        <a:buNone/>
+                        <a:tabLst/>
+                        <a:defRPr/>
+                      </a:pPr>
+                      <a:r>
+                        <a:rPr lang="es-AR" dirty="0" smtClean="0"/>
+                        <a:t>16-Sep</a:t>
+                      </a:r>
+                    </a:p>
+                  </a:txBody>
+                  <a:tcPr/>
+                </a:tc>
+                <a:tc>
+                  <a:txBody>
+                    <a:bodyPr/>
+                    <a:lstStyle/>
+                    <a:p>
+                      <a:pPr algn="ctr"/>
+                      <a:r>
+                        <a:rPr lang="es-AR" dirty="0" smtClean="0"/>
+                        <a:t>Baja</a:t>
+                      </a:r>
+                      <a:endParaRPr lang="es-AR" dirty="0"/>
+                    </a:p>
+                  </a:txBody>
+                  <a:tcPr/>
+                </a:tc>
+              </a:tr>
+            </a:tbl>
+          </a:graphicData>
+        </a:graphic>
+      </p:graphicFrame>
+      <p:sp>
+        <p:nvSpPr>
+          <p:cNvPr id="8" name="Marcador de contenido 1"/>
+          <p:cNvSpPr>
+            <a:spLocks noGrp="1"/>
+          </p:cNvSpPr>
+          <p:nvPr>
+            <p:ph idx="1"/>
+          </p:nvPr>
+        </p:nvSpPr>
+        <p:spPr>
+          <a:xfrm>
+            <a:off x="172841" y="1494580"/>
+            <a:ext cx="11847838" cy="509538"/>
+          </a:xfrm>
+        </p:spPr>
+        <p:txBody>
+          <a:bodyPr>
+            <a:normAutofit/>
+          </a:bodyPr>
+          <a:lstStyle/>
+          <a:p>
+            <a:pPr marL="0" indent="0" algn="ctr">
+              <a:spcBef>
+                <a:spcPts val="1200"/>
+              </a:spcBef>
+              <a:spcAft>
+                <a:spcPts val="600"/>
+              </a:spcAft>
+              <a:buNone/>
+            </a:pPr>
+            <a:r>
+              <a:rPr lang="es-AR" dirty="0" smtClean="0"/>
+              <a:t>Márquez Emanuel</a:t>
+            </a:r>
+          </a:p>
+        </p:txBody>
+      </p:sp>
+    </p:spTree>
+    <p:extLst>
+      <p:ext uri="{BB962C8B-B14F-4D97-AF65-F5344CB8AC3E}">
+        <p14:creationId xmlns:p14="http://schemas.microsoft.com/office/powerpoint/2010/main" val="1484177780"/>
+      </p:ext>
+    </p:extLst>
+  </p:cSld>
+  <p:clrMapOvr>
+    <a:masterClrMapping/>
+  </p:clrMapOvr>
+  <mc:AlternateContent xmlns:mc="http://schemas.openxmlformats.org/markup-compatibility/2006" xmlns:p14="http://schemas.microsoft.com/office/powerpoint/2010/main">
+    <mc:Choice Requires="p14">
+      <p:transition spd="slow">
+        <p14:reveal/>
+      </p:transition>
+    </mc:Choice>
+    <mc:Fallback xmlns="">
+      <p:transition spd="slow">
+        <p:fade/>
+      </p:transition>
+    </mc:Fallback>
+  </mc:AlternateContent>
+  <p:timing>
+    <p:tnLst>
+      <p:par>
+        <p:cTn id="1" dur="indefinite" restart="never" nodeType="tmRoot"/>
+      </p:par>
+    </p:tnLst>
+  </p:timing>
+</p:sld>
+</file>
+
+<file path=ppt/slides/slide18.xml><?xml version="1.0" encoding="utf-8"?>
+<p:sld xmlns:a="http://schemas.openxmlformats.org/drawingml/2006/main" xmlns:r="http://schemas.openxmlformats.org/officeDocument/2006/relationships" xmlns:p="http://schemas.openxmlformats.org/presentationml/2006/main">
+  <p:cSld>
+    <p:spTree>
+      <p:nvGrpSpPr>
+        <p:cNvPr id="1" name=""/>
+        <p:cNvGrpSpPr/>
+        <p:nvPr/>
+      </p:nvGrpSpPr>
+      <p:grpSpPr>
+        <a:xfrm>
+          <a:off x="0" y="0"/>
+          <a:ext cx="0" cy="0"/>
+          <a:chOff x="0" y="0"/>
+          <a:chExt cx="0" cy="0"/>
+        </a:xfrm>
+      </p:grpSpPr>
+      <p:sp>
+        <p:nvSpPr>
+          <p:cNvPr id="3" name="Título 2"/>
+          <p:cNvSpPr>
+            <a:spLocks noGrp="1"/>
+          </p:cNvSpPr>
+          <p:nvPr>
+            <p:ph type="title"/>
+          </p:nvPr>
+        </p:nvSpPr>
+        <p:spPr/>
+        <p:txBody>
+          <a:bodyPr/>
+          <a:lstStyle/>
+          <a:p>
+            <a:r>
+              <a:rPr lang="es-AR" dirty="0" smtClean="0"/>
+              <a:t>Fin de presentación</a:t>
+            </a:r>
+            <a:endParaRPr lang="es-AR" dirty="0"/>
+          </a:p>
+        </p:txBody>
+      </p:sp>
+      <p:sp>
+        <p:nvSpPr>
+          <p:cNvPr id="4" name="Marcador de pie de página 3"/>
+          <p:cNvSpPr>
+            <a:spLocks noGrp="1"/>
+          </p:cNvSpPr>
+          <p:nvPr>
+            <p:ph type="ftr" sz="quarter" idx="11"/>
+          </p:nvPr>
+        </p:nvSpPr>
+        <p:spPr/>
+        <p:txBody>
+          <a:bodyPr/>
+          <a:lstStyle/>
+          <a:p>
+            <a:r>
+              <a:rPr lang="es-AR" smtClean="0"/>
+              <a:t>OYARZO Mariela – QUIROGA Sandra – MÁRQUEZ EMANUEL</a:t>
+            </a:r>
+            <a:endParaRPr lang="es-AR" dirty="0"/>
+          </a:p>
+        </p:txBody>
+      </p:sp>
+      <p:sp>
+        <p:nvSpPr>
+          <p:cNvPr id="5" name="Marcador de número de diapositiva 4"/>
+          <p:cNvSpPr>
+            <a:spLocks noGrp="1"/>
+          </p:cNvSpPr>
+          <p:nvPr>
+            <p:ph type="sldNum" sz="quarter" idx="12"/>
+          </p:nvPr>
+        </p:nvSpPr>
+        <p:spPr/>
+        <p:txBody>
+          <a:bodyPr/>
+          <a:lstStyle/>
+          <a:p>
+            <a:fld id="{779E3280-5C43-43EF-BE7D-8C553A58A779}" type="slidenum">
+              <a:rPr lang="es-AR" smtClean="0"/>
+              <a:pPr/>
+              <a:t>18</a:t>
             </a:fld>
             <a:endParaRPr lang="es-AR" dirty="0"/>
           </a:p>
@@ -12483,17 +13223,12 @@
             </a:pPr>
             <a:r>
               <a:rPr lang="es-ES" b="1" u="sng" dirty="0" smtClean="0"/>
-              <a:t>Temas </a:t>
-            </a:r>
-            <a:r>
-              <a:rPr lang="es-ES" b="1" u="sng" dirty="0" smtClean="0"/>
-              <a:t>desarrollados</a:t>
+              <a:t>Temas desarrollados</a:t>
             </a:r>
             <a:r>
               <a:rPr lang="es-ES" dirty="0" smtClean="0"/>
               <a:t>:</a:t>
             </a:r>
-            <a:endParaRPr lang="es-ES" dirty="0" smtClean="0"/>
           </a:p>
           <a:p>
             <a:pPr marL="0" indent="0">
@@ -12962,7 +13697,7 @@
             </a:r>
             <a:r>
               <a:rPr lang="es-US" sz="2400" dirty="0" err="1" smtClean="0"/>
-              <a:t>necargarian</a:t>
+              <a:t>encargarian</a:t>
             </a:r>
             <a:r>
               <a:rPr lang="es-US" sz="2400" dirty="0" smtClean="0"/>
@@ -12978,11 +13713,7 @@
             </a:r>
             <a:r>
               <a:rPr lang="es-ES" sz="2400" dirty="0" smtClean="0"/>
-              <a:t>de</a:t>
-            </a:r>
-            <a:r>
-              <a:rPr lang="es-ES" sz="2400" dirty="0" smtClean="0"/>
-              <a:t> </a:t>
+              <a:t>de </a:t>
             </a:r>
             <a:r>
               <a:rPr lang="es-ES" sz="2400" dirty="0"/>
@@ -13007,11 +13738,7 @@
             </a:r>
             <a:r>
               <a:rPr lang="es-US" sz="2400" b="1" i="1" dirty="0" smtClean="0"/>
-              <a:t>                </a:t>
-            </a:r>
-            <a:r>
-              <a:rPr lang="es-US" sz="2400" b="1" i="1" dirty="0" smtClean="0"/>
-              <a:t>Administrador</a:t>
+              <a:t>                Administrador</a:t>
             </a:r>
             <a:r>
               <a:rPr lang="es-US" sz="2400" b="1" i="1" dirty="0"/>
@@ -14393,7 +15120,7 @@
   <a:extraClrSchemeLst/>
   <a:extLst>
     <a:ext uri="{05A4C25C-085E-4340-85A3-A5531E510DB2}">
-      <thm15:themeFamily xmlns="" xmlns:thm15="http://schemas.microsoft.com/office/thememl/2012/main" name="Depth" id="{7BEAFC2A-325C-49C4-AC08-2B765DA903F9}" vid="{1735E755-43E6-43AA-ABA2-C989ECC79AF5}"/>
+      <thm15:themeFamily xmlns:thm15="http://schemas.microsoft.com/office/thememl/2012/main" xmlns="" name="Depth" id="{7BEAFC2A-325C-49C4-AC08-2B765DA903F9}" vid="{1735E755-43E6-43AA-ABA2-C989ECC79AF5}"/>
     </a:ext>
   </a:extLst>
 </a:theme>

--- a/08. Presentaciones/Presentación 10 - 21.11.19.pptx
+++ b/08. Presentaciones/Presentación 10 - 21.11.19.pptx
@@ -5,10 +5,10 @@
     <p:sldMasterId id="2147483696" r:id="rId1"/>
   </p:sldMasterIdLst>
   <p:notesMasterIdLst>
-    <p:notesMasterId r:id="rId20"/>
+    <p:notesMasterId r:id="rId16"/>
   </p:notesMasterIdLst>
   <p:handoutMasterIdLst>
-    <p:handoutMasterId r:id="rId21"/>
+    <p:handoutMasterId r:id="rId17"/>
   </p:handoutMasterIdLst>
   <p:sldIdLst>
     <p:sldId id="277" r:id="rId2"/>
@@ -24,11 +24,7 @@
     <p:sldId id="318" r:id="rId12"/>
     <p:sldId id="334" r:id="rId13"/>
     <p:sldId id="343" r:id="rId14"/>
-    <p:sldId id="345" r:id="rId15"/>
-    <p:sldId id="346" r:id="rId16"/>
-    <p:sldId id="347" r:id="rId17"/>
-    <p:sldId id="348" r:id="rId18"/>
-    <p:sldId id="302" r:id="rId19"/>
+    <p:sldId id="302" r:id="rId15"/>
   </p:sldIdLst>
   <p:sldSz cx="12192000" cy="6858000"/>
   <p:notesSz cx="6858000" cy="9144000"/>
@@ -129,7 +125,7 @@
   </p:defaultTextStyle>
   <p:extLst>
     <p:ext uri="{EFAFB233-063F-42B5-8137-9DF3F51BA10A}">
-      <p15:sldGuideLst xmlns:p15="http://schemas.microsoft.com/office/powerpoint/2012/main" xmlns="">
+      <p15:sldGuideLst xmlns="" xmlns:p15="http://schemas.microsoft.com/office/powerpoint/2012/main">
         <p15:guide id="1" orient="horz" pos="2160">
           <p15:clr>
             <a:srgbClr val="A4A3A4"/>
@@ -6967,7 +6963,7 @@
         </p:nvSpPr>
         <p:spPr>
           <a:xfrm>
-            <a:off x="0" y="-160421"/>
+            <a:off x="13855" y="-146566"/>
             <a:ext cx="12192000" cy="3946358"/>
           </a:xfrm>
           <a:prstGeom prst="rect">
@@ -7929,6 +7925,13 @@
   <p:clrMapOvr>
     <a:masterClrMapping/>
   </p:clrMapOvr>
+  <p:timing>
+    <p:tnLst>
+      <p:par>
+        <p:cTn id="1" dur="indefinite" restart="never" nodeType="tmRoot"/>
+      </p:par>
+    </p:tnLst>
+  </p:timing>
 </p:sld>
 </file>
 
@@ -8028,14 +8031,14 @@
           <p:nvPr>
             <p:extLst>
               <p:ext uri="{D42A27DB-BD31-4B8C-83A1-F6EECF244321}">
-                <p14:modId xmlns:p14="http://schemas.microsoft.com/office/powerpoint/2010/main" val="958873719"/>
+                <p14:modId xmlns:p14="http://schemas.microsoft.com/office/powerpoint/2010/main" val="2412896713"/>
               </p:ext>
             </p:extLst>
           </p:nvPr>
         </p:nvGraphicFramePr>
         <p:xfrm>
           <a:off x="875241" y="1733269"/>
-          <a:ext cx="10396024" cy="4476465"/>
+          <a:ext cx="10396024" cy="4759570"/>
         </p:xfrm>
         <a:graphic>
           <a:graphicData uri="http://schemas.openxmlformats.org/drawingml/2006/table">
@@ -8157,11 +8160,35 @@
                       <a:pPr algn="l"/>
                       <a:r>
                         <a:rPr lang="es-AR" sz="2200" dirty="0" smtClean="0"/>
-                        <a:t>3 meses y 1 semana (18-Ago-17</a:t>
+                        <a:t>4 </a:t>
+                      </a:r>
+                      <a:r>
+                        <a:rPr lang="es-AR" sz="2200" dirty="0" smtClean="0"/>
+                        <a:t>meses y </a:t>
+                      </a:r>
+                      <a:r>
+                        <a:rPr lang="es-AR" sz="2200" baseline="0" dirty="0" smtClean="0"/>
+                        <a:t> 3 </a:t>
+                      </a:r>
+                      <a:r>
+                        <a:rPr lang="es-AR" sz="2200" dirty="0" smtClean="0"/>
+                        <a:t>semana </a:t>
+                      </a:r>
+                      <a:r>
+                        <a:rPr lang="es-AR" sz="2200" dirty="0" smtClean="0"/>
+                        <a:t>(18-Ago-17</a:t>
                       </a:r>
                       <a:r>
                         <a:rPr lang="es-AR" sz="2200" baseline="0" dirty="0" smtClean="0"/>
                         <a:t> al 24-Nov-17</a:t>
+                      </a:r>
+                      <a:r>
+                        <a:rPr lang="es-AR" sz="2200" dirty="0" smtClean="0"/>
+                        <a:t>)(11-Oct-19</a:t>
+                      </a:r>
+                      <a:r>
+                        <a:rPr lang="es-AR" sz="2200" baseline="0" dirty="0" smtClean="0"/>
+                        <a:t> al 22-Nov-19</a:t>
                       </a:r>
                       <a:r>
                         <a:rPr lang="es-AR" sz="2200" dirty="0" smtClean="0"/>
@@ -8202,12 +8229,17 @@
                       </a:r>
                       <a:r>
                         <a:rPr lang="es-AR" sz="2200" baseline="0" dirty="0" smtClean="0"/>
-                        <a:t> 4</a:t>
+                        <a:t> </a:t>
+                      </a:r>
+                      <a:r>
+                        <a:rPr lang="es-AR" sz="2200" baseline="0" dirty="0" smtClean="0"/>
+                        <a:t>5</a:t>
                       </a:r>
                       <a:r>
                         <a:rPr lang="es-AR" sz="2200" dirty="0" smtClean="0"/>
                         <a:t>)</a:t>
                       </a:r>
+                      <a:endParaRPr lang="es-AR" sz="2200" dirty="0" smtClean="0"/>
                     </a:p>
                   </a:txBody>
                   <a:tcPr marL="109930" marR="109930" marT="54965" marB="54965"/>
@@ -8219,12 +8251,12 @@
                     <a:p>
                       <a:pPr algn="l"/>
                       <a:r>
-                        <a:rPr lang="es-AR" sz="2200" dirty="0" smtClean="0"/>
-                        <a:t>4 meses</a:t>
+                        <a:rPr lang="es-AR" sz="2200" baseline="0" dirty="0" smtClean="0"/>
+                        <a:t>1 mes </a:t>
                       </a:r>
                       <a:r>
                         <a:rPr lang="es-AR" sz="2200" baseline="0" dirty="0" smtClean="0"/>
-                        <a:t> y 3 semanas</a:t>
+                        <a:t>y 3 semanas</a:t>
                       </a:r>
                       <a:endParaRPr lang="es-AR" sz="2200" dirty="0"/>
                     </a:p>
@@ -8254,8 +8286,8 @@
                     <a:p>
                       <a:pPr algn="l"/>
                       <a:r>
-                        <a:rPr lang="es-AR" sz="2200" dirty="0" smtClean="0"/>
-                        <a:t>24-Nov-17</a:t>
+                        <a:rPr lang="es-US" sz="2200" dirty="0" smtClean="0"/>
+                        <a:t>31-Agos-18</a:t>
                       </a:r>
                       <a:endParaRPr lang="es-AR" sz="2200" dirty="0"/>
                     </a:p>
@@ -8352,7 +8384,11 @@
                       </a:r>
                       <a:r>
                         <a:rPr lang="es-AR" sz="2200" baseline="0" dirty="0" smtClean="0"/>
-                        <a:t> 3 (14-Nov-17 al 23-Nov-17)</a:t>
+                        <a:t> </a:t>
+                      </a:r>
+                      <a:r>
+                        <a:rPr lang="es-AR" sz="2200" baseline="0" dirty="0" smtClean="0"/>
+                        <a:t>8 (8-Nov-19  al 22-Nov-19)</a:t>
                       </a:r>
                       <a:endParaRPr lang="es-AR" sz="2200" dirty="0" smtClean="0"/>
                     </a:p>
@@ -8478,8 +8514,9 @@
                       </a:pPr>
                       <a:r>
                         <a:rPr lang="es-AR" sz="2200" dirty="0" smtClean="0"/>
-                        <a:t>17-Ago-18</a:t>
+                        <a:t>11-Oct-19</a:t>
                       </a:r>
+                      <a:endParaRPr lang="es-AR" sz="2200" dirty="0" smtClean="0"/>
                     </a:p>
                   </a:txBody>
                   <a:tcPr marL="109930" marR="109930" marT="54965" marB="54965"/>
@@ -8834,7 +8871,7 @@
           <p:nvPr>
             <p:extLst>
               <p:ext uri="{D42A27DB-BD31-4B8C-83A1-F6EECF244321}">
-                <p14:modId xmlns:p14="http://schemas.microsoft.com/office/powerpoint/2010/main" val="978528634"/>
+                <p14:modId xmlns:p14="http://schemas.microsoft.com/office/powerpoint/2010/main" val="3908560824"/>
               </p:ext>
             </p:extLst>
           </p:nvPr>
@@ -8885,7 +8922,11 @@
                     <a:p>
                       <a:r>
                         <a:rPr lang="es-AR" sz="2100" dirty="0" smtClean="0"/>
-                        <a:t>Manual de instalación</a:t>
+                        <a:t>Manual de </a:t>
+                      </a:r>
+                      <a:r>
+                        <a:rPr lang="es-AR" sz="2100" dirty="0" smtClean="0"/>
+                        <a:t>instalación (iniciado)</a:t>
                       </a:r>
                       <a:endParaRPr lang="es-AR" sz="2100" dirty="0"/>
                     </a:p>
@@ -8905,7 +8946,11 @@
                       </a:r>
                       <a:r>
                         <a:rPr lang="es-AR" sz="2100" baseline="0" dirty="0" smtClean="0"/>
-                        <a:t> de usuario</a:t>
+                        <a:t> de </a:t>
+                      </a:r>
+                      <a:r>
+                        <a:rPr lang="es-AR" sz="2100" baseline="0" dirty="0" smtClean="0"/>
+                        <a:t>usuario (iniciado)</a:t>
                       </a:r>
                       <a:endParaRPr lang="es-AR" sz="2100" dirty="0"/>
                     </a:p>
@@ -8921,7 +8966,7 @@
                     <a:p>
                       <a:r>
                         <a:rPr lang="es-AR" sz="2100" dirty="0" smtClean="0"/>
-                        <a:t>Memoria</a:t>
+                        <a:t>Memoria </a:t>
                       </a:r>
                       <a:endParaRPr lang="es-AR" sz="2100" dirty="0"/>
                     </a:p>
@@ -9331,14 +9376,14 @@
           <p:nvPr>
             <p:extLst>
               <p:ext uri="{D42A27DB-BD31-4B8C-83A1-F6EECF244321}">
-                <p14:modId xmlns:p14="http://schemas.microsoft.com/office/powerpoint/2010/main" val="3809519542"/>
+                <p14:modId xmlns:p14="http://schemas.microsoft.com/office/powerpoint/2010/main" val="3901528024"/>
               </p:ext>
             </p:extLst>
           </p:nvPr>
         </p:nvGraphicFramePr>
         <p:xfrm>
-          <a:off x="1670779" y="2066469"/>
-          <a:ext cx="5105073" cy="4098190"/>
+          <a:off x="2576946" y="2535383"/>
+          <a:ext cx="5347854" cy="1938180"/>
         </p:xfrm>
         <a:graphic>
           <a:graphicData uri="http://schemas.openxmlformats.org/drawingml/2006/table">
@@ -9347,33 +9392,9 @@
                 <a:tableStyleId>{6E25E649-3F16-4E02-A733-19D2CDBF48F0}</a:tableStyleId>
               </a:tblPr>
               <a:tblGrid>
-                <a:gridCol w="1521800"/>
-                <a:gridCol w="3583273"/>
+                <a:gridCol w="5347854"/>
               </a:tblGrid>
-              <a:tr h="409819">
-                <a:tc>
-                  <a:txBody>
-                    <a:bodyPr/>
-                    <a:lstStyle/>
-                    <a:p>
-                      <a:pPr algn="ctr"/>
-                      <a:r>
-                        <a:rPr lang="es-AR" dirty="0" smtClean="0">
-                          <a:solidFill>
-                            <a:schemeClr val="bg1"/>
-                          </a:solidFill>
-                        </a:rPr>
-                        <a:t>Identificador</a:t>
-                      </a:r>
-                      <a:endParaRPr lang="es-AR" dirty="0">
-                        <a:solidFill>
-                          <a:schemeClr val="bg1"/>
-                        </a:solidFill>
-                      </a:endParaRPr>
-                    </a:p>
-                  </a:txBody>
-                  <a:tcPr/>
-                </a:tc>
+              <a:tr h="646060">
                 <a:tc>
                   <a:txBody>
                     <a:bodyPr/>
@@ -9398,30 +9419,19 @@
                   <a:tcPr/>
                 </a:tc>
               </a:tr>
-              <a:tr h="409819">
-                <a:tc>
-                  <a:txBody>
-                    <a:bodyPr/>
-                    <a:lstStyle/>
-                    <a:p>
-                      <a:pPr algn="ctr"/>
-                      <a:r>
-                        <a:rPr lang="es-AR" dirty="0" smtClean="0"/>
-                        <a:t>CU10</a:t>
-                      </a:r>
-                      <a:endParaRPr lang="es-AR" dirty="0"/>
-                    </a:p>
-                  </a:txBody>
-                  <a:tcPr/>
-                </a:tc>
+              <a:tr h="646060">
                 <a:tc>
                   <a:txBody>
                     <a:bodyPr/>
                     <a:lstStyle/>
                     <a:p>
                       <a:r>
-                        <a:rPr lang="es-AR" dirty="0" smtClean="0"/>
-                        <a:t>Notificar</a:t>
+                        <a:rPr lang="es-US" dirty="0" smtClean="0"/>
+                        <a:t>Migración</a:t>
+                      </a:r>
+                      <a:r>
+                        <a:rPr lang="es-US" baseline="0" dirty="0" smtClean="0"/>
+                        <a:t>  APP</a:t>
                       </a:r>
                       <a:endParaRPr lang="es-AR" dirty="0"/>
                     </a:p>
@@ -9429,259 +9439,19 @@
                   <a:tcPr/>
                 </a:tc>
               </a:tr>
-              <a:tr h="409819">
-                <a:tc>
-                  <a:txBody>
-                    <a:bodyPr/>
-                    <a:lstStyle/>
-                    <a:p>
-                      <a:pPr algn="ctr"/>
-                      <a:r>
-                        <a:rPr lang="es-AR" dirty="0" smtClean="0"/>
-                        <a:t>CU11</a:t>
-                      </a:r>
-                      <a:endParaRPr lang="es-AR" dirty="0"/>
-                    </a:p>
-                  </a:txBody>
-                  <a:tcPr/>
-                </a:tc>
+              <a:tr h="646060">
                 <a:tc>
                   <a:txBody>
                     <a:bodyPr/>
                     <a:lstStyle/>
                     <a:p>
                       <a:r>
-                        <a:rPr lang="es-AR" dirty="0" smtClean="0"/>
-                        <a:t>Informe mesa de examen</a:t>
-                      </a:r>
-                      <a:endParaRPr lang="es-AR" dirty="0"/>
-                    </a:p>
-                  </a:txBody>
-                  <a:tcPr/>
-                </a:tc>
-              </a:tr>
-              <a:tr h="409819">
-                <a:tc>
-                  <a:txBody>
-                    <a:bodyPr/>
-                    <a:lstStyle/>
-                    <a:p>
-                      <a:pPr algn="ctr"/>
-                      <a:r>
-                        <a:rPr lang="es-AR" dirty="0" smtClean="0"/>
-                        <a:t>CU12</a:t>
-                      </a:r>
-                      <a:endParaRPr lang="es-AR" dirty="0"/>
-                    </a:p>
-                  </a:txBody>
-                  <a:tcPr/>
-                </a:tc>
-                <a:tc>
-                  <a:txBody>
-                    <a:bodyPr/>
-                    <a:lstStyle/>
-                    <a:p>
-                      <a:r>
-                        <a:rPr lang="es-AR" dirty="0" smtClean="0"/>
-                        <a:t>Informe</a:t>
+                        <a:rPr lang="es-US" dirty="0" smtClean="0"/>
+                        <a:t>Cambios</a:t>
                       </a:r>
                       <a:r>
-                        <a:rPr lang="es-AR" baseline="0" dirty="0" smtClean="0"/>
-                        <a:t> horario de cursada</a:t>
-                      </a:r>
-                      <a:endParaRPr lang="es-AR" dirty="0"/>
-                    </a:p>
-                  </a:txBody>
-                  <a:tcPr/>
-                </a:tc>
-              </a:tr>
-              <a:tr h="409819">
-                <a:tc>
-                  <a:txBody>
-                    <a:bodyPr/>
-                    <a:lstStyle/>
-                    <a:p>
-                      <a:pPr algn="ctr"/>
-                      <a:r>
-                        <a:rPr lang="es-AR" dirty="0" smtClean="0"/>
-                        <a:t>CU13</a:t>
-                      </a:r>
-                      <a:endParaRPr lang="es-AR" dirty="0"/>
-                    </a:p>
-                  </a:txBody>
-                  <a:tcPr/>
-                </a:tc>
-                <a:tc>
-                  <a:txBody>
-                    <a:bodyPr/>
-                    <a:lstStyle/>
-                    <a:p>
-                      <a:r>
-                        <a:rPr lang="es-AR" dirty="0" smtClean="0"/>
-                        <a:t>Buscar aula</a:t>
-                      </a:r>
-                      <a:endParaRPr lang="es-AR" dirty="0"/>
-                    </a:p>
-                  </a:txBody>
-                  <a:tcPr/>
-                </a:tc>
-              </a:tr>
-              <a:tr h="409819">
-                <a:tc>
-                  <a:txBody>
-                    <a:bodyPr/>
-                    <a:lstStyle/>
-                    <a:p>
-                      <a:pPr algn="ctr"/>
-                      <a:r>
-                        <a:rPr lang="es-AR" dirty="0" smtClean="0"/>
-                        <a:t>CU14</a:t>
-                      </a:r>
-                      <a:endParaRPr lang="es-AR" dirty="0"/>
-                    </a:p>
-                  </a:txBody>
-                  <a:tcPr/>
-                </a:tc>
-                <a:tc>
-                  <a:txBody>
-                    <a:bodyPr/>
-                    <a:lstStyle/>
-                    <a:p>
-                      <a:r>
-                        <a:rPr lang="es-AR" dirty="0" smtClean="0"/>
-                        <a:t>Borrar horario de cursada</a:t>
-                      </a:r>
-                      <a:endParaRPr lang="es-AR" dirty="0"/>
-                    </a:p>
-                  </a:txBody>
-                  <a:tcPr/>
-                </a:tc>
-              </a:tr>
-              <a:tr h="409819">
-                <a:tc>
-                  <a:txBody>
-                    <a:bodyPr/>
-                    <a:lstStyle/>
-                    <a:p>
-                      <a:pPr algn="ctr"/>
-                      <a:r>
-                        <a:rPr lang="es-AR" dirty="0" smtClean="0"/>
-                        <a:t>CU15</a:t>
-                      </a:r>
-                      <a:endParaRPr lang="es-AR" dirty="0"/>
-                    </a:p>
-                  </a:txBody>
-                  <a:tcPr/>
-                </a:tc>
-                <a:tc>
-                  <a:txBody>
-                    <a:bodyPr/>
-                    <a:lstStyle/>
-                    <a:p>
-                      <a:r>
-                        <a:rPr lang="es-AR" dirty="0" smtClean="0"/>
-                        <a:t>Borrar mesa</a:t>
-                      </a:r>
-                      <a:r>
-                        <a:rPr lang="es-AR" baseline="0" dirty="0" smtClean="0"/>
-                        <a:t> de examen</a:t>
-                      </a:r>
-                      <a:endParaRPr lang="es-AR" dirty="0"/>
-                    </a:p>
-                  </a:txBody>
-                  <a:tcPr/>
-                </a:tc>
-              </a:tr>
-              <a:tr h="409819">
-                <a:tc>
-                  <a:txBody>
-                    <a:bodyPr/>
-                    <a:lstStyle/>
-                    <a:p>
-                      <a:pPr algn="ctr"/>
-                      <a:r>
-                        <a:rPr lang="es-AR" dirty="0" smtClean="0"/>
-                        <a:t>CU16</a:t>
-                      </a:r>
-                      <a:endParaRPr lang="es-AR" dirty="0"/>
-                    </a:p>
-                  </a:txBody>
-                  <a:tcPr/>
-                </a:tc>
-                <a:tc>
-                  <a:txBody>
-                    <a:bodyPr/>
-                    <a:lstStyle/>
-                    <a:p>
-                      <a:r>
-                        <a:rPr lang="es-AR" dirty="0" smtClean="0"/>
-                        <a:t>Modificar aula</a:t>
-                      </a:r>
-                      <a:endParaRPr lang="es-AR" dirty="0"/>
-                    </a:p>
-                  </a:txBody>
-                  <a:tcPr/>
-                </a:tc>
-              </a:tr>
-              <a:tr h="409819">
-                <a:tc>
-                  <a:txBody>
-                    <a:bodyPr/>
-                    <a:lstStyle/>
-                    <a:p>
-                      <a:pPr algn="ctr"/>
-                      <a:r>
-                        <a:rPr lang="es-AR" dirty="0" smtClean="0"/>
-                        <a:t>CU17</a:t>
-                      </a:r>
-                      <a:endParaRPr lang="es-AR" dirty="0"/>
-                    </a:p>
-                  </a:txBody>
-                  <a:tcPr/>
-                </a:tc>
-                <a:tc>
-                  <a:txBody>
-                    <a:bodyPr/>
-                    <a:lstStyle/>
-                    <a:p>
-                      <a:r>
-                        <a:rPr lang="es-AR" dirty="0" smtClean="0"/>
-                        <a:t>Borrar aula</a:t>
-                      </a:r>
-                      <a:endParaRPr lang="es-AR" dirty="0"/>
-                    </a:p>
-                  </a:txBody>
-                  <a:tcPr/>
-                </a:tc>
-              </a:tr>
-              <a:tr h="409819">
-                <a:tc>
-                  <a:txBody>
-                    <a:bodyPr/>
-                    <a:lstStyle/>
-                    <a:p>
-                      <a:pPr algn="ctr"/>
-                      <a:r>
-                        <a:rPr lang="es-AR" dirty="0" smtClean="0"/>
-                        <a:t>CU18</a:t>
-                      </a:r>
-                      <a:endParaRPr lang="es-AR" dirty="0"/>
-                    </a:p>
-                  </a:txBody>
-                  <a:tcPr/>
-                </a:tc>
-                <a:tc>
-                  <a:txBody>
-                    <a:bodyPr/>
-                    <a:lstStyle/>
-                    <a:p>
-                      <a:r>
-                        <a:rPr lang="es-AR" dirty="0" smtClean="0"/>
-                        <a:t>Generar horario de</a:t>
-                      </a:r>
-                      <a:r>
-                        <a:rPr lang="es-AR" baseline="0" dirty="0" smtClean="0"/>
-                        <a:t> aula</a:t>
+                        <a:rPr lang="es-US" baseline="0" dirty="0" smtClean="0"/>
+                        <a:t> luego de las pruebas</a:t>
                       </a:r>
                       <a:endParaRPr lang="es-AR" dirty="0"/>
                     </a:p>
@@ -9902,10 +9672,6 @@
               <a:buFont typeface="Arial" panose="020B0604020202020204" pitchFamily="34" charset="0"/>
               <a:buNone/>
             </a:pPr>
-            <a:r>
-              <a:rPr lang="es-AR" sz="2400" i="1" dirty="0" smtClean="0"/>
-              <a:t>Los casos de uso se irán completando en el orden que se indica.</a:t>
-            </a:r>
             <a:endParaRPr lang="es-AR" sz="2400" i="1" dirty="0"/>
           </a:p>
         </p:txBody>
@@ -9976,15 +9742,7 @@
           <a:p>
             <a:r>
               <a:rPr lang="es-AR" dirty="0" smtClean="0"/>
-              <a:t>Construcción i</a:t>
-            </a:r>
-            <a:r>
-              <a:rPr lang="es-AR" dirty="0" smtClean="0"/>
-              <a:t>teración </a:t>
-            </a:r>
-            <a:r>
-              <a:rPr lang="es-AR" dirty="0"/>
-              <a:t>7</a:t>
+              <a:t>Fin de presentación</a:t>
             </a:r>
             <a:endParaRPr lang="es-AR" dirty="0"/>
           </a:p>
@@ -10032,3090 +9790,6 @@
               <a:rPr lang="es-AR" smtClean="0"/>
               <a:pPr/>
               <a:t>14</a:t>
-            </a:fld>
-            <a:endParaRPr lang="es-AR" dirty="0"/>
-          </a:p>
-        </p:txBody>
-      </p:sp>
-      <p:sp>
-        <p:nvSpPr>
-          <p:cNvPr id="2" name="Marcador de contenido 1"/>
-          <p:cNvSpPr>
-            <a:spLocks noGrp="1"/>
-          </p:cNvSpPr>
-          <p:nvPr>
-            <p:ph idx="1"/>
-          </p:nvPr>
-        </p:nvSpPr>
-        <p:spPr>
-          <a:xfrm>
-            <a:off x="163773" y="1401149"/>
-            <a:ext cx="11847838" cy="5074555"/>
-          </a:xfrm>
-        </p:spPr>
-        <p:txBody>
-          <a:bodyPr>
-            <a:normAutofit/>
-          </a:bodyPr>
-          <a:lstStyle/>
-          <a:p>
-            <a:pPr marL="0" indent="0">
-              <a:spcBef>
-                <a:spcPts val="1200"/>
-              </a:spcBef>
-              <a:spcAft>
-                <a:spcPts val="600"/>
-              </a:spcAft>
-              <a:buNone/>
-            </a:pPr>
-            <a:endParaRPr lang="es-AR" dirty="0" smtClean="0"/>
-          </a:p>
-          <a:p>
-            <a:pPr marL="0" indent="0">
-              <a:spcBef>
-                <a:spcPts val="1200"/>
-              </a:spcBef>
-              <a:spcAft>
-                <a:spcPts val="600"/>
-              </a:spcAft>
-              <a:buNone/>
-            </a:pPr>
-            <a:r>
-              <a:rPr lang="es-AR" b="1" dirty="0" smtClean="0"/>
-              <a:t>Fase</a:t>
-            </a:r>
-            <a:r>
-              <a:rPr lang="es-AR" dirty="0" smtClean="0"/>
-              <a:t>: Construcción.</a:t>
-            </a:r>
-          </a:p>
-          <a:p>
-            <a:pPr marL="0" indent="0">
-              <a:spcBef>
-                <a:spcPts val="1200"/>
-              </a:spcBef>
-              <a:spcAft>
-                <a:spcPts val="600"/>
-              </a:spcAft>
-              <a:buNone/>
-            </a:pPr>
-            <a:r>
-              <a:rPr lang="es-AR" b="1" dirty="0" smtClean="0"/>
-              <a:t>Iteración</a:t>
-            </a:r>
-            <a:r>
-              <a:rPr lang="es-AR" dirty="0" smtClean="0"/>
-              <a:t>: N° </a:t>
-            </a:r>
-            <a:r>
-              <a:rPr lang="es-AR" dirty="0"/>
-              <a:t>7</a:t>
-            </a:r>
-            <a:endParaRPr lang="es-AR" dirty="0" smtClean="0"/>
-          </a:p>
-          <a:p>
-            <a:pPr marL="0" indent="0">
-              <a:spcBef>
-                <a:spcPts val="1200"/>
-              </a:spcBef>
-              <a:spcAft>
-                <a:spcPts val="600"/>
-              </a:spcAft>
-              <a:buNone/>
-            </a:pPr>
-            <a:r>
-              <a:rPr lang="es-AR" b="1" dirty="0" smtClean="0"/>
-              <a:t>Fecha de inicio</a:t>
-            </a:r>
-            <a:r>
-              <a:rPr lang="es-AR" dirty="0" smtClean="0"/>
-              <a:t>: 01 de Septiembre de 2018.</a:t>
-            </a:r>
-          </a:p>
-          <a:p>
-            <a:pPr marL="0" indent="0">
-              <a:spcBef>
-                <a:spcPts val="1200"/>
-              </a:spcBef>
-              <a:spcAft>
-                <a:spcPts val="600"/>
-              </a:spcAft>
-              <a:buNone/>
-            </a:pPr>
-            <a:r>
-              <a:rPr lang="es-AR" b="1" dirty="0" smtClean="0"/>
-              <a:t>Fecha de fin</a:t>
-            </a:r>
-            <a:r>
-              <a:rPr lang="es-AR" dirty="0" smtClean="0"/>
-              <a:t>: 16 de Septiembre de 2018.</a:t>
-            </a:r>
-          </a:p>
-          <a:p>
-            <a:pPr marL="0" indent="0">
-              <a:buNone/>
-            </a:pPr>
-            <a:endParaRPr lang="es-AR" dirty="0" smtClean="0"/>
-          </a:p>
-          <a:p>
-            <a:pPr marL="0" indent="0">
-              <a:buNone/>
-            </a:pPr>
-            <a:endParaRPr lang="es-AR" sz="2000" dirty="0"/>
-          </a:p>
-          <a:p>
-            <a:pPr marL="0" indent="0">
-              <a:buNone/>
-            </a:pPr>
-            <a:r>
-              <a:rPr lang="es-AR" i="1" dirty="0" smtClean="0"/>
-              <a:t>Las actividades se encuentran sujetas a las conclusiones obtenidas durante esta presentación por lo que pueden ser modificada posteriormente. </a:t>
-            </a:r>
-          </a:p>
-          <a:p>
-            <a:pPr marL="0" indent="0">
-              <a:buNone/>
-            </a:pPr>
-            <a:endParaRPr lang="es-AR" dirty="0"/>
-          </a:p>
-        </p:txBody>
-      </p:sp>
-    </p:spTree>
-    <p:extLst>
-      <p:ext uri="{BB962C8B-B14F-4D97-AF65-F5344CB8AC3E}">
-        <p14:creationId xmlns:p14="http://schemas.microsoft.com/office/powerpoint/2010/main" val="357477803"/>
-      </p:ext>
-    </p:extLst>
-  </p:cSld>
-  <p:clrMapOvr>
-    <a:masterClrMapping/>
-  </p:clrMapOvr>
-  <mc:AlternateContent xmlns:mc="http://schemas.openxmlformats.org/markup-compatibility/2006" xmlns:p14="http://schemas.microsoft.com/office/powerpoint/2010/main">
-    <mc:Choice Requires="p14">
-      <p:transition spd="slow">
-        <p14:reveal/>
-      </p:transition>
-    </mc:Choice>
-    <mc:Fallback xmlns="">
-      <p:transition spd="slow">
-        <p:fade/>
-      </p:transition>
-    </mc:Fallback>
-  </mc:AlternateContent>
-  <p:timing>
-    <p:tnLst>
-      <p:par>
-        <p:cTn id="1" dur="indefinite" restart="never" nodeType="tmRoot"/>
-      </p:par>
-    </p:tnLst>
-  </p:timing>
-</p:sld>
-</file>
-
-<file path=ppt/slides/slide15.xml><?xml version="1.0" encoding="utf-8"?>
-<p:sld xmlns:a="http://schemas.openxmlformats.org/drawingml/2006/main" xmlns:r="http://schemas.openxmlformats.org/officeDocument/2006/relationships" xmlns:p="http://schemas.openxmlformats.org/presentationml/2006/main">
-  <p:cSld>
-    <p:spTree>
-      <p:nvGrpSpPr>
-        <p:cNvPr id="1" name=""/>
-        <p:cNvGrpSpPr/>
-        <p:nvPr/>
-      </p:nvGrpSpPr>
-      <p:grpSpPr>
-        <a:xfrm>
-          <a:off x="0" y="0"/>
-          <a:ext cx="0" cy="0"/>
-          <a:chOff x="0" y="0"/>
-          <a:chExt cx="0" cy="0"/>
-        </a:xfrm>
-      </p:grpSpPr>
-      <p:sp>
-        <p:nvSpPr>
-          <p:cNvPr id="3" name="Título 2"/>
-          <p:cNvSpPr>
-            <a:spLocks noGrp="1"/>
-          </p:cNvSpPr>
-          <p:nvPr>
-            <p:ph type="title"/>
-          </p:nvPr>
-        </p:nvSpPr>
-        <p:spPr/>
-        <p:txBody>
-          <a:bodyPr/>
-          <a:lstStyle/>
-          <a:p>
-            <a:r>
-              <a:rPr lang="es-AR" dirty="0" smtClean="0"/>
-              <a:t>Planificación Iteración 4</a:t>
-            </a:r>
-            <a:endParaRPr lang="es-AR" dirty="0"/>
-          </a:p>
-        </p:txBody>
-      </p:sp>
-      <p:sp>
-        <p:nvSpPr>
-          <p:cNvPr id="4" name="Marcador de pie de página 3"/>
-          <p:cNvSpPr>
-            <a:spLocks noGrp="1"/>
-          </p:cNvSpPr>
-          <p:nvPr>
-            <p:ph type="ftr" sz="quarter" idx="11"/>
-          </p:nvPr>
-        </p:nvSpPr>
-        <p:spPr/>
-        <p:txBody>
-          <a:bodyPr/>
-          <a:lstStyle/>
-          <a:p>
-            <a:r>
-              <a:rPr lang="es-AR" smtClean="0"/>
-              <a:t>OYARZO Mariela – QUIROGA Sandra – MÁRQUEZ EMANUEL</a:t>
-            </a:r>
-            <a:endParaRPr lang="es-AR" dirty="0"/>
-          </a:p>
-        </p:txBody>
-      </p:sp>
-      <p:sp>
-        <p:nvSpPr>
-          <p:cNvPr id="5" name="Marcador de número de diapositiva 4"/>
-          <p:cNvSpPr>
-            <a:spLocks noGrp="1"/>
-          </p:cNvSpPr>
-          <p:nvPr>
-            <p:ph type="sldNum" sz="quarter" idx="12"/>
-          </p:nvPr>
-        </p:nvSpPr>
-        <p:spPr/>
-        <p:txBody>
-          <a:bodyPr/>
-          <a:lstStyle/>
-          <a:p>
-            <a:fld id="{779E3280-5C43-43EF-BE7D-8C553A58A779}" type="slidenum">
-              <a:rPr lang="es-AR" smtClean="0"/>
-              <a:pPr/>
-              <a:t>15</a:t>
-            </a:fld>
-            <a:endParaRPr lang="es-AR" dirty="0"/>
-          </a:p>
-        </p:txBody>
-      </p:sp>
-      <p:graphicFrame>
-        <p:nvGraphicFramePr>
-          <p:cNvPr id="7" name="Tabla 6"/>
-          <p:cNvGraphicFramePr>
-            <a:graphicFrameLocks noGrp="1"/>
-          </p:cNvGraphicFramePr>
-          <p:nvPr>
-            <p:extLst>
-              <p:ext uri="{D42A27DB-BD31-4B8C-83A1-F6EECF244321}">
-                <p14:modId xmlns:p14="http://schemas.microsoft.com/office/powerpoint/2010/main" val="2286812360"/>
-              </p:ext>
-            </p:extLst>
-          </p:nvPr>
-        </p:nvGraphicFramePr>
-        <p:xfrm>
-          <a:off x="1105469" y="2333766"/>
-          <a:ext cx="9949218" cy="3671248"/>
-        </p:xfrm>
-        <a:graphic>
-          <a:graphicData uri="http://schemas.openxmlformats.org/drawingml/2006/table">
-            <a:tbl>
-              <a:tblPr firstRow="1" bandRow="1">
-                <a:tableStyleId>{6E25E649-3F16-4E02-A733-19D2CDBF48F0}</a:tableStyleId>
-              </a:tblPr>
-              <a:tblGrid>
-                <a:gridCol w="5829621"/>
-                <a:gridCol w="1347290"/>
-                <a:gridCol w="1088195"/>
-                <a:gridCol w="1684112"/>
-              </a:tblGrid>
-              <a:tr h="524464">
-                <a:tc>
-                  <a:txBody>
-                    <a:bodyPr/>
-                    <a:lstStyle/>
-                    <a:p>
-                      <a:pPr algn="ctr"/>
-                      <a:r>
-                        <a:rPr lang="es-AR" dirty="0" smtClean="0">
-                          <a:solidFill>
-                            <a:schemeClr val="bg1"/>
-                          </a:solidFill>
-                        </a:rPr>
-                        <a:t>Nombre de la tarea</a:t>
-                      </a:r>
-                      <a:endParaRPr lang="es-AR" dirty="0">
-                        <a:solidFill>
-                          <a:schemeClr val="bg1"/>
-                        </a:solidFill>
-                      </a:endParaRPr>
-                    </a:p>
-                  </a:txBody>
-                  <a:tcPr/>
-                </a:tc>
-                <a:tc>
-                  <a:txBody>
-                    <a:bodyPr/>
-                    <a:lstStyle/>
-                    <a:p>
-                      <a:pPr algn="ctr"/>
-                      <a:r>
-                        <a:rPr lang="es-AR" dirty="0" smtClean="0">
-                          <a:solidFill>
-                            <a:schemeClr val="bg1"/>
-                          </a:solidFill>
-                        </a:rPr>
-                        <a:t>Inicio</a:t>
-                      </a:r>
-                      <a:endParaRPr lang="es-AR" dirty="0">
-                        <a:solidFill>
-                          <a:schemeClr val="bg1"/>
-                        </a:solidFill>
-                      </a:endParaRPr>
-                    </a:p>
-                  </a:txBody>
-                  <a:tcPr/>
-                </a:tc>
-                <a:tc>
-                  <a:txBody>
-                    <a:bodyPr/>
-                    <a:lstStyle/>
-                    <a:p>
-                      <a:pPr algn="ctr"/>
-                      <a:r>
-                        <a:rPr lang="es-AR" dirty="0" smtClean="0">
-                          <a:solidFill>
-                            <a:schemeClr val="bg1"/>
-                          </a:solidFill>
-                        </a:rPr>
-                        <a:t>Fin</a:t>
-                      </a:r>
-                      <a:endParaRPr lang="es-AR" dirty="0">
-                        <a:solidFill>
-                          <a:schemeClr val="bg1"/>
-                        </a:solidFill>
-                      </a:endParaRPr>
-                    </a:p>
-                  </a:txBody>
-                  <a:tcPr/>
-                </a:tc>
-                <a:tc>
-                  <a:txBody>
-                    <a:bodyPr/>
-                    <a:lstStyle/>
-                    <a:p>
-                      <a:pPr algn="ctr"/>
-                      <a:r>
-                        <a:rPr lang="es-AR" dirty="0" smtClean="0">
-                          <a:solidFill>
-                            <a:schemeClr val="bg1"/>
-                          </a:solidFill>
-                        </a:rPr>
-                        <a:t>Prioridad</a:t>
-                      </a:r>
-                      <a:endParaRPr lang="es-AR" dirty="0">
-                        <a:solidFill>
-                          <a:schemeClr val="bg1"/>
-                        </a:solidFill>
-                      </a:endParaRPr>
-                    </a:p>
-                  </a:txBody>
-                  <a:tcPr/>
-                </a:tc>
-              </a:tr>
-              <a:tr h="524464">
-                <a:tc>
-                  <a:txBody>
-                    <a:bodyPr/>
-                    <a:lstStyle/>
-                    <a:p>
-                      <a:r>
-                        <a:rPr lang="es-AR" dirty="0" smtClean="0"/>
-                        <a:t>Continuar Glosario.</a:t>
-                      </a:r>
-                      <a:endParaRPr lang="es-AR" dirty="0"/>
-                    </a:p>
-                  </a:txBody>
-                  <a:tcPr/>
-                </a:tc>
-                <a:tc>
-                  <a:txBody>
-                    <a:bodyPr/>
-                    <a:lstStyle/>
-                    <a:p>
-                      <a:pPr algn="ctr"/>
-                      <a:r>
-                        <a:rPr lang="es-AR" dirty="0" smtClean="0"/>
-                        <a:t>01-Sep</a:t>
-                      </a:r>
-                      <a:endParaRPr lang="es-AR" dirty="0"/>
-                    </a:p>
-                  </a:txBody>
-                  <a:tcPr/>
-                </a:tc>
-                <a:tc>
-                  <a:txBody>
-                    <a:bodyPr/>
-                    <a:lstStyle/>
-                    <a:p>
-                      <a:pPr algn="ctr"/>
-                      <a:r>
-                        <a:rPr lang="es-AR" dirty="0" smtClean="0"/>
-                        <a:t>16-Sep</a:t>
-                      </a:r>
-                      <a:endParaRPr lang="es-AR" dirty="0"/>
-                    </a:p>
-                  </a:txBody>
-                  <a:tcPr/>
-                </a:tc>
-                <a:tc>
-                  <a:txBody>
-                    <a:bodyPr/>
-                    <a:lstStyle/>
-                    <a:p>
-                      <a:pPr algn="ctr"/>
-                      <a:r>
-                        <a:rPr lang="es-AR" dirty="0" smtClean="0"/>
-                        <a:t>Baja</a:t>
-                      </a:r>
-                      <a:endParaRPr lang="es-AR" dirty="0"/>
-                    </a:p>
-                  </a:txBody>
-                  <a:tcPr/>
-                </a:tc>
-              </a:tr>
-              <a:tr h="524464">
-                <a:tc>
-                  <a:txBody>
-                    <a:bodyPr/>
-                    <a:lstStyle/>
-                    <a:p>
-                      <a:r>
-                        <a:rPr lang="es-AR" dirty="0" smtClean="0"/>
-                        <a:t>Descargar archivos</a:t>
-                      </a:r>
-                      <a:r>
-                        <a:rPr lang="es-AR" baseline="0" dirty="0" smtClean="0"/>
-                        <a:t> Excel del corriente año.</a:t>
-                      </a:r>
-                      <a:endParaRPr lang="es-AR" dirty="0"/>
-                    </a:p>
-                  </a:txBody>
-                  <a:tcPr/>
-                </a:tc>
-                <a:tc>
-                  <a:txBody>
-                    <a:bodyPr/>
-                    <a:lstStyle/>
-                    <a:p>
-                      <a:pPr marL="0" marR="0" lvl="0" indent="0" algn="ctr" defTabSz="914400" rtl="0" eaLnBrk="1" fontAlgn="auto" latinLnBrk="0" hangingPunct="1">
-                        <a:lnSpc>
-                          <a:spcPct val="100000"/>
-                        </a:lnSpc>
-                        <a:spcBef>
-                          <a:spcPts val="0"/>
-                        </a:spcBef>
-                        <a:spcAft>
-                          <a:spcPts val="0"/>
-                        </a:spcAft>
-                        <a:buClrTx/>
-                        <a:buSzTx/>
-                        <a:buFontTx/>
-                        <a:buNone/>
-                        <a:tabLst/>
-                        <a:defRPr/>
-                      </a:pPr>
-                      <a:r>
-                        <a:rPr lang="es-AR" dirty="0" smtClean="0"/>
-                        <a:t>01-Sep</a:t>
-                      </a:r>
-                    </a:p>
-                  </a:txBody>
-                  <a:tcPr/>
-                </a:tc>
-                <a:tc>
-                  <a:txBody>
-                    <a:bodyPr/>
-                    <a:lstStyle/>
-                    <a:p>
-                      <a:pPr marL="0" marR="0" lvl="0" indent="0" algn="ctr" defTabSz="914400" rtl="0" eaLnBrk="1" fontAlgn="auto" latinLnBrk="0" hangingPunct="1">
-                        <a:lnSpc>
-                          <a:spcPct val="100000"/>
-                        </a:lnSpc>
-                        <a:spcBef>
-                          <a:spcPts val="0"/>
-                        </a:spcBef>
-                        <a:spcAft>
-                          <a:spcPts val="0"/>
-                        </a:spcAft>
-                        <a:buClrTx/>
-                        <a:buSzTx/>
-                        <a:buFontTx/>
-                        <a:buNone/>
-                        <a:tabLst/>
-                        <a:defRPr/>
-                      </a:pPr>
-                      <a:r>
-                        <a:rPr lang="es-AR" dirty="0" smtClean="0"/>
-                        <a:t>16-Sep</a:t>
-                      </a:r>
-                    </a:p>
-                  </a:txBody>
-                  <a:tcPr/>
-                </a:tc>
-                <a:tc>
-                  <a:txBody>
-                    <a:bodyPr/>
-                    <a:lstStyle/>
-                    <a:p>
-                      <a:pPr algn="ctr"/>
-                      <a:r>
-                        <a:rPr lang="es-AR" dirty="0" smtClean="0"/>
-                        <a:t>Media</a:t>
-                      </a:r>
-                      <a:endParaRPr lang="es-AR" dirty="0"/>
-                    </a:p>
-                  </a:txBody>
-                  <a:tcPr/>
-                </a:tc>
-              </a:tr>
-              <a:tr h="524464">
-                <a:tc>
-                  <a:txBody>
-                    <a:bodyPr/>
-                    <a:lstStyle/>
-                    <a:p>
-                      <a:r>
-                        <a:rPr lang="es-AR" dirty="0" smtClean="0"/>
-                        <a:t>Completar CP</a:t>
-                      </a:r>
-                      <a:r>
-                        <a:rPr lang="es-AR" baseline="0" dirty="0" smtClean="0"/>
-                        <a:t> para CU02 – Importar horarios de cursada.</a:t>
-                      </a:r>
-                      <a:endParaRPr lang="es-AR" dirty="0"/>
-                    </a:p>
-                  </a:txBody>
-                  <a:tcPr/>
-                </a:tc>
-                <a:tc>
-                  <a:txBody>
-                    <a:bodyPr/>
-                    <a:lstStyle/>
-                    <a:p>
-                      <a:pPr marL="0" marR="0" lvl="0" indent="0" algn="ctr" defTabSz="914400" rtl="0" eaLnBrk="1" fontAlgn="auto" latinLnBrk="0" hangingPunct="1">
-                        <a:lnSpc>
-                          <a:spcPct val="100000"/>
-                        </a:lnSpc>
-                        <a:spcBef>
-                          <a:spcPts val="0"/>
-                        </a:spcBef>
-                        <a:spcAft>
-                          <a:spcPts val="0"/>
-                        </a:spcAft>
-                        <a:buClrTx/>
-                        <a:buSzTx/>
-                        <a:buFontTx/>
-                        <a:buNone/>
-                        <a:tabLst/>
-                        <a:defRPr/>
-                      </a:pPr>
-                      <a:r>
-                        <a:rPr lang="es-AR" dirty="0" smtClean="0"/>
-                        <a:t>01-Sep</a:t>
-                      </a:r>
-                    </a:p>
-                  </a:txBody>
-                  <a:tcPr/>
-                </a:tc>
-                <a:tc>
-                  <a:txBody>
-                    <a:bodyPr/>
-                    <a:lstStyle/>
-                    <a:p>
-                      <a:pPr marL="0" marR="0" lvl="0" indent="0" algn="ctr" defTabSz="914400" rtl="0" eaLnBrk="1" fontAlgn="auto" latinLnBrk="0" hangingPunct="1">
-                        <a:lnSpc>
-                          <a:spcPct val="100000"/>
-                        </a:lnSpc>
-                        <a:spcBef>
-                          <a:spcPts val="0"/>
-                        </a:spcBef>
-                        <a:spcAft>
-                          <a:spcPts val="0"/>
-                        </a:spcAft>
-                        <a:buClrTx/>
-                        <a:buSzTx/>
-                        <a:buFontTx/>
-                        <a:buNone/>
-                        <a:tabLst/>
-                        <a:defRPr/>
-                      </a:pPr>
-                      <a:r>
-                        <a:rPr lang="es-AR" dirty="0" smtClean="0"/>
-                        <a:t>16-Sep</a:t>
-                      </a:r>
-                    </a:p>
-                  </a:txBody>
-                  <a:tcPr/>
-                </a:tc>
-                <a:tc>
-                  <a:txBody>
-                    <a:bodyPr/>
-                    <a:lstStyle/>
-                    <a:p>
-                      <a:pPr algn="ctr"/>
-                      <a:r>
-                        <a:rPr lang="es-AR" dirty="0" smtClean="0"/>
-                        <a:t>Alta</a:t>
-                      </a:r>
-                      <a:endParaRPr lang="es-AR" dirty="0"/>
-                    </a:p>
-                  </a:txBody>
-                  <a:tcPr/>
-                </a:tc>
-              </a:tr>
-              <a:tr h="524464">
-                <a:tc>
-                  <a:txBody>
-                    <a:bodyPr/>
-                    <a:lstStyle/>
-                    <a:p>
-                      <a:pPr marL="0" marR="0" lvl="0" indent="0" algn="l" defTabSz="914400" rtl="0" eaLnBrk="1" fontAlgn="auto" latinLnBrk="0" hangingPunct="1">
-                        <a:lnSpc>
-                          <a:spcPct val="100000"/>
-                        </a:lnSpc>
-                        <a:spcBef>
-                          <a:spcPts val="0"/>
-                        </a:spcBef>
-                        <a:spcAft>
-                          <a:spcPts val="0"/>
-                        </a:spcAft>
-                        <a:buClrTx/>
-                        <a:buSzTx/>
-                        <a:buFontTx/>
-                        <a:buNone/>
-                        <a:tabLst/>
-                        <a:defRPr/>
-                      </a:pPr>
-                      <a:r>
-                        <a:rPr lang="es-AR" dirty="0" smtClean="0"/>
-                        <a:t>Completar CP</a:t>
-                      </a:r>
-                      <a:r>
-                        <a:rPr lang="es-AR" baseline="0" dirty="0" smtClean="0"/>
-                        <a:t> para CU03 – Importar mesas de examen.</a:t>
-                      </a:r>
-                      <a:endParaRPr lang="es-AR" dirty="0" smtClean="0"/>
-                    </a:p>
-                  </a:txBody>
-                  <a:tcPr/>
-                </a:tc>
-                <a:tc>
-                  <a:txBody>
-                    <a:bodyPr/>
-                    <a:lstStyle/>
-                    <a:p>
-                      <a:pPr marL="0" marR="0" lvl="0" indent="0" algn="ctr" defTabSz="914400" rtl="0" eaLnBrk="1" fontAlgn="auto" latinLnBrk="0" hangingPunct="1">
-                        <a:lnSpc>
-                          <a:spcPct val="100000"/>
-                        </a:lnSpc>
-                        <a:spcBef>
-                          <a:spcPts val="0"/>
-                        </a:spcBef>
-                        <a:spcAft>
-                          <a:spcPts val="0"/>
-                        </a:spcAft>
-                        <a:buClrTx/>
-                        <a:buSzTx/>
-                        <a:buFontTx/>
-                        <a:buNone/>
-                        <a:tabLst/>
-                        <a:defRPr/>
-                      </a:pPr>
-                      <a:r>
-                        <a:rPr lang="es-AR" dirty="0" smtClean="0"/>
-                        <a:t>01-Sep</a:t>
-                      </a:r>
-                    </a:p>
-                  </a:txBody>
-                  <a:tcPr/>
-                </a:tc>
-                <a:tc>
-                  <a:txBody>
-                    <a:bodyPr/>
-                    <a:lstStyle/>
-                    <a:p>
-                      <a:pPr marL="0" marR="0" lvl="0" indent="0" algn="ctr" defTabSz="914400" rtl="0" eaLnBrk="1" fontAlgn="auto" latinLnBrk="0" hangingPunct="1">
-                        <a:lnSpc>
-                          <a:spcPct val="100000"/>
-                        </a:lnSpc>
-                        <a:spcBef>
-                          <a:spcPts val="0"/>
-                        </a:spcBef>
-                        <a:spcAft>
-                          <a:spcPts val="0"/>
-                        </a:spcAft>
-                        <a:buClrTx/>
-                        <a:buSzTx/>
-                        <a:buFontTx/>
-                        <a:buNone/>
-                        <a:tabLst/>
-                        <a:defRPr/>
-                      </a:pPr>
-                      <a:r>
-                        <a:rPr lang="es-AR" dirty="0" smtClean="0"/>
-                        <a:t>16-Sep</a:t>
-                      </a:r>
-                    </a:p>
-                  </a:txBody>
-                  <a:tcPr/>
-                </a:tc>
-                <a:tc>
-                  <a:txBody>
-                    <a:bodyPr/>
-                    <a:lstStyle/>
-                    <a:p>
-                      <a:pPr algn="ctr"/>
-                      <a:r>
-                        <a:rPr lang="es-AR" dirty="0" smtClean="0"/>
-                        <a:t>Alta</a:t>
-                      </a:r>
-                      <a:endParaRPr lang="es-AR" dirty="0"/>
-                    </a:p>
-                  </a:txBody>
-                  <a:tcPr/>
-                </a:tc>
-              </a:tr>
-              <a:tr h="524464">
-                <a:tc>
-                  <a:txBody>
-                    <a:bodyPr/>
-                    <a:lstStyle/>
-                    <a:p>
-                      <a:pPr marL="0" marR="0" lvl="0" indent="0" algn="l" defTabSz="914400" rtl="0" eaLnBrk="1" fontAlgn="auto" latinLnBrk="0" hangingPunct="1">
-                        <a:lnSpc>
-                          <a:spcPct val="100000"/>
-                        </a:lnSpc>
-                        <a:spcBef>
-                          <a:spcPts val="0"/>
-                        </a:spcBef>
-                        <a:spcAft>
-                          <a:spcPts val="0"/>
-                        </a:spcAft>
-                        <a:buClrTx/>
-                        <a:buSzTx/>
-                        <a:buFontTx/>
-                        <a:buNone/>
-                        <a:tabLst/>
-                        <a:defRPr/>
-                      </a:pPr>
-                      <a:r>
-                        <a:rPr lang="es-AR" dirty="0" smtClean="0"/>
-                        <a:t>Completar</a:t>
-                      </a:r>
-                      <a:r>
-                        <a:rPr lang="es-AR" baseline="0" dirty="0" smtClean="0"/>
-                        <a:t> CU11 – Informe mesa de examen</a:t>
-                      </a:r>
-                      <a:endParaRPr lang="es-AR" dirty="0" smtClean="0"/>
-                    </a:p>
-                  </a:txBody>
-                  <a:tcPr/>
-                </a:tc>
-                <a:tc>
-                  <a:txBody>
-                    <a:bodyPr/>
-                    <a:lstStyle/>
-                    <a:p>
-                      <a:pPr marL="0" marR="0" lvl="0" indent="0" algn="ctr" defTabSz="914400" rtl="0" eaLnBrk="1" fontAlgn="auto" latinLnBrk="0" hangingPunct="1">
-                        <a:lnSpc>
-                          <a:spcPct val="100000"/>
-                        </a:lnSpc>
-                        <a:spcBef>
-                          <a:spcPts val="0"/>
-                        </a:spcBef>
-                        <a:spcAft>
-                          <a:spcPts val="0"/>
-                        </a:spcAft>
-                        <a:buClrTx/>
-                        <a:buSzTx/>
-                        <a:buFontTx/>
-                        <a:buNone/>
-                        <a:tabLst/>
-                        <a:defRPr/>
-                      </a:pPr>
-                      <a:r>
-                        <a:rPr lang="es-AR" dirty="0" smtClean="0"/>
-                        <a:t>01-Sep</a:t>
-                      </a:r>
-                    </a:p>
-                  </a:txBody>
-                  <a:tcPr/>
-                </a:tc>
-                <a:tc>
-                  <a:txBody>
-                    <a:bodyPr/>
-                    <a:lstStyle/>
-                    <a:p>
-                      <a:pPr marL="0" marR="0" lvl="0" indent="0" algn="ctr" defTabSz="914400" rtl="0" eaLnBrk="1" fontAlgn="auto" latinLnBrk="0" hangingPunct="1">
-                        <a:lnSpc>
-                          <a:spcPct val="100000"/>
-                        </a:lnSpc>
-                        <a:spcBef>
-                          <a:spcPts val="0"/>
-                        </a:spcBef>
-                        <a:spcAft>
-                          <a:spcPts val="0"/>
-                        </a:spcAft>
-                        <a:buClrTx/>
-                        <a:buSzTx/>
-                        <a:buFontTx/>
-                        <a:buNone/>
-                        <a:tabLst/>
-                        <a:defRPr/>
-                      </a:pPr>
-                      <a:r>
-                        <a:rPr lang="es-AR" dirty="0" smtClean="0"/>
-                        <a:t>16-Sep</a:t>
-                      </a:r>
-                    </a:p>
-                  </a:txBody>
-                  <a:tcPr/>
-                </a:tc>
-                <a:tc>
-                  <a:txBody>
-                    <a:bodyPr/>
-                    <a:lstStyle/>
-                    <a:p>
-                      <a:pPr algn="ctr"/>
-                      <a:r>
-                        <a:rPr lang="es-AR" dirty="0" smtClean="0"/>
-                        <a:t>Alta</a:t>
-                      </a:r>
-                      <a:endParaRPr lang="es-AR" dirty="0"/>
-                    </a:p>
-                  </a:txBody>
-                  <a:tcPr/>
-                </a:tc>
-              </a:tr>
-              <a:tr h="524464">
-                <a:tc>
-                  <a:txBody>
-                    <a:bodyPr/>
-                    <a:lstStyle/>
-                    <a:p>
-                      <a:pPr marL="0" marR="0" lvl="0" indent="0" algn="l" defTabSz="914400" rtl="0" eaLnBrk="1" fontAlgn="auto" latinLnBrk="0" hangingPunct="1">
-                        <a:lnSpc>
-                          <a:spcPct val="100000"/>
-                        </a:lnSpc>
-                        <a:spcBef>
-                          <a:spcPts val="0"/>
-                        </a:spcBef>
-                        <a:spcAft>
-                          <a:spcPts val="0"/>
-                        </a:spcAft>
-                        <a:buClrTx/>
-                        <a:buSzTx/>
-                        <a:buFontTx/>
-                        <a:buNone/>
-                        <a:tabLst/>
-                        <a:defRPr/>
-                      </a:pPr>
-                      <a:r>
-                        <a:rPr lang="es-AR" dirty="0" smtClean="0"/>
-                        <a:t>Iniciar</a:t>
-                      </a:r>
-                      <a:r>
-                        <a:rPr lang="es-AR" baseline="0" dirty="0" smtClean="0"/>
-                        <a:t> manual de usuario (APP)</a:t>
-                      </a:r>
-                      <a:endParaRPr lang="es-AR" dirty="0" smtClean="0"/>
-                    </a:p>
-                  </a:txBody>
-                  <a:tcPr/>
-                </a:tc>
-                <a:tc>
-                  <a:txBody>
-                    <a:bodyPr/>
-                    <a:lstStyle/>
-                    <a:p>
-                      <a:pPr marL="0" marR="0" lvl="0" indent="0" algn="ctr" defTabSz="914400" rtl="0" eaLnBrk="1" fontAlgn="auto" latinLnBrk="0" hangingPunct="1">
-                        <a:lnSpc>
-                          <a:spcPct val="100000"/>
-                        </a:lnSpc>
-                        <a:spcBef>
-                          <a:spcPts val="0"/>
-                        </a:spcBef>
-                        <a:spcAft>
-                          <a:spcPts val="0"/>
-                        </a:spcAft>
-                        <a:buClrTx/>
-                        <a:buSzTx/>
-                        <a:buFontTx/>
-                        <a:buNone/>
-                        <a:tabLst/>
-                        <a:defRPr/>
-                      </a:pPr>
-                      <a:r>
-                        <a:rPr lang="es-AR" dirty="0" smtClean="0"/>
-                        <a:t>01-Sep</a:t>
-                      </a:r>
-                    </a:p>
-                  </a:txBody>
-                  <a:tcPr/>
-                </a:tc>
-                <a:tc>
-                  <a:txBody>
-                    <a:bodyPr/>
-                    <a:lstStyle/>
-                    <a:p>
-                      <a:pPr marL="0" marR="0" lvl="0" indent="0" algn="ctr" defTabSz="914400" rtl="0" eaLnBrk="1" fontAlgn="auto" latinLnBrk="0" hangingPunct="1">
-                        <a:lnSpc>
-                          <a:spcPct val="100000"/>
-                        </a:lnSpc>
-                        <a:spcBef>
-                          <a:spcPts val="0"/>
-                        </a:spcBef>
-                        <a:spcAft>
-                          <a:spcPts val="0"/>
-                        </a:spcAft>
-                        <a:buClrTx/>
-                        <a:buSzTx/>
-                        <a:buFontTx/>
-                        <a:buNone/>
-                        <a:tabLst/>
-                        <a:defRPr/>
-                      </a:pPr>
-                      <a:r>
-                        <a:rPr lang="es-AR" dirty="0" smtClean="0"/>
-                        <a:t>16-Sep</a:t>
-                      </a:r>
-                    </a:p>
-                  </a:txBody>
-                  <a:tcPr/>
-                </a:tc>
-                <a:tc>
-                  <a:txBody>
-                    <a:bodyPr/>
-                    <a:lstStyle/>
-                    <a:p>
-                      <a:pPr algn="ctr"/>
-                      <a:r>
-                        <a:rPr lang="es-AR" dirty="0" smtClean="0"/>
-                        <a:t>Media</a:t>
-                      </a:r>
-                      <a:endParaRPr lang="es-AR" dirty="0"/>
-                    </a:p>
-                  </a:txBody>
-                  <a:tcPr/>
-                </a:tc>
-              </a:tr>
-            </a:tbl>
-          </a:graphicData>
-        </a:graphic>
-      </p:graphicFrame>
-      <p:sp>
-        <p:nvSpPr>
-          <p:cNvPr id="8" name="Marcador de contenido 1"/>
-          <p:cNvSpPr>
-            <a:spLocks noGrp="1"/>
-          </p:cNvSpPr>
-          <p:nvPr>
-            <p:ph idx="1"/>
-          </p:nvPr>
-        </p:nvSpPr>
-        <p:spPr>
-          <a:xfrm>
-            <a:off x="168970" y="1507277"/>
-            <a:ext cx="11847838" cy="509538"/>
-          </a:xfrm>
-        </p:spPr>
-        <p:txBody>
-          <a:bodyPr>
-            <a:normAutofit/>
-          </a:bodyPr>
-          <a:lstStyle/>
-          <a:p>
-            <a:pPr marL="0" indent="0" algn="ctr">
-              <a:spcBef>
-                <a:spcPts val="1200"/>
-              </a:spcBef>
-              <a:spcAft>
-                <a:spcPts val="600"/>
-              </a:spcAft>
-              <a:buNone/>
-            </a:pPr>
-            <a:r>
-              <a:rPr lang="es-AR" dirty="0" smtClean="0"/>
-              <a:t>Oyarzo Mariela</a:t>
-            </a:r>
-          </a:p>
-        </p:txBody>
-      </p:sp>
-    </p:spTree>
-    <p:extLst>
-      <p:ext uri="{BB962C8B-B14F-4D97-AF65-F5344CB8AC3E}">
-        <p14:creationId xmlns:p14="http://schemas.microsoft.com/office/powerpoint/2010/main" val="3837480749"/>
-      </p:ext>
-    </p:extLst>
-  </p:cSld>
-  <p:clrMapOvr>
-    <a:masterClrMapping/>
-  </p:clrMapOvr>
-  <mc:AlternateContent xmlns:mc="http://schemas.openxmlformats.org/markup-compatibility/2006" xmlns:p14="http://schemas.microsoft.com/office/powerpoint/2010/main">
-    <mc:Choice Requires="p14">
-      <p:transition spd="slow">
-        <p14:reveal/>
-      </p:transition>
-    </mc:Choice>
-    <mc:Fallback xmlns="">
-      <p:transition spd="slow">
-        <p:fade/>
-      </p:transition>
-    </mc:Fallback>
-  </mc:AlternateContent>
-  <p:timing>
-    <p:tnLst>
-      <p:par>
-        <p:cTn id="1" dur="indefinite" restart="never" nodeType="tmRoot"/>
-      </p:par>
-    </p:tnLst>
-  </p:timing>
-</p:sld>
-</file>
-
-<file path=ppt/slides/slide16.xml><?xml version="1.0" encoding="utf-8"?>
-<p:sld xmlns:a="http://schemas.openxmlformats.org/drawingml/2006/main" xmlns:r="http://schemas.openxmlformats.org/officeDocument/2006/relationships" xmlns:p="http://schemas.openxmlformats.org/presentationml/2006/main">
-  <p:cSld>
-    <p:spTree>
-      <p:nvGrpSpPr>
-        <p:cNvPr id="1" name=""/>
-        <p:cNvGrpSpPr/>
-        <p:nvPr/>
-      </p:nvGrpSpPr>
-      <p:grpSpPr>
-        <a:xfrm>
-          <a:off x="0" y="0"/>
-          <a:ext cx="0" cy="0"/>
-          <a:chOff x="0" y="0"/>
-          <a:chExt cx="0" cy="0"/>
-        </a:xfrm>
-      </p:grpSpPr>
-      <p:sp>
-        <p:nvSpPr>
-          <p:cNvPr id="3" name="Título 2"/>
-          <p:cNvSpPr>
-            <a:spLocks noGrp="1"/>
-          </p:cNvSpPr>
-          <p:nvPr>
-            <p:ph type="title"/>
-          </p:nvPr>
-        </p:nvSpPr>
-        <p:spPr/>
-        <p:txBody>
-          <a:bodyPr/>
-          <a:lstStyle/>
-          <a:p>
-            <a:r>
-              <a:rPr lang="es-AR" dirty="0" smtClean="0"/>
-              <a:t>Planificación Iteración 4</a:t>
-            </a:r>
-            <a:endParaRPr lang="es-AR" dirty="0"/>
-          </a:p>
-        </p:txBody>
-      </p:sp>
-      <p:sp>
-        <p:nvSpPr>
-          <p:cNvPr id="4" name="Marcador de pie de página 3"/>
-          <p:cNvSpPr>
-            <a:spLocks noGrp="1"/>
-          </p:cNvSpPr>
-          <p:nvPr>
-            <p:ph type="ftr" sz="quarter" idx="11"/>
-          </p:nvPr>
-        </p:nvSpPr>
-        <p:spPr/>
-        <p:txBody>
-          <a:bodyPr/>
-          <a:lstStyle/>
-          <a:p>
-            <a:r>
-              <a:rPr lang="es-AR" smtClean="0"/>
-              <a:t>OYARZO Mariela – QUIROGA Sandra – MÁRQUEZ EMANUEL</a:t>
-            </a:r>
-            <a:endParaRPr lang="es-AR" dirty="0"/>
-          </a:p>
-        </p:txBody>
-      </p:sp>
-      <p:sp>
-        <p:nvSpPr>
-          <p:cNvPr id="5" name="Marcador de número de diapositiva 4"/>
-          <p:cNvSpPr>
-            <a:spLocks noGrp="1"/>
-          </p:cNvSpPr>
-          <p:nvPr>
-            <p:ph type="sldNum" sz="quarter" idx="12"/>
-          </p:nvPr>
-        </p:nvSpPr>
-        <p:spPr/>
-        <p:txBody>
-          <a:bodyPr/>
-          <a:lstStyle/>
-          <a:p>
-            <a:fld id="{779E3280-5C43-43EF-BE7D-8C553A58A779}" type="slidenum">
-              <a:rPr lang="es-AR" smtClean="0"/>
-              <a:pPr/>
-              <a:t>16</a:t>
-            </a:fld>
-            <a:endParaRPr lang="es-AR" dirty="0"/>
-          </a:p>
-        </p:txBody>
-      </p:sp>
-      <p:graphicFrame>
-        <p:nvGraphicFramePr>
-          <p:cNvPr id="7" name="Tabla 6"/>
-          <p:cNvGraphicFramePr>
-            <a:graphicFrameLocks noGrp="1"/>
-          </p:cNvGraphicFramePr>
-          <p:nvPr>
-            <p:extLst>
-              <p:ext uri="{D42A27DB-BD31-4B8C-83A1-F6EECF244321}">
-                <p14:modId xmlns:p14="http://schemas.microsoft.com/office/powerpoint/2010/main" val="666159431"/>
-              </p:ext>
-            </p:extLst>
-          </p:nvPr>
-        </p:nvGraphicFramePr>
-        <p:xfrm>
-          <a:off x="913098" y="2310304"/>
-          <a:ext cx="10248341" cy="3610383"/>
-        </p:xfrm>
-        <a:graphic>
-          <a:graphicData uri="http://schemas.openxmlformats.org/drawingml/2006/table">
-            <a:tbl>
-              <a:tblPr firstRow="1" bandRow="1">
-                <a:tableStyleId>{6E25E649-3F16-4E02-A733-19D2CDBF48F0}</a:tableStyleId>
-              </a:tblPr>
-              <a:tblGrid>
-                <a:gridCol w="6004888"/>
-                <a:gridCol w="1387796"/>
-                <a:gridCol w="1120912"/>
-                <a:gridCol w="1734745"/>
-              </a:tblGrid>
-              <a:tr h="515769">
-                <a:tc>
-                  <a:txBody>
-                    <a:bodyPr/>
-                    <a:lstStyle/>
-                    <a:p>
-                      <a:pPr algn="ctr"/>
-                      <a:r>
-                        <a:rPr lang="es-AR" sz="1900" dirty="0" smtClean="0">
-                          <a:solidFill>
-                            <a:schemeClr val="bg1"/>
-                          </a:solidFill>
-                        </a:rPr>
-                        <a:t>Nombre de la tarea</a:t>
-                      </a:r>
-                      <a:endParaRPr lang="es-AR" sz="1900" dirty="0">
-                        <a:solidFill>
-                          <a:schemeClr val="bg1"/>
-                        </a:solidFill>
-                      </a:endParaRPr>
-                    </a:p>
-                  </a:txBody>
-                  <a:tcPr marL="97523" marR="97523" marT="48761" marB="48761"/>
-                </a:tc>
-                <a:tc>
-                  <a:txBody>
-                    <a:bodyPr/>
-                    <a:lstStyle/>
-                    <a:p>
-                      <a:pPr algn="ctr"/>
-                      <a:r>
-                        <a:rPr lang="es-AR" sz="1900" dirty="0" smtClean="0">
-                          <a:solidFill>
-                            <a:schemeClr val="bg1"/>
-                          </a:solidFill>
-                        </a:rPr>
-                        <a:t>Inicio</a:t>
-                      </a:r>
-                      <a:endParaRPr lang="es-AR" sz="1900" dirty="0">
-                        <a:solidFill>
-                          <a:schemeClr val="bg1"/>
-                        </a:solidFill>
-                      </a:endParaRPr>
-                    </a:p>
-                  </a:txBody>
-                  <a:tcPr marL="97523" marR="97523" marT="48761" marB="48761"/>
-                </a:tc>
-                <a:tc>
-                  <a:txBody>
-                    <a:bodyPr/>
-                    <a:lstStyle/>
-                    <a:p>
-                      <a:pPr algn="ctr"/>
-                      <a:r>
-                        <a:rPr lang="es-AR" sz="1900" dirty="0" smtClean="0">
-                          <a:solidFill>
-                            <a:schemeClr val="bg1"/>
-                          </a:solidFill>
-                        </a:rPr>
-                        <a:t>Fin</a:t>
-                      </a:r>
-                      <a:endParaRPr lang="es-AR" sz="1900" dirty="0">
-                        <a:solidFill>
-                          <a:schemeClr val="bg1"/>
-                        </a:solidFill>
-                      </a:endParaRPr>
-                    </a:p>
-                  </a:txBody>
-                  <a:tcPr marL="97523" marR="97523" marT="48761" marB="48761"/>
-                </a:tc>
-                <a:tc>
-                  <a:txBody>
-                    <a:bodyPr/>
-                    <a:lstStyle/>
-                    <a:p>
-                      <a:pPr algn="ctr"/>
-                      <a:r>
-                        <a:rPr lang="es-AR" sz="1900" dirty="0" smtClean="0">
-                          <a:solidFill>
-                            <a:schemeClr val="bg1"/>
-                          </a:solidFill>
-                        </a:rPr>
-                        <a:t>Prioridad</a:t>
-                      </a:r>
-                      <a:endParaRPr lang="es-AR" sz="1900" dirty="0">
-                        <a:solidFill>
-                          <a:schemeClr val="bg1"/>
-                        </a:solidFill>
-                      </a:endParaRPr>
-                    </a:p>
-                  </a:txBody>
-                  <a:tcPr marL="97523" marR="97523" marT="48761" marB="48761"/>
-                </a:tc>
-              </a:tr>
-              <a:tr h="515769">
-                <a:tc>
-                  <a:txBody>
-                    <a:bodyPr/>
-                    <a:lstStyle/>
-                    <a:p>
-                      <a:r>
-                        <a:rPr lang="es-AR" sz="1900" dirty="0" smtClean="0"/>
-                        <a:t>Modificar</a:t>
-                      </a:r>
-                      <a:r>
-                        <a:rPr lang="es-AR" sz="1900" baseline="0" dirty="0" smtClean="0"/>
-                        <a:t> CU10 – Notificar.</a:t>
-                      </a:r>
-                      <a:endParaRPr lang="es-AR" sz="1900" dirty="0"/>
-                    </a:p>
-                  </a:txBody>
-                  <a:tcPr marL="97523" marR="97523" marT="48761" marB="48761"/>
-                </a:tc>
-                <a:tc>
-                  <a:txBody>
-                    <a:bodyPr/>
-                    <a:lstStyle/>
-                    <a:p>
-                      <a:pPr algn="ctr"/>
-                      <a:r>
-                        <a:rPr lang="es-AR" sz="1900" dirty="0" smtClean="0"/>
-                        <a:t>01-Sep</a:t>
-                      </a:r>
-                      <a:endParaRPr lang="es-AR" sz="1900" dirty="0"/>
-                    </a:p>
-                  </a:txBody>
-                  <a:tcPr marL="97523" marR="97523" marT="48761" marB="48761"/>
-                </a:tc>
-                <a:tc>
-                  <a:txBody>
-                    <a:bodyPr/>
-                    <a:lstStyle/>
-                    <a:p>
-                      <a:pPr algn="ctr"/>
-                      <a:r>
-                        <a:rPr lang="es-AR" sz="1900" dirty="0" smtClean="0"/>
-                        <a:t>16-Sep</a:t>
-                      </a:r>
-                      <a:endParaRPr lang="es-AR" sz="1900" dirty="0"/>
-                    </a:p>
-                  </a:txBody>
-                  <a:tcPr marL="97523" marR="97523" marT="48761" marB="48761"/>
-                </a:tc>
-                <a:tc>
-                  <a:txBody>
-                    <a:bodyPr/>
-                    <a:lstStyle/>
-                    <a:p>
-                      <a:pPr algn="ctr"/>
-                      <a:r>
-                        <a:rPr lang="es-AR" sz="1900" dirty="0" smtClean="0"/>
-                        <a:t>Media</a:t>
-                      </a:r>
-                      <a:endParaRPr lang="es-AR" sz="1900" dirty="0"/>
-                    </a:p>
-                  </a:txBody>
-                  <a:tcPr marL="97523" marR="97523" marT="48761" marB="48761"/>
-                </a:tc>
-              </a:tr>
-              <a:tr h="515769">
-                <a:tc>
-                  <a:txBody>
-                    <a:bodyPr/>
-                    <a:lstStyle/>
-                    <a:p>
-                      <a:r>
-                        <a:rPr lang="es-AR" sz="1900" dirty="0" smtClean="0"/>
-                        <a:t>Modificar Modelo de Casos de Uso.</a:t>
-                      </a:r>
-                      <a:endParaRPr lang="es-AR" sz="1900" dirty="0"/>
-                    </a:p>
-                  </a:txBody>
-                  <a:tcPr marL="97523" marR="97523" marT="48761" marB="48761"/>
-                </a:tc>
-                <a:tc>
-                  <a:txBody>
-                    <a:bodyPr/>
-                    <a:lstStyle/>
-                    <a:p>
-                      <a:pPr marL="0" marR="0" lvl="0" indent="0" algn="ctr" defTabSz="914400" rtl="0" eaLnBrk="1" fontAlgn="auto" latinLnBrk="0" hangingPunct="1">
-                        <a:lnSpc>
-                          <a:spcPct val="100000"/>
-                        </a:lnSpc>
-                        <a:spcBef>
-                          <a:spcPts val="0"/>
-                        </a:spcBef>
-                        <a:spcAft>
-                          <a:spcPts val="0"/>
-                        </a:spcAft>
-                        <a:buClrTx/>
-                        <a:buSzTx/>
-                        <a:buFontTx/>
-                        <a:buNone/>
-                        <a:tabLst/>
-                        <a:defRPr/>
-                      </a:pPr>
-                      <a:r>
-                        <a:rPr lang="es-AR" sz="1900" dirty="0" smtClean="0"/>
-                        <a:t>01-Sep</a:t>
-                      </a:r>
-                    </a:p>
-                  </a:txBody>
-                  <a:tcPr marL="97523" marR="97523" marT="48761" marB="48761"/>
-                </a:tc>
-                <a:tc>
-                  <a:txBody>
-                    <a:bodyPr/>
-                    <a:lstStyle/>
-                    <a:p>
-                      <a:pPr marL="0" marR="0" lvl="0" indent="0" algn="ctr" defTabSz="914400" rtl="0" eaLnBrk="1" fontAlgn="auto" latinLnBrk="0" hangingPunct="1">
-                        <a:lnSpc>
-                          <a:spcPct val="100000"/>
-                        </a:lnSpc>
-                        <a:spcBef>
-                          <a:spcPts val="0"/>
-                        </a:spcBef>
-                        <a:spcAft>
-                          <a:spcPts val="0"/>
-                        </a:spcAft>
-                        <a:buClrTx/>
-                        <a:buSzTx/>
-                        <a:buFontTx/>
-                        <a:buNone/>
-                        <a:tabLst/>
-                        <a:defRPr/>
-                      </a:pPr>
-                      <a:r>
-                        <a:rPr lang="es-AR" sz="1900" dirty="0" smtClean="0"/>
-                        <a:t>16-Sep</a:t>
-                      </a:r>
-                    </a:p>
-                  </a:txBody>
-                  <a:tcPr marL="97523" marR="97523" marT="48761" marB="48761"/>
-                </a:tc>
-                <a:tc>
-                  <a:txBody>
-                    <a:bodyPr/>
-                    <a:lstStyle/>
-                    <a:p>
-                      <a:pPr algn="ctr"/>
-                      <a:r>
-                        <a:rPr lang="es-AR" sz="1900" dirty="0" smtClean="0"/>
-                        <a:t>Media</a:t>
-                      </a:r>
-                      <a:endParaRPr lang="es-AR" sz="1900" dirty="0"/>
-                    </a:p>
-                  </a:txBody>
-                  <a:tcPr marL="97523" marR="97523" marT="48761" marB="48761"/>
-                </a:tc>
-              </a:tr>
-              <a:tr h="515769">
-                <a:tc>
-                  <a:txBody>
-                    <a:bodyPr/>
-                    <a:lstStyle/>
-                    <a:p>
-                      <a:r>
-                        <a:rPr lang="es-AR" sz="1900" dirty="0" smtClean="0"/>
-                        <a:t>Continuar Arquitectura</a:t>
-                      </a:r>
-                      <a:r>
-                        <a:rPr lang="es-AR" sz="1900" baseline="0" dirty="0" smtClean="0"/>
-                        <a:t> del Sistema.</a:t>
-                      </a:r>
-                      <a:endParaRPr lang="es-AR" sz="1900" dirty="0"/>
-                    </a:p>
-                  </a:txBody>
-                  <a:tcPr marL="97523" marR="97523" marT="48761" marB="48761"/>
-                </a:tc>
-                <a:tc>
-                  <a:txBody>
-                    <a:bodyPr/>
-                    <a:lstStyle/>
-                    <a:p>
-                      <a:pPr marL="0" marR="0" lvl="0" indent="0" algn="ctr" defTabSz="914400" rtl="0" eaLnBrk="1" fontAlgn="auto" latinLnBrk="0" hangingPunct="1">
-                        <a:lnSpc>
-                          <a:spcPct val="100000"/>
-                        </a:lnSpc>
-                        <a:spcBef>
-                          <a:spcPts val="0"/>
-                        </a:spcBef>
-                        <a:spcAft>
-                          <a:spcPts val="0"/>
-                        </a:spcAft>
-                        <a:buClrTx/>
-                        <a:buSzTx/>
-                        <a:buFontTx/>
-                        <a:buNone/>
-                        <a:tabLst/>
-                        <a:defRPr/>
-                      </a:pPr>
-                      <a:r>
-                        <a:rPr lang="es-AR" sz="1900" dirty="0" smtClean="0"/>
-                        <a:t>01-Sep</a:t>
-                      </a:r>
-                    </a:p>
-                  </a:txBody>
-                  <a:tcPr marL="97523" marR="97523" marT="48761" marB="48761"/>
-                </a:tc>
-                <a:tc>
-                  <a:txBody>
-                    <a:bodyPr/>
-                    <a:lstStyle/>
-                    <a:p>
-                      <a:pPr marL="0" marR="0" lvl="0" indent="0" algn="ctr" defTabSz="914400" rtl="0" eaLnBrk="1" fontAlgn="auto" latinLnBrk="0" hangingPunct="1">
-                        <a:lnSpc>
-                          <a:spcPct val="100000"/>
-                        </a:lnSpc>
-                        <a:spcBef>
-                          <a:spcPts val="0"/>
-                        </a:spcBef>
-                        <a:spcAft>
-                          <a:spcPts val="0"/>
-                        </a:spcAft>
-                        <a:buClrTx/>
-                        <a:buSzTx/>
-                        <a:buFontTx/>
-                        <a:buNone/>
-                        <a:tabLst/>
-                        <a:defRPr/>
-                      </a:pPr>
-                      <a:r>
-                        <a:rPr lang="es-AR" sz="1900" dirty="0" smtClean="0"/>
-                        <a:t>16-Sep</a:t>
-                      </a:r>
-                    </a:p>
-                  </a:txBody>
-                  <a:tcPr marL="97523" marR="97523" marT="48761" marB="48761"/>
-                </a:tc>
-                <a:tc>
-                  <a:txBody>
-                    <a:bodyPr/>
-                    <a:lstStyle/>
-                    <a:p>
-                      <a:pPr algn="ctr"/>
-                      <a:r>
-                        <a:rPr lang="es-AR" sz="1900" dirty="0" smtClean="0"/>
-                        <a:t>Media</a:t>
-                      </a:r>
-                      <a:endParaRPr lang="es-AR" sz="1900" dirty="0"/>
-                    </a:p>
-                  </a:txBody>
-                  <a:tcPr marL="97523" marR="97523" marT="48761" marB="48761"/>
-                </a:tc>
-              </a:tr>
-              <a:tr h="515769">
-                <a:tc>
-                  <a:txBody>
-                    <a:bodyPr/>
-                    <a:lstStyle/>
-                    <a:p>
-                      <a:pPr marL="0" marR="0" lvl="0" indent="0" algn="l" defTabSz="914400" rtl="0" eaLnBrk="1" fontAlgn="auto" latinLnBrk="0" hangingPunct="1">
-                        <a:lnSpc>
-                          <a:spcPct val="100000"/>
-                        </a:lnSpc>
-                        <a:spcBef>
-                          <a:spcPts val="0"/>
-                        </a:spcBef>
-                        <a:spcAft>
-                          <a:spcPts val="0"/>
-                        </a:spcAft>
-                        <a:buClrTx/>
-                        <a:buSzTx/>
-                        <a:buFontTx/>
-                        <a:buNone/>
-                        <a:tabLst/>
-                        <a:defRPr/>
-                      </a:pPr>
-                      <a:r>
-                        <a:rPr lang="es-AR" sz="1900" dirty="0" smtClean="0"/>
-                        <a:t>Continuar Plan de Pruebas.</a:t>
-                      </a:r>
-                    </a:p>
-                  </a:txBody>
-                  <a:tcPr marL="97523" marR="97523" marT="48761" marB="48761"/>
-                </a:tc>
-                <a:tc>
-                  <a:txBody>
-                    <a:bodyPr/>
-                    <a:lstStyle/>
-                    <a:p>
-                      <a:pPr marL="0" marR="0" lvl="0" indent="0" algn="ctr" defTabSz="914400" rtl="0" eaLnBrk="1" fontAlgn="auto" latinLnBrk="0" hangingPunct="1">
-                        <a:lnSpc>
-                          <a:spcPct val="100000"/>
-                        </a:lnSpc>
-                        <a:spcBef>
-                          <a:spcPts val="0"/>
-                        </a:spcBef>
-                        <a:spcAft>
-                          <a:spcPts val="0"/>
-                        </a:spcAft>
-                        <a:buClrTx/>
-                        <a:buSzTx/>
-                        <a:buFontTx/>
-                        <a:buNone/>
-                        <a:tabLst/>
-                        <a:defRPr/>
-                      </a:pPr>
-                      <a:r>
-                        <a:rPr lang="es-AR" sz="1900" dirty="0" smtClean="0"/>
-                        <a:t>01-Sep</a:t>
-                      </a:r>
-                    </a:p>
-                  </a:txBody>
-                  <a:tcPr marL="97523" marR="97523" marT="48761" marB="48761"/>
-                </a:tc>
-                <a:tc>
-                  <a:txBody>
-                    <a:bodyPr/>
-                    <a:lstStyle/>
-                    <a:p>
-                      <a:pPr marL="0" marR="0" lvl="0" indent="0" algn="ctr" defTabSz="914400" rtl="0" eaLnBrk="1" fontAlgn="auto" latinLnBrk="0" hangingPunct="1">
-                        <a:lnSpc>
-                          <a:spcPct val="100000"/>
-                        </a:lnSpc>
-                        <a:spcBef>
-                          <a:spcPts val="0"/>
-                        </a:spcBef>
-                        <a:spcAft>
-                          <a:spcPts val="0"/>
-                        </a:spcAft>
-                        <a:buClrTx/>
-                        <a:buSzTx/>
-                        <a:buFontTx/>
-                        <a:buNone/>
-                        <a:tabLst/>
-                        <a:defRPr/>
-                      </a:pPr>
-                      <a:r>
-                        <a:rPr lang="es-AR" sz="1900" dirty="0" smtClean="0"/>
-                        <a:t>16-Sep</a:t>
-                      </a:r>
-                    </a:p>
-                  </a:txBody>
-                  <a:tcPr marL="97523" marR="97523" marT="48761" marB="48761"/>
-                </a:tc>
-                <a:tc>
-                  <a:txBody>
-                    <a:bodyPr/>
-                    <a:lstStyle/>
-                    <a:p>
-                      <a:pPr algn="ctr"/>
-                      <a:r>
-                        <a:rPr lang="es-AR" sz="1900" dirty="0" smtClean="0"/>
-                        <a:t>Baja</a:t>
-                      </a:r>
-                      <a:endParaRPr lang="es-AR" sz="1900" dirty="0"/>
-                    </a:p>
-                  </a:txBody>
-                  <a:tcPr marL="97523" marR="97523" marT="48761" marB="48761"/>
-                </a:tc>
-              </a:tr>
-              <a:tr h="515769">
-                <a:tc>
-                  <a:txBody>
-                    <a:bodyPr/>
-                    <a:lstStyle/>
-                    <a:p>
-                      <a:pPr marL="0" marR="0" lvl="0" indent="0" algn="l" defTabSz="914400" rtl="0" eaLnBrk="1" fontAlgn="auto" latinLnBrk="0" hangingPunct="1">
-                        <a:lnSpc>
-                          <a:spcPct val="100000"/>
-                        </a:lnSpc>
-                        <a:spcBef>
-                          <a:spcPts val="0"/>
-                        </a:spcBef>
-                        <a:spcAft>
-                          <a:spcPts val="0"/>
-                        </a:spcAft>
-                        <a:buClrTx/>
-                        <a:buSzTx/>
-                        <a:buFontTx/>
-                        <a:buNone/>
-                        <a:tabLst/>
-                        <a:defRPr/>
-                      </a:pPr>
-                      <a:r>
-                        <a:rPr lang="es-AR" sz="1900" dirty="0" smtClean="0"/>
-                        <a:t>Finalizar CU04 – Buscar</a:t>
-                      </a:r>
-                      <a:r>
-                        <a:rPr lang="es-AR" sz="1900" baseline="0" dirty="0" smtClean="0"/>
-                        <a:t> horario de cursada (APP)</a:t>
-                      </a:r>
-                      <a:endParaRPr lang="es-AR" sz="1900" dirty="0" smtClean="0"/>
-                    </a:p>
-                  </a:txBody>
-                  <a:tcPr marL="97523" marR="97523" marT="48761" marB="48761"/>
-                </a:tc>
-                <a:tc>
-                  <a:txBody>
-                    <a:bodyPr/>
-                    <a:lstStyle/>
-                    <a:p>
-                      <a:pPr marL="0" marR="0" lvl="0" indent="0" algn="ctr" defTabSz="914400" rtl="0" eaLnBrk="1" fontAlgn="auto" latinLnBrk="0" hangingPunct="1">
-                        <a:lnSpc>
-                          <a:spcPct val="100000"/>
-                        </a:lnSpc>
-                        <a:spcBef>
-                          <a:spcPts val="0"/>
-                        </a:spcBef>
-                        <a:spcAft>
-                          <a:spcPts val="0"/>
-                        </a:spcAft>
-                        <a:buClrTx/>
-                        <a:buSzTx/>
-                        <a:buFontTx/>
-                        <a:buNone/>
-                        <a:tabLst/>
-                        <a:defRPr/>
-                      </a:pPr>
-                      <a:r>
-                        <a:rPr lang="es-AR" sz="1900" dirty="0" smtClean="0"/>
-                        <a:t>01-Sep</a:t>
-                      </a:r>
-                    </a:p>
-                  </a:txBody>
-                  <a:tcPr marL="97523" marR="97523" marT="48761" marB="48761"/>
-                </a:tc>
-                <a:tc>
-                  <a:txBody>
-                    <a:bodyPr/>
-                    <a:lstStyle/>
-                    <a:p>
-                      <a:pPr marL="0" marR="0" lvl="0" indent="0" algn="ctr" defTabSz="914400" rtl="0" eaLnBrk="1" fontAlgn="auto" latinLnBrk="0" hangingPunct="1">
-                        <a:lnSpc>
-                          <a:spcPct val="100000"/>
-                        </a:lnSpc>
-                        <a:spcBef>
-                          <a:spcPts val="0"/>
-                        </a:spcBef>
-                        <a:spcAft>
-                          <a:spcPts val="0"/>
-                        </a:spcAft>
-                        <a:buClrTx/>
-                        <a:buSzTx/>
-                        <a:buFontTx/>
-                        <a:buNone/>
-                        <a:tabLst/>
-                        <a:defRPr/>
-                      </a:pPr>
-                      <a:r>
-                        <a:rPr lang="es-AR" sz="1900" dirty="0" smtClean="0"/>
-                        <a:t>16-Sep</a:t>
-                      </a:r>
-                    </a:p>
-                  </a:txBody>
-                  <a:tcPr marL="97523" marR="97523" marT="48761" marB="48761"/>
-                </a:tc>
-                <a:tc>
-                  <a:txBody>
-                    <a:bodyPr/>
-                    <a:lstStyle/>
-                    <a:p>
-                      <a:pPr algn="ctr"/>
-                      <a:r>
-                        <a:rPr lang="es-AR" sz="1900" dirty="0" smtClean="0"/>
-                        <a:t>Alta</a:t>
-                      </a:r>
-                      <a:endParaRPr lang="es-AR" sz="1900" dirty="0"/>
-                    </a:p>
-                  </a:txBody>
-                  <a:tcPr marL="97523" marR="97523" marT="48761" marB="48761"/>
-                </a:tc>
-              </a:tr>
-              <a:tr h="515769">
-                <a:tc>
-                  <a:txBody>
-                    <a:bodyPr/>
-                    <a:lstStyle/>
-                    <a:p>
-                      <a:pPr marL="0" marR="0" lvl="0" indent="0" algn="l" defTabSz="914400" rtl="0" eaLnBrk="1" fontAlgn="auto" latinLnBrk="0" hangingPunct="1">
-                        <a:lnSpc>
-                          <a:spcPct val="100000"/>
-                        </a:lnSpc>
-                        <a:spcBef>
-                          <a:spcPts val="0"/>
-                        </a:spcBef>
-                        <a:spcAft>
-                          <a:spcPts val="0"/>
-                        </a:spcAft>
-                        <a:buClrTx/>
-                        <a:buSzTx/>
-                        <a:buFontTx/>
-                        <a:buNone/>
-                        <a:tabLst/>
-                        <a:defRPr/>
-                      </a:pPr>
-                      <a:r>
-                        <a:rPr lang="es-AR" sz="1900" dirty="0" smtClean="0"/>
-                        <a:t>Implementar</a:t>
-                      </a:r>
-                      <a:r>
-                        <a:rPr lang="es-AR" sz="1900" baseline="0" dirty="0" smtClean="0"/>
-                        <a:t> CU10 – Notificar.</a:t>
-                      </a:r>
-                      <a:endParaRPr lang="es-AR" sz="1900" dirty="0" smtClean="0"/>
-                    </a:p>
-                  </a:txBody>
-                  <a:tcPr marL="97523" marR="97523" marT="48761" marB="48761"/>
-                </a:tc>
-                <a:tc>
-                  <a:txBody>
-                    <a:bodyPr/>
-                    <a:lstStyle/>
-                    <a:p>
-                      <a:pPr marL="0" marR="0" lvl="0" indent="0" algn="ctr" defTabSz="914400" rtl="0" eaLnBrk="1" fontAlgn="auto" latinLnBrk="0" hangingPunct="1">
-                        <a:lnSpc>
-                          <a:spcPct val="100000"/>
-                        </a:lnSpc>
-                        <a:spcBef>
-                          <a:spcPts val="0"/>
-                        </a:spcBef>
-                        <a:spcAft>
-                          <a:spcPts val="0"/>
-                        </a:spcAft>
-                        <a:buClrTx/>
-                        <a:buSzTx/>
-                        <a:buFontTx/>
-                        <a:buNone/>
-                        <a:tabLst/>
-                        <a:defRPr/>
-                      </a:pPr>
-                      <a:r>
-                        <a:rPr lang="es-AR" sz="1900" dirty="0" smtClean="0"/>
-                        <a:t>01-Sep</a:t>
-                      </a:r>
-                    </a:p>
-                  </a:txBody>
-                  <a:tcPr marL="97523" marR="97523" marT="48761" marB="48761"/>
-                </a:tc>
-                <a:tc>
-                  <a:txBody>
-                    <a:bodyPr/>
-                    <a:lstStyle/>
-                    <a:p>
-                      <a:pPr marL="0" marR="0" lvl="0" indent="0" algn="ctr" defTabSz="914400" rtl="0" eaLnBrk="1" fontAlgn="auto" latinLnBrk="0" hangingPunct="1">
-                        <a:lnSpc>
-                          <a:spcPct val="100000"/>
-                        </a:lnSpc>
-                        <a:spcBef>
-                          <a:spcPts val="0"/>
-                        </a:spcBef>
-                        <a:spcAft>
-                          <a:spcPts val="0"/>
-                        </a:spcAft>
-                        <a:buClrTx/>
-                        <a:buSzTx/>
-                        <a:buFontTx/>
-                        <a:buNone/>
-                        <a:tabLst/>
-                        <a:defRPr/>
-                      </a:pPr>
-                      <a:r>
-                        <a:rPr lang="es-AR" sz="1900" dirty="0" smtClean="0"/>
-                        <a:t>16-Sep</a:t>
-                      </a:r>
-                    </a:p>
-                  </a:txBody>
-                  <a:tcPr marL="97523" marR="97523" marT="48761" marB="48761"/>
-                </a:tc>
-                <a:tc>
-                  <a:txBody>
-                    <a:bodyPr/>
-                    <a:lstStyle/>
-                    <a:p>
-                      <a:pPr algn="ctr"/>
-                      <a:r>
-                        <a:rPr lang="es-AR" sz="1900" dirty="0" smtClean="0"/>
-                        <a:t>Alta</a:t>
-                      </a:r>
-                      <a:endParaRPr lang="es-AR" sz="1900" dirty="0"/>
-                    </a:p>
-                  </a:txBody>
-                  <a:tcPr marL="97523" marR="97523" marT="48761" marB="48761"/>
-                </a:tc>
-              </a:tr>
-            </a:tbl>
-          </a:graphicData>
-        </a:graphic>
-      </p:graphicFrame>
-      <p:sp>
-        <p:nvSpPr>
-          <p:cNvPr id="8" name="Marcador de contenido 1"/>
-          <p:cNvSpPr>
-            <a:spLocks noGrp="1"/>
-          </p:cNvSpPr>
-          <p:nvPr>
-            <p:ph idx="1"/>
-          </p:nvPr>
-        </p:nvSpPr>
-        <p:spPr>
-          <a:xfrm>
-            <a:off x="168970" y="1544452"/>
-            <a:ext cx="11847838" cy="509538"/>
-          </a:xfrm>
-        </p:spPr>
-        <p:txBody>
-          <a:bodyPr>
-            <a:normAutofit/>
-          </a:bodyPr>
-          <a:lstStyle/>
-          <a:p>
-            <a:pPr marL="0" indent="0" algn="ctr">
-              <a:spcBef>
-                <a:spcPts val="1200"/>
-              </a:spcBef>
-              <a:spcAft>
-                <a:spcPts val="600"/>
-              </a:spcAft>
-              <a:buNone/>
-            </a:pPr>
-            <a:r>
-              <a:rPr lang="es-AR" dirty="0" smtClean="0"/>
-              <a:t>Quiroga Sandra</a:t>
-            </a:r>
-          </a:p>
-        </p:txBody>
-      </p:sp>
-    </p:spTree>
-    <p:extLst>
-      <p:ext uri="{BB962C8B-B14F-4D97-AF65-F5344CB8AC3E}">
-        <p14:creationId xmlns:p14="http://schemas.microsoft.com/office/powerpoint/2010/main" val="1535279991"/>
-      </p:ext>
-    </p:extLst>
-  </p:cSld>
-  <p:clrMapOvr>
-    <a:masterClrMapping/>
-  </p:clrMapOvr>
-  <mc:AlternateContent xmlns:mc="http://schemas.openxmlformats.org/markup-compatibility/2006" xmlns:p14="http://schemas.microsoft.com/office/powerpoint/2010/main">
-    <mc:Choice Requires="p14">
-      <p:transition spd="slow">
-        <p14:reveal/>
-      </p:transition>
-    </mc:Choice>
-    <mc:Fallback xmlns="">
-      <p:transition spd="slow">
-        <p:fade/>
-      </p:transition>
-    </mc:Fallback>
-  </mc:AlternateContent>
-  <p:timing>
-    <p:tnLst>
-      <p:par>
-        <p:cTn id="1" dur="indefinite" restart="never" nodeType="tmRoot"/>
-      </p:par>
-    </p:tnLst>
-  </p:timing>
-</p:sld>
-</file>
-
-<file path=ppt/slides/slide17.xml><?xml version="1.0" encoding="utf-8"?>
-<p:sld xmlns:a="http://schemas.openxmlformats.org/drawingml/2006/main" xmlns:r="http://schemas.openxmlformats.org/officeDocument/2006/relationships" xmlns:p="http://schemas.openxmlformats.org/presentationml/2006/main">
-  <p:cSld>
-    <p:spTree>
-      <p:nvGrpSpPr>
-        <p:cNvPr id="1" name=""/>
-        <p:cNvGrpSpPr/>
-        <p:nvPr/>
-      </p:nvGrpSpPr>
-      <p:grpSpPr>
-        <a:xfrm>
-          <a:off x="0" y="0"/>
-          <a:ext cx="0" cy="0"/>
-          <a:chOff x="0" y="0"/>
-          <a:chExt cx="0" cy="0"/>
-        </a:xfrm>
-      </p:grpSpPr>
-      <p:sp>
-        <p:nvSpPr>
-          <p:cNvPr id="3" name="Título 2"/>
-          <p:cNvSpPr>
-            <a:spLocks noGrp="1"/>
-          </p:cNvSpPr>
-          <p:nvPr>
-            <p:ph type="title"/>
-          </p:nvPr>
-        </p:nvSpPr>
-        <p:spPr/>
-        <p:txBody>
-          <a:bodyPr/>
-          <a:lstStyle/>
-          <a:p>
-            <a:r>
-              <a:rPr lang="es-AR" dirty="0" smtClean="0"/>
-              <a:t>Planificación Iteración 4</a:t>
-            </a:r>
-            <a:endParaRPr lang="es-AR" dirty="0"/>
-          </a:p>
-        </p:txBody>
-      </p:sp>
-      <p:sp>
-        <p:nvSpPr>
-          <p:cNvPr id="4" name="Marcador de pie de página 3"/>
-          <p:cNvSpPr>
-            <a:spLocks noGrp="1"/>
-          </p:cNvSpPr>
-          <p:nvPr>
-            <p:ph type="ftr" sz="quarter" idx="11"/>
-          </p:nvPr>
-        </p:nvSpPr>
-        <p:spPr/>
-        <p:txBody>
-          <a:bodyPr/>
-          <a:lstStyle/>
-          <a:p>
-            <a:r>
-              <a:rPr lang="es-AR" smtClean="0"/>
-              <a:t>OYARZO Mariela – QUIROGA Sandra – MÁRQUEZ EMANUEL</a:t>
-            </a:r>
-            <a:endParaRPr lang="es-AR" dirty="0"/>
-          </a:p>
-        </p:txBody>
-      </p:sp>
-      <p:sp>
-        <p:nvSpPr>
-          <p:cNvPr id="5" name="Marcador de número de diapositiva 4"/>
-          <p:cNvSpPr>
-            <a:spLocks noGrp="1"/>
-          </p:cNvSpPr>
-          <p:nvPr>
-            <p:ph type="sldNum" sz="quarter" idx="12"/>
-          </p:nvPr>
-        </p:nvSpPr>
-        <p:spPr/>
-        <p:txBody>
-          <a:bodyPr/>
-          <a:lstStyle/>
-          <a:p>
-            <a:fld id="{779E3280-5C43-43EF-BE7D-8C553A58A779}" type="slidenum">
-              <a:rPr lang="es-AR" smtClean="0"/>
-              <a:pPr/>
-              <a:t>17</a:t>
-            </a:fld>
-            <a:endParaRPr lang="es-AR" dirty="0"/>
-          </a:p>
-        </p:txBody>
-      </p:sp>
-      <p:graphicFrame>
-        <p:nvGraphicFramePr>
-          <p:cNvPr id="7" name="Tabla 6"/>
-          <p:cNvGraphicFramePr>
-            <a:graphicFrameLocks noGrp="1"/>
-          </p:cNvGraphicFramePr>
-          <p:nvPr>
-            <p:extLst>
-              <p:ext uri="{D42A27DB-BD31-4B8C-83A1-F6EECF244321}">
-                <p14:modId xmlns:p14="http://schemas.microsoft.com/office/powerpoint/2010/main" val="1344923249"/>
-              </p:ext>
-            </p:extLst>
-          </p:nvPr>
-        </p:nvGraphicFramePr>
-        <p:xfrm>
-          <a:off x="634620" y="2004118"/>
-          <a:ext cx="11013743" cy="4352400"/>
-        </p:xfrm>
-        <a:graphic>
-          <a:graphicData uri="http://schemas.openxmlformats.org/drawingml/2006/table">
-            <a:tbl>
-              <a:tblPr firstRow="1" bandRow="1">
-                <a:tableStyleId>{6E25E649-3F16-4E02-A733-19D2CDBF48F0}</a:tableStyleId>
-              </a:tblPr>
-              <a:tblGrid>
-                <a:gridCol w="6453366"/>
-                <a:gridCol w="1491444"/>
-                <a:gridCol w="1204628"/>
-                <a:gridCol w="1864305"/>
-              </a:tblGrid>
-              <a:tr h="483600">
-                <a:tc>
-                  <a:txBody>
-                    <a:bodyPr/>
-                    <a:lstStyle/>
-                    <a:p>
-                      <a:pPr algn="ctr"/>
-                      <a:r>
-                        <a:rPr lang="es-AR" dirty="0" smtClean="0">
-                          <a:solidFill>
-                            <a:schemeClr val="bg1"/>
-                          </a:solidFill>
-                        </a:rPr>
-                        <a:t>Nombre de la tarea</a:t>
-                      </a:r>
-                      <a:endParaRPr lang="es-AR" dirty="0">
-                        <a:solidFill>
-                          <a:schemeClr val="bg1"/>
-                        </a:solidFill>
-                      </a:endParaRPr>
-                    </a:p>
-                  </a:txBody>
-                  <a:tcPr/>
-                </a:tc>
-                <a:tc>
-                  <a:txBody>
-                    <a:bodyPr/>
-                    <a:lstStyle/>
-                    <a:p>
-                      <a:pPr algn="ctr"/>
-                      <a:r>
-                        <a:rPr lang="es-AR" dirty="0" smtClean="0">
-                          <a:solidFill>
-                            <a:schemeClr val="bg1"/>
-                          </a:solidFill>
-                        </a:rPr>
-                        <a:t>Inicio</a:t>
-                      </a:r>
-                      <a:endParaRPr lang="es-AR" dirty="0">
-                        <a:solidFill>
-                          <a:schemeClr val="bg1"/>
-                        </a:solidFill>
-                      </a:endParaRPr>
-                    </a:p>
-                  </a:txBody>
-                  <a:tcPr/>
-                </a:tc>
-                <a:tc>
-                  <a:txBody>
-                    <a:bodyPr/>
-                    <a:lstStyle/>
-                    <a:p>
-                      <a:pPr algn="ctr"/>
-                      <a:r>
-                        <a:rPr lang="es-AR" dirty="0" smtClean="0">
-                          <a:solidFill>
-                            <a:schemeClr val="bg1"/>
-                          </a:solidFill>
-                        </a:rPr>
-                        <a:t>Fin</a:t>
-                      </a:r>
-                      <a:endParaRPr lang="es-AR" dirty="0">
-                        <a:solidFill>
-                          <a:schemeClr val="bg1"/>
-                        </a:solidFill>
-                      </a:endParaRPr>
-                    </a:p>
-                  </a:txBody>
-                  <a:tcPr/>
-                </a:tc>
-                <a:tc>
-                  <a:txBody>
-                    <a:bodyPr/>
-                    <a:lstStyle/>
-                    <a:p>
-                      <a:pPr algn="ctr"/>
-                      <a:r>
-                        <a:rPr lang="es-AR" dirty="0" smtClean="0">
-                          <a:solidFill>
-                            <a:schemeClr val="bg1"/>
-                          </a:solidFill>
-                        </a:rPr>
-                        <a:t>Prioridad</a:t>
-                      </a:r>
-                      <a:endParaRPr lang="es-AR" dirty="0">
-                        <a:solidFill>
-                          <a:schemeClr val="bg1"/>
-                        </a:solidFill>
-                      </a:endParaRPr>
-                    </a:p>
-                  </a:txBody>
-                  <a:tcPr/>
-                </a:tc>
-              </a:tr>
-              <a:tr h="483600">
-                <a:tc>
-                  <a:txBody>
-                    <a:bodyPr/>
-                    <a:lstStyle/>
-                    <a:p>
-                      <a:r>
-                        <a:rPr lang="es-AR" dirty="0" smtClean="0"/>
-                        <a:t>Modificar CU06 – Modificar horario de cursada.</a:t>
-                      </a:r>
-                      <a:endParaRPr lang="es-AR" dirty="0"/>
-                    </a:p>
-                  </a:txBody>
-                  <a:tcPr/>
-                </a:tc>
-                <a:tc>
-                  <a:txBody>
-                    <a:bodyPr/>
-                    <a:lstStyle/>
-                    <a:p>
-                      <a:pPr algn="ctr"/>
-                      <a:r>
-                        <a:rPr lang="es-AR" dirty="0" smtClean="0"/>
-                        <a:t>01-Sep</a:t>
-                      </a:r>
-                      <a:endParaRPr lang="es-AR" dirty="0"/>
-                    </a:p>
-                  </a:txBody>
-                  <a:tcPr/>
-                </a:tc>
-                <a:tc>
-                  <a:txBody>
-                    <a:bodyPr/>
-                    <a:lstStyle/>
-                    <a:p>
-                      <a:pPr algn="ctr"/>
-                      <a:r>
-                        <a:rPr lang="es-AR" dirty="0" smtClean="0"/>
-                        <a:t>16-Sep</a:t>
-                      </a:r>
-                      <a:endParaRPr lang="es-AR" dirty="0"/>
-                    </a:p>
-                  </a:txBody>
-                  <a:tcPr/>
-                </a:tc>
-                <a:tc>
-                  <a:txBody>
-                    <a:bodyPr/>
-                    <a:lstStyle/>
-                    <a:p>
-                      <a:pPr algn="ctr"/>
-                      <a:r>
-                        <a:rPr lang="es-AR" dirty="0" smtClean="0"/>
-                        <a:t>Media</a:t>
-                      </a:r>
-                      <a:endParaRPr lang="es-AR" dirty="0"/>
-                    </a:p>
-                  </a:txBody>
-                  <a:tcPr/>
-                </a:tc>
-              </a:tr>
-              <a:tr h="483600">
-                <a:tc>
-                  <a:txBody>
-                    <a:bodyPr/>
-                    <a:lstStyle/>
-                    <a:p>
-                      <a:r>
-                        <a:rPr lang="es-AR" dirty="0" smtClean="0"/>
-                        <a:t>Modificar CU07 – Modificar mesa de examen.</a:t>
-                      </a:r>
-                      <a:endParaRPr lang="es-AR" dirty="0"/>
-                    </a:p>
-                  </a:txBody>
-                  <a:tcPr/>
-                </a:tc>
-                <a:tc>
-                  <a:txBody>
-                    <a:bodyPr/>
-                    <a:lstStyle/>
-                    <a:p>
-                      <a:pPr marL="0" marR="0" lvl="0" indent="0" algn="ctr" defTabSz="914400" rtl="0" eaLnBrk="1" fontAlgn="auto" latinLnBrk="0" hangingPunct="1">
-                        <a:lnSpc>
-                          <a:spcPct val="100000"/>
-                        </a:lnSpc>
-                        <a:spcBef>
-                          <a:spcPts val="0"/>
-                        </a:spcBef>
-                        <a:spcAft>
-                          <a:spcPts val="0"/>
-                        </a:spcAft>
-                        <a:buClrTx/>
-                        <a:buSzTx/>
-                        <a:buFontTx/>
-                        <a:buNone/>
-                        <a:tabLst/>
-                        <a:defRPr/>
-                      </a:pPr>
-                      <a:r>
-                        <a:rPr lang="es-AR" dirty="0" smtClean="0"/>
-                        <a:t>01-Sep</a:t>
-                      </a:r>
-                    </a:p>
-                  </a:txBody>
-                  <a:tcPr/>
-                </a:tc>
-                <a:tc>
-                  <a:txBody>
-                    <a:bodyPr/>
-                    <a:lstStyle/>
-                    <a:p>
-                      <a:pPr marL="0" marR="0" lvl="0" indent="0" algn="ctr" defTabSz="914400" rtl="0" eaLnBrk="1" fontAlgn="auto" latinLnBrk="0" hangingPunct="1">
-                        <a:lnSpc>
-                          <a:spcPct val="100000"/>
-                        </a:lnSpc>
-                        <a:spcBef>
-                          <a:spcPts val="0"/>
-                        </a:spcBef>
-                        <a:spcAft>
-                          <a:spcPts val="0"/>
-                        </a:spcAft>
-                        <a:buClrTx/>
-                        <a:buSzTx/>
-                        <a:buFontTx/>
-                        <a:buNone/>
-                        <a:tabLst/>
-                        <a:defRPr/>
-                      </a:pPr>
-                      <a:r>
-                        <a:rPr lang="es-AR" dirty="0" smtClean="0"/>
-                        <a:t>16-Sep</a:t>
-                      </a:r>
-                    </a:p>
-                  </a:txBody>
-                  <a:tcPr/>
-                </a:tc>
-                <a:tc>
-                  <a:txBody>
-                    <a:bodyPr/>
-                    <a:lstStyle/>
-                    <a:p>
-                      <a:pPr algn="ctr"/>
-                      <a:r>
-                        <a:rPr lang="es-AR" dirty="0" smtClean="0"/>
-                        <a:t>Media</a:t>
-                      </a:r>
-                      <a:endParaRPr lang="es-AR" dirty="0"/>
-                    </a:p>
-                  </a:txBody>
-                  <a:tcPr/>
-                </a:tc>
-              </a:tr>
-              <a:tr h="483600">
-                <a:tc>
-                  <a:txBody>
-                    <a:bodyPr/>
-                    <a:lstStyle/>
-                    <a:p>
-                      <a:r>
-                        <a:rPr lang="es-AR" dirty="0" smtClean="0"/>
-                        <a:t>Modificar Modelo de Datos.</a:t>
-                      </a:r>
-                      <a:endParaRPr lang="es-AR" dirty="0"/>
-                    </a:p>
-                  </a:txBody>
-                  <a:tcPr/>
-                </a:tc>
-                <a:tc>
-                  <a:txBody>
-                    <a:bodyPr/>
-                    <a:lstStyle/>
-                    <a:p>
-                      <a:pPr marL="0" marR="0" lvl="0" indent="0" algn="ctr" defTabSz="914400" rtl="0" eaLnBrk="1" fontAlgn="auto" latinLnBrk="0" hangingPunct="1">
-                        <a:lnSpc>
-                          <a:spcPct val="100000"/>
-                        </a:lnSpc>
-                        <a:spcBef>
-                          <a:spcPts val="0"/>
-                        </a:spcBef>
-                        <a:spcAft>
-                          <a:spcPts val="0"/>
-                        </a:spcAft>
-                        <a:buClrTx/>
-                        <a:buSzTx/>
-                        <a:buFontTx/>
-                        <a:buNone/>
-                        <a:tabLst/>
-                        <a:defRPr/>
-                      </a:pPr>
-                      <a:r>
-                        <a:rPr lang="es-AR" dirty="0" smtClean="0"/>
-                        <a:t>01-Sep</a:t>
-                      </a:r>
-                    </a:p>
-                  </a:txBody>
-                  <a:tcPr/>
-                </a:tc>
-                <a:tc>
-                  <a:txBody>
-                    <a:bodyPr/>
-                    <a:lstStyle/>
-                    <a:p>
-                      <a:pPr marL="0" marR="0" lvl="0" indent="0" algn="ctr" defTabSz="914400" rtl="0" eaLnBrk="1" fontAlgn="auto" latinLnBrk="0" hangingPunct="1">
-                        <a:lnSpc>
-                          <a:spcPct val="100000"/>
-                        </a:lnSpc>
-                        <a:spcBef>
-                          <a:spcPts val="0"/>
-                        </a:spcBef>
-                        <a:spcAft>
-                          <a:spcPts val="0"/>
-                        </a:spcAft>
-                        <a:buClrTx/>
-                        <a:buSzTx/>
-                        <a:buFontTx/>
-                        <a:buNone/>
-                        <a:tabLst/>
-                        <a:defRPr/>
-                      </a:pPr>
-                      <a:r>
-                        <a:rPr lang="es-AR" dirty="0" smtClean="0"/>
-                        <a:t>16-Sep</a:t>
-                      </a:r>
-                    </a:p>
-                  </a:txBody>
-                  <a:tcPr/>
-                </a:tc>
-                <a:tc>
-                  <a:txBody>
-                    <a:bodyPr/>
-                    <a:lstStyle/>
-                    <a:p>
-                      <a:pPr algn="ctr"/>
-                      <a:r>
-                        <a:rPr lang="es-AR" dirty="0" smtClean="0"/>
-                        <a:t>Media</a:t>
-                      </a:r>
-                      <a:endParaRPr lang="es-AR" dirty="0"/>
-                    </a:p>
-                  </a:txBody>
-                  <a:tcPr/>
-                </a:tc>
-              </a:tr>
-              <a:tr h="483600">
-                <a:tc>
-                  <a:txBody>
-                    <a:bodyPr/>
-                    <a:lstStyle/>
-                    <a:p>
-                      <a:pPr marL="0" marR="0" lvl="0" indent="0" algn="l" defTabSz="914400" rtl="0" eaLnBrk="1" fontAlgn="auto" latinLnBrk="0" hangingPunct="1">
-                        <a:lnSpc>
-                          <a:spcPct val="100000"/>
-                        </a:lnSpc>
-                        <a:spcBef>
-                          <a:spcPts val="0"/>
-                        </a:spcBef>
-                        <a:spcAft>
-                          <a:spcPts val="0"/>
-                        </a:spcAft>
-                        <a:buClrTx/>
-                        <a:buSzTx/>
-                        <a:buFontTx/>
-                        <a:buNone/>
-                        <a:tabLst/>
-                        <a:defRPr/>
-                      </a:pPr>
-                      <a:r>
-                        <a:rPr lang="es-AR" dirty="0" smtClean="0"/>
-                        <a:t>Modificar</a:t>
-                      </a:r>
-                      <a:r>
-                        <a:rPr lang="es-AR" baseline="0" dirty="0" smtClean="0"/>
-                        <a:t> base de datos.</a:t>
-                      </a:r>
-                      <a:endParaRPr lang="es-AR" dirty="0" smtClean="0"/>
-                    </a:p>
-                  </a:txBody>
-                  <a:tcPr/>
-                </a:tc>
-                <a:tc>
-                  <a:txBody>
-                    <a:bodyPr/>
-                    <a:lstStyle/>
-                    <a:p>
-                      <a:pPr marL="0" marR="0" lvl="0" indent="0" algn="ctr" defTabSz="914400" rtl="0" eaLnBrk="1" fontAlgn="auto" latinLnBrk="0" hangingPunct="1">
-                        <a:lnSpc>
-                          <a:spcPct val="100000"/>
-                        </a:lnSpc>
-                        <a:spcBef>
-                          <a:spcPts val="0"/>
-                        </a:spcBef>
-                        <a:spcAft>
-                          <a:spcPts val="0"/>
-                        </a:spcAft>
-                        <a:buClrTx/>
-                        <a:buSzTx/>
-                        <a:buFontTx/>
-                        <a:buNone/>
-                        <a:tabLst/>
-                        <a:defRPr/>
-                      </a:pPr>
-                      <a:r>
-                        <a:rPr lang="es-AR" dirty="0" smtClean="0"/>
-                        <a:t>01-Sep</a:t>
-                      </a:r>
-                    </a:p>
-                  </a:txBody>
-                  <a:tcPr/>
-                </a:tc>
-                <a:tc>
-                  <a:txBody>
-                    <a:bodyPr/>
-                    <a:lstStyle/>
-                    <a:p>
-                      <a:pPr marL="0" marR="0" lvl="0" indent="0" algn="ctr" defTabSz="914400" rtl="0" eaLnBrk="1" fontAlgn="auto" latinLnBrk="0" hangingPunct="1">
-                        <a:lnSpc>
-                          <a:spcPct val="100000"/>
-                        </a:lnSpc>
-                        <a:spcBef>
-                          <a:spcPts val="0"/>
-                        </a:spcBef>
-                        <a:spcAft>
-                          <a:spcPts val="0"/>
-                        </a:spcAft>
-                        <a:buClrTx/>
-                        <a:buSzTx/>
-                        <a:buFontTx/>
-                        <a:buNone/>
-                        <a:tabLst/>
-                        <a:defRPr/>
-                      </a:pPr>
-                      <a:r>
-                        <a:rPr lang="es-AR" dirty="0" smtClean="0"/>
-                        <a:t>16-Sep</a:t>
-                      </a:r>
-                    </a:p>
-                  </a:txBody>
-                  <a:tcPr/>
-                </a:tc>
-                <a:tc>
-                  <a:txBody>
-                    <a:bodyPr/>
-                    <a:lstStyle/>
-                    <a:p>
-                      <a:pPr algn="ctr"/>
-                      <a:r>
-                        <a:rPr lang="es-AR" dirty="0" smtClean="0"/>
-                        <a:t>Media</a:t>
-                      </a:r>
-                      <a:endParaRPr lang="es-AR" dirty="0"/>
-                    </a:p>
-                  </a:txBody>
-                  <a:tcPr/>
-                </a:tc>
-              </a:tr>
-              <a:tr h="483600">
-                <a:tc>
-                  <a:txBody>
-                    <a:bodyPr/>
-                    <a:lstStyle/>
-                    <a:p>
-                      <a:pPr marL="0" marR="0" lvl="0" indent="0" algn="l" defTabSz="914400" rtl="0" eaLnBrk="1" fontAlgn="auto" latinLnBrk="0" hangingPunct="1">
-                        <a:lnSpc>
-                          <a:spcPct val="100000"/>
-                        </a:lnSpc>
-                        <a:spcBef>
-                          <a:spcPts val="0"/>
-                        </a:spcBef>
-                        <a:spcAft>
-                          <a:spcPts val="0"/>
-                        </a:spcAft>
-                        <a:buClrTx/>
-                        <a:buSzTx/>
-                        <a:buFontTx/>
-                        <a:buNone/>
-                        <a:tabLst/>
-                        <a:defRPr/>
-                      </a:pPr>
-                      <a:r>
-                        <a:rPr lang="es-AR" dirty="0" smtClean="0"/>
-                        <a:t>Continuar Modelo</a:t>
-                      </a:r>
-                      <a:r>
-                        <a:rPr lang="es-AR" baseline="0" dirty="0" smtClean="0"/>
-                        <a:t> de Diseño.</a:t>
-                      </a:r>
-                      <a:endParaRPr lang="es-AR" dirty="0" smtClean="0"/>
-                    </a:p>
-                  </a:txBody>
-                  <a:tcPr/>
-                </a:tc>
-                <a:tc>
-                  <a:txBody>
-                    <a:bodyPr/>
-                    <a:lstStyle/>
-                    <a:p>
-                      <a:pPr marL="0" marR="0" lvl="0" indent="0" algn="ctr" defTabSz="914400" rtl="0" eaLnBrk="1" fontAlgn="auto" latinLnBrk="0" hangingPunct="1">
-                        <a:lnSpc>
-                          <a:spcPct val="100000"/>
-                        </a:lnSpc>
-                        <a:spcBef>
-                          <a:spcPts val="0"/>
-                        </a:spcBef>
-                        <a:spcAft>
-                          <a:spcPts val="0"/>
-                        </a:spcAft>
-                        <a:buClrTx/>
-                        <a:buSzTx/>
-                        <a:buFontTx/>
-                        <a:buNone/>
-                        <a:tabLst/>
-                        <a:defRPr/>
-                      </a:pPr>
-                      <a:r>
-                        <a:rPr lang="es-AR" dirty="0" smtClean="0"/>
-                        <a:t>01-Sep</a:t>
-                      </a:r>
-                    </a:p>
-                  </a:txBody>
-                  <a:tcPr/>
-                </a:tc>
-                <a:tc>
-                  <a:txBody>
-                    <a:bodyPr/>
-                    <a:lstStyle/>
-                    <a:p>
-                      <a:pPr marL="0" marR="0" lvl="0" indent="0" algn="ctr" defTabSz="914400" rtl="0" eaLnBrk="1" fontAlgn="auto" latinLnBrk="0" hangingPunct="1">
-                        <a:lnSpc>
-                          <a:spcPct val="100000"/>
-                        </a:lnSpc>
-                        <a:spcBef>
-                          <a:spcPts val="0"/>
-                        </a:spcBef>
-                        <a:spcAft>
-                          <a:spcPts val="0"/>
-                        </a:spcAft>
-                        <a:buClrTx/>
-                        <a:buSzTx/>
-                        <a:buFontTx/>
-                        <a:buNone/>
-                        <a:tabLst/>
-                        <a:defRPr/>
-                      </a:pPr>
-                      <a:r>
-                        <a:rPr lang="es-AR" dirty="0" smtClean="0"/>
-                        <a:t>16-Sep</a:t>
-                      </a:r>
-                    </a:p>
-                  </a:txBody>
-                  <a:tcPr/>
-                </a:tc>
-                <a:tc>
-                  <a:txBody>
-                    <a:bodyPr/>
-                    <a:lstStyle/>
-                    <a:p>
-                      <a:pPr algn="ctr"/>
-                      <a:r>
-                        <a:rPr lang="es-AR" dirty="0" smtClean="0"/>
-                        <a:t>Media</a:t>
-                      </a:r>
-                      <a:endParaRPr lang="es-AR" dirty="0"/>
-                    </a:p>
-                  </a:txBody>
-                  <a:tcPr/>
-                </a:tc>
-              </a:tr>
-              <a:tr h="483600">
-                <a:tc>
-                  <a:txBody>
-                    <a:bodyPr/>
-                    <a:lstStyle/>
-                    <a:p>
-                      <a:pPr marL="0" marR="0" lvl="0" indent="0" algn="l" defTabSz="914400" rtl="0" eaLnBrk="1" fontAlgn="auto" latinLnBrk="0" hangingPunct="1">
-                        <a:lnSpc>
-                          <a:spcPct val="100000"/>
-                        </a:lnSpc>
-                        <a:spcBef>
-                          <a:spcPts val="0"/>
-                        </a:spcBef>
-                        <a:spcAft>
-                          <a:spcPts val="0"/>
-                        </a:spcAft>
-                        <a:buClrTx/>
-                        <a:buSzTx/>
-                        <a:buFontTx/>
-                        <a:buNone/>
-                        <a:tabLst/>
-                        <a:defRPr/>
-                      </a:pPr>
-                      <a:r>
-                        <a:rPr lang="es-AR" dirty="0" smtClean="0"/>
-                        <a:t>Implementar modificación</a:t>
-                      </a:r>
-                      <a:r>
-                        <a:rPr lang="es-AR" baseline="0" dirty="0" smtClean="0"/>
-                        <a:t> CU06 – Modificar horario de cursada.</a:t>
-                      </a:r>
-                      <a:endParaRPr lang="es-AR" dirty="0" smtClean="0"/>
-                    </a:p>
-                  </a:txBody>
-                  <a:tcPr/>
-                </a:tc>
-                <a:tc>
-                  <a:txBody>
-                    <a:bodyPr/>
-                    <a:lstStyle/>
-                    <a:p>
-                      <a:pPr marL="0" marR="0" lvl="0" indent="0" algn="ctr" defTabSz="914400" rtl="0" eaLnBrk="1" fontAlgn="auto" latinLnBrk="0" hangingPunct="1">
-                        <a:lnSpc>
-                          <a:spcPct val="100000"/>
-                        </a:lnSpc>
-                        <a:spcBef>
-                          <a:spcPts val="0"/>
-                        </a:spcBef>
-                        <a:spcAft>
-                          <a:spcPts val="0"/>
-                        </a:spcAft>
-                        <a:buClrTx/>
-                        <a:buSzTx/>
-                        <a:buFontTx/>
-                        <a:buNone/>
-                        <a:tabLst/>
-                        <a:defRPr/>
-                      </a:pPr>
-                      <a:r>
-                        <a:rPr lang="es-AR" dirty="0" smtClean="0"/>
-                        <a:t>01-Sep</a:t>
-                      </a:r>
-                    </a:p>
-                  </a:txBody>
-                  <a:tcPr/>
-                </a:tc>
-                <a:tc>
-                  <a:txBody>
-                    <a:bodyPr/>
-                    <a:lstStyle/>
-                    <a:p>
-                      <a:pPr marL="0" marR="0" lvl="0" indent="0" algn="ctr" defTabSz="914400" rtl="0" eaLnBrk="1" fontAlgn="auto" latinLnBrk="0" hangingPunct="1">
-                        <a:lnSpc>
-                          <a:spcPct val="100000"/>
-                        </a:lnSpc>
-                        <a:spcBef>
-                          <a:spcPts val="0"/>
-                        </a:spcBef>
-                        <a:spcAft>
-                          <a:spcPts val="0"/>
-                        </a:spcAft>
-                        <a:buClrTx/>
-                        <a:buSzTx/>
-                        <a:buFontTx/>
-                        <a:buNone/>
-                        <a:tabLst/>
-                        <a:defRPr/>
-                      </a:pPr>
-                      <a:r>
-                        <a:rPr lang="es-AR" dirty="0" smtClean="0"/>
-                        <a:t>16-Sep</a:t>
-                      </a:r>
-                    </a:p>
-                  </a:txBody>
-                  <a:tcPr/>
-                </a:tc>
-                <a:tc>
-                  <a:txBody>
-                    <a:bodyPr/>
-                    <a:lstStyle/>
-                    <a:p>
-                      <a:pPr algn="ctr"/>
-                      <a:r>
-                        <a:rPr lang="es-AR" dirty="0" smtClean="0"/>
-                        <a:t>Alta</a:t>
-                      </a:r>
-                      <a:endParaRPr lang="es-AR" dirty="0"/>
-                    </a:p>
-                  </a:txBody>
-                  <a:tcPr/>
-                </a:tc>
-              </a:tr>
-              <a:tr h="483600">
-                <a:tc>
-                  <a:txBody>
-                    <a:bodyPr/>
-                    <a:lstStyle/>
-                    <a:p>
-                      <a:pPr marL="0" marR="0" lvl="0" indent="0" algn="l" defTabSz="914400" rtl="0" eaLnBrk="1" fontAlgn="auto" latinLnBrk="0" hangingPunct="1">
-                        <a:lnSpc>
-                          <a:spcPct val="100000"/>
-                        </a:lnSpc>
-                        <a:spcBef>
-                          <a:spcPts val="0"/>
-                        </a:spcBef>
-                        <a:spcAft>
-                          <a:spcPts val="0"/>
-                        </a:spcAft>
-                        <a:buClrTx/>
-                        <a:buSzTx/>
-                        <a:buFontTx/>
-                        <a:buNone/>
-                        <a:tabLst/>
-                        <a:defRPr/>
-                      </a:pPr>
-                      <a:r>
-                        <a:rPr lang="es-AR" dirty="0" smtClean="0"/>
-                        <a:t>Implementar modificación CU07 – Modificar mesa</a:t>
-                      </a:r>
-                      <a:r>
-                        <a:rPr lang="es-AR" baseline="0" dirty="0" smtClean="0"/>
-                        <a:t> de examen.</a:t>
-                      </a:r>
-                      <a:endParaRPr lang="es-AR" dirty="0" smtClean="0"/>
-                    </a:p>
-                  </a:txBody>
-                  <a:tcPr/>
-                </a:tc>
-                <a:tc>
-                  <a:txBody>
-                    <a:bodyPr/>
-                    <a:lstStyle/>
-                    <a:p>
-                      <a:pPr marL="0" marR="0" lvl="0" indent="0" algn="ctr" defTabSz="914400" rtl="0" eaLnBrk="1" fontAlgn="auto" latinLnBrk="0" hangingPunct="1">
-                        <a:lnSpc>
-                          <a:spcPct val="100000"/>
-                        </a:lnSpc>
-                        <a:spcBef>
-                          <a:spcPts val="0"/>
-                        </a:spcBef>
-                        <a:spcAft>
-                          <a:spcPts val="0"/>
-                        </a:spcAft>
-                        <a:buClrTx/>
-                        <a:buSzTx/>
-                        <a:buFontTx/>
-                        <a:buNone/>
-                        <a:tabLst/>
-                        <a:defRPr/>
-                      </a:pPr>
-                      <a:r>
-                        <a:rPr lang="es-AR" dirty="0" smtClean="0"/>
-                        <a:t>01-Sep</a:t>
-                      </a:r>
-                    </a:p>
-                  </a:txBody>
-                  <a:tcPr/>
-                </a:tc>
-                <a:tc>
-                  <a:txBody>
-                    <a:bodyPr/>
-                    <a:lstStyle/>
-                    <a:p>
-                      <a:pPr marL="0" marR="0" lvl="0" indent="0" algn="ctr" defTabSz="914400" rtl="0" eaLnBrk="1" fontAlgn="auto" latinLnBrk="0" hangingPunct="1">
-                        <a:lnSpc>
-                          <a:spcPct val="100000"/>
-                        </a:lnSpc>
-                        <a:spcBef>
-                          <a:spcPts val="0"/>
-                        </a:spcBef>
-                        <a:spcAft>
-                          <a:spcPts val="0"/>
-                        </a:spcAft>
-                        <a:buClrTx/>
-                        <a:buSzTx/>
-                        <a:buFontTx/>
-                        <a:buNone/>
-                        <a:tabLst/>
-                        <a:defRPr/>
-                      </a:pPr>
-                      <a:r>
-                        <a:rPr lang="es-AR" dirty="0" smtClean="0"/>
-                        <a:t>16-Sep</a:t>
-                      </a:r>
-                    </a:p>
-                  </a:txBody>
-                  <a:tcPr/>
-                </a:tc>
-                <a:tc>
-                  <a:txBody>
-                    <a:bodyPr/>
-                    <a:lstStyle/>
-                    <a:p>
-                      <a:pPr algn="ctr"/>
-                      <a:r>
-                        <a:rPr lang="es-AR" dirty="0" smtClean="0"/>
-                        <a:t>Alta</a:t>
-                      </a:r>
-                      <a:endParaRPr lang="es-AR" dirty="0"/>
-                    </a:p>
-                  </a:txBody>
-                  <a:tcPr/>
-                </a:tc>
-              </a:tr>
-              <a:tr h="483600">
-                <a:tc>
-                  <a:txBody>
-                    <a:bodyPr/>
-                    <a:lstStyle/>
-                    <a:p>
-                      <a:pPr marL="0" marR="0" lvl="0" indent="0" algn="l" defTabSz="914400" rtl="0" eaLnBrk="1" fontAlgn="auto" latinLnBrk="0" hangingPunct="1">
-                        <a:lnSpc>
-                          <a:spcPct val="100000"/>
-                        </a:lnSpc>
-                        <a:spcBef>
-                          <a:spcPts val="0"/>
-                        </a:spcBef>
-                        <a:spcAft>
-                          <a:spcPts val="0"/>
-                        </a:spcAft>
-                        <a:buClrTx/>
-                        <a:buSzTx/>
-                        <a:buFontTx/>
-                        <a:buNone/>
-                        <a:tabLst/>
-                        <a:defRPr/>
-                      </a:pPr>
-                      <a:r>
-                        <a:rPr lang="es-AR" dirty="0" smtClean="0"/>
-                        <a:t>Planificar nueva iteración.</a:t>
-                      </a:r>
-                    </a:p>
-                  </a:txBody>
-                  <a:tcPr/>
-                </a:tc>
-                <a:tc>
-                  <a:txBody>
-                    <a:bodyPr/>
-                    <a:lstStyle/>
-                    <a:p>
-                      <a:pPr marL="0" marR="0" lvl="0" indent="0" algn="ctr" defTabSz="914400" rtl="0" eaLnBrk="1" fontAlgn="auto" latinLnBrk="0" hangingPunct="1">
-                        <a:lnSpc>
-                          <a:spcPct val="100000"/>
-                        </a:lnSpc>
-                        <a:spcBef>
-                          <a:spcPts val="0"/>
-                        </a:spcBef>
-                        <a:spcAft>
-                          <a:spcPts val="0"/>
-                        </a:spcAft>
-                        <a:buClrTx/>
-                        <a:buSzTx/>
-                        <a:buFontTx/>
-                        <a:buNone/>
-                        <a:tabLst/>
-                        <a:defRPr/>
-                      </a:pPr>
-                      <a:r>
-                        <a:rPr lang="es-AR" dirty="0" smtClean="0"/>
-                        <a:t>15-Sep</a:t>
-                      </a:r>
-                    </a:p>
-                  </a:txBody>
-                  <a:tcPr/>
-                </a:tc>
-                <a:tc>
-                  <a:txBody>
-                    <a:bodyPr/>
-                    <a:lstStyle/>
-                    <a:p>
-                      <a:pPr marL="0" marR="0" lvl="0" indent="0" algn="ctr" defTabSz="914400" rtl="0" eaLnBrk="1" fontAlgn="auto" latinLnBrk="0" hangingPunct="1">
-                        <a:lnSpc>
-                          <a:spcPct val="100000"/>
-                        </a:lnSpc>
-                        <a:spcBef>
-                          <a:spcPts val="0"/>
-                        </a:spcBef>
-                        <a:spcAft>
-                          <a:spcPts val="0"/>
-                        </a:spcAft>
-                        <a:buClrTx/>
-                        <a:buSzTx/>
-                        <a:buFontTx/>
-                        <a:buNone/>
-                        <a:tabLst/>
-                        <a:defRPr/>
-                      </a:pPr>
-                      <a:r>
-                        <a:rPr lang="es-AR" dirty="0" smtClean="0"/>
-                        <a:t>16-Sep</a:t>
-                      </a:r>
-                    </a:p>
-                  </a:txBody>
-                  <a:tcPr/>
-                </a:tc>
-                <a:tc>
-                  <a:txBody>
-                    <a:bodyPr/>
-                    <a:lstStyle/>
-                    <a:p>
-                      <a:pPr algn="ctr"/>
-                      <a:r>
-                        <a:rPr lang="es-AR" dirty="0" smtClean="0"/>
-                        <a:t>Baja</a:t>
-                      </a:r>
-                      <a:endParaRPr lang="es-AR" dirty="0"/>
-                    </a:p>
-                  </a:txBody>
-                  <a:tcPr/>
-                </a:tc>
-              </a:tr>
-            </a:tbl>
-          </a:graphicData>
-        </a:graphic>
-      </p:graphicFrame>
-      <p:sp>
-        <p:nvSpPr>
-          <p:cNvPr id="8" name="Marcador de contenido 1"/>
-          <p:cNvSpPr>
-            <a:spLocks noGrp="1"/>
-          </p:cNvSpPr>
-          <p:nvPr>
-            <p:ph idx="1"/>
-          </p:nvPr>
-        </p:nvSpPr>
-        <p:spPr>
-          <a:xfrm>
-            <a:off x="172841" y="1494580"/>
-            <a:ext cx="11847838" cy="509538"/>
-          </a:xfrm>
-        </p:spPr>
-        <p:txBody>
-          <a:bodyPr>
-            <a:normAutofit/>
-          </a:bodyPr>
-          <a:lstStyle/>
-          <a:p>
-            <a:pPr marL="0" indent="0" algn="ctr">
-              <a:spcBef>
-                <a:spcPts val="1200"/>
-              </a:spcBef>
-              <a:spcAft>
-                <a:spcPts val="600"/>
-              </a:spcAft>
-              <a:buNone/>
-            </a:pPr>
-            <a:r>
-              <a:rPr lang="es-AR" dirty="0" smtClean="0"/>
-              <a:t>Márquez Emanuel</a:t>
-            </a:r>
-          </a:p>
-        </p:txBody>
-      </p:sp>
-    </p:spTree>
-    <p:extLst>
-      <p:ext uri="{BB962C8B-B14F-4D97-AF65-F5344CB8AC3E}">
-        <p14:creationId xmlns:p14="http://schemas.microsoft.com/office/powerpoint/2010/main" val="1484177780"/>
-      </p:ext>
-    </p:extLst>
-  </p:cSld>
-  <p:clrMapOvr>
-    <a:masterClrMapping/>
-  </p:clrMapOvr>
-  <mc:AlternateContent xmlns:mc="http://schemas.openxmlformats.org/markup-compatibility/2006" xmlns:p14="http://schemas.microsoft.com/office/powerpoint/2010/main">
-    <mc:Choice Requires="p14">
-      <p:transition spd="slow">
-        <p14:reveal/>
-      </p:transition>
-    </mc:Choice>
-    <mc:Fallback xmlns="">
-      <p:transition spd="slow">
-        <p:fade/>
-      </p:transition>
-    </mc:Fallback>
-  </mc:AlternateContent>
-  <p:timing>
-    <p:tnLst>
-      <p:par>
-        <p:cTn id="1" dur="indefinite" restart="never" nodeType="tmRoot"/>
-      </p:par>
-    </p:tnLst>
-  </p:timing>
-</p:sld>
-</file>
-
-<file path=ppt/slides/slide18.xml><?xml version="1.0" encoding="utf-8"?>
-<p:sld xmlns:a="http://schemas.openxmlformats.org/drawingml/2006/main" xmlns:r="http://schemas.openxmlformats.org/officeDocument/2006/relationships" xmlns:p="http://schemas.openxmlformats.org/presentationml/2006/main">
-  <p:cSld>
-    <p:spTree>
-      <p:nvGrpSpPr>
-        <p:cNvPr id="1" name=""/>
-        <p:cNvGrpSpPr/>
-        <p:nvPr/>
-      </p:nvGrpSpPr>
-      <p:grpSpPr>
-        <a:xfrm>
-          <a:off x="0" y="0"/>
-          <a:ext cx="0" cy="0"/>
-          <a:chOff x="0" y="0"/>
-          <a:chExt cx="0" cy="0"/>
-        </a:xfrm>
-      </p:grpSpPr>
-      <p:sp>
-        <p:nvSpPr>
-          <p:cNvPr id="3" name="Título 2"/>
-          <p:cNvSpPr>
-            <a:spLocks noGrp="1"/>
-          </p:cNvSpPr>
-          <p:nvPr>
-            <p:ph type="title"/>
-          </p:nvPr>
-        </p:nvSpPr>
-        <p:spPr/>
-        <p:txBody>
-          <a:bodyPr/>
-          <a:lstStyle/>
-          <a:p>
-            <a:r>
-              <a:rPr lang="es-AR" dirty="0" smtClean="0"/>
-              <a:t>Fin de presentación</a:t>
-            </a:r>
-            <a:endParaRPr lang="es-AR" dirty="0"/>
-          </a:p>
-        </p:txBody>
-      </p:sp>
-      <p:sp>
-        <p:nvSpPr>
-          <p:cNvPr id="4" name="Marcador de pie de página 3"/>
-          <p:cNvSpPr>
-            <a:spLocks noGrp="1"/>
-          </p:cNvSpPr>
-          <p:nvPr>
-            <p:ph type="ftr" sz="quarter" idx="11"/>
-          </p:nvPr>
-        </p:nvSpPr>
-        <p:spPr/>
-        <p:txBody>
-          <a:bodyPr/>
-          <a:lstStyle/>
-          <a:p>
-            <a:r>
-              <a:rPr lang="es-AR" smtClean="0"/>
-              <a:t>OYARZO Mariela – QUIROGA Sandra – MÁRQUEZ EMANUEL</a:t>
-            </a:r>
-            <a:endParaRPr lang="es-AR" dirty="0"/>
-          </a:p>
-        </p:txBody>
-      </p:sp>
-      <p:sp>
-        <p:nvSpPr>
-          <p:cNvPr id="5" name="Marcador de número de diapositiva 4"/>
-          <p:cNvSpPr>
-            <a:spLocks noGrp="1"/>
-          </p:cNvSpPr>
-          <p:nvPr>
-            <p:ph type="sldNum" sz="quarter" idx="12"/>
-          </p:nvPr>
-        </p:nvSpPr>
-        <p:spPr/>
-        <p:txBody>
-          <a:bodyPr/>
-          <a:lstStyle/>
-          <a:p>
-            <a:fld id="{779E3280-5C43-43EF-BE7D-8C553A58A779}" type="slidenum">
-              <a:rPr lang="es-AR" smtClean="0"/>
-              <a:pPr/>
-              <a:t>18</a:t>
             </a:fld>
             <a:endParaRPr lang="es-AR" dirty="0"/>
           </a:p>
@@ -13285,10 +9959,7 @@
               <a:buFont typeface="+mj-lt"/>
               <a:buAutoNum type="arabicPeriod"/>
             </a:pPr>
-            <a:r>
-              <a:rPr lang="es-ES" dirty="0" smtClean="0"/>
-              <a:t>Planificación de la nueva iteración.</a:t>
-            </a:r>
+            <a:endParaRPr lang="es-ES" dirty="0" smtClean="0"/>
           </a:p>
           <a:p>
             <a:pPr marL="0" indent="0">
@@ -13696,12 +10367,8 @@
               <a:t>quienes se </a:t>
             </a:r>
             <a:r>
-              <a:rPr lang="es-US" sz="2400" dirty="0" err="1" smtClean="0"/>
-              <a:t>encargarian</a:t>
-            </a:r>
-            <a:r>
               <a:rPr lang="es-US" sz="2400" dirty="0" smtClean="0"/>
-              <a:t> </a:t>
+              <a:t>encargarían </a:t>
             </a:r>
             <a:r>
               <a:rPr lang="es-ES" sz="2400" dirty="0" smtClean="0"/>
@@ -13920,6 +10587,13 @@
   <p:clrMapOvr>
     <a:masterClrMapping/>
   </p:clrMapOvr>
+  <p:timing>
+    <p:tnLst>
+      <p:par>
+        <p:cTn id="1" dur="indefinite" restart="never" nodeType="tmRoot"/>
+      </p:par>
+    </p:tnLst>
+  </p:timing>
 </p:sld>
 </file>
 
@@ -14067,6 +10741,13 @@
   <p:clrMapOvr>
     <a:masterClrMapping/>
   </p:clrMapOvr>
+  <p:timing>
+    <p:tnLst>
+      <p:par>
+        <p:cTn id="1" dur="indefinite" restart="never" nodeType="tmRoot"/>
+      </p:par>
+    </p:tnLst>
+  </p:timing>
 </p:sld>
 </file>
 
@@ -14197,6 +10878,13 @@
   <p:clrMapOvr>
     <a:masterClrMapping/>
   </p:clrMapOvr>
+  <p:timing>
+    <p:tnLst>
+      <p:par>
+        <p:cTn id="1" dur="indefinite" restart="never" nodeType="tmRoot"/>
+      </p:par>
+    </p:tnLst>
+  </p:timing>
 </p:sld>
 </file>
 
@@ -14234,7 +10922,7 @@
           <a:p>
             <a:r>
               <a:rPr lang="es-AR" dirty="0" smtClean="0"/>
-              <a:t>Descripción general</a:t>
+              <a:t>Mesas de examen</a:t>
             </a:r>
             <a:endParaRPr lang="es-AR" dirty="0"/>
           </a:p>
@@ -14544,6 +11232,13 @@
   <p:clrMapOvr>
     <a:masterClrMapping/>
   </p:clrMapOvr>
+  <p:timing>
+    <p:tnLst>
+      <p:par>
+        <p:cTn id="1" dur="indefinite" restart="never" nodeType="tmRoot"/>
+      </p:par>
+    </p:tnLst>
+  </p:timing>
 </p:sld>
 </file>
 
@@ -14862,6 +11557,13 @@
   <p:clrMapOvr>
     <a:masterClrMapping/>
   </p:clrMapOvr>
+  <p:timing>
+    <p:tnLst>
+      <p:par>
+        <p:cTn id="1" dur="indefinite" restart="never" nodeType="tmRoot"/>
+      </p:par>
+    </p:tnLst>
+  </p:timing>
 </p:sld>
 </file>
 
@@ -15120,7 +11822,7 @@
   <a:extraClrSchemeLst/>
   <a:extLst>
     <a:ext uri="{05A4C25C-085E-4340-85A3-A5531E510DB2}">
-      <thm15:themeFamily xmlns:thm15="http://schemas.microsoft.com/office/thememl/2012/main" xmlns="" name="Depth" id="{7BEAFC2A-325C-49C4-AC08-2B765DA903F9}" vid="{1735E755-43E6-43AA-ABA2-C989ECC79AF5}"/>
+      <thm15:themeFamily xmlns="" xmlns:thm15="http://schemas.microsoft.com/office/thememl/2012/main" name="Depth" id="{7BEAFC2A-325C-49C4-AC08-2B765DA903F9}" vid="{1735E755-43E6-43AA-ABA2-C989ECC79AF5}"/>
     </a:ext>
   </a:extLst>
 </a:theme>

--- a/08. Presentaciones/Presentación 10 - 21.11.19.pptx
+++ b/08. Presentaciones/Presentación 10 - 21.11.19.pptx
@@ -12,8 +12,8 @@
   </p:handoutMasterIdLst>
   <p:sldIdLst>
     <p:sldId id="277" r:id="rId2"/>
-    <p:sldId id="289" r:id="rId3"/>
-    <p:sldId id="353" r:id="rId4"/>
+    <p:sldId id="353" r:id="rId3"/>
+    <p:sldId id="289" r:id="rId4"/>
     <p:sldId id="354" r:id="rId5"/>
     <p:sldId id="355" r:id="rId6"/>
     <p:sldId id="356" r:id="rId7"/>
@@ -125,7 +125,7 @@
   </p:defaultTextStyle>
   <p:extLst>
     <p:ext uri="{EFAFB233-063F-42B5-8137-9DF3F51BA10A}">
-      <p15:sldGuideLst xmlns="" xmlns:p15="http://schemas.microsoft.com/office/powerpoint/2012/main">
+      <p15:sldGuideLst xmlns:p15="http://schemas.microsoft.com/office/powerpoint/2012/main">
         <p15:guide id="1" orient="horz" pos="2160">
           <p15:clr>
             <a:srgbClr val="A4A3A4"/>
@@ -7915,6 +7915,44 @@
           </a:p>
         </p:txBody>
       </p:sp>
+      <p:sp>
+        <p:nvSpPr>
+          <p:cNvPr id="2" name="CuadroTexto 1"/>
+          <p:cNvSpPr txBox="1"/>
+          <p:nvPr/>
+        </p:nvSpPr>
+        <p:spPr>
+          <a:xfrm>
+            <a:off x="7771851" y="5950424"/>
+            <a:ext cx="4126899" cy="369332"/>
+          </a:xfrm>
+          <a:prstGeom prst="rect">
+            <a:avLst/>
+          </a:prstGeom>
+          <a:noFill/>
+        </p:spPr>
+        <p:txBody>
+          <a:bodyPr wrap="none" rtlCol="0">
+            <a:spAutoFit/>
+          </a:bodyPr>
+          <a:lstStyle/>
+          <a:p>
+            <a:r>
+              <a:rPr lang="es-AR" dirty="0" smtClean="0">
+                <a:solidFill>
+                  <a:schemeClr val="bg1"/>
+                </a:solidFill>
+              </a:rPr>
+              <a:t>* RK11 – Es el nuevo riesgo que se analizó</a:t>
+            </a:r>
+            <a:endParaRPr lang="es-AR" dirty="0">
+              <a:solidFill>
+                <a:schemeClr val="bg1"/>
+              </a:solidFill>
+            </a:endParaRPr>
+          </a:p>
+        </p:txBody>
+      </p:sp>
     </p:spTree>
     <p:extLst>
       <p:ext uri="{BB962C8B-B14F-4D97-AF65-F5344CB8AC3E}">
@@ -8160,11 +8198,7 @@
                       <a:pPr algn="l"/>
                       <a:r>
                         <a:rPr lang="es-AR" sz="2200" dirty="0" smtClean="0"/>
-                        <a:t>4 </a:t>
-                      </a:r>
-                      <a:r>
-                        <a:rPr lang="es-AR" sz="2200" dirty="0" smtClean="0"/>
-                        <a:t>meses y </a:t>
+                        <a:t>4 meses y </a:t>
                       </a:r>
                       <a:r>
                         <a:rPr lang="es-AR" sz="2200" baseline="0" dirty="0" smtClean="0"/>
@@ -8172,11 +8206,7 @@
                       </a:r>
                       <a:r>
                         <a:rPr lang="es-AR" sz="2200" dirty="0" smtClean="0"/>
-                        <a:t>semana </a:t>
-                      </a:r>
-                      <a:r>
-                        <a:rPr lang="es-AR" sz="2200" dirty="0" smtClean="0"/>
-                        <a:t>(18-Ago-17</a:t>
+                        <a:t>semana (18-Ago-17</a:t>
                       </a:r>
                       <a:r>
                         <a:rPr lang="es-AR" sz="2200" baseline="0" dirty="0" smtClean="0"/>
@@ -8229,17 +8259,12 @@
                       </a:r>
                       <a:r>
                         <a:rPr lang="es-AR" sz="2200" baseline="0" dirty="0" smtClean="0"/>
-                        <a:t> </a:t>
-                      </a:r>
-                      <a:r>
-                        <a:rPr lang="es-AR" sz="2200" baseline="0" dirty="0" smtClean="0"/>
-                        <a:t>5</a:t>
+                        <a:t> 5</a:t>
                       </a:r>
                       <a:r>
                         <a:rPr lang="es-AR" sz="2200" dirty="0" smtClean="0"/>
                         <a:t>)</a:t>
                       </a:r>
-                      <a:endParaRPr lang="es-AR" sz="2200" dirty="0" smtClean="0"/>
                     </a:p>
                   </a:txBody>
                   <a:tcPr marL="109930" marR="109930" marT="54965" marB="54965"/>
@@ -8252,11 +8277,7 @@
                       <a:pPr algn="l"/>
                       <a:r>
                         <a:rPr lang="es-AR" sz="2200" baseline="0" dirty="0" smtClean="0"/>
-                        <a:t>1 mes </a:t>
-                      </a:r>
-                      <a:r>
-                        <a:rPr lang="es-AR" sz="2200" baseline="0" dirty="0" smtClean="0"/>
-                        <a:t>y 3 semanas</a:t>
+                        <a:t>1 mes y 3 semanas</a:t>
                       </a:r>
                       <a:endParaRPr lang="es-AR" sz="2200" dirty="0"/>
                     </a:p>
@@ -8384,11 +8405,7 @@
                       </a:r>
                       <a:r>
                         <a:rPr lang="es-AR" sz="2200" baseline="0" dirty="0" smtClean="0"/>
-                        <a:t> </a:t>
-                      </a:r>
-                      <a:r>
-                        <a:rPr lang="es-AR" sz="2200" baseline="0" dirty="0" smtClean="0"/>
-                        <a:t>8 (8-Nov-19  al 22-Nov-19)</a:t>
+                        <a:t> 8 (8-Nov-19  al 22-Nov-19)</a:t>
                       </a:r>
                       <a:endParaRPr lang="es-AR" sz="2200" dirty="0" smtClean="0"/>
                     </a:p>
@@ -8516,7 +8533,6 @@
                         <a:rPr lang="es-AR" sz="2200" dirty="0" smtClean="0"/>
                         <a:t>11-Oct-19</a:t>
                       </a:r>
-                      <a:endParaRPr lang="es-AR" sz="2200" dirty="0" smtClean="0"/>
                     </a:p>
                   </a:txBody>
                   <a:tcPr marL="109930" marR="109930" marT="54965" marB="54965"/>
@@ -8922,11 +8938,7 @@
                     <a:p>
                       <a:r>
                         <a:rPr lang="es-AR" sz="2100" dirty="0" smtClean="0"/>
-                        <a:t>Manual de </a:t>
-                      </a:r>
-                      <a:r>
-                        <a:rPr lang="es-AR" sz="2100" dirty="0" smtClean="0"/>
-                        <a:t>instalación (iniciado)</a:t>
+                        <a:t>Manual de instalación (iniciado)</a:t>
                       </a:r>
                       <a:endParaRPr lang="es-AR" sz="2100" dirty="0"/>
                     </a:p>
@@ -8946,11 +8958,7 @@
                       </a:r>
                       <a:r>
                         <a:rPr lang="es-AR" sz="2100" baseline="0" dirty="0" smtClean="0"/>
-                        <a:t> de </a:t>
-                      </a:r>
-                      <a:r>
-                        <a:rPr lang="es-AR" sz="2100" baseline="0" dirty="0" smtClean="0"/>
-                        <a:t>usuario (iniciado)</a:t>
+                        <a:t> de usuario (iniciado)</a:t>
                       </a:r>
                       <a:endParaRPr lang="es-AR" sz="2100" dirty="0"/>
                     </a:p>
@@ -9886,6 +9894,222 @@
         </p:nvSpPr>
         <p:spPr/>
         <p:txBody>
+          <a:bodyPr>
+            <a:normAutofit/>
+          </a:bodyPr>
+          <a:lstStyle/>
+          <a:p>
+            <a:endParaRPr lang="es-US" b="1" u="sng" dirty="0" smtClean="0"/>
+          </a:p>
+          <a:p>
+            <a:r>
+              <a:rPr lang="es-AR" b="1" u="sng" dirty="0" smtClean="0"/>
+              <a:t>Nombre </a:t>
+            </a:r>
+            <a:r>
+              <a:rPr lang="es-AR" b="1" u="sng" dirty="0"/>
+              <a:t>del </a:t>
+            </a:r>
+            <a:r>
+              <a:rPr lang="es-AR" b="1" u="sng" dirty="0" smtClean="0"/>
+              <a:t>grupo</a:t>
+            </a:r>
+            <a:r>
+              <a:rPr lang="es-AR" b="1" dirty="0" smtClean="0"/>
+              <a:t>: </a:t>
+            </a:r>
+            <a:r>
+              <a:rPr lang="es-AR" dirty="0" err="1" smtClean="0"/>
+              <a:t>Yenú</a:t>
+            </a:r>
+            <a:endParaRPr lang="es-AR" dirty="0" smtClean="0"/>
+          </a:p>
+          <a:p>
+            <a:r>
+              <a:rPr lang="es-US" b="1" u="sng" dirty="0" smtClean="0"/>
+              <a:t>Nombre del sistema</a:t>
+            </a:r>
+            <a:r>
+              <a:rPr lang="es-US" dirty="0" smtClean="0"/>
+              <a:t>: Tempus</a:t>
+            </a:r>
+          </a:p>
+          <a:p>
+            <a:r>
+              <a:rPr lang="es-US" b="1" u="sng" dirty="0" smtClean="0"/>
+              <a:t>Año de cursada</a:t>
+            </a:r>
+            <a:r>
+              <a:rPr lang="es-US" dirty="0" smtClean="0"/>
+              <a:t>: 2017</a:t>
+            </a:r>
+          </a:p>
+          <a:p>
+            <a:endParaRPr lang="es-US" dirty="0" smtClean="0"/>
+          </a:p>
+          <a:p>
+            <a:r>
+              <a:rPr lang="es-US" dirty="0" smtClean="0"/>
+              <a:t>Objetivo crear un </a:t>
+            </a:r>
+            <a:r>
+              <a:rPr lang="es-US" b="1" dirty="0" smtClean="0"/>
+              <a:t>sistema web  </a:t>
+            </a:r>
+            <a:r>
+              <a:rPr lang="es-US" dirty="0" smtClean="0"/>
+              <a:t>y una a</a:t>
+            </a:r>
+            <a:r>
+              <a:rPr lang="es-US" b="1" dirty="0" smtClean="0"/>
+              <a:t>plicación (App</a:t>
+            </a:r>
+            <a:r>
+              <a:rPr lang="es-US" b="1" dirty="0" smtClean="0"/>
+              <a:t>) </a:t>
+            </a:r>
+            <a:r>
+              <a:rPr lang="es-US" dirty="0" smtClean="0"/>
+              <a:t>para la gestión de horarios de cursada y mesas de examen.</a:t>
+            </a:r>
+            <a:endParaRPr lang="es-US" dirty="0" smtClean="0"/>
+          </a:p>
+          <a:p>
+            <a:endParaRPr lang="es-US" dirty="0" smtClean="0"/>
+          </a:p>
+          <a:p>
+            <a:pPr marL="0" indent="0">
+              <a:buNone/>
+            </a:pPr>
+            <a:endParaRPr lang="es-US" dirty="0"/>
+          </a:p>
+          <a:p>
+            <a:endParaRPr lang="es-US" b="1" u="sng" dirty="0" smtClean="0"/>
+          </a:p>
+          <a:p>
+            <a:endParaRPr lang="es-AR" dirty="0"/>
+          </a:p>
+        </p:txBody>
+      </p:sp>
+      <p:sp>
+        <p:nvSpPr>
+          <p:cNvPr id="3" name="2 Título"/>
+          <p:cNvSpPr>
+            <a:spLocks noGrp="1"/>
+          </p:cNvSpPr>
+          <p:nvPr>
+            <p:ph type="title"/>
+          </p:nvPr>
+        </p:nvSpPr>
+        <p:spPr/>
+        <p:txBody>
+          <a:bodyPr/>
+          <a:lstStyle/>
+          <a:p>
+            <a:r>
+              <a:rPr lang="es-US" dirty="0" smtClean="0"/>
+              <a:t>Presentación </a:t>
+            </a:r>
+            <a:endParaRPr lang="es-AR" dirty="0"/>
+          </a:p>
+        </p:txBody>
+      </p:sp>
+      <p:sp>
+        <p:nvSpPr>
+          <p:cNvPr id="4" name="3 Marcador de pie de página"/>
+          <p:cNvSpPr>
+            <a:spLocks noGrp="1"/>
+          </p:cNvSpPr>
+          <p:nvPr>
+            <p:ph type="ftr" sz="quarter" idx="11"/>
+          </p:nvPr>
+        </p:nvSpPr>
+        <p:spPr/>
+        <p:txBody>
+          <a:bodyPr/>
+          <a:lstStyle/>
+          <a:p>
+            <a:r>
+              <a:rPr lang="es-AR" smtClean="0"/>
+              <a:t>OYARZO Mariela – QUIROGA Sandra – MÁRQUEZ EMANUEL</a:t>
+            </a:r>
+            <a:endParaRPr lang="es-AR" dirty="0"/>
+          </a:p>
+        </p:txBody>
+      </p:sp>
+      <p:sp>
+        <p:nvSpPr>
+          <p:cNvPr id="5" name="4 Marcador de número de diapositiva"/>
+          <p:cNvSpPr>
+            <a:spLocks noGrp="1"/>
+          </p:cNvSpPr>
+          <p:nvPr>
+            <p:ph type="sldNum" sz="quarter" idx="12"/>
+          </p:nvPr>
+        </p:nvSpPr>
+        <p:spPr/>
+        <p:txBody>
+          <a:bodyPr/>
+          <a:lstStyle/>
+          <a:p>
+            <a:fld id="{779E3280-5C43-43EF-BE7D-8C553A58A779}" type="slidenum">
+              <a:rPr lang="es-AR" smtClean="0"/>
+              <a:pPr/>
+              <a:t>2</a:t>
+            </a:fld>
+            <a:endParaRPr lang="es-AR" dirty="0"/>
+          </a:p>
+        </p:txBody>
+      </p:sp>
+    </p:spTree>
+    <p:extLst>
+      <p:ext uri="{BB962C8B-B14F-4D97-AF65-F5344CB8AC3E}">
+        <p14:creationId xmlns:p14="http://schemas.microsoft.com/office/powerpoint/2010/main" val="3757246666"/>
+      </p:ext>
+    </p:extLst>
+  </p:cSld>
+  <p:clrMapOvr>
+    <a:masterClrMapping/>
+  </p:clrMapOvr>
+  <p:timing>
+    <p:tnLst>
+      <p:par>
+        <p:cTn id="1" dur="indefinite" restart="never" nodeType="tmRoot"/>
+      </p:par>
+    </p:tnLst>
+  </p:timing>
+</p:sld>
+</file>
+
+<file path=ppt/slides/slide3.xml><?xml version="1.0" encoding="utf-8"?>
+<p:sld xmlns:a="http://schemas.openxmlformats.org/drawingml/2006/main" xmlns:r="http://schemas.openxmlformats.org/officeDocument/2006/relationships" xmlns:p="http://schemas.openxmlformats.org/presentationml/2006/main">
+  <p:cSld>
+    <p:spTree>
+      <p:nvGrpSpPr>
+        <p:cNvPr id="1" name=""/>
+        <p:cNvGrpSpPr/>
+        <p:nvPr/>
+      </p:nvGrpSpPr>
+      <p:grpSpPr>
+        <a:xfrm>
+          <a:off x="0" y="0"/>
+          <a:ext cx="0" cy="0"/>
+          <a:chOff x="0" y="0"/>
+          <a:chExt cx="0" cy="0"/>
+        </a:xfrm>
+      </p:grpSpPr>
+      <p:sp>
+        <p:nvSpPr>
+          <p:cNvPr id="2" name="1 Marcador de contenido"/>
+          <p:cNvSpPr>
+            <a:spLocks noGrp="1"/>
+          </p:cNvSpPr>
+          <p:nvPr>
+            <p:ph idx="1"/>
+          </p:nvPr>
+        </p:nvSpPr>
+        <p:spPr/>
+        <p:txBody>
           <a:bodyPr/>
           <a:lstStyle/>
           <a:p>
@@ -9897,12 +10121,13 @@
             </a:pPr>
             <a:r>
               <a:rPr lang="es-ES" b="1" u="sng" dirty="0" smtClean="0"/>
-              <a:t>Temas desarrollados</a:t>
+              <a:t>Temas a desarrollar</a:t>
             </a:r>
             <a:r>
               <a:rPr lang="es-ES" dirty="0" smtClean="0"/>
               <a:t>:</a:t>
             </a:r>
+            <a:endParaRPr lang="es-ES" dirty="0" smtClean="0"/>
           </a:p>
           <a:p>
             <a:pPr marL="0" indent="0">
@@ -9945,8 +10170,40 @@
             </a:pPr>
             <a:r>
               <a:rPr lang="es-ES" dirty="0" smtClean="0"/>
-              <a:t>Estado actual del proyecto.</a:t>
-            </a:r>
+              <a:t>Estado actual del proyecto</a:t>
+            </a:r>
+            <a:r>
+              <a:rPr lang="es-ES" dirty="0" smtClean="0"/>
+              <a:t>.</a:t>
+            </a:r>
+          </a:p>
+          <a:p>
+            <a:pPr marL="514350" indent="-514350">
+              <a:spcBef>
+                <a:spcPts val="600"/>
+              </a:spcBef>
+              <a:spcAft>
+                <a:spcPts val="600"/>
+              </a:spcAft>
+              <a:buFont typeface="+mj-lt"/>
+              <a:buAutoNum type="arabicPeriod"/>
+            </a:pPr>
+            <a:r>
+              <a:rPr lang="es-ES" dirty="0" smtClean="0"/>
+              <a:t>Videos de la pagina web.</a:t>
+            </a:r>
+          </a:p>
+          <a:p>
+            <a:pPr marL="0" indent="0">
+              <a:spcBef>
+                <a:spcPts val="600"/>
+              </a:spcBef>
+              <a:spcAft>
+                <a:spcPts val="600"/>
+              </a:spcAft>
+              <a:buNone/>
+            </a:pPr>
+            <a:endParaRPr lang="es-ES" dirty="0" smtClean="0"/>
           </a:p>
           <a:p>
             <a:pPr marL="514350" indent="-514350">
@@ -10052,7 +10309,7 @@
             <a:fld id="{779E3280-5C43-43EF-BE7D-8C553A58A779}" type="slidenum">
               <a:rPr lang="es-AR" smtClean="0"/>
               <a:pPr/>
-              <a:t>2</a:t>
+              <a:t>3</a:t>
             </a:fld>
             <a:endParaRPr lang="es-AR" dirty="0"/>
           </a:p>
@@ -10085,217 +10342,6 @@
 </p:sld>
 </file>
 
-<file path=ppt/slides/slide3.xml><?xml version="1.0" encoding="utf-8"?>
-<p:sld xmlns:a="http://schemas.openxmlformats.org/drawingml/2006/main" xmlns:r="http://schemas.openxmlformats.org/officeDocument/2006/relationships" xmlns:p="http://schemas.openxmlformats.org/presentationml/2006/main">
-  <p:cSld>
-    <p:spTree>
-      <p:nvGrpSpPr>
-        <p:cNvPr id="1" name=""/>
-        <p:cNvGrpSpPr/>
-        <p:nvPr/>
-      </p:nvGrpSpPr>
-      <p:grpSpPr>
-        <a:xfrm>
-          <a:off x="0" y="0"/>
-          <a:ext cx="0" cy="0"/>
-          <a:chOff x="0" y="0"/>
-          <a:chExt cx="0" cy="0"/>
-        </a:xfrm>
-      </p:grpSpPr>
-      <p:sp>
-        <p:nvSpPr>
-          <p:cNvPr id="2" name="1 Marcador de contenido"/>
-          <p:cNvSpPr>
-            <a:spLocks noGrp="1"/>
-          </p:cNvSpPr>
-          <p:nvPr>
-            <p:ph idx="1"/>
-          </p:nvPr>
-        </p:nvSpPr>
-        <p:spPr/>
-        <p:txBody>
-          <a:bodyPr>
-            <a:normAutofit/>
-          </a:bodyPr>
-          <a:lstStyle/>
-          <a:p>
-            <a:endParaRPr lang="es-US" b="1" u="sng" dirty="0" smtClean="0"/>
-          </a:p>
-          <a:p>
-            <a:r>
-              <a:rPr lang="es-AR" b="1" u="sng" dirty="0" smtClean="0"/>
-              <a:t>Nombre </a:t>
-            </a:r>
-            <a:r>
-              <a:rPr lang="es-AR" b="1" u="sng" dirty="0"/>
-              <a:t>del </a:t>
-            </a:r>
-            <a:r>
-              <a:rPr lang="es-AR" b="1" u="sng" dirty="0" smtClean="0"/>
-              <a:t>grupo</a:t>
-            </a:r>
-            <a:r>
-              <a:rPr lang="es-AR" b="1" dirty="0" smtClean="0"/>
-              <a:t>: </a:t>
-            </a:r>
-            <a:r>
-              <a:rPr lang="es-AR" dirty="0" err="1" smtClean="0"/>
-              <a:t>Yenú</a:t>
-            </a:r>
-            <a:endParaRPr lang="es-AR" dirty="0" smtClean="0"/>
-          </a:p>
-          <a:p>
-            <a:r>
-              <a:rPr lang="es-US" b="1" u="sng" dirty="0" smtClean="0"/>
-              <a:t>Nombre del sistema</a:t>
-            </a:r>
-            <a:r>
-              <a:rPr lang="es-US" dirty="0" smtClean="0"/>
-              <a:t>: Tempus</a:t>
-            </a:r>
-          </a:p>
-          <a:p>
-            <a:r>
-              <a:rPr lang="es-US" b="1" u="sng" dirty="0" smtClean="0"/>
-              <a:t>Año de cursada</a:t>
-            </a:r>
-            <a:r>
-              <a:rPr lang="es-US" dirty="0" smtClean="0"/>
-              <a:t>: 2017</a:t>
-            </a:r>
-          </a:p>
-          <a:p>
-            <a:endParaRPr lang="es-US" dirty="0" smtClean="0"/>
-          </a:p>
-          <a:p>
-            <a:r>
-              <a:rPr lang="es-US" dirty="0" smtClean="0"/>
-              <a:t>Objetivo crear un </a:t>
-            </a:r>
-            <a:r>
-              <a:rPr lang="es-US" b="1" dirty="0" smtClean="0"/>
-              <a:t>sistema web  </a:t>
-            </a:r>
-            <a:r>
-              <a:rPr lang="es-US" dirty="0" smtClean="0"/>
-              <a:t>y una a</a:t>
-            </a:r>
-            <a:r>
-              <a:rPr lang="es-US" b="1" dirty="0" smtClean="0"/>
-              <a:t>plicación (App)</a:t>
-            </a:r>
-            <a:r>
-              <a:rPr lang="es-US" dirty="0" smtClean="0"/>
-              <a:t>.</a:t>
-            </a:r>
-          </a:p>
-          <a:p>
-            <a:endParaRPr lang="es-US" dirty="0" smtClean="0"/>
-          </a:p>
-          <a:p>
-            <a:pPr marL="0" indent="0">
-              <a:buNone/>
-            </a:pPr>
-            <a:endParaRPr lang="es-US" dirty="0"/>
-          </a:p>
-          <a:p>
-            <a:endParaRPr lang="es-US" b="1" u="sng" dirty="0" smtClean="0"/>
-          </a:p>
-          <a:p>
-            <a:endParaRPr lang="es-AR" dirty="0"/>
-          </a:p>
-        </p:txBody>
-      </p:sp>
-      <p:sp>
-        <p:nvSpPr>
-          <p:cNvPr id="3" name="2 Título"/>
-          <p:cNvSpPr>
-            <a:spLocks noGrp="1"/>
-          </p:cNvSpPr>
-          <p:nvPr>
-            <p:ph type="title"/>
-          </p:nvPr>
-        </p:nvSpPr>
-        <p:spPr/>
-        <p:txBody>
-          <a:bodyPr/>
-          <a:lstStyle/>
-          <a:p>
-            <a:r>
-              <a:rPr lang="es-US" dirty="0" smtClean="0"/>
-              <a:t>Presentación </a:t>
-            </a:r>
-            <a:endParaRPr lang="es-AR" dirty="0"/>
-          </a:p>
-        </p:txBody>
-      </p:sp>
-      <p:sp>
-        <p:nvSpPr>
-          <p:cNvPr id="4" name="3 Marcador de pie de página"/>
-          <p:cNvSpPr>
-            <a:spLocks noGrp="1"/>
-          </p:cNvSpPr>
-          <p:nvPr>
-            <p:ph type="ftr" sz="quarter" idx="11"/>
-          </p:nvPr>
-        </p:nvSpPr>
-        <p:spPr/>
-        <p:txBody>
-          <a:bodyPr/>
-          <a:lstStyle/>
-          <a:p>
-            <a:r>
-              <a:rPr lang="es-AR" smtClean="0"/>
-              <a:t>OYARZO Mariela – QUIROGA Sandra – MÁRQUEZ EMANUEL</a:t>
-            </a:r>
-            <a:endParaRPr lang="es-AR" dirty="0"/>
-          </a:p>
-        </p:txBody>
-      </p:sp>
-      <p:sp>
-        <p:nvSpPr>
-          <p:cNvPr id="5" name="4 Marcador de número de diapositiva"/>
-          <p:cNvSpPr>
-            <a:spLocks noGrp="1"/>
-          </p:cNvSpPr>
-          <p:nvPr>
-            <p:ph type="sldNum" sz="quarter" idx="12"/>
-          </p:nvPr>
-        </p:nvSpPr>
-        <p:spPr/>
-        <p:txBody>
-          <a:bodyPr/>
-          <a:lstStyle/>
-          <a:p>
-            <a:fld id="{779E3280-5C43-43EF-BE7D-8C553A58A779}" type="slidenum">
-              <a:rPr lang="es-AR" smtClean="0"/>
-              <a:pPr/>
-              <a:t>3</a:t>
-            </a:fld>
-            <a:endParaRPr lang="es-AR" dirty="0"/>
-          </a:p>
-        </p:txBody>
-      </p:sp>
-    </p:spTree>
-    <p:extLst>
-      <p:ext uri="{BB962C8B-B14F-4D97-AF65-F5344CB8AC3E}">
-        <p14:creationId xmlns:p14="http://schemas.microsoft.com/office/powerpoint/2010/main" val="3757246666"/>
-      </p:ext>
-    </p:extLst>
-  </p:cSld>
-  <p:clrMapOvr>
-    <a:masterClrMapping/>
-  </p:clrMapOvr>
-  <p:timing>
-    <p:tnLst>
-      <p:par>
-        <p:cTn id="1" dur="indefinite" restart="never" nodeType="tmRoot"/>
-      </p:par>
-    </p:tnLst>
-  </p:timing>
-</p:sld>
-</file>
-
 <file path=ppt/slides/slide4.xml><?xml version="1.0" encoding="utf-8"?>
 <p:sld xmlns:a="http://schemas.openxmlformats.org/drawingml/2006/main" xmlns:r="http://schemas.openxmlformats.org/officeDocument/2006/relationships" xmlns:p="http://schemas.openxmlformats.org/presentationml/2006/main">
   <p:cSld>
@@ -10364,11 +10410,7 @@
             </a:r>
             <a:r>
               <a:rPr lang="es-US" sz="2400" dirty="0" smtClean="0"/>
-              <a:t>quienes se </a:t>
-            </a:r>
-            <a:r>
-              <a:rPr lang="es-US" sz="2400" dirty="0" smtClean="0"/>
-              <a:t>encargarían </a:t>
+              <a:t>quienes se encargarían </a:t>
             </a:r>
             <a:r>
               <a:rPr lang="es-ES" sz="2400" dirty="0" smtClean="0"/>
@@ -10614,25 +10656,6 @@
           <a:chExt cx="0" cy="0"/>
         </a:xfrm>
       </p:grpSpPr>
-      <p:sp>
-        <p:nvSpPr>
-          <p:cNvPr id="2" name="1 Marcador de contenido"/>
-          <p:cNvSpPr>
-            <a:spLocks noGrp="1"/>
-          </p:cNvSpPr>
-          <p:nvPr>
-            <p:ph idx="1"/>
-          </p:nvPr>
-        </p:nvSpPr>
-        <p:spPr/>
-        <p:txBody>
-          <a:bodyPr/>
-          <a:lstStyle/>
-          <a:p>
-            <a:endParaRPr lang="es-AR" dirty="0"/>
-          </a:p>
-        </p:txBody>
-      </p:sp>
       <p:sp>
         <p:nvSpPr>
           <p:cNvPr id="3" name="2 Título"/>
@@ -11822,7 +11845,7 @@
   <a:extraClrSchemeLst/>
   <a:extLst>
     <a:ext uri="{05A4C25C-085E-4340-85A3-A5531E510DB2}">
-      <thm15:themeFamily xmlns="" xmlns:thm15="http://schemas.microsoft.com/office/thememl/2012/main" name="Depth" id="{7BEAFC2A-325C-49C4-AC08-2B765DA903F9}" vid="{1735E755-43E6-43AA-ABA2-C989ECC79AF5}"/>
+      <thm15:themeFamily xmlns:thm15="http://schemas.microsoft.com/office/thememl/2012/main" name="Depth" id="{7BEAFC2A-325C-49C4-AC08-2B765DA903F9}" vid="{1735E755-43E6-43AA-ABA2-C989ECC79AF5}"/>
     </a:ext>
   </a:extLst>
 </a:theme>
